--- a/Misc/Media-Notes.pptx
+++ b/Misc/Media-Notes.pptx
@@ -8,14 +8,16 @@
     <p:notesMasterId r:id="rId4"/>
   </p:notesMasterIdLst>
   <p:handoutMasterIdLst>
-    <p:handoutMasterId r:id="rId9"/>
+    <p:handoutMasterId r:id="rId11"/>
   </p:handoutMasterIdLst>
   <p:sldIdLst>
     <p:sldId id="256" r:id="rId3"/>
     <p:sldId id="259" r:id="rId5"/>
     <p:sldId id="258" r:id="rId6"/>
-    <p:sldId id="260" r:id="rId7"/>
-    <p:sldId id="261" r:id="rId8"/>
+    <p:sldId id="263" r:id="rId7"/>
+    <p:sldId id="260" r:id="rId8"/>
+    <p:sldId id="261" r:id="rId9"/>
+    <p:sldId id="264" r:id="rId10"/>
   </p:sldIdLst>
   <p:sldSz cx="12192000" cy="6858000"/>
   <p:notesSz cx="6858000" cy="9144000"/>
@@ -4070,92 +4072,324 @@
           <a:p>
             <a:r>
               <a:rPr lang="en-US" altLang="zh-CN"/>
-              <a:t>FourCC</a:t>
+              <a:t>Video Standards</a:t>
             </a:r>
             <a:endParaRPr lang="en-US" altLang="zh-CN"/>
           </a:p>
         </p:txBody>
       </p:sp>
-      <p:sp>
-        <p:nvSpPr>
-          <p:cNvPr id="3" name="内容占位符 2"/>
-          <p:cNvSpPr>
-            <a:spLocks noGrp="1"/>
-          </p:cNvSpPr>
-          <p:nvPr>
-            <p:ph idx="1"/>
-          </p:nvPr>
-        </p:nvSpPr>
-        <p:spPr/>
-        <p:txBody>
-          <a:bodyPr/>
-          <a:p>
-            <a:r>
-              <a:rPr lang="en-US" altLang="zh-CN"/>
-              <a:t>Intro</a:t>
-            </a:r>
-            <a:endParaRPr lang="en-US" altLang="zh-CN"/>
-          </a:p>
-          <a:p>
-            <a:pPr lvl="1"/>
-            <a:r>
-              <a:rPr lang="en-US" altLang="zh-CN"/>
-              <a:t>Short for “Four Character Code”</a:t>
-            </a:r>
-            <a:endParaRPr lang="en-US" altLang="zh-CN"/>
-          </a:p>
-          <a:p>
-            <a:pPr lvl="1"/>
-            <a:r>
-              <a:rPr lang="en-US" altLang="zh-CN"/>
-              <a:t>An identifier for a video codec, compression format, color, or pixel format used in a media file.</a:t>
-            </a:r>
-            <a:endParaRPr lang="en-US" altLang="zh-CN"/>
-          </a:p>
-          <a:p>
-            <a:pPr lvl="0"/>
-            <a:r>
-              <a:rPr lang="en-US" altLang="zh-CN" sz="2400"/>
-              <a:t>Video Codecs by FourCC</a:t>
-            </a:r>
-            <a:endParaRPr lang="en-US" altLang="zh-CN" sz="2400"/>
-          </a:p>
-          <a:p>
-            <a:pPr lvl="1"/>
-            <a:r>
-              <a:rPr lang="en-US" altLang="zh-CN" sz="2000"/>
-              <a:t>H264</a:t>
-            </a:r>
-            <a:endParaRPr lang="en-US" altLang="zh-CN" sz="2000"/>
-          </a:p>
-          <a:p>
-            <a:pPr lvl="1"/>
-            <a:r>
-              <a:rPr lang="en-US" altLang="zh-CN" sz="2000"/>
-              <a:t>X264</a:t>
-            </a:r>
-            <a:endParaRPr lang="en-US" altLang="zh-CN" sz="2000"/>
-          </a:p>
-          <a:p>
-            <a:pPr lvl="1"/>
-            <a:r>
-              <a:rPr lang="en-US" altLang="zh-CN" sz="2000"/>
-              <a:t>XVID</a:t>
-            </a:r>
-            <a:endParaRPr lang="en-US" altLang="zh-CN" sz="2000"/>
-          </a:p>
-          <a:p>
-            <a:pPr lvl="2"/>
-            <a:endParaRPr lang="en-US" altLang="zh-CN"/>
-          </a:p>
-          <a:p>
-            <a:endParaRPr lang="en-US" altLang="zh-CN"/>
-          </a:p>
-        </p:txBody>
-      </p:sp>
+      <p:graphicFrame>
+        <p:nvGraphicFramePr>
+          <p:cNvPr id="4" name="表格 3"/>
+          <p:cNvGraphicFramePr/>
+          <p:nvPr>
+            <p:custDataLst>
+              <p:tags r:id="rId1"/>
+            </p:custDataLst>
+          </p:nvPr>
+        </p:nvGraphicFramePr>
+        <p:xfrm>
+          <a:off x="1041400" y="1681480"/>
+          <a:ext cx="10109200" cy="2828290"/>
+        </p:xfrm>
+        <a:graphic>
+          <a:graphicData uri="http://schemas.openxmlformats.org/drawingml/2006/table">
+            <a:tbl>
+              <a:tblPr firstRow="1" bandRow="1">
+                <a:tableStyleId>{5C22544A-7EE6-4342-B048-85BDC9FD1C3A}</a:tableStyleId>
+              </a:tblPr>
+              <a:tblGrid>
+                <a:gridCol w="3117850"/>
+                <a:gridCol w="3580130"/>
+                <a:gridCol w="3411220"/>
+              </a:tblGrid>
+              <a:tr h="382905">
+                <a:tc>
+                  <a:txBody>
+                    <a:bodyPr/>
+                    <a:p>
+                      <a:pPr>
+                        <a:buNone/>
+                      </a:pPr>
+                      <a:r>
+                        <a:rPr lang="en-US" altLang="zh-CN"/>
+                        <a:t>Name</a:t>
+                      </a:r>
+                      <a:endParaRPr lang="en-US" altLang="zh-CN"/>
+                    </a:p>
+                  </a:txBody>
+                  <a:tcPr/>
+                </a:tc>
+                <a:tc>
+                  <a:txBody>
+                    <a:bodyPr/>
+                    <a:p>
+                      <a:pPr>
+                        <a:buNone/>
+                      </a:pPr>
+                      <a:endParaRPr lang="zh-CN" altLang="en-US"/>
+                    </a:p>
+                  </a:txBody>
+                  <a:tcPr/>
+                </a:tc>
+                <a:tc>
+                  <a:txBody>
+                    <a:bodyPr/>
+                    <a:p>
+                      <a:pPr>
+                        <a:buNone/>
+                      </a:pPr>
+                      <a:r>
+                        <a:rPr lang="en-US" altLang="zh-CN"/>
+                        <a:t>Info</a:t>
+                      </a:r>
+                      <a:endParaRPr lang="en-US" altLang="zh-CN"/>
+                    </a:p>
+                  </a:txBody>
+                  <a:tcPr/>
+                </a:tc>
+              </a:tr>
+              <a:tr h="382905">
+                <a:tc>
+                  <a:txBody>
+                    <a:bodyPr/>
+                    <a:p>
+                      <a:pPr>
+                        <a:buNone/>
+                      </a:pPr>
+                      <a:r>
+                        <a:rPr lang="en-US" altLang="zh-CN"/>
+                        <a:t>MPEG-1</a:t>
+                      </a:r>
+                      <a:endParaRPr lang="en-US" altLang="zh-CN"/>
+                    </a:p>
+                  </a:txBody>
+                  <a:tcPr/>
+                </a:tc>
+                <a:tc>
+                  <a:txBody>
+                    <a:bodyPr/>
+                    <a:p>
+                      <a:pPr>
+                        <a:buNone/>
+                      </a:pPr>
+                      <a:r>
+                        <a:rPr lang="en-US" altLang="zh-CN"/>
+                        <a:t>Used for VCD</a:t>
+                      </a:r>
+                      <a:endParaRPr lang="en-US" altLang="zh-CN"/>
+                    </a:p>
+                  </a:txBody>
+                  <a:tcPr/>
+                </a:tc>
+                <a:tc>
+                  <a:txBody>
+                    <a:bodyPr/>
+                    <a:p>
+                      <a:pPr>
+                        <a:buNone/>
+                      </a:pPr>
+                      <a:endParaRPr lang="zh-CN" altLang="en-US"/>
+                    </a:p>
+                  </a:txBody>
+                  <a:tcPr/>
+                </a:tc>
+              </a:tr>
+              <a:tr h="382905">
+                <a:tc>
+                  <a:txBody>
+                    <a:bodyPr/>
+                    <a:p>
+                      <a:pPr>
+                        <a:buNone/>
+                      </a:pPr>
+                      <a:r>
+                        <a:rPr lang="en-US" altLang="zh-CN"/>
+                        <a:t>MP3</a:t>
+                      </a:r>
+                      <a:endParaRPr lang="en-US" altLang="zh-CN"/>
+                    </a:p>
+                  </a:txBody>
+                  <a:tcPr/>
+                </a:tc>
+                <a:tc>
+                  <a:txBody>
+                    <a:bodyPr/>
+                    <a:p>
+                      <a:pPr>
+                        <a:buNone/>
+                      </a:pPr>
+                      <a:r>
+                        <a:rPr lang="en-US" altLang="zh-CN"/>
+                        <a:t>Part of MPEG-1 standard</a:t>
+                      </a:r>
+                      <a:endParaRPr lang="en-US" altLang="zh-CN"/>
+                    </a:p>
+                  </a:txBody>
+                  <a:tcPr/>
+                </a:tc>
+                <a:tc>
+                  <a:txBody>
+                    <a:bodyPr/>
+                    <a:p>
+                      <a:pPr>
+                        <a:buNone/>
+                      </a:pPr>
+                      <a:endParaRPr lang="zh-CN" altLang="en-US"/>
+                    </a:p>
+                  </a:txBody>
+                  <a:tcPr/>
+                </a:tc>
+              </a:tr>
+              <a:tr h="382270">
+                <a:tc>
+                  <a:txBody>
+                    <a:bodyPr/>
+                    <a:p>
+                      <a:pPr>
+                        <a:buNone/>
+                      </a:pPr>
+                      <a:r>
+                        <a:rPr lang="en-US" altLang="zh-CN"/>
+                        <a:t>MPEG-2 / H.262</a:t>
+                      </a:r>
+                      <a:endParaRPr lang="en-US" altLang="zh-CN"/>
+                    </a:p>
+                  </a:txBody>
+                  <a:tcPr/>
+                </a:tc>
+                <a:tc>
+                  <a:txBody>
+                    <a:bodyPr/>
+                    <a:p>
+                      <a:pPr>
+                        <a:buNone/>
+                      </a:pPr>
+                      <a:r>
+                        <a:rPr lang="en-US" altLang="zh-CN"/>
+                        <a:t>Used for DVD</a:t>
+                      </a:r>
+                      <a:endParaRPr lang="en-US" altLang="zh-CN"/>
+                    </a:p>
+                  </a:txBody>
+                  <a:tcPr/>
+                </a:tc>
+                <a:tc>
+                  <a:txBody>
+                    <a:bodyPr/>
+                    <a:p>
+                      <a:pPr>
+                        <a:buNone/>
+                      </a:pPr>
+                      <a:endParaRPr lang="zh-CN" altLang="en-US"/>
+                    </a:p>
+                  </a:txBody>
+                  <a:tcPr/>
+                </a:tc>
+              </a:tr>
+              <a:tr h="382905">
+                <a:tc>
+                  <a:txBody>
+                    <a:bodyPr/>
+                    <a:p>
+                      <a:pPr>
+                        <a:buNone/>
+                      </a:pPr>
+                      <a:r>
+                        <a:rPr lang="en-US" altLang="zh-CN"/>
+                        <a:t>MPEG-4 / H.264</a:t>
+                      </a:r>
+                      <a:endParaRPr lang="en-US" altLang="zh-CN"/>
+                    </a:p>
+                  </a:txBody>
+                  <a:tcPr/>
+                </a:tc>
+                <a:tc>
+                  <a:txBody>
+                    <a:bodyPr/>
+                    <a:p>
+                      <a:pPr>
+                        <a:buNone/>
+                      </a:pPr>
+                      <a:r>
+                        <a:rPr lang="en-US" altLang="zh-CN"/>
+                        <a:t>Used in Blu-ray</a:t>
+                      </a:r>
+                      <a:endParaRPr lang="en-US" altLang="zh-CN"/>
+                    </a:p>
+                  </a:txBody>
+                  <a:tcPr/>
+                </a:tc>
+                <a:tc>
+                  <a:txBody>
+                    <a:bodyPr/>
+                    <a:p>
+                      <a:pPr>
+                        <a:buNone/>
+                      </a:pPr>
+                      <a:endParaRPr lang="zh-CN" altLang="en-US"/>
+                    </a:p>
+                  </a:txBody>
+                  <a:tcPr/>
+                </a:tc>
+              </a:tr>
+              <a:tr h="643255">
+                <a:tc>
+                  <a:txBody>
+                    <a:bodyPr/>
+                    <a:p>
+                      <a:pPr>
+                        <a:buNone/>
+                      </a:pPr>
+                      <a:r>
+                        <a:rPr lang="en-US" altLang="zh-CN"/>
+                        <a:t>MPEG-H / H.265 / HEVC (High Efficiency Video Coding)</a:t>
+                      </a:r>
+                      <a:endParaRPr lang="en-US" altLang="zh-CN"/>
+                    </a:p>
+                  </a:txBody>
+                  <a:tcPr/>
+                </a:tc>
+                <a:tc>
+                  <a:txBody>
+                    <a:bodyPr/>
+                    <a:p>
+                      <a:pPr>
+                        <a:buNone/>
+                      </a:pPr>
+                      <a:r>
+                        <a:rPr lang="en-US" altLang="zh-CN"/>
+                        <a:t>Support 4K and 8K resoluation</a:t>
+                      </a:r>
+                      <a:endParaRPr lang="en-US" altLang="zh-CN"/>
+                    </a:p>
+                  </a:txBody>
+                  <a:tcPr/>
+                </a:tc>
+                <a:tc>
+                  <a:txBody>
+                    <a:bodyPr/>
+                    <a:p>
+                      <a:pPr>
+                        <a:buNone/>
+                      </a:pPr>
+                      <a:r>
+                        <a:rPr lang="en-US" altLang="zh-CN"/>
+                        <a:t>Doubles the data compression ratio compared to H.264</a:t>
+                      </a:r>
+                      <a:endParaRPr lang="en-US" altLang="zh-CN"/>
+                    </a:p>
+                  </a:txBody>
+                  <a:tcPr/>
+                </a:tc>
+              </a:tr>
+            </a:tbl>
+          </a:graphicData>
+        </a:graphic>
+      </p:graphicFrame>
     </p:spTree>
     <p:custDataLst>
-      <p:tags r:id="rId1"/>
+      <p:tags r:id="rId2"/>
     </p:custDataLst>
   </p:cSld>
   <p:clrMapOvr>
@@ -4190,7 +4424,7 @@
           <a:p>
             <a:r>
               <a:rPr lang="en-US" altLang="zh-CN"/>
-              <a:t>FFMPEG</a:t>
+              <a:t>FourCC</a:t>
             </a:r>
             <a:endParaRPr lang="en-US" altLang="zh-CN"/>
           </a:p>
@@ -4212,7 +4446,7 @@
           <a:p>
             <a:r>
               <a:rPr lang="en-US" altLang="zh-CN"/>
-              <a:t>Options</a:t>
+              <a:t>Intro</a:t>
             </a:r>
             <a:endParaRPr lang="en-US" altLang="zh-CN"/>
           </a:p>
@@ -4220,7 +4454,7 @@
             <a:pPr lvl="1"/>
             <a:r>
               <a:rPr lang="en-US" altLang="zh-CN"/>
-              <a:t>ffmpeg -codecs	// List install codecs</a:t>
+              <a:t>Short for “Four Character Code”</a:t>
             </a:r>
             <a:endParaRPr lang="en-US" altLang="zh-CN"/>
           </a:p>
@@ -4228,56 +4462,47 @@
             <a:pPr lvl="1"/>
             <a:r>
               <a:rPr lang="en-US" altLang="zh-CN"/>
-              <a:t>ffmpeg -fomats</a:t>
+              <a:t>An identifier for a video codec, compression format, color, or pixel format used in a media file.</a:t>
             </a:r>
             <a:endParaRPr lang="en-US" altLang="zh-CN"/>
           </a:p>
           <a:p>
+            <a:pPr lvl="0"/>
+            <a:r>
+              <a:rPr lang="en-US" altLang="zh-CN" sz="2400"/>
+              <a:t>Video Codecs by FourCC</a:t>
+            </a:r>
+            <a:endParaRPr lang="en-US" altLang="zh-CN" sz="2400"/>
+          </a:p>
+          <a:p>
             <a:pPr lvl="1"/>
             <a:r>
-              <a:rPr lang="en-US" altLang="zh-CN"/>
-              <a:t>ffmpeg -decoders</a:t>
-            </a:r>
+              <a:rPr lang="en-US" altLang="zh-CN" sz="2000"/>
+              <a:t>H264</a:t>
+            </a:r>
+            <a:endParaRPr lang="en-US" altLang="zh-CN" sz="2000"/>
+          </a:p>
+          <a:p>
+            <a:pPr lvl="1"/>
+            <a:r>
+              <a:rPr lang="en-US" altLang="zh-CN" sz="2000"/>
+              <a:t>X264</a:t>
+            </a:r>
+            <a:endParaRPr lang="en-US" altLang="zh-CN" sz="2000"/>
+          </a:p>
+          <a:p>
+            <a:pPr lvl="1"/>
+            <a:r>
+              <a:rPr lang="en-US" altLang="zh-CN" sz="2000"/>
+              <a:t>XVID</a:t>
+            </a:r>
+            <a:endParaRPr lang="en-US" altLang="zh-CN" sz="2000"/>
+          </a:p>
+          <a:p>
+            <a:pPr lvl="2"/>
             <a:endParaRPr lang="en-US" altLang="zh-CN"/>
           </a:p>
           <a:p>
-            <a:pPr lvl="1"/>
-            <a:r>
-              <a:rPr lang="en-US" altLang="zh-CN"/>
-              <a:t>ffmpeg -encoders</a:t>
-            </a:r>
-            <a:endParaRPr lang="en-US" altLang="zh-CN"/>
-          </a:p>
-          <a:p>
-            <a:pPr lvl="1"/>
-            <a:r>
-              <a:rPr lang="en-US" altLang="zh-CN"/>
-              <a:t>ffmpeg -filters</a:t>
-            </a:r>
-            <a:endParaRPr lang="en-US" altLang="zh-CN"/>
-          </a:p>
-          <a:p>
-            <a:pPr lvl="1"/>
-            <a:r>
-              <a:rPr lang="en-US" altLang="zh-CN"/>
-              <a:t>ffmpeg -y	// overwrite without confirmation</a:t>
-            </a:r>
-            <a:endParaRPr lang="en-US" altLang="zh-CN"/>
-          </a:p>
-          <a:p>
-            <a:pPr lvl="1"/>
-            <a:r>
-              <a:rPr lang="en-US" altLang="zh-CN"/>
-              <a:t>Change video codec to h264</a:t>
-            </a:r>
-            <a:endParaRPr lang="en-US" altLang="zh-CN"/>
-          </a:p>
-          <a:p>
-            <a:pPr lvl="2"/>
-            <a:r>
-              <a:rPr lang="en-US" altLang="zh-CN"/>
-              <a:t>ffmpeg -i in.mpg -c:v libx264 out.mp4</a:t>
-            </a:r>
             <a:endParaRPr lang="en-US" altLang="zh-CN"/>
           </a:p>
         </p:txBody>
@@ -4285,6 +4510,352 @@
     </p:spTree>
     <p:custDataLst>
       <p:tags r:id="rId1"/>
+    </p:custDataLst>
+  </p:cSld>
+  <p:clrMapOvr>
+    <a:masterClrMapping/>
+  </p:clrMapOvr>
+</p:sld>
+</file>
+
+<file path=ppt/slides/slide6.xml><?xml version="1.0" encoding="utf-8"?>
+<p:sld xmlns:a="http://schemas.openxmlformats.org/drawingml/2006/main" xmlns:r="http://schemas.openxmlformats.org/officeDocument/2006/relationships" xmlns:p="http://schemas.openxmlformats.org/presentationml/2006/main">
+  <p:cSld>
+    <p:spTree>
+      <p:nvGrpSpPr>
+        <p:cNvPr id="1" name=""/>
+        <p:cNvGrpSpPr/>
+        <p:nvPr/>
+      </p:nvGrpSpPr>
+      <p:grpSpPr/>
+      <p:sp>
+        <p:nvSpPr>
+          <p:cNvPr id="2" name="标题 1"/>
+          <p:cNvSpPr>
+            <a:spLocks noGrp="1"/>
+          </p:cNvSpPr>
+          <p:nvPr>
+            <p:ph type="title"/>
+          </p:nvPr>
+        </p:nvSpPr>
+        <p:spPr/>
+        <p:txBody>
+          <a:bodyPr/>
+          <a:p>
+            <a:r>
+              <a:rPr lang="en-US" altLang="zh-CN"/>
+              <a:t>FFMPEG</a:t>
+            </a:r>
+            <a:endParaRPr lang="en-US" altLang="zh-CN"/>
+          </a:p>
+        </p:txBody>
+      </p:sp>
+      <p:sp>
+        <p:nvSpPr>
+          <p:cNvPr id="3" name="内容占位符 2"/>
+          <p:cNvSpPr>
+            <a:spLocks noGrp="1"/>
+          </p:cNvSpPr>
+          <p:nvPr>
+            <p:ph idx="1"/>
+          </p:nvPr>
+        </p:nvSpPr>
+        <p:spPr/>
+        <p:txBody>
+          <a:bodyPr>
+            <a:normAutofit lnSpcReduction="20000"/>
+          </a:bodyPr>
+          <a:p>
+            <a:r>
+              <a:rPr lang="en-US" altLang="zh-CN"/>
+              <a:t>Options</a:t>
+            </a:r>
+            <a:endParaRPr lang="en-US" altLang="zh-CN"/>
+          </a:p>
+          <a:p>
+            <a:pPr lvl="1"/>
+            <a:r>
+              <a:rPr lang="en-US" altLang="zh-CN"/>
+              <a:t>ffmpeg -codecs	// List install codecs</a:t>
+            </a:r>
+            <a:endParaRPr lang="en-US" altLang="zh-CN"/>
+          </a:p>
+          <a:p>
+            <a:pPr lvl="1"/>
+            <a:r>
+              <a:rPr lang="en-US" altLang="zh-CN"/>
+              <a:t>ffmpeg -fomats</a:t>
+            </a:r>
+            <a:endParaRPr lang="en-US" altLang="zh-CN"/>
+          </a:p>
+          <a:p>
+            <a:pPr lvl="1"/>
+            <a:r>
+              <a:rPr lang="en-US" altLang="zh-CN"/>
+              <a:t>ffmpeg -decoders</a:t>
+            </a:r>
+            <a:endParaRPr lang="en-US" altLang="zh-CN"/>
+          </a:p>
+          <a:p>
+            <a:pPr lvl="1"/>
+            <a:r>
+              <a:rPr lang="en-US" altLang="zh-CN"/>
+              <a:t>ffmpeg -encoders</a:t>
+            </a:r>
+            <a:endParaRPr lang="en-US" altLang="zh-CN"/>
+          </a:p>
+          <a:p>
+            <a:pPr lvl="1"/>
+            <a:r>
+              <a:rPr lang="en-US" altLang="zh-CN"/>
+              <a:t>ffmpeg -filters</a:t>
+            </a:r>
+            <a:endParaRPr lang="en-US" altLang="zh-CN"/>
+          </a:p>
+          <a:p>
+            <a:pPr lvl="1"/>
+            <a:r>
+              <a:rPr lang="en-US" altLang="zh-CN"/>
+              <a:t>ffmpeg -y	// overwrite without confirmation</a:t>
+            </a:r>
+            <a:endParaRPr lang="en-US" altLang="zh-CN"/>
+          </a:p>
+          <a:p>
+            <a:pPr lvl="1"/>
+            <a:r>
+              <a:rPr lang="en-US" altLang="zh-CN"/>
+              <a:t>ffmpeg -profile:v high/main/baseline</a:t>
+            </a:r>
+            <a:endParaRPr lang="en-US" altLang="zh-CN"/>
+          </a:p>
+          <a:p>
+            <a:pPr lvl="1"/>
+            <a:r>
+              <a:rPr lang="en-US" altLang="zh-CN"/>
+              <a:t>ffmpeg -level:v 3.0/3.1/4.0</a:t>
+            </a:r>
+            <a:endParaRPr lang="en-US" altLang="zh-CN"/>
+          </a:p>
+          <a:p>
+            <a:pPr lvl="1"/>
+            <a:r>
+              <a:rPr lang="en-US" altLang="zh-CN"/>
+              <a:t>Change video codec to h264</a:t>
+            </a:r>
+            <a:endParaRPr lang="en-US" altLang="zh-CN"/>
+          </a:p>
+          <a:p>
+            <a:pPr lvl="2"/>
+            <a:r>
+              <a:rPr lang="en-US" altLang="zh-CN"/>
+              <a:t>ffmpeg -i in.mpg -c:v libx264 out.mp4</a:t>
+            </a:r>
+            <a:endParaRPr lang="en-US" altLang="zh-CN"/>
+          </a:p>
+          <a:p>
+            <a:pPr lvl="1"/>
+            <a:r>
+              <a:rPr lang="en-US" altLang="zh-CN"/>
+              <a:t>Padding</a:t>
+            </a:r>
+            <a:endParaRPr lang="en-US" altLang="zh-CN"/>
+          </a:p>
+          <a:p>
+            <a:pPr lvl="2"/>
+            <a:r>
+              <a:rPr lang="en-US" altLang="zh-CN" sz="1800"/>
+              <a:t>ffmpeg -i in.mp4 -vf “pad=width=800:height=600:x=10:y=75:color=black” out.mp4</a:t>
+            </a:r>
+            <a:endParaRPr lang="en-US" altLang="zh-CN" sz="1800"/>
+          </a:p>
+          <a:p>
+            <a:pPr lvl="3"/>
+            <a:r>
+              <a:rPr lang="en-US" altLang="zh-CN"/>
+              <a:t>x/y: start placing point of the original frame</a:t>
+            </a:r>
+            <a:endParaRPr lang="en-US" altLang="zh-CN"/>
+          </a:p>
+          <a:p>
+            <a:pPr lvl="0"/>
+            <a:r>
+              <a:rPr lang="en-US" altLang="zh-CN"/>
+              <a:t>ffprobe a.mp4</a:t>
+            </a:r>
+            <a:endParaRPr lang="en-US" altLang="zh-CN"/>
+          </a:p>
+        </p:txBody>
+      </p:sp>
+    </p:spTree>
+    <p:custDataLst>
+      <p:tags r:id="rId1"/>
+    </p:custDataLst>
+  </p:cSld>
+  <p:clrMapOvr>
+    <a:masterClrMapping/>
+  </p:clrMapOvr>
+</p:sld>
+</file>
+
+<file path=ppt/slides/slide7.xml><?xml version="1.0" encoding="utf-8"?>
+<p:sld xmlns:a="http://schemas.openxmlformats.org/drawingml/2006/main" xmlns:r="http://schemas.openxmlformats.org/officeDocument/2006/relationships" xmlns:p="http://schemas.openxmlformats.org/presentationml/2006/main">
+  <p:cSld>
+    <p:spTree>
+      <p:nvGrpSpPr>
+        <p:cNvPr id="1" name=""/>
+        <p:cNvGrpSpPr/>
+        <p:nvPr/>
+      </p:nvGrpSpPr>
+      <p:grpSpPr/>
+      <p:sp>
+        <p:nvSpPr>
+          <p:cNvPr id="2" name="标题 1"/>
+          <p:cNvSpPr>
+            <a:spLocks noGrp="1"/>
+          </p:cNvSpPr>
+          <p:nvPr>
+            <p:ph type="title"/>
+          </p:nvPr>
+        </p:nvSpPr>
+        <p:spPr/>
+        <p:txBody>
+          <a:bodyPr/>
+          <a:p>
+            <a:r>
+              <a:rPr lang="en-US" altLang="zh-CN"/>
+              <a:t>Video Support in Safari</a:t>
+            </a:r>
+            <a:endParaRPr lang="en-US" altLang="zh-CN"/>
+          </a:p>
+        </p:txBody>
+      </p:sp>
+      <p:sp>
+        <p:nvSpPr>
+          <p:cNvPr id="3" name="内容占位符 2"/>
+          <p:cNvSpPr>
+            <a:spLocks noGrp="1"/>
+          </p:cNvSpPr>
+          <p:nvPr>
+            <p:ph idx="1"/>
+          </p:nvPr>
+        </p:nvSpPr>
+        <p:spPr>
+          <a:xfrm>
+            <a:off x="838200" y="1211580"/>
+            <a:ext cx="7066915" cy="4549140"/>
+          </a:xfrm>
+        </p:spPr>
+        <p:txBody>
+          <a:bodyPr>
+            <a:normAutofit fontScale="90000" lnSpcReduction="10000"/>
+          </a:bodyPr>
+          <a:p>
+            <a:r>
+              <a:rPr lang="en-US" altLang="zh-CN"/>
+              <a:t>References</a:t>
+            </a:r>
+            <a:endParaRPr lang="en-US" altLang="zh-CN"/>
+          </a:p>
+          <a:p>
+            <a:pPr lvl="1"/>
+            <a:r>
+              <a:rPr lang="en-US" altLang="zh-CN"/>
+              <a:t>https://developer.apple.com/library/archive/documentation/AppleApplications/Reference/SafariWebContent/CreatingVideoforSafarioniPhone/CreatingVideoforSafarioniPhone.html#//apple_ref/doc/uid/TP40006514-SW6</a:t>
+            </a:r>
+            <a:endParaRPr lang="en-US" altLang="zh-CN"/>
+          </a:p>
+          <a:p>
+            <a:r>
+              <a:rPr lang="en-US" altLang="zh-CN"/>
+              <a:t>Supported</a:t>
+            </a:r>
+            <a:endParaRPr lang="en-US" altLang="zh-CN"/>
+          </a:p>
+          <a:p>
+            <a:pPr lvl="1"/>
+            <a:r>
+              <a:rPr lang="en-US" altLang="zh-CN"/>
+              <a:t>H.264 Baseline Profile Level 3.0 video, up to 640 x 480 at 30 fps. Note that B frames are not supported in the Baseline profile</a:t>
+            </a:r>
+            <a:endParaRPr lang="en-US" altLang="zh-CN"/>
+          </a:p>
+          <a:p>
+            <a:pPr lvl="1"/>
+            <a:r>
+              <a:rPr lang="en-US" altLang="zh-CN"/>
+              <a:t>MPEG-4 Part 2 video (Simple Profile)</a:t>
+            </a:r>
+            <a:endParaRPr lang="en-US" altLang="zh-CN"/>
+          </a:p>
+          <a:p>
+            <a:pPr lvl="1"/>
+            <a:r>
+              <a:rPr lang="en-US" altLang="zh-CN"/>
+              <a:t>AAC-LC audio, up to 48 kHz</a:t>
+            </a:r>
+            <a:endParaRPr lang="en-US" altLang="zh-CN"/>
+          </a:p>
+          <a:p>
+            <a:pPr lvl="1"/>
+            <a:r>
+              <a:rPr lang="en-US" altLang="zh-CN"/>
+              <a:t>.mov, .mp4, .m4v, and .3gp are supported</a:t>
+            </a:r>
+            <a:endParaRPr lang="en-US" altLang="zh-CN"/>
+          </a:p>
+          <a:p>
+            <a:pPr lvl="0"/>
+            <a:r>
+              <a:rPr lang="en-US" altLang="zh-CN"/>
+              <a:t>Server</a:t>
+            </a:r>
+            <a:endParaRPr lang="en-US" altLang="zh-CN"/>
+          </a:p>
+          <a:p>
+            <a:pPr lvl="1"/>
+            <a:r>
+              <a:rPr lang="en-US" altLang="zh-CN"/>
+              <a:t>Must support byte-range requests</a:t>
+            </a:r>
+            <a:endParaRPr lang="en-US" altLang="zh-CN"/>
+          </a:p>
+          <a:p>
+            <a:pPr lvl="2"/>
+            <a:r>
+              <a:rPr lang="en-US" altLang="zh-CN"/>
+              <a:t>curl --range 0-99 http://example.com/test.mov -o /dev/null</a:t>
+            </a:r>
+            <a:endParaRPr lang="en-US" altLang="zh-CN"/>
+          </a:p>
+        </p:txBody>
+      </p:sp>
+      <p:pic>
+        <p:nvPicPr>
+          <p:cNvPr id="4" name="图片 3" descr="export_iphone_dialog"/>
+          <p:cNvPicPr>
+            <a:picLocks noChangeAspect="1"/>
+          </p:cNvPicPr>
+          <p:nvPr/>
+        </p:nvPicPr>
+        <p:blipFill>
+          <a:blip r:embed="rId1"/>
+          <a:stretch>
+            <a:fillRect/>
+          </a:stretch>
+        </p:blipFill>
+        <p:spPr>
+          <a:xfrm>
+            <a:off x="7904480" y="1211580"/>
+            <a:ext cx="4072890" cy="3997325"/>
+          </a:xfrm>
+          <a:prstGeom prst="rect">
+            <a:avLst/>
+          </a:prstGeom>
+        </p:spPr>
+      </p:pic>
+    </p:spTree>
+    <p:custDataLst>
+      <p:tags r:id="rId2"/>
     </p:custDataLst>
   </p:cSld>
   <p:clrMapOvr>
@@ -4303,13 +4874,35 @@
 
 <file path=ppt/tags/tag10.xml><?xml version="1.0" encoding="utf-8"?>
 <p:tagLst xmlns:p="http://schemas.openxmlformats.org/presentationml/2006/main">
+  <p:tag name="KSO_WM_UNIT_TABLE_BEAUTIFY" val="smartTable{703f567b-05a5-4a53-b5f0-8938832afbf8}"/>
+</p:tagLst>
+</file>
+
+<file path=ppt/tags/tag11.xml><?xml version="1.0" encoding="utf-8"?>
+<p:tagLst xmlns:p="http://schemas.openxmlformats.org/presentationml/2006/main">
   <p:tag name="KSO_WM_BEAUTIFY_FLAG" val="#wm#"/>
   <p:tag name="KSO_WM_TEMPLATE_CATEGORY" val="custom"/>
   <p:tag name="KSO_WM_TEMPLATE_INDEX" val="160402"/>
 </p:tagLst>
 </file>
 
-<file path=ppt/tags/tag11.xml><?xml version="1.0" encoding="utf-8"?>
+<file path=ppt/tags/tag12.xml><?xml version="1.0" encoding="utf-8"?>
+<p:tagLst xmlns:p="http://schemas.openxmlformats.org/presentationml/2006/main">
+  <p:tag name="KSO_WM_BEAUTIFY_FLAG" val="#wm#"/>
+  <p:tag name="KSO_WM_TEMPLATE_CATEGORY" val="custom"/>
+  <p:tag name="KSO_WM_TEMPLATE_INDEX" val="160402"/>
+</p:tagLst>
+</file>
+
+<file path=ppt/tags/tag13.xml><?xml version="1.0" encoding="utf-8"?>
+<p:tagLst xmlns:p="http://schemas.openxmlformats.org/presentationml/2006/main">
+  <p:tag name="KSO_WM_BEAUTIFY_FLAG" val="#wm#"/>
+  <p:tag name="KSO_WM_TEMPLATE_CATEGORY" val="custom"/>
+  <p:tag name="KSO_WM_TEMPLATE_INDEX" val="160402"/>
+</p:tagLst>
+</file>
+
+<file path=ppt/tags/tag14.xml><?xml version="1.0" encoding="utf-8"?>
 <p:tagLst xmlns:p="http://schemas.openxmlformats.org/presentationml/2006/main">
   <p:tag name="KSO_WM_BEAUTIFY_FLAG" val="#wm#"/>
   <p:tag name="KSO_WM_TEMPLATE_CATEGORY" val="custom"/>

--- a/Misc/Media-Notes.pptx
+++ b/Misc/Media-Notes.pptx
@@ -4560,129 +4560,421 @@
             <p:ph idx="1"/>
           </p:nvPr>
         </p:nvSpPr>
-        <p:spPr/>
+        <p:spPr>
+          <a:xfrm>
+            <a:off x="838200" y="1211580"/>
+            <a:ext cx="5105400" cy="5265420"/>
+          </a:xfrm>
+        </p:spPr>
         <p:txBody>
           <a:bodyPr>
-            <a:normAutofit lnSpcReduction="20000"/>
+            <a:noAutofit/>
           </a:bodyPr>
           <a:p>
             <a:r>
-              <a:rPr lang="en-US" altLang="zh-CN"/>
+              <a:rPr lang="en-US" altLang="zh-CN" sz="2000"/>
               <a:t>Options</a:t>
             </a:r>
-            <a:endParaRPr lang="en-US" altLang="zh-CN"/>
+            <a:endParaRPr lang="en-US" altLang="zh-CN" sz="2000"/>
           </a:p>
           <a:p>
             <a:pPr lvl="1"/>
             <a:r>
-              <a:rPr lang="en-US" altLang="zh-CN"/>
+              <a:rPr lang="en-US" altLang="zh-CN" sz="1800"/>
               <a:t>ffmpeg -codecs	// List install codecs</a:t>
             </a:r>
-            <a:endParaRPr lang="en-US" altLang="zh-CN"/>
+            <a:endParaRPr lang="en-US" altLang="zh-CN" sz="1800"/>
           </a:p>
           <a:p>
             <a:pPr lvl="1"/>
             <a:r>
-              <a:rPr lang="en-US" altLang="zh-CN"/>
+              <a:rPr lang="en-US" altLang="zh-CN" sz="1800"/>
               <a:t>ffmpeg -fomats</a:t>
             </a:r>
-            <a:endParaRPr lang="en-US" altLang="zh-CN"/>
+            <a:endParaRPr lang="en-US" altLang="zh-CN" sz="1800"/>
           </a:p>
           <a:p>
             <a:pPr lvl="1"/>
             <a:r>
-              <a:rPr lang="en-US" altLang="zh-CN"/>
+              <a:rPr lang="en-US" altLang="zh-CN" sz="1800"/>
               <a:t>ffmpeg -decoders</a:t>
             </a:r>
-            <a:endParaRPr lang="en-US" altLang="zh-CN"/>
+            <a:endParaRPr lang="en-US" altLang="zh-CN" sz="1800"/>
           </a:p>
           <a:p>
             <a:pPr lvl="1"/>
             <a:r>
-              <a:rPr lang="en-US" altLang="zh-CN"/>
+              <a:rPr lang="en-US" altLang="zh-CN" sz="1800"/>
               <a:t>ffmpeg -encoders</a:t>
             </a:r>
-            <a:endParaRPr lang="en-US" altLang="zh-CN"/>
+            <a:endParaRPr lang="en-US" altLang="zh-CN" sz="1800"/>
           </a:p>
           <a:p>
             <a:pPr lvl="1"/>
             <a:r>
-              <a:rPr lang="en-US" altLang="zh-CN"/>
+              <a:rPr lang="en-US" altLang="zh-CN" sz="1800"/>
               <a:t>ffmpeg -filters</a:t>
             </a:r>
-            <a:endParaRPr lang="en-US" altLang="zh-CN"/>
+            <a:endParaRPr lang="en-US" altLang="zh-CN" sz="1800"/>
           </a:p>
           <a:p>
             <a:pPr lvl="1"/>
             <a:r>
-              <a:rPr lang="en-US" altLang="zh-CN"/>
+              <a:rPr lang="en-US" altLang="zh-CN" sz="1800"/>
               <a:t>ffmpeg -y	// overwrite without confirmation</a:t>
             </a:r>
-            <a:endParaRPr lang="en-US" altLang="zh-CN"/>
+            <a:endParaRPr lang="en-US" altLang="zh-CN" sz="1800"/>
           </a:p>
           <a:p>
             <a:pPr lvl="1"/>
             <a:r>
-              <a:rPr lang="en-US" altLang="zh-CN"/>
+              <a:rPr lang="en-US" altLang="zh-CN" sz="1800"/>
               <a:t>ffmpeg -profile:v high/main/baseline</a:t>
             </a:r>
-            <a:endParaRPr lang="en-US" altLang="zh-CN"/>
+            <a:endParaRPr lang="en-US" altLang="zh-CN" sz="1800"/>
           </a:p>
           <a:p>
             <a:pPr lvl="1"/>
             <a:r>
-              <a:rPr lang="en-US" altLang="zh-CN"/>
+              <a:rPr lang="en-US" altLang="zh-CN" sz="1800"/>
               <a:t>ffmpeg -level:v 3.0/3.1/4.0</a:t>
             </a:r>
-            <a:endParaRPr lang="en-US" altLang="zh-CN"/>
+            <a:endParaRPr lang="en-US" altLang="zh-CN" sz="1800"/>
           </a:p>
           <a:p>
             <a:pPr lvl="1"/>
             <a:r>
-              <a:rPr lang="en-US" altLang="zh-CN"/>
+              <a:rPr lang="en-US" altLang="zh-CN" sz="1800"/>
               <a:t>Change video codec to h264</a:t>
             </a:r>
-            <a:endParaRPr lang="en-US" altLang="zh-CN"/>
+            <a:endParaRPr lang="en-US" altLang="zh-CN" sz="1800"/>
           </a:p>
           <a:p>
             <a:pPr lvl="2"/>
             <a:r>
-              <a:rPr lang="en-US" altLang="zh-CN"/>
+              <a:rPr lang="en-US" altLang="zh-CN" sz="1600"/>
               <a:t>ffmpeg -i in.mpg -c:v libx264 out.mp4</a:t>
             </a:r>
-            <a:endParaRPr lang="en-US" altLang="zh-CN"/>
+            <a:endParaRPr lang="en-US" altLang="zh-CN" sz="1600"/>
           </a:p>
           <a:p>
             <a:pPr lvl="1"/>
             <a:r>
-              <a:rPr lang="en-US" altLang="zh-CN"/>
+              <a:rPr lang="en-US" altLang="zh-CN" sz="1800"/>
               <a:t>Padding</a:t>
             </a:r>
-            <a:endParaRPr lang="en-US" altLang="zh-CN"/>
+            <a:endParaRPr lang="en-US" altLang="zh-CN" sz="1800"/>
           </a:p>
           <a:p>
             <a:pPr lvl="2"/>
             <a:r>
-              <a:rPr lang="en-US" altLang="zh-CN" sz="1800"/>
+              <a:rPr lang="en-US" altLang="zh-CN" sz="1600"/>
               <a:t>ffmpeg -i in.mp4 -vf “pad=width=800:height=600:x=10:y=75:color=black” out.mp4</a:t>
             </a:r>
+            <a:endParaRPr lang="en-US" altLang="zh-CN" sz="1600"/>
+          </a:p>
+          <a:p>
+            <a:pPr lvl="3"/>
+            <a:r>
+              <a:rPr lang="en-US" altLang="zh-CN" sz="1600"/>
+              <a:t>x/y: start placing point of the original frame</a:t>
+            </a:r>
+            <a:endParaRPr lang="en-US" altLang="zh-CN" sz="1600"/>
+          </a:p>
+        </p:txBody>
+      </p:sp>
+      <p:sp>
+        <p:nvSpPr>
+          <p:cNvPr id="4" name="内容占位符 2"/>
+          <p:cNvSpPr>
+            <a:spLocks noGrp="1"/>
+          </p:cNvSpPr>
+          <p:nvPr/>
+        </p:nvSpPr>
+        <p:spPr>
+          <a:xfrm>
+            <a:off x="6339840" y="1211580"/>
+            <a:ext cx="5105400" cy="5265420"/>
+          </a:xfrm>
+          <a:prstGeom prst="rect">
+            <a:avLst/>
+          </a:prstGeom>
+        </p:spPr>
+        <p:txBody>
+          <a:bodyPr vert="horz" lIns="91440" tIns="45720" rIns="91440" bIns="45720" rtlCol="0"/>
+          <a:lstStyle>
+            <a:lvl1pPr marL="342900" indent="-342900" algn="l" defTabSz="914400" rtl="0" eaLnBrk="1" latinLnBrk="0" hangingPunct="1">
+              <a:lnSpc>
+                <a:spcPct val="90000"/>
+              </a:lnSpc>
+              <a:spcBef>
+                <a:spcPts val="1000"/>
+              </a:spcBef>
+              <a:buFont typeface="黑体" panose="02010609060101010101" pitchFamily="49" charset="-122"/>
+              <a:buChar char="〉"/>
+              <a:defRPr sz="2400" kern="1200">
+                <a:solidFill>
+                  <a:schemeClr val="tx1"/>
+                </a:solidFill>
+                <a:latin typeface="+mn-lt"/>
+                <a:ea typeface="+mn-ea"/>
+                <a:cs typeface="+mn-cs"/>
+              </a:defRPr>
+            </a:lvl1pPr>
+            <a:lvl2pPr marL="800100" indent="-342900" algn="l" defTabSz="914400" rtl="0" eaLnBrk="1" latinLnBrk="0" hangingPunct="1">
+              <a:lnSpc>
+                <a:spcPct val="90000"/>
+              </a:lnSpc>
+              <a:spcBef>
+                <a:spcPts val="500"/>
+              </a:spcBef>
+              <a:buFont typeface="Arial" panose="020B0604020202020204" pitchFamily="34" charset="0"/>
+              <a:buChar char="•"/>
+              <a:defRPr sz="2000" kern="1200">
+                <a:solidFill>
+                  <a:schemeClr val="tx1"/>
+                </a:solidFill>
+                <a:latin typeface="+mn-lt"/>
+                <a:ea typeface="+mn-ea"/>
+                <a:cs typeface="+mn-cs"/>
+              </a:defRPr>
+            </a:lvl2pPr>
+            <a:lvl3pPr marL="1257300" indent="-342900" algn="l" defTabSz="914400" rtl="0" eaLnBrk="1" latinLnBrk="0" hangingPunct="1">
+              <a:lnSpc>
+                <a:spcPct val="90000"/>
+              </a:lnSpc>
+              <a:spcBef>
+                <a:spcPts val="500"/>
+              </a:spcBef>
+              <a:buFont typeface="Arial" panose="020B0604020202020204" pitchFamily="34" charset="0"/>
+              <a:buChar char="•"/>
+              <a:defRPr sz="1800" kern="1200">
+                <a:solidFill>
+                  <a:schemeClr val="tx1"/>
+                </a:solidFill>
+                <a:latin typeface="+mn-lt"/>
+                <a:ea typeface="+mn-ea"/>
+                <a:cs typeface="+mn-cs"/>
+              </a:defRPr>
+            </a:lvl3pPr>
+            <a:lvl4pPr marL="1657350" indent="-285750" algn="l" defTabSz="914400" rtl="0" eaLnBrk="1" latinLnBrk="0" hangingPunct="1">
+              <a:lnSpc>
+                <a:spcPct val="90000"/>
+              </a:lnSpc>
+              <a:spcBef>
+                <a:spcPts val="500"/>
+              </a:spcBef>
+              <a:buFont typeface="Arial" panose="020B0604020202020204" pitchFamily="34" charset="0"/>
+              <a:buChar char="•"/>
+              <a:defRPr sz="1800" kern="1200">
+                <a:solidFill>
+                  <a:schemeClr val="tx1"/>
+                </a:solidFill>
+                <a:latin typeface="+mn-lt"/>
+                <a:ea typeface="+mn-ea"/>
+                <a:cs typeface="+mn-cs"/>
+              </a:defRPr>
+            </a:lvl4pPr>
+            <a:lvl5pPr marL="2114550" indent="-285750" algn="l" defTabSz="914400" rtl="0" eaLnBrk="1" latinLnBrk="0" hangingPunct="1">
+              <a:lnSpc>
+                <a:spcPct val="90000"/>
+              </a:lnSpc>
+              <a:spcBef>
+                <a:spcPts val="500"/>
+              </a:spcBef>
+              <a:buFont typeface="Arial" panose="020B0604020202020204" pitchFamily="34" charset="0"/>
+              <a:buChar char="•"/>
+              <a:defRPr sz="1800" kern="1200">
+                <a:solidFill>
+                  <a:schemeClr val="tx1"/>
+                </a:solidFill>
+                <a:latin typeface="+mn-lt"/>
+                <a:ea typeface="+mn-ea"/>
+                <a:cs typeface="+mn-cs"/>
+              </a:defRPr>
+            </a:lvl5pPr>
+            <a:lvl6pPr marL="2514600" indent="-228600" algn="l" defTabSz="914400" rtl="0" eaLnBrk="1" latinLnBrk="0" hangingPunct="1">
+              <a:lnSpc>
+                <a:spcPct val="90000"/>
+              </a:lnSpc>
+              <a:spcBef>
+                <a:spcPts val="500"/>
+              </a:spcBef>
+              <a:buFont typeface="Arial" panose="020B0604020202020204" pitchFamily="34" charset="0"/>
+              <a:buChar char="•"/>
+              <a:defRPr sz="1800" kern="1200">
+                <a:solidFill>
+                  <a:schemeClr val="tx1"/>
+                </a:solidFill>
+                <a:latin typeface="+mn-lt"/>
+                <a:ea typeface="+mn-ea"/>
+                <a:cs typeface="+mn-cs"/>
+              </a:defRPr>
+            </a:lvl6pPr>
+            <a:lvl7pPr marL="2971800" indent="-228600" algn="l" defTabSz="914400" rtl="0" eaLnBrk="1" latinLnBrk="0" hangingPunct="1">
+              <a:lnSpc>
+                <a:spcPct val="90000"/>
+              </a:lnSpc>
+              <a:spcBef>
+                <a:spcPts val="500"/>
+              </a:spcBef>
+              <a:buFont typeface="Arial" panose="020B0604020202020204" pitchFamily="34" charset="0"/>
+              <a:buChar char="•"/>
+              <a:defRPr sz="1800" kern="1200">
+                <a:solidFill>
+                  <a:schemeClr val="tx1"/>
+                </a:solidFill>
+                <a:latin typeface="+mn-lt"/>
+                <a:ea typeface="+mn-ea"/>
+                <a:cs typeface="+mn-cs"/>
+              </a:defRPr>
+            </a:lvl7pPr>
+            <a:lvl8pPr marL="3429000" indent="-228600" algn="l" defTabSz="914400" rtl="0" eaLnBrk="1" latinLnBrk="0" hangingPunct="1">
+              <a:lnSpc>
+                <a:spcPct val="90000"/>
+              </a:lnSpc>
+              <a:spcBef>
+                <a:spcPts val="500"/>
+              </a:spcBef>
+              <a:buFont typeface="Arial" panose="020B0604020202020204" pitchFamily="34" charset="0"/>
+              <a:buChar char="•"/>
+              <a:defRPr sz="1800" kern="1200">
+                <a:solidFill>
+                  <a:schemeClr val="tx1"/>
+                </a:solidFill>
+                <a:latin typeface="+mn-lt"/>
+                <a:ea typeface="+mn-ea"/>
+                <a:cs typeface="+mn-cs"/>
+              </a:defRPr>
+            </a:lvl8pPr>
+            <a:lvl9pPr marL="3886200" indent="-228600" algn="l" defTabSz="914400" rtl="0" eaLnBrk="1" latinLnBrk="0" hangingPunct="1">
+              <a:lnSpc>
+                <a:spcPct val="90000"/>
+              </a:lnSpc>
+              <a:spcBef>
+                <a:spcPts val="500"/>
+              </a:spcBef>
+              <a:buFont typeface="Arial" panose="020B0604020202020204" pitchFamily="34" charset="0"/>
+              <a:buChar char="•"/>
+              <a:defRPr sz="1800" kern="1200">
+                <a:solidFill>
+                  <a:schemeClr val="tx1"/>
+                </a:solidFill>
+                <a:latin typeface="+mn-lt"/>
+                <a:ea typeface="+mn-ea"/>
+                <a:cs typeface="+mn-cs"/>
+              </a:defRPr>
+            </a:lvl9pPr>
+          </a:lstStyle>
+          <a:p>
+            <a:pPr lvl="1"/>
+            <a:r>
+              <a:rPr lang="en-US" altLang="zh-CN" sz="1800">
+                <a:sym typeface="+mn-ea"/>
+              </a:rPr>
+              <a:t>Truncate</a:t>
+            </a:r>
             <a:endParaRPr lang="en-US" altLang="zh-CN" sz="1800"/>
           </a:p>
           <a:p>
-            <a:pPr lvl="3"/>
-            <a:r>
-              <a:rPr lang="en-US" altLang="zh-CN"/>
-              <a:t>x/y: start placing point of the original frame</a:t>
-            </a:r>
-            <a:endParaRPr lang="en-US" altLang="zh-CN"/>
+            <a:pPr lvl="2"/>
+            <a:r>
+              <a:rPr lang="en-US" altLang="zh-CN" sz="1600">
+                <a:sym typeface="+mn-ea"/>
+              </a:rPr>
+              <a:t>ffmpeg -ss 10 -i input.mp3 -t 6 output.mp3</a:t>
+            </a:r>
+            <a:endParaRPr lang="en-US" altLang="zh-CN" sz="1600"/>
+          </a:p>
+          <a:p>
+            <a:pPr lvl="1"/>
+            <a:r>
+              <a:rPr lang="en-US" altLang="zh-CN" sz="1800">
+                <a:sym typeface="+mn-ea"/>
+              </a:rPr>
+              <a:t>Change fps</a:t>
+            </a:r>
+            <a:endParaRPr lang="en-US" altLang="zh-CN" sz="1800">
+              <a:sym typeface="+mn-ea"/>
+            </a:endParaRPr>
+          </a:p>
+          <a:p>
+            <a:pPr lvl="2"/>
+            <a:r>
+              <a:rPr lang="en-US" altLang="zh-CN" sz="1400">
+                <a:sym typeface="+mn-ea"/>
+              </a:rPr>
+              <a:t>ffmpeg -r 30 -i input.mp4 output.mp4 // change to 30fps</a:t>
+            </a:r>
+            <a:endParaRPr lang="en-US" altLang="zh-CN" sz="1400">
+              <a:sym typeface="+mn-ea"/>
+            </a:endParaRPr>
+          </a:p>
+          <a:p>
+            <a:pPr lvl="1" algn="l">
+              <a:buClrTx/>
+              <a:buSzTx/>
+            </a:pPr>
+            <a:r>
+              <a:rPr lang="en-US" altLang="zh-CN" sz="1800">
+                <a:sym typeface="+mn-ea"/>
+              </a:rPr>
+              <a:t>Get frames from image</a:t>
+            </a:r>
+            <a:endParaRPr lang="en-US" altLang="zh-CN" sz="1800">
+              <a:sym typeface="+mn-ea"/>
+            </a:endParaRPr>
+          </a:p>
+          <a:p>
+            <a:pPr lvl="2"/>
+            <a:r>
+              <a:rPr lang="en-US" altLang="zh-CN" sz="1395">
+                <a:sym typeface="+mn-ea"/>
+              </a:rPr>
+              <a:t>ffmpeg -i input.mp4 output/frame%04d.jpg</a:t>
+            </a:r>
+            <a:endParaRPr lang="en-US" altLang="zh-CN" sz="1395">
+              <a:sym typeface="+mn-ea"/>
+            </a:endParaRPr>
+          </a:p>
+          <a:p>
+            <a:pPr lvl="1" algn="l">
+              <a:buClrTx/>
+              <a:buSzTx/>
+            </a:pPr>
+            <a:r>
+              <a:rPr lang="en-US" altLang="zh-CN" sz="1800">
+                <a:sym typeface="+mn-ea"/>
+              </a:rPr>
+              <a:t>Add audio to video</a:t>
+            </a:r>
+            <a:endParaRPr lang="en-US" altLang="zh-CN" sz="1800">
+              <a:sym typeface="+mn-ea"/>
+            </a:endParaRPr>
+          </a:p>
+          <a:p>
+            <a:pPr lvl="2"/>
+            <a:r>
+              <a:rPr lang="en-US" altLang="zh-CN" sz="1395">
+                <a:sym typeface="+mn-ea"/>
+              </a:rPr>
+              <a:t>ffmpeg -i input.mp4 -i input.mp3 -c copy -map 0:v:0 -map 1:a:0 output.mp4</a:t>
+            </a:r>
+            <a:endParaRPr lang="en-US" altLang="zh-CN" sz="1395">
+              <a:sym typeface="+mn-ea"/>
+            </a:endParaRPr>
           </a:p>
           <a:p>
             <a:pPr lvl="0"/>
             <a:r>
-              <a:rPr lang="en-US" altLang="zh-CN"/>
+              <a:rPr lang="en-US" altLang="zh-CN" sz="1800">
+                <a:sym typeface="+mn-ea"/>
+              </a:rPr>
               <a:t>ffprobe a.mp4</a:t>
             </a:r>
-            <a:endParaRPr lang="en-US" altLang="zh-CN"/>
+            <a:endParaRPr lang="en-US" altLang="zh-CN" sz="1800">
+              <a:sym typeface="+mn-ea"/>
+            </a:endParaRPr>
           </a:p>
         </p:txBody>
       </p:sp>

--- a/Misc/Media-Notes.pptx
+++ b/Misc/Media-Notes.pptx
@@ -4959,6 +4959,54 @@
                 <a:sym typeface="+mn-ea"/>
               </a:rPr>
               <a:t>ffmpeg -i input.mp4 -i input.mp3 -c copy -map 0:v:0 -map 1:a:0 output.mp4</a:t>
+            </a:r>
+            <a:endParaRPr lang="en-US" altLang="zh-CN" sz="1395">
+              <a:sym typeface="+mn-ea"/>
+            </a:endParaRPr>
+          </a:p>
+          <a:p>
+            <a:pPr lvl="1"/>
+            <a:r>
+              <a:rPr lang="en-US" altLang="zh-CN" sz="1800">
+                <a:sym typeface="+mn-ea"/>
+              </a:rPr>
+              <a:t>Concat video files</a:t>
+            </a:r>
+            <a:endParaRPr lang="en-US" altLang="zh-CN" sz="1800">
+              <a:sym typeface="+mn-ea"/>
+            </a:endParaRPr>
+          </a:p>
+          <a:p>
+            <a:pPr lvl="2"/>
+            <a:r>
+              <a:rPr lang="en-US" altLang="zh-CN" sz="1395">
+                <a:sym typeface="+mn-ea"/>
+              </a:rPr>
+              <a:t>ffmpeg -f concat -safe 0 -i mylist.txt -c copy output.mp4</a:t>
+            </a:r>
+            <a:endParaRPr lang="en-US" altLang="zh-CN" sz="1395">
+              <a:sym typeface="+mn-ea"/>
+            </a:endParaRPr>
+          </a:p>
+          <a:p>
+            <a:pPr lvl="2"/>
+            <a:r>
+              <a:rPr lang="en-US" altLang="zh-CN" sz="1395">
+                <a:sym typeface="+mn-ea"/>
+              </a:rPr>
+              <a:t>list.txt:</a:t>
+            </a:r>
+            <a:endParaRPr lang="en-US" altLang="zh-CN" sz="1395">
+              <a:sym typeface="+mn-ea"/>
+            </a:endParaRPr>
+          </a:p>
+          <a:p>
+            <a:pPr lvl="3"/>
+            <a:r>
+              <a:rPr lang="en-US" altLang="zh-CN" sz="1395">
+                <a:sym typeface="+mn-ea"/>
+              </a:rPr>
+              <a:t>file 'filename1'</a:t>
             </a:r>
             <a:endParaRPr lang="en-US" altLang="zh-CN" sz="1395">
               <a:sym typeface="+mn-ea"/>

--- a/Misc/Media-Notes.pptx
+++ b/Misc/Media-Notes.pptx
@@ -8,16 +8,21 @@
     <p:notesMasterId r:id="rId4"/>
   </p:notesMasterIdLst>
   <p:handoutMasterIdLst>
-    <p:handoutMasterId r:id="rId11"/>
+    <p:handoutMasterId r:id="rId16"/>
   </p:handoutMasterIdLst>
   <p:sldIdLst>
     <p:sldId id="256" r:id="rId3"/>
     <p:sldId id="259" r:id="rId5"/>
     <p:sldId id="258" r:id="rId6"/>
     <p:sldId id="263" r:id="rId7"/>
-    <p:sldId id="260" r:id="rId8"/>
-    <p:sldId id="261" r:id="rId9"/>
-    <p:sldId id="264" r:id="rId10"/>
+    <p:sldId id="277" r:id="rId8"/>
+    <p:sldId id="260" r:id="rId9"/>
+    <p:sldId id="261" r:id="rId10"/>
+    <p:sldId id="268" r:id="rId11"/>
+    <p:sldId id="273" r:id="rId12"/>
+    <p:sldId id="264" r:id="rId13"/>
+    <p:sldId id="267" r:id="rId14"/>
+    <p:sldId id="276" r:id="rId15"/>
   </p:sldIdLst>
   <p:sldSz cx="12192000" cy="6858000"/>
   <p:notesSz cx="6858000" cy="9144000"/>
@@ -3772,6 +3777,478 @@
 </p:sld>
 </file>
 
+<file path=ppt/slides/slide10.xml><?xml version="1.0" encoding="utf-8"?>
+<p:sld xmlns:a="http://schemas.openxmlformats.org/drawingml/2006/main" xmlns:r="http://schemas.openxmlformats.org/officeDocument/2006/relationships" xmlns:p="http://schemas.openxmlformats.org/presentationml/2006/main">
+  <p:cSld>
+    <p:spTree>
+      <p:nvGrpSpPr>
+        <p:cNvPr id="1" name=""/>
+        <p:cNvGrpSpPr/>
+        <p:nvPr/>
+      </p:nvGrpSpPr>
+      <p:grpSpPr/>
+      <p:sp>
+        <p:nvSpPr>
+          <p:cNvPr id="2" name="标题 1"/>
+          <p:cNvSpPr>
+            <a:spLocks noGrp="1"/>
+          </p:cNvSpPr>
+          <p:nvPr>
+            <p:ph type="title"/>
+          </p:nvPr>
+        </p:nvSpPr>
+        <p:spPr/>
+        <p:txBody>
+          <a:bodyPr/>
+          <a:p>
+            <a:r>
+              <a:rPr lang="en-US" altLang="zh-CN"/>
+              <a:t>Video Support in Safari</a:t>
+            </a:r>
+            <a:endParaRPr lang="en-US" altLang="zh-CN"/>
+          </a:p>
+        </p:txBody>
+      </p:sp>
+      <p:sp>
+        <p:nvSpPr>
+          <p:cNvPr id="3" name="内容占位符 2"/>
+          <p:cNvSpPr>
+            <a:spLocks noGrp="1"/>
+          </p:cNvSpPr>
+          <p:nvPr>
+            <p:ph idx="1"/>
+          </p:nvPr>
+        </p:nvSpPr>
+        <p:spPr>
+          <a:xfrm>
+            <a:off x="838200" y="1211580"/>
+            <a:ext cx="7066915" cy="4549140"/>
+          </a:xfrm>
+        </p:spPr>
+        <p:txBody>
+          <a:bodyPr>
+            <a:normAutofit fontScale="90000" lnSpcReduction="10000"/>
+          </a:bodyPr>
+          <a:p>
+            <a:r>
+              <a:rPr lang="en-US" altLang="zh-CN"/>
+              <a:t>References</a:t>
+            </a:r>
+            <a:endParaRPr lang="en-US" altLang="zh-CN"/>
+          </a:p>
+          <a:p>
+            <a:pPr lvl="1"/>
+            <a:r>
+              <a:rPr lang="en-US" altLang="zh-CN"/>
+              <a:t>https://developer.apple.com/library/archive/documentation/AppleApplications/Reference/SafariWebContent/CreatingVideoforSafarioniPhone/CreatingVideoforSafarioniPhone.html#//apple_ref/doc/uid/TP40006514-SW6</a:t>
+            </a:r>
+            <a:endParaRPr lang="en-US" altLang="zh-CN"/>
+          </a:p>
+          <a:p>
+            <a:r>
+              <a:rPr lang="en-US" altLang="zh-CN"/>
+              <a:t>Supported</a:t>
+            </a:r>
+            <a:endParaRPr lang="en-US" altLang="zh-CN"/>
+          </a:p>
+          <a:p>
+            <a:pPr lvl="1"/>
+            <a:r>
+              <a:rPr lang="en-US" altLang="zh-CN"/>
+              <a:t>H.264 Baseline Profile Level 3.0 video, up to 640 x 480 at 30 fps. Note that B frames are not supported in the Baseline profile</a:t>
+            </a:r>
+            <a:endParaRPr lang="en-US" altLang="zh-CN"/>
+          </a:p>
+          <a:p>
+            <a:pPr lvl="1"/>
+            <a:r>
+              <a:rPr lang="en-US" altLang="zh-CN"/>
+              <a:t>MPEG-4 Part 2 video (Simple Profile)</a:t>
+            </a:r>
+            <a:endParaRPr lang="en-US" altLang="zh-CN"/>
+          </a:p>
+          <a:p>
+            <a:pPr lvl="1"/>
+            <a:r>
+              <a:rPr lang="en-US" altLang="zh-CN"/>
+              <a:t>AAC-LC audio, up to 48 kHz</a:t>
+            </a:r>
+            <a:endParaRPr lang="en-US" altLang="zh-CN"/>
+          </a:p>
+          <a:p>
+            <a:pPr lvl="1"/>
+            <a:r>
+              <a:rPr lang="en-US" altLang="zh-CN"/>
+              <a:t>.mov, .mp4, .m4v, and .3gp are supported</a:t>
+            </a:r>
+            <a:endParaRPr lang="en-US" altLang="zh-CN"/>
+          </a:p>
+          <a:p>
+            <a:pPr lvl="0"/>
+            <a:r>
+              <a:rPr lang="en-US" altLang="zh-CN"/>
+              <a:t>Server</a:t>
+            </a:r>
+            <a:endParaRPr lang="en-US" altLang="zh-CN"/>
+          </a:p>
+          <a:p>
+            <a:pPr lvl="1"/>
+            <a:r>
+              <a:rPr lang="en-US" altLang="zh-CN"/>
+              <a:t>Must support byte-range requests</a:t>
+            </a:r>
+            <a:endParaRPr lang="en-US" altLang="zh-CN"/>
+          </a:p>
+          <a:p>
+            <a:pPr lvl="2"/>
+            <a:r>
+              <a:rPr lang="en-US" altLang="zh-CN"/>
+              <a:t>curl --range 0-99 http://example.com/test.mov -o /dev/null</a:t>
+            </a:r>
+            <a:endParaRPr lang="en-US" altLang="zh-CN"/>
+          </a:p>
+        </p:txBody>
+      </p:sp>
+      <p:pic>
+        <p:nvPicPr>
+          <p:cNvPr id="4" name="图片 3" descr="export_iphone_dialog"/>
+          <p:cNvPicPr>
+            <a:picLocks noChangeAspect="1"/>
+          </p:cNvPicPr>
+          <p:nvPr/>
+        </p:nvPicPr>
+        <p:blipFill>
+          <a:blip r:embed="rId1"/>
+          <a:stretch>
+            <a:fillRect/>
+          </a:stretch>
+        </p:blipFill>
+        <p:spPr>
+          <a:xfrm>
+            <a:off x="7904480" y="1211580"/>
+            <a:ext cx="4072890" cy="3997325"/>
+          </a:xfrm>
+          <a:prstGeom prst="rect">
+            <a:avLst/>
+          </a:prstGeom>
+        </p:spPr>
+      </p:pic>
+    </p:spTree>
+    <p:custDataLst>
+      <p:tags r:id="rId2"/>
+    </p:custDataLst>
+  </p:cSld>
+  <p:clrMapOvr>
+    <a:masterClrMapping/>
+  </p:clrMapOvr>
+</p:sld>
+</file>
+
+<file path=ppt/slides/slide11.xml><?xml version="1.0" encoding="utf-8"?>
+<p:sld xmlns:a="http://schemas.openxmlformats.org/drawingml/2006/main" xmlns:r="http://schemas.openxmlformats.org/officeDocument/2006/relationships" xmlns:p="http://schemas.openxmlformats.org/presentationml/2006/main">
+  <p:cSld>
+    <p:spTree>
+      <p:nvGrpSpPr>
+        <p:cNvPr id="1" name=""/>
+        <p:cNvGrpSpPr/>
+        <p:nvPr/>
+      </p:nvGrpSpPr>
+      <p:grpSpPr/>
+      <p:sp>
+        <p:nvSpPr>
+          <p:cNvPr id="2" name="标题 1"/>
+          <p:cNvSpPr>
+            <a:spLocks noGrp="1"/>
+          </p:cNvSpPr>
+          <p:nvPr>
+            <p:ph type="title"/>
+          </p:nvPr>
+        </p:nvSpPr>
+        <p:spPr/>
+        <p:txBody>
+          <a:bodyPr/>
+          <a:p>
+            <a:r>
+              <a:rPr lang="en-US" altLang="zh-CN"/>
+              <a:t>Video Edit Software</a:t>
+            </a:r>
+            <a:endParaRPr lang="en-US" altLang="zh-CN"/>
+          </a:p>
+        </p:txBody>
+      </p:sp>
+      <p:sp>
+        <p:nvSpPr>
+          <p:cNvPr id="3" name="内容占位符 2"/>
+          <p:cNvSpPr>
+            <a:spLocks noGrp="1"/>
+          </p:cNvSpPr>
+          <p:nvPr>
+            <p:ph idx="1"/>
+          </p:nvPr>
+        </p:nvSpPr>
+        <p:spPr/>
+        <p:txBody>
+          <a:bodyPr/>
+          <a:p>
+            <a:r>
+              <a:rPr lang="en-US" altLang="zh-CN"/>
+              <a:t>References</a:t>
+            </a:r>
+            <a:endParaRPr lang="en-US" altLang="zh-CN"/>
+          </a:p>
+          <a:p>
+            <a:pPr lvl="1"/>
+            <a:r>
+              <a:rPr lang="en-US" altLang="zh-CN"/>
+              <a:t>https://www.lifewire.com/best-free-video-editing-software-programs-4128924</a:t>
+            </a:r>
+            <a:endParaRPr lang="en-US" altLang="zh-CN"/>
+          </a:p>
+          <a:p>
+            <a:pPr lvl="0"/>
+            <a:r>
+              <a:rPr lang="en-US" altLang="zh-CN"/>
+              <a:t>OpenShot</a:t>
+            </a:r>
+            <a:endParaRPr lang="en-US" altLang="zh-CN"/>
+          </a:p>
+          <a:p>
+            <a:pPr lvl="1"/>
+            <a:r>
+              <a:rPr lang="en-US" altLang="zh-CN"/>
+              <a:t>Windows, Mac, Linux</a:t>
+            </a:r>
+            <a:endParaRPr lang="en-US" altLang="zh-CN"/>
+          </a:p>
+          <a:p>
+            <a:pPr lvl="1"/>
+            <a:r>
+              <a:rPr lang="en-US" altLang="zh-CN"/>
+              <a:t>Chinese version supported</a:t>
+            </a:r>
+            <a:endParaRPr lang="en-US" altLang="zh-CN"/>
+          </a:p>
+        </p:txBody>
+      </p:sp>
+    </p:spTree>
+    <p:custDataLst>
+      <p:tags r:id="rId1"/>
+    </p:custDataLst>
+  </p:cSld>
+  <p:clrMapOvr>
+    <a:masterClrMapping/>
+  </p:clrMapOvr>
+</p:sld>
+</file>
+
+<file path=ppt/slides/slide12.xml><?xml version="1.0" encoding="utf-8"?>
+<p:sld xmlns:a="http://schemas.openxmlformats.org/drawingml/2006/main" xmlns:r="http://schemas.openxmlformats.org/officeDocument/2006/relationships" xmlns:p="http://schemas.openxmlformats.org/presentationml/2006/main">
+  <p:cSld>
+    <p:spTree>
+      <p:nvGrpSpPr>
+        <p:cNvPr id="1" name=""/>
+        <p:cNvGrpSpPr/>
+        <p:nvPr/>
+      </p:nvGrpSpPr>
+      <p:grpSpPr/>
+      <p:sp>
+        <p:nvSpPr>
+          <p:cNvPr id="2" name="标题 1"/>
+          <p:cNvSpPr>
+            <a:spLocks noGrp="1"/>
+          </p:cNvSpPr>
+          <p:nvPr>
+            <p:ph type="title"/>
+          </p:nvPr>
+        </p:nvSpPr>
+        <p:spPr/>
+        <p:txBody>
+          <a:bodyPr/>
+          <a:p>
+            <a:r>
+              <a:rPr lang="en-US" altLang="zh-CN"/>
+              <a:t>Subtitle</a:t>
+            </a:r>
+            <a:endParaRPr lang="en-US" altLang="zh-CN"/>
+          </a:p>
+        </p:txBody>
+      </p:sp>
+      <p:sp>
+        <p:nvSpPr>
+          <p:cNvPr id="3" name="内容占位符 2"/>
+          <p:cNvSpPr>
+            <a:spLocks noGrp="1"/>
+          </p:cNvSpPr>
+          <p:nvPr>
+            <p:ph idx="1"/>
+          </p:nvPr>
+        </p:nvSpPr>
+        <p:spPr>
+          <a:xfrm>
+            <a:off x="838200" y="1211580"/>
+            <a:ext cx="5888355" cy="4549140"/>
+          </a:xfrm>
+        </p:spPr>
+        <p:txBody>
+          <a:bodyPr/>
+          <a:p>
+            <a:r>
+              <a:rPr lang="en-US" altLang="zh-CN"/>
+              <a:t>SRT format (.srt)</a:t>
+            </a:r>
+            <a:endParaRPr lang="en-US" altLang="zh-CN"/>
+          </a:p>
+          <a:p>
+            <a:pPr lvl="1"/>
+            <a:r>
+              <a:rPr lang="en-US" altLang="zh-CN"/>
+              <a:t>Subrip Subtitle</a:t>
+            </a:r>
+            <a:endParaRPr lang="en-US" altLang="zh-CN"/>
+          </a:p>
+          <a:p>
+            <a:pPr lvl="1"/>
+            <a:r>
+              <a:rPr lang="en-US" altLang="zh-CN"/>
+              <a:t>plain text</a:t>
+            </a:r>
+            <a:endParaRPr lang="en-US" altLang="zh-CN"/>
+          </a:p>
+          <a:p>
+            <a:pPr lvl="1"/>
+            <a:r>
+              <a:rPr lang="en-US" altLang="zh-CN"/>
+              <a:t>time format: [hours]: [minutes]: [seconds], [milliseconds]</a:t>
+            </a:r>
+            <a:endParaRPr lang="en-US" altLang="zh-CN"/>
+          </a:p>
+          <a:p>
+            <a:pPr lvl="0"/>
+            <a:r>
+              <a:rPr lang="en-US" altLang="zh-CN"/>
+              <a:t>ASS format (.ass)</a:t>
+            </a:r>
+            <a:endParaRPr lang="en-US" altLang="zh-CN"/>
+          </a:p>
+          <a:p>
+            <a:pPr lvl="1"/>
+            <a:r>
+              <a:rPr lang="en-US" altLang="zh-CN"/>
+              <a:t>Advanced SubStation Alpha subtitle</a:t>
+            </a:r>
+            <a:endParaRPr lang="en-US" altLang="zh-CN"/>
+          </a:p>
+          <a:p>
+            <a:pPr lvl="1"/>
+            <a:r>
+              <a:rPr lang="en-US" altLang="zh-CN"/>
+              <a:t>ffmpeg -i input.srt output.ass</a:t>
+            </a:r>
+            <a:endParaRPr lang="en-US" altLang="zh-CN"/>
+          </a:p>
+          <a:p>
+            <a:pPr lvl="1"/>
+            <a:r>
+              <a:rPr lang="en-US" altLang="zh-CN"/>
+              <a:t>ffmpeg -codecs | grep "^...S" // List supported subtitle codecs</a:t>
+            </a:r>
+            <a:endParaRPr lang="en-US" altLang="zh-CN"/>
+          </a:p>
+        </p:txBody>
+      </p:sp>
+      <p:sp>
+        <p:nvSpPr>
+          <p:cNvPr id="4" name="文本框 3"/>
+          <p:cNvSpPr txBox="1"/>
+          <p:nvPr/>
+        </p:nvSpPr>
+        <p:spPr>
+          <a:xfrm>
+            <a:off x="6819265" y="1264285"/>
+            <a:ext cx="4888865" cy="1753235"/>
+          </a:xfrm>
+          <a:prstGeom prst="rect">
+            <a:avLst/>
+          </a:prstGeom>
+          <a:noFill/>
+          <a:ln>
+            <a:solidFill>
+              <a:srgbClr val="FFC000"/>
+            </a:solidFill>
+          </a:ln>
+        </p:spPr>
+        <p:txBody>
+          <a:bodyPr wrap="square" rtlCol="0">
+            <a:spAutoFit/>
+          </a:bodyPr>
+          <a:p>
+            <a:r>
+              <a:rPr lang="zh-CN" altLang="en-US"/>
+              <a:t>[Section of subtitles number]</a:t>
+            </a:r>
+            <a:endParaRPr lang="zh-CN" altLang="en-US"/>
+          </a:p>
+          <a:p>
+            <a:endParaRPr lang="zh-CN" altLang="en-US"/>
+          </a:p>
+          <a:p>
+            <a:r>
+              <a:rPr lang="zh-CN" altLang="en-US"/>
+              <a:t>[Time the subtitle is displayed begins] –&gt; [Time the subtitle is displayed ends]</a:t>
+            </a:r>
+            <a:endParaRPr lang="zh-CN" altLang="en-US"/>
+          </a:p>
+          <a:p>
+            <a:endParaRPr lang="zh-CN" altLang="en-US"/>
+          </a:p>
+          <a:p>
+            <a:r>
+              <a:rPr lang="zh-CN" altLang="en-US"/>
+              <a:t>[Subtitle]</a:t>
+            </a:r>
+            <a:endParaRPr lang="zh-CN" altLang="en-US"/>
+          </a:p>
+        </p:txBody>
+      </p:sp>
+      <p:pic>
+        <p:nvPicPr>
+          <p:cNvPr id="5" name="图片 4"/>
+          <p:cNvPicPr>
+            <a:picLocks noChangeAspect="1"/>
+          </p:cNvPicPr>
+          <p:nvPr>
+            <p:custDataLst>
+              <p:tags r:id="rId1"/>
+            </p:custDataLst>
+          </p:nvPr>
+        </p:nvPicPr>
+        <p:blipFill>
+          <a:blip r:embed="rId2"/>
+          <a:stretch>
+            <a:fillRect/>
+          </a:stretch>
+        </p:blipFill>
+        <p:spPr>
+          <a:xfrm>
+            <a:off x="6601460" y="3451860"/>
+            <a:ext cx="5324475" cy="1181100"/>
+          </a:xfrm>
+          <a:prstGeom prst="rect">
+            <a:avLst/>
+          </a:prstGeom>
+        </p:spPr>
+      </p:pic>
+    </p:spTree>
+    <p:custDataLst>
+      <p:tags r:id="rId3"/>
+    </p:custDataLst>
+  </p:cSld>
+  <p:clrMapOvr>
+    <a:masterClrMapping/>
+  </p:clrMapOvr>
+</p:sld>
+</file>
+
 <file path=ppt/slides/slide2.xml><?xml version="1.0" encoding="utf-8"?>
 <p:sld xmlns:a="http://schemas.openxmlformats.org/drawingml/2006/main" xmlns:r="http://schemas.openxmlformats.org/officeDocument/2006/relationships" xmlns:p="http://schemas.openxmlformats.org/presentationml/2006/main">
   <p:cSld>
@@ -3828,6 +4305,20 @@
             <a:r>
               <a:rPr lang="zh-CN" altLang="en-US"/>
               <a:t>https://www.fourcc.org/codecs.php</a:t>
+            </a:r>
+            <a:endParaRPr lang="zh-CN" altLang="en-US"/>
+          </a:p>
+          <a:p>
+            <a:r>
+              <a:rPr lang="zh-CN" altLang="en-US"/>
+              <a:t>https://trac.ffmpeg.org/wiki/Encode/H.264</a:t>
+            </a:r>
+            <a:endParaRPr lang="zh-CN" altLang="en-US"/>
+          </a:p>
+          <a:p>
+            <a:r>
+              <a:rPr lang="zh-CN" altLang="en-US"/>
+              <a:t>http://www.lighterra.com/papers/videoencodingh264/</a:t>
             </a:r>
             <a:endParaRPr lang="zh-CN" altLang="en-US"/>
           </a:p>
@@ -4424,92 +4915,452 @@
           <a:p>
             <a:r>
               <a:rPr lang="en-US" altLang="zh-CN"/>
-              <a:t>FourCC</a:t>
+              <a:t>Resolution Standard</a:t>
             </a:r>
             <a:endParaRPr lang="en-US" altLang="zh-CN"/>
           </a:p>
         </p:txBody>
       </p:sp>
-      <p:sp>
-        <p:nvSpPr>
-          <p:cNvPr id="3" name="内容占位符 2"/>
-          <p:cNvSpPr>
-            <a:spLocks noGrp="1"/>
-          </p:cNvSpPr>
-          <p:nvPr>
-            <p:ph idx="1"/>
-          </p:nvPr>
-        </p:nvSpPr>
-        <p:spPr/>
-        <p:txBody>
-          <a:bodyPr/>
-          <a:p>
-            <a:r>
-              <a:rPr lang="en-US" altLang="zh-CN"/>
-              <a:t>Intro</a:t>
-            </a:r>
-            <a:endParaRPr lang="en-US" altLang="zh-CN"/>
-          </a:p>
-          <a:p>
-            <a:pPr lvl="1"/>
-            <a:r>
-              <a:rPr lang="en-US" altLang="zh-CN"/>
-              <a:t>Short for “Four Character Code”</a:t>
-            </a:r>
-            <a:endParaRPr lang="en-US" altLang="zh-CN"/>
-          </a:p>
-          <a:p>
-            <a:pPr lvl="1"/>
-            <a:r>
-              <a:rPr lang="en-US" altLang="zh-CN"/>
-              <a:t>An identifier for a video codec, compression format, color, or pixel format used in a media file.</a:t>
-            </a:r>
-            <a:endParaRPr lang="en-US" altLang="zh-CN"/>
-          </a:p>
-          <a:p>
-            <a:pPr lvl="0"/>
-            <a:r>
-              <a:rPr lang="en-US" altLang="zh-CN" sz="2400"/>
-              <a:t>Video Codecs by FourCC</a:t>
-            </a:r>
-            <a:endParaRPr lang="en-US" altLang="zh-CN" sz="2400"/>
-          </a:p>
-          <a:p>
-            <a:pPr lvl="1"/>
-            <a:r>
-              <a:rPr lang="en-US" altLang="zh-CN" sz="2000"/>
-              <a:t>H264</a:t>
-            </a:r>
-            <a:endParaRPr lang="en-US" altLang="zh-CN" sz="2000"/>
-          </a:p>
-          <a:p>
-            <a:pPr lvl="1"/>
-            <a:r>
-              <a:rPr lang="en-US" altLang="zh-CN" sz="2000"/>
-              <a:t>X264</a:t>
-            </a:r>
-            <a:endParaRPr lang="en-US" altLang="zh-CN" sz="2000"/>
-          </a:p>
-          <a:p>
-            <a:pPr lvl="1"/>
-            <a:r>
-              <a:rPr lang="en-US" altLang="zh-CN" sz="2000"/>
-              <a:t>XVID</a:t>
-            </a:r>
-            <a:endParaRPr lang="en-US" altLang="zh-CN" sz="2000"/>
-          </a:p>
-          <a:p>
-            <a:pPr lvl="2"/>
-            <a:endParaRPr lang="en-US" altLang="zh-CN"/>
-          </a:p>
-          <a:p>
-            <a:endParaRPr lang="en-US" altLang="zh-CN"/>
-          </a:p>
-        </p:txBody>
-      </p:sp>
+      <p:graphicFrame>
+        <p:nvGraphicFramePr>
+          <p:cNvPr id="4" name="表格 3"/>
+          <p:cNvGraphicFramePr/>
+          <p:nvPr>
+            <p:custDataLst>
+              <p:tags r:id="rId1"/>
+            </p:custDataLst>
+          </p:nvPr>
+        </p:nvGraphicFramePr>
+        <p:xfrm>
+          <a:off x="629920" y="1385570"/>
+          <a:ext cx="6673215" cy="4353560"/>
+        </p:xfrm>
+        <a:graphic>
+          <a:graphicData uri="http://schemas.openxmlformats.org/drawingml/2006/table">
+            <a:tbl>
+              <a:tblPr firstRow="1" bandRow="1">
+                <a:tableStyleId>{5C22544A-7EE6-4342-B048-85BDC9FD1C3A}</a:tableStyleId>
+              </a:tblPr>
+              <a:tblGrid>
+                <a:gridCol w="1412240"/>
+                <a:gridCol w="3036570"/>
+                <a:gridCol w="2224405"/>
+              </a:tblGrid>
+              <a:tr h="544195">
+                <a:tc>
+                  <a:txBody>
+                    <a:bodyPr/>
+                    <a:p>
+                      <a:pPr algn="ctr">
+                        <a:buNone/>
+                      </a:pPr>
+                      <a:r>
+                        <a:rPr lang="en-US" altLang="zh-CN"/>
+                        <a:t>Name</a:t>
+                      </a:r>
+                      <a:endParaRPr lang="en-US" altLang="zh-CN"/>
+                    </a:p>
+                  </a:txBody>
+                  <a:tcPr anchor="ctr" anchorCtr="0"/>
+                </a:tc>
+                <a:tc>
+                  <a:txBody>
+                    <a:bodyPr/>
+                    <a:p>
+                      <a:pPr algn="ctr">
+                        <a:buNone/>
+                      </a:pPr>
+                      <a:r>
+                        <a:rPr lang="en-US" altLang="zh-CN"/>
+                        <a:t>Resolution</a:t>
+                      </a:r>
+                      <a:endParaRPr lang="en-US" altLang="zh-CN"/>
+                    </a:p>
+                  </a:txBody>
+                  <a:tcPr anchor="ctr" anchorCtr="0"/>
+                </a:tc>
+                <a:tc>
+                  <a:txBody>
+                    <a:bodyPr/>
+                    <a:p>
+                      <a:pPr algn="ctr">
+                        <a:buNone/>
+                      </a:pPr>
+                      <a:r>
+                        <a:rPr lang="en-US" altLang="zh-CN"/>
+                        <a:t>Note</a:t>
+                      </a:r>
+                      <a:endParaRPr lang="en-US" altLang="zh-CN"/>
+                    </a:p>
+                  </a:txBody>
+                  <a:tcPr anchor="ctr" anchorCtr="0"/>
+                </a:tc>
+              </a:tr>
+              <a:tr h="544195">
+                <a:tc>
+                  <a:txBody>
+                    <a:bodyPr/>
+                    <a:p>
+                      <a:pPr algn="ctr">
+                        <a:buNone/>
+                      </a:pPr>
+                      <a:r>
+                        <a:rPr lang="en-US" altLang="zh-CN"/>
+                        <a:t>8K</a:t>
+                      </a:r>
+                      <a:endParaRPr lang="en-US" altLang="zh-CN"/>
+                    </a:p>
+                  </a:txBody>
+                  <a:tcPr anchor="ctr" anchorCtr="0"/>
+                </a:tc>
+                <a:tc>
+                  <a:txBody>
+                    <a:bodyPr/>
+                    <a:p>
+                      <a:pPr algn="ctr">
+                        <a:buNone/>
+                      </a:pPr>
+                      <a:r>
+                        <a:rPr lang="en-US" altLang="zh-CN"/>
+                        <a:t>7680x4320</a:t>
+                      </a:r>
+                      <a:endParaRPr lang="en-US" altLang="zh-CN"/>
+                    </a:p>
+                  </a:txBody>
+                  <a:tcPr anchor="ctr" anchorCtr="0"/>
+                </a:tc>
+                <a:tc>
+                  <a:txBody>
+                    <a:bodyPr/>
+                    <a:p>
+                      <a:pPr>
+                        <a:buNone/>
+                      </a:pPr>
+                      <a:endParaRPr lang="zh-CN" altLang="en-US"/>
+                    </a:p>
+                  </a:txBody>
+                  <a:tcPr anchor="ctr" anchorCtr="0"/>
+                </a:tc>
+              </a:tr>
+              <a:tr h="544195">
+                <a:tc>
+                  <a:txBody>
+                    <a:bodyPr/>
+                    <a:p>
+                      <a:pPr algn="ctr">
+                        <a:buNone/>
+                      </a:pPr>
+                      <a:r>
+                        <a:rPr lang="en-US" altLang="zh-CN"/>
+                        <a:t>4K</a:t>
+                      </a:r>
+                      <a:endParaRPr lang="en-US" altLang="zh-CN"/>
+                    </a:p>
+                  </a:txBody>
+                  <a:tcPr anchor="ctr" anchorCtr="0"/>
+                </a:tc>
+                <a:tc>
+                  <a:txBody>
+                    <a:bodyPr/>
+                    <a:p>
+                      <a:pPr algn="ctr">
+                        <a:buNone/>
+                      </a:pPr>
+                      <a:r>
+                        <a:rPr lang="en-US" altLang="zh-CN"/>
+                        <a:t>4096x</a:t>
+                      </a:r>
+                      <a:endParaRPr lang="en-US" altLang="zh-CN"/>
+                    </a:p>
+                  </a:txBody>
+                  <a:tcPr anchor="ctr" anchorCtr="0"/>
+                </a:tc>
+                <a:tc>
+                  <a:txBody>
+                    <a:bodyPr/>
+                    <a:p>
+                      <a:pPr>
+                        <a:buNone/>
+                      </a:pPr>
+                      <a:endParaRPr lang="zh-CN" altLang="en-US"/>
+                    </a:p>
+                  </a:txBody>
+                  <a:tcPr anchor="ctr" anchorCtr="0"/>
+                </a:tc>
+              </a:tr>
+              <a:tr h="544195">
+                <a:tc>
+                  <a:txBody>
+                    <a:bodyPr/>
+                    <a:p>
+                      <a:pPr algn="ctr">
+                        <a:buNone/>
+                      </a:pPr>
+                      <a:r>
+                        <a:rPr lang="en-US" altLang="zh-CN"/>
+                        <a:t>UHD</a:t>
+                      </a:r>
+                      <a:endParaRPr lang="en-US" altLang="zh-CN"/>
+                    </a:p>
+                  </a:txBody>
+                  <a:tcPr anchor="ctr" anchorCtr="0"/>
+                </a:tc>
+                <a:tc>
+                  <a:txBody>
+                    <a:bodyPr/>
+                    <a:p>
+                      <a:pPr algn="ctr">
+                        <a:buNone/>
+                      </a:pPr>
+                      <a:r>
+                        <a:rPr lang="en-US" altLang="zh-CN"/>
+                        <a:t>3840x2160</a:t>
+                      </a:r>
+                      <a:endParaRPr lang="en-US" altLang="zh-CN"/>
+                    </a:p>
+                  </a:txBody>
+                  <a:tcPr anchor="ctr" anchorCtr="0"/>
+                </a:tc>
+                <a:tc>
+                  <a:txBody>
+                    <a:bodyPr/>
+                    <a:p>
+                      <a:pPr>
+                        <a:buNone/>
+                      </a:pPr>
+                      <a:r>
+                        <a:rPr lang="en-US" altLang="zh-CN"/>
+                        <a:t>Ultra High Definition</a:t>
+                      </a:r>
+                      <a:endParaRPr lang="en-US" altLang="zh-CN"/>
+                    </a:p>
+                  </a:txBody>
+                  <a:tcPr anchor="ctr" anchorCtr="0"/>
+                </a:tc>
+              </a:tr>
+              <a:tr h="544195">
+                <a:tc>
+                  <a:txBody>
+                    <a:bodyPr/>
+                    <a:p>
+                      <a:pPr algn="ctr">
+                        <a:buNone/>
+                      </a:pPr>
+                      <a:r>
+                        <a:rPr lang="en-US" altLang="zh-CN"/>
+                        <a:t>2K</a:t>
+                      </a:r>
+                      <a:endParaRPr lang="en-US" altLang="zh-CN"/>
+                    </a:p>
+                  </a:txBody>
+                  <a:tcPr anchor="ctr" anchorCtr="0"/>
+                </a:tc>
+                <a:tc>
+                  <a:txBody>
+                    <a:bodyPr/>
+                    <a:p>
+                      <a:pPr algn="ctr">
+                        <a:buNone/>
+                      </a:pPr>
+                      <a:r>
+                        <a:rPr lang="en-US" altLang="zh-CN"/>
+                        <a:t>2048x</a:t>
+                      </a:r>
+                      <a:endParaRPr lang="en-US" altLang="zh-CN"/>
+                    </a:p>
+                  </a:txBody>
+                  <a:tcPr anchor="ctr" anchorCtr="0"/>
+                </a:tc>
+                <a:tc>
+                  <a:txBody>
+                    <a:bodyPr/>
+                    <a:p>
+                      <a:pPr>
+                        <a:buNone/>
+                      </a:pPr>
+                      <a:endParaRPr lang="zh-CN" altLang="en-US"/>
+                    </a:p>
+                  </a:txBody>
+                  <a:tcPr anchor="ctr" anchorCtr="0"/>
+                </a:tc>
+              </a:tr>
+              <a:tr h="544195">
+                <a:tc>
+                  <a:txBody>
+                    <a:bodyPr/>
+                    <a:p>
+                      <a:pPr algn="ctr">
+                        <a:buNone/>
+                      </a:pPr>
+                      <a:r>
+                        <a:rPr lang="en-US" altLang="zh-CN"/>
+                        <a:t>WUXGA</a:t>
+                      </a:r>
+                      <a:endParaRPr lang="en-US" altLang="zh-CN"/>
+                    </a:p>
+                  </a:txBody>
+                  <a:tcPr anchor="ctr" anchorCtr="0"/>
+                </a:tc>
+                <a:tc>
+                  <a:txBody>
+                    <a:bodyPr/>
+                    <a:p>
+                      <a:pPr algn="ctr">
+                        <a:buNone/>
+                      </a:pPr>
+                      <a:r>
+                        <a:rPr lang="en-US" altLang="zh-CN"/>
+                        <a:t>1920x1200</a:t>
+                      </a:r>
+                      <a:endParaRPr lang="en-US" altLang="zh-CN"/>
+                    </a:p>
+                  </a:txBody>
+                  <a:tcPr anchor="ctr" anchorCtr="0"/>
+                </a:tc>
+                <a:tc>
+                  <a:txBody>
+                    <a:bodyPr/>
+                    <a:p>
+                      <a:pPr>
+                        <a:buNone/>
+                      </a:pPr>
+                      <a:endParaRPr lang="zh-CN" altLang="en-US"/>
+                    </a:p>
+                  </a:txBody>
+                  <a:tcPr anchor="ctr" anchorCtr="0"/>
+                </a:tc>
+              </a:tr>
+              <a:tr h="544195">
+                <a:tc>
+                  <a:txBody>
+                    <a:bodyPr/>
+                    <a:p>
+                      <a:pPr algn="ctr">
+                        <a:buNone/>
+                      </a:pPr>
+                      <a:r>
+                        <a:rPr lang="en-US" altLang="zh-CN"/>
+                        <a:t>1080p</a:t>
+                      </a:r>
+                      <a:endParaRPr lang="en-US" altLang="zh-CN"/>
+                    </a:p>
+                  </a:txBody>
+                  <a:tcPr anchor="ctr" anchorCtr="0"/>
+                </a:tc>
+                <a:tc>
+                  <a:txBody>
+                    <a:bodyPr/>
+                    <a:p>
+                      <a:pPr algn="ctr">
+                        <a:buNone/>
+                      </a:pPr>
+                      <a:r>
+                        <a:rPr lang="en-US" altLang="zh-CN"/>
+                        <a:t>1920x1080</a:t>
+                      </a:r>
+                      <a:endParaRPr lang="en-US" altLang="zh-CN"/>
+                    </a:p>
+                  </a:txBody>
+                  <a:tcPr anchor="ctr" anchorCtr="0"/>
+                </a:tc>
+                <a:tc>
+                  <a:txBody>
+                    <a:bodyPr/>
+                    <a:p>
+                      <a:pPr>
+                        <a:buNone/>
+                      </a:pPr>
+                      <a:r>
+                        <a:rPr lang="en-US" altLang="zh-CN"/>
+                        <a:t>FHD (Full HD)</a:t>
+                      </a:r>
+                      <a:endParaRPr lang="en-US" altLang="zh-CN"/>
+                    </a:p>
+                  </a:txBody>
+                  <a:tcPr anchor="ctr" anchorCtr="0"/>
+                </a:tc>
+              </a:tr>
+              <a:tr h="544195">
+                <a:tc>
+                  <a:txBody>
+                    <a:bodyPr/>
+                    <a:p>
+                      <a:pPr algn="ctr">
+                        <a:buNone/>
+                      </a:pPr>
+                      <a:r>
+                        <a:rPr lang="en-US" altLang="zh-CN"/>
+                        <a:t>720p</a:t>
+                      </a:r>
+                      <a:endParaRPr lang="en-US" altLang="zh-CN"/>
+                    </a:p>
+                  </a:txBody>
+                  <a:tcPr anchor="ctr" anchorCtr="0"/>
+                </a:tc>
+                <a:tc>
+                  <a:txBody>
+                    <a:bodyPr/>
+                    <a:p>
+                      <a:pPr algn="ctr">
+                        <a:buNone/>
+                      </a:pPr>
+                      <a:r>
+                        <a:rPr lang="en-US" altLang="zh-CN"/>
+                        <a:t>1280x720</a:t>
+                      </a:r>
+                      <a:endParaRPr lang="en-US" altLang="zh-CN"/>
+                    </a:p>
+                  </a:txBody>
+                  <a:tcPr anchor="ctr" anchorCtr="0"/>
+                </a:tc>
+                <a:tc>
+                  <a:txBody>
+                    <a:bodyPr/>
+                    <a:p>
+                      <a:pPr>
+                        <a:buNone/>
+                      </a:pPr>
+                      <a:r>
+                        <a:rPr lang="en-US" altLang="zh-CN"/>
+                        <a:t>HD (High Definition)</a:t>
+                      </a:r>
+                      <a:endParaRPr lang="en-US" altLang="zh-CN"/>
+                    </a:p>
+                  </a:txBody>
+                  <a:tcPr anchor="ctr" anchorCtr="0"/>
+                </a:tc>
+              </a:tr>
+            </a:tbl>
+          </a:graphicData>
+        </a:graphic>
+      </p:graphicFrame>
+      <p:pic>
+        <p:nvPicPr>
+          <p:cNvPr id="6" name="图片 5"/>
+          <p:cNvPicPr>
+            <a:picLocks noChangeAspect="1"/>
+          </p:cNvPicPr>
+          <p:nvPr/>
+        </p:nvPicPr>
+        <p:blipFill>
+          <a:blip r:embed="rId2"/>
+          <a:stretch>
+            <a:fillRect/>
+          </a:stretch>
+        </p:blipFill>
+        <p:spPr>
+          <a:xfrm>
+            <a:off x="7686675" y="1511300"/>
+            <a:ext cx="4029075" cy="2571750"/>
+          </a:xfrm>
+          <a:prstGeom prst="rect">
+            <a:avLst/>
+          </a:prstGeom>
+        </p:spPr>
+      </p:pic>
     </p:spTree>
     <p:custDataLst>
-      <p:tags r:id="rId1"/>
+      <p:tags r:id="rId3"/>
     </p:custDataLst>
   </p:cSld>
   <p:clrMapOvr>
@@ -4544,7 +5395,7 @@
           <a:p>
             <a:r>
               <a:rPr lang="en-US" altLang="zh-CN"/>
-              <a:t>FFMPEG</a:t>
+              <a:t>FourCC</a:t>
             </a:r>
             <a:endParaRPr lang="en-US" altLang="zh-CN"/>
           </a:p>
@@ -4560,469 +5411,70 @@
             <p:ph idx="1"/>
           </p:nvPr>
         </p:nvSpPr>
-        <p:spPr>
-          <a:xfrm>
-            <a:off x="838200" y="1211580"/>
-            <a:ext cx="5105400" cy="5265420"/>
-          </a:xfrm>
-        </p:spPr>
-        <p:txBody>
-          <a:bodyPr>
-            <a:noAutofit/>
-          </a:bodyPr>
-          <a:p>
+        <p:spPr/>
+        <p:txBody>
+          <a:bodyPr/>
+          <a:p>
+            <a:r>
+              <a:rPr lang="en-US" altLang="zh-CN"/>
+              <a:t>Intro</a:t>
+            </a:r>
+            <a:endParaRPr lang="en-US" altLang="zh-CN"/>
+          </a:p>
+          <a:p>
+            <a:pPr lvl="1"/>
+            <a:r>
+              <a:rPr lang="en-US" altLang="zh-CN"/>
+              <a:t>Short for “Four Character Code”</a:t>
+            </a:r>
+            <a:endParaRPr lang="en-US" altLang="zh-CN"/>
+          </a:p>
+          <a:p>
+            <a:pPr lvl="1"/>
+            <a:r>
+              <a:rPr lang="en-US" altLang="zh-CN"/>
+              <a:t>An identifier for a video codec, compression format, color, or pixel format used in a media file.</a:t>
+            </a:r>
+            <a:endParaRPr lang="en-US" altLang="zh-CN"/>
+          </a:p>
+          <a:p>
+            <a:pPr lvl="0"/>
+            <a:r>
+              <a:rPr lang="en-US" altLang="zh-CN" sz="2400"/>
+              <a:t>Video Codecs by FourCC</a:t>
+            </a:r>
+            <a:endParaRPr lang="en-US" altLang="zh-CN" sz="2400"/>
+          </a:p>
+          <a:p>
+            <a:pPr lvl="1"/>
             <a:r>
               <a:rPr lang="en-US" altLang="zh-CN" sz="2000"/>
-              <a:t>Options</a:t>
+              <a:t>H264</a:t>
             </a:r>
             <a:endParaRPr lang="en-US" altLang="zh-CN" sz="2000"/>
           </a:p>
           <a:p>
             <a:pPr lvl="1"/>
             <a:r>
-              <a:rPr lang="en-US" altLang="zh-CN" sz="1800"/>
-              <a:t>ffmpeg -codecs	// List install codecs</a:t>
-            </a:r>
-            <a:endParaRPr lang="en-US" altLang="zh-CN" sz="1800"/>
+              <a:rPr lang="en-US" altLang="zh-CN" sz="2000"/>
+              <a:t>X264</a:t>
+            </a:r>
+            <a:endParaRPr lang="en-US" altLang="zh-CN" sz="2000"/>
           </a:p>
           <a:p>
             <a:pPr lvl="1"/>
             <a:r>
-              <a:rPr lang="en-US" altLang="zh-CN" sz="1800"/>
-              <a:t>ffmpeg -fomats</a:t>
-            </a:r>
-            <a:endParaRPr lang="en-US" altLang="zh-CN" sz="1800"/>
-          </a:p>
-          <a:p>
-            <a:pPr lvl="1"/>
-            <a:r>
-              <a:rPr lang="en-US" altLang="zh-CN" sz="1800"/>
-              <a:t>ffmpeg -decoders</a:t>
-            </a:r>
-            <a:endParaRPr lang="en-US" altLang="zh-CN" sz="1800"/>
-          </a:p>
-          <a:p>
-            <a:pPr lvl="1"/>
-            <a:r>
-              <a:rPr lang="en-US" altLang="zh-CN" sz="1800"/>
-              <a:t>ffmpeg -encoders</a:t>
-            </a:r>
-            <a:endParaRPr lang="en-US" altLang="zh-CN" sz="1800"/>
-          </a:p>
-          <a:p>
-            <a:pPr lvl="1"/>
-            <a:r>
-              <a:rPr lang="en-US" altLang="zh-CN" sz="1800"/>
-              <a:t>ffmpeg -filters</a:t>
-            </a:r>
-            <a:endParaRPr lang="en-US" altLang="zh-CN" sz="1800"/>
-          </a:p>
-          <a:p>
-            <a:pPr lvl="1"/>
-            <a:r>
-              <a:rPr lang="en-US" altLang="zh-CN" sz="1800"/>
-              <a:t>ffmpeg -y	// overwrite without confirmation</a:t>
-            </a:r>
-            <a:endParaRPr lang="en-US" altLang="zh-CN" sz="1800"/>
-          </a:p>
-          <a:p>
-            <a:pPr lvl="1"/>
-            <a:r>
-              <a:rPr lang="en-US" altLang="zh-CN" sz="1800"/>
-              <a:t>ffmpeg -profile:v high/main/baseline</a:t>
-            </a:r>
-            <a:endParaRPr lang="en-US" altLang="zh-CN" sz="1800"/>
-          </a:p>
-          <a:p>
-            <a:pPr lvl="1"/>
-            <a:r>
-              <a:rPr lang="en-US" altLang="zh-CN" sz="1800"/>
-              <a:t>ffmpeg -level:v 3.0/3.1/4.0</a:t>
-            </a:r>
-            <a:endParaRPr lang="en-US" altLang="zh-CN" sz="1800"/>
-          </a:p>
-          <a:p>
-            <a:pPr lvl="1"/>
-            <a:r>
-              <a:rPr lang="en-US" altLang="zh-CN" sz="1800"/>
-              <a:t>Change video codec to h264</a:t>
-            </a:r>
-            <a:endParaRPr lang="en-US" altLang="zh-CN" sz="1800"/>
+              <a:rPr lang="en-US" altLang="zh-CN" sz="2000"/>
+              <a:t>XVID</a:t>
+            </a:r>
+            <a:endParaRPr lang="en-US" altLang="zh-CN" sz="2000"/>
           </a:p>
           <a:p>
             <a:pPr lvl="2"/>
-            <a:r>
-              <a:rPr lang="en-US" altLang="zh-CN" sz="1600"/>
-              <a:t>ffmpeg -i in.mpg -c:v libx264 out.mp4</a:t>
-            </a:r>
-            <a:endParaRPr lang="en-US" altLang="zh-CN" sz="1600"/>
-          </a:p>
-          <a:p>
-            <a:pPr lvl="1"/>
-            <a:r>
-              <a:rPr lang="en-US" altLang="zh-CN" sz="1800"/>
-              <a:t>Padding</a:t>
-            </a:r>
-            <a:endParaRPr lang="en-US" altLang="zh-CN" sz="1800"/>
-          </a:p>
-          <a:p>
-            <a:pPr lvl="2"/>
-            <a:r>
-              <a:rPr lang="en-US" altLang="zh-CN" sz="1600"/>
-              <a:t>ffmpeg -i in.mp4 -vf “pad=width=800:height=600:x=10:y=75:color=black” out.mp4</a:t>
-            </a:r>
-            <a:endParaRPr lang="en-US" altLang="zh-CN" sz="1600"/>
-          </a:p>
-          <a:p>
-            <a:pPr lvl="3"/>
-            <a:r>
-              <a:rPr lang="en-US" altLang="zh-CN" sz="1600"/>
-              <a:t>x/y: start placing point of the original frame</a:t>
-            </a:r>
-            <a:endParaRPr lang="en-US" altLang="zh-CN" sz="1600"/>
-          </a:p>
-        </p:txBody>
-      </p:sp>
-      <p:sp>
-        <p:nvSpPr>
-          <p:cNvPr id="4" name="内容占位符 2"/>
-          <p:cNvSpPr>
-            <a:spLocks noGrp="1"/>
-          </p:cNvSpPr>
-          <p:nvPr/>
-        </p:nvSpPr>
-        <p:spPr>
-          <a:xfrm>
-            <a:off x="6339840" y="1211580"/>
-            <a:ext cx="5105400" cy="5265420"/>
-          </a:xfrm>
-          <a:prstGeom prst="rect">
-            <a:avLst/>
-          </a:prstGeom>
-        </p:spPr>
-        <p:txBody>
-          <a:bodyPr vert="horz" lIns="91440" tIns="45720" rIns="91440" bIns="45720" rtlCol="0"/>
-          <a:lstStyle>
-            <a:lvl1pPr marL="342900" indent="-342900" algn="l" defTabSz="914400" rtl="0" eaLnBrk="1" latinLnBrk="0" hangingPunct="1">
-              <a:lnSpc>
-                <a:spcPct val="90000"/>
-              </a:lnSpc>
-              <a:spcBef>
-                <a:spcPts val="1000"/>
-              </a:spcBef>
-              <a:buFont typeface="黑体" panose="02010609060101010101" pitchFamily="49" charset="-122"/>
-              <a:buChar char="〉"/>
-              <a:defRPr sz="2400" kern="1200">
-                <a:solidFill>
-                  <a:schemeClr val="tx1"/>
-                </a:solidFill>
-                <a:latin typeface="+mn-lt"/>
-                <a:ea typeface="+mn-ea"/>
-                <a:cs typeface="+mn-cs"/>
-              </a:defRPr>
-            </a:lvl1pPr>
-            <a:lvl2pPr marL="800100" indent="-342900" algn="l" defTabSz="914400" rtl="0" eaLnBrk="1" latinLnBrk="0" hangingPunct="1">
-              <a:lnSpc>
-                <a:spcPct val="90000"/>
-              </a:lnSpc>
-              <a:spcBef>
-                <a:spcPts val="500"/>
-              </a:spcBef>
-              <a:buFont typeface="Arial" panose="020B0604020202020204" pitchFamily="34" charset="0"/>
-              <a:buChar char="•"/>
-              <a:defRPr sz="2000" kern="1200">
-                <a:solidFill>
-                  <a:schemeClr val="tx1"/>
-                </a:solidFill>
-                <a:latin typeface="+mn-lt"/>
-                <a:ea typeface="+mn-ea"/>
-                <a:cs typeface="+mn-cs"/>
-              </a:defRPr>
-            </a:lvl2pPr>
-            <a:lvl3pPr marL="1257300" indent="-342900" algn="l" defTabSz="914400" rtl="0" eaLnBrk="1" latinLnBrk="0" hangingPunct="1">
-              <a:lnSpc>
-                <a:spcPct val="90000"/>
-              </a:lnSpc>
-              <a:spcBef>
-                <a:spcPts val="500"/>
-              </a:spcBef>
-              <a:buFont typeface="Arial" panose="020B0604020202020204" pitchFamily="34" charset="0"/>
-              <a:buChar char="•"/>
-              <a:defRPr sz="1800" kern="1200">
-                <a:solidFill>
-                  <a:schemeClr val="tx1"/>
-                </a:solidFill>
-                <a:latin typeface="+mn-lt"/>
-                <a:ea typeface="+mn-ea"/>
-                <a:cs typeface="+mn-cs"/>
-              </a:defRPr>
-            </a:lvl3pPr>
-            <a:lvl4pPr marL="1657350" indent="-285750" algn="l" defTabSz="914400" rtl="0" eaLnBrk="1" latinLnBrk="0" hangingPunct="1">
-              <a:lnSpc>
-                <a:spcPct val="90000"/>
-              </a:lnSpc>
-              <a:spcBef>
-                <a:spcPts val="500"/>
-              </a:spcBef>
-              <a:buFont typeface="Arial" panose="020B0604020202020204" pitchFamily="34" charset="0"/>
-              <a:buChar char="•"/>
-              <a:defRPr sz="1800" kern="1200">
-                <a:solidFill>
-                  <a:schemeClr val="tx1"/>
-                </a:solidFill>
-                <a:latin typeface="+mn-lt"/>
-                <a:ea typeface="+mn-ea"/>
-                <a:cs typeface="+mn-cs"/>
-              </a:defRPr>
-            </a:lvl4pPr>
-            <a:lvl5pPr marL="2114550" indent="-285750" algn="l" defTabSz="914400" rtl="0" eaLnBrk="1" latinLnBrk="0" hangingPunct="1">
-              <a:lnSpc>
-                <a:spcPct val="90000"/>
-              </a:lnSpc>
-              <a:spcBef>
-                <a:spcPts val="500"/>
-              </a:spcBef>
-              <a:buFont typeface="Arial" panose="020B0604020202020204" pitchFamily="34" charset="0"/>
-              <a:buChar char="•"/>
-              <a:defRPr sz="1800" kern="1200">
-                <a:solidFill>
-                  <a:schemeClr val="tx1"/>
-                </a:solidFill>
-                <a:latin typeface="+mn-lt"/>
-                <a:ea typeface="+mn-ea"/>
-                <a:cs typeface="+mn-cs"/>
-              </a:defRPr>
-            </a:lvl5pPr>
-            <a:lvl6pPr marL="2514600" indent="-228600" algn="l" defTabSz="914400" rtl="0" eaLnBrk="1" latinLnBrk="0" hangingPunct="1">
-              <a:lnSpc>
-                <a:spcPct val="90000"/>
-              </a:lnSpc>
-              <a:spcBef>
-                <a:spcPts val="500"/>
-              </a:spcBef>
-              <a:buFont typeface="Arial" panose="020B0604020202020204" pitchFamily="34" charset="0"/>
-              <a:buChar char="•"/>
-              <a:defRPr sz="1800" kern="1200">
-                <a:solidFill>
-                  <a:schemeClr val="tx1"/>
-                </a:solidFill>
-                <a:latin typeface="+mn-lt"/>
-                <a:ea typeface="+mn-ea"/>
-                <a:cs typeface="+mn-cs"/>
-              </a:defRPr>
-            </a:lvl6pPr>
-            <a:lvl7pPr marL="2971800" indent="-228600" algn="l" defTabSz="914400" rtl="0" eaLnBrk="1" latinLnBrk="0" hangingPunct="1">
-              <a:lnSpc>
-                <a:spcPct val="90000"/>
-              </a:lnSpc>
-              <a:spcBef>
-                <a:spcPts val="500"/>
-              </a:spcBef>
-              <a:buFont typeface="Arial" panose="020B0604020202020204" pitchFamily="34" charset="0"/>
-              <a:buChar char="•"/>
-              <a:defRPr sz="1800" kern="1200">
-                <a:solidFill>
-                  <a:schemeClr val="tx1"/>
-                </a:solidFill>
-                <a:latin typeface="+mn-lt"/>
-                <a:ea typeface="+mn-ea"/>
-                <a:cs typeface="+mn-cs"/>
-              </a:defRPr>
-            </a:lvl7pPr>
-            <a:lvl8pPr marL="3429000" indent="-228600" algn="l" defTabSz="914400" rtl="0" eaLnBrk="1" latinLnBrk="0" hangingPunct="1">
-              <a:lnSpc>
-                <a:spcPct val="90000"/>
-              </a:lnSpc>
-              <a:spcBef>
-                <a:spcPts val="500"/>
-              </a:spcBef>
-              <a:buFont typeface="Arial" panose="020B0604020202020204" pitchFamily="34" charset="0"/>
-              <a:buChar char="•"/>
-              <a:defRPr sz="1800" kern="1200">
-                <a:solidFill>
-                  <a:schemeClr val="tx1"/>
-                </a:solidFill>
-                <a:latin typeface="+mn-lt"/>
-                <a:ea typeface="+mn-ea"/>
-                <a:cs typeface="+mn-cs"/>
-              </a:defRPr>
-            </a:lvl8pPr>
-            <a:lvl9pPr marL="3886200" indent="-228600" algn="l" defTabSz="914400" rtl="0" eaLnBrk="1" latinLnBrk="0" hangingPunct="1">
-              <a:lnSpc>
-                <a:spcPct val="90000"/>
-              </a:lnSpc>
-              <a:spcBef>
-                <a:spcPts val="500"/>
-              </a:spcBef>
-              <a:buFont typeface="Arial" panose="020B0604020202020204" pitchFamily="34" charset="0"/>
-              <a:buChar char="•"/>
-              <a:defRPr sz="1800" kern="1200">
-                <a:solidFill>
-                  <a:schemeClr val="tx1"/>
-                </a:solidFill>
-                <a:latin typeface="+mn-lt"/>
-                <a:ea typeface="+mn-ea"/>
-                <a:cs typeface="+mn-cs"/>
-              </a:defRPr>
-            </a:lvl9pPr>
-          </a:lstStyle>
-          <a:p>
-            <a:pPr lvl="1"/>
-            <a:r>
-              <a:rPr lang="en-US" altLang="zh-CN" sz="1800">
-                <a:sym typeface="+mn-ea"/>
-              </a:rPr>
-              <a:t>Truncate</a:t>
-            </a:r>
-            <a:endParaRPr lang="en-US" altLang="zh-CN" sz="1800"/>
-          </a:p>
-          <a:p>
-            <a:pPr lvl="2"/>
-            <a:r>
-              <a:rPr lang="en-US" altLang="zh-CN" sz="1600">
-                <a:sym typeface="+mn-ea"/>
-              </a:rPr>
-              <a:t>ffmpeg -ss 10 -i input.mp3 -t 6 output.mp3</a:t>
-            </a:r>
-            <a:endParaRPr lang="en-US" altLang="zh-CN" sz="1600"/>
-          </a:p>
-          <a:p>
-            <a:pPr lvl="1"/>
-            <a:r>
-              <a:rPr lang="en-US" altLang="zh-CN" sz="1800">
-                <a:sym typeface="+mn-ea"/>
-              </a:rPr>
-              <a:t>Change fps</a:t>
-            </a:r>
-            <a:endParaRPr lang="en-US" altLang="zh-CN" sz="1800">
-              <a:sym typeface="+mn-ea"/>
-            </a:endParaRPr>
-          </a:p>
-          <a:p>
-            <a:pPr lvl="2"/>
-            <a:r>
-              <a:rPr lang="en-US" altLang="zh-CN" sz="1400">
-                <a:sym typeface="+mn-ea"/>
-              </a:rPr>
-              <a:t>ffmpeg -r 30 -i input.mp4 output.mp4 // change to 30fps</a:t>
-            </a:r>
-            <a:endParaRPr lang="en-US" altLang="zh-CN" sz="1400">
-              <a:sym typeface="+mn-ea"/>
-            </a:endParaRPr>
-          </a:p>
-          <a:p>
-            <a:pPr lvl="1" algn="l">
-              <a:buClrTx/>
-              <a:buSzTx/>
-            </a:pPr>
-            <a:r>
-              <a:rPr lang="en-US" altLang="zh-CN" sz="1800">
-                <a:sym typeface="+mn-ea"/>
-              </a:rPr>
-              <a:t>Get frames from image</a:t>
-            </a:r>
-            <a:endParaRPr lang="en-US" altLang="zh-CN" sz="1800">
-              <a:sym typeface="+mn-ea"/>
-            </a:endParaRPr>
-          </a:p>
-          <a:p>
-            <a:pPr lvl="2"/>
-            <a:r>
-              <a:rPr lang="en-US" altLang="zh-CN" sz="1395">
-                <a:sym typeface="+mn-ea"/>
-              </a:rPr>
-              <a:t>ffmpeg -i input.mp4 output/frame%04d.jpg</a:t>
-            </a:r>
-            <a:endParaRPr lang="en-US" altLang="zh-CN" sz="1395">
-              <a:sym typeface="+mn-ea"/>
-            </a:endParaRPr>
-          </a:p>
-          <a:p>
-            <a:pPr lvl="1" algn="l">
-              <a:buClrTx/>
-              <a:buSzTx/>
-            </a:pPr>
-            <a:r>
-              <a:rPr lang="en-US" altLang="zh-CN" sz="1800">
-                <a:sym typeface="+mn-ea"/>
-              </a:rPr>
-              <a:t>Add audio to video</a:t>
-            </a:r>
-            <a:endParaRPr lang="en-US" altLang="zh-CN" sz="1800">
-              <a:sym typeface="+mn-ea"/>
-            </a:endParaRPr>
-          </a:p>
-          <a:p>
-            <a:pPr lvl="2"/>
-            <a:r>
-              <a:rPr lang="en-US" altLang="zh-CN" sz="1395">
-                <a:sym typeface="+mn-ea"/>
-              </a:rPr>
-              <a:t>ffmpeg -i input.mp4 -i input.mp3 -c copy -map 0:v:0 -map 1:a:0 output.mp4</a:t>
-            </a:r>
-            <a:endParaRPr lang="en-US" altLang="zh-CN" sz="1395">
-              <a:sym typeface="+mn-ea"/>
-            </a:endParaRPr>
-          </a:p>
-          <a:p>
-            <a:pPr lvl="1"/>
-            <a:r>
-              <a:rPr lang="en-US" altLang="zh-CN" sz="1800">
-                <a:sym typeface="+mn-ea"/>
-              </a:rPr>
-              <a:t>Concat video files</a:t>
-            </a:r>
-            <a:endParaRPr lang="en-US" altLang="zh-CN" sz="1800">
-              <a:sym typeface="+mn-ea"/>
-            </a:endParaRPr>
-          </a:p>
-          <a:p>
-            <a:pPr lvl="2"/>
-            <a:r>
-              <a:rPr lang="en-US" altLang="zh-CN" sz="1395">
-                <a:sym typeface="+mn-ea"/>
-              </a:rPr>
-              <a:t>ffmpeg -f concat -safe 0 -i mylist.txt -c copy output.mp4</a:t>
-            </a:r>
-            <a:endParaRPr lang="en-US" altLang="zh-CN" sz="1395">
-              <a:sym typeface="+mn-ea"/>
-            </a:endParaRPr>
-          </a:p>
-          <a:p>
-            <a:pPr lvl="2"/>
-            <a:r>
-              <a:rPr lang="en-US" altLang="zh-CN" sz="1395">
-                <a:sym typeface="+mn-ea"/>
-              </a:rPr>
-              <a:t>list.txt:</a:t>
-            </a:r>
-            <a:endParaRPr lang="en-US" altLang="zh-CN" sz="1395">
-              <a:sym typeface="+mn-ea"/>
-            </a:endParaRPr>
-          </a:p>
-          <a:p>
-            <a:pPr lvl="3"/>
-            <a:r>
-              <a:rPr lang="en-US" altLang="zh-CN" sz="1395">
-                <a:sym typeface="+mn-ea"/>
-              </a:rPr>
-              <a:t>file 'filename1'</a:t>
-            </a:r>
-            <a:endParaRPr lang="en-US" altLang="zh-CN" sz="1395">
-              <a:sym typeface="+mn-ea"/>
-            </a:endParaRPr>
-          </a:p>
-          <a:p>
-            <a:pPr lvl="0"/>
-            <a:r>
-              <a:rPr lang="en-US" altLang="zh-CN" sz="1800">
-                <a:sym typeface="+mn-ea"/>
-              </a:rPr>
-              <a:t>ffprobe a.mp4</a:t>
-            </a:r>
-            <a:endParaRPr lang="en-US" altLang="zh-CN" sz="1800">
-              <a:sym typeface="+mn-ea"/>
-            </a:endParaRPr>
+            <a:endParaRPr lang="en-US" altLang="zh-CN"/>
+          </a:p>
+          <a:p>
+            <a:endParaRPr lang="en-US" altLang="zh-CN"/>
           </a:p>
         </p:txBody>
       </p:sp>
@@ -5063,7 +5515,7 @@
           <a:p>
             <a:r>
               <a:rPr lang="en-US" altLang="zh-CN"/>
-              <a:t>Video Support in Safari</a:t>
+              <a:t>FFMPEG 1/2</a:t>
             </a:r>
             <a:endParaRPr lang="en-US" altLang="zh-CN"/>
           </a:p>
@@ -5082,117 +5534,1613 @@
         <p:spPr>
           <a:xfrm>
             <a:off x="838200" y="1211580"/>
-            <a:ext cx="7066915" cy="4549140"/>
+            <a:ext cx="10919460" cy="1041400"/>
           </a:xfrm>
         </p:spPr>
         <p:txBody>
           <a:bodyPr>
-            <a:normAutofit fontScale="90000" lnSpcReduction="10000"/>
+            <a:noAutofit/>
           </a:bodyPr>
           <a:p>
             <a:r>
+              <a:rPr lang="en-US" altLang="zh-CN" sz="2000"/>
+              <a:t>Install</a:t>
+            </a:r>
+            <a:endParaRPr lang="en-US" altLang="zh-CN" sz="2000"/>
+          </a:p>
+          <a:p>
+            <a:pPr lvl="1"/>
+            <a:r>
+              <a:rPr lang="en-US" altLang="zh-CN" sz="1665"/>
+              <a:t>sudo add-apt-repository ppa:videolan/master-daily</a:t>
+            </a:r>
+            <a:endParaRPr lang="en-US" altLang="zh-CN" sz="1665"/>
+          </a:p>
+          <a:p>
+            <a:pPr lvl="1"/>
+            <a:r>
+              <a:rPr lang="en-US" altLang="zh-CN" sz="1665"/>
+              <a:t>ffmpeg 3.3.3-2</a:t>
+            </a:r>
+            <a:endParaRPr lang="en-US" altLang="zh-CN" sz="1600"/>
+          </a:p>
+        </p:txBody>
+      </p:sp>
+      <p:graphicFrame>
+        <p:nvGraphicFramePr>
+          <p:cNvPr id="5" name="表格 4"/>
+          <p:cNvGraphicFramePr/>
+          <p:nvPr>
+            <p:custDataLst>
+              <p:tags r:id="rId1"/>
+            </p:custDataLst>
+          </p:nvPr>
+        </p:nvGraphicFramePr>
+        <p:xfrm>
+          <a:off x="579120" y="2174875"/>
+          <a:ext cx="11268710" cy="4335780"/>
+        </p:xfrm>
+        <a:graphic>
+          <a:graphicData uri="http://schemas.openxmlformats.org/drawingml/2006/table">
+            <a:tbl>
+              <a:tblPr firstRow="1" bandRow="1">
+                <a:tableStyleId>{5C22544A-7EE6-4342-B048-85BDC9FD1C3A}</a:tableStyleId>
+              </a:tblPr>
+              <a:tblGrid>
+                <a:gridCol w="2372360"/>
+                <a:gridCol w="6086475"/>
+                <a:gridCol w="2809875"/>
+              </a:tblGrid>
+              <a:tr h="365760">
+                <a:tc>
+                  <a:txBody>
+                    <a:bodyPr/>
+                    <a:p>
+                      <a:pPr algn="ctr">
+                        <a:buNone/>
+                      </a:pPr>
+                      <a:r>
+                        <a:rPr lang="en-US" altLang="zh-CN"/>
+                        <a:t>Task</a:t>
+                      </a:r>
+                      <a:endParaRPr lang="en-US" altLang="zh-CN"/>
+                    </a:p>
+                  </a:txBody>
+                  <a:tcPr/>
+                </a:tc>
+                <a:tc>
+                  <a:txBody>
+                    <a:bodyPr/>
+                    <a:p>
+                      <a:pPr algn="ctr">
+                        <a:buNone/>
+                      </a:pPr>
+                      <a:r>
+                        <a:rPr lang="en-US" altLang="zh-CN"/>
+                        <a:t>Commands</a:t>
+                      </a:r>
+                      <a:endParaRPr lang="en-US" altLang="zh-CN"/>
+                    </a:p>
+                  </a:txBody>
+                  <a:tcPr/>
+                </a:tc>
+                <a:tc>
+                  <a:txBody>
+                    <a:bodyPr/>
+                    <a:p>
+                      <a:pPr algn="ctr">
+                        <a:buNone/>
+                      </a:pPr>
+                      <a:r>
+                        <a:rPr lang="en-US" altLang="zh-CN"/>
+                        <a:t>Note</a:t>
+                      </a:r>
+                      <a:endParaRPr lang="en-US" altLang="zh-CN"/>
+                    </a:p>
+                  </a:txBody>
+                  <a:tcPr/>
+                </a:tc>
+              </a:tr>
+              <a:tr h="365760">
+                <a:tc>
+                  <a:txBody>
+                    <a:bodyPr/>
+                    <a:p>
+                      <a:pPr>
+                        <a:buNone/>
+                      </a:pPr>
+                      <a:r>
+                        <a:rPr lang="en-US" altLang="zh-CN"/>
+                        <a:t>Hide banner</a:t>
+                      </a:r>
+                      <a:endParaRPr lang="en-US" altLang="zh-CN"/>
+                    </a:p>
+                  </a:txBody>
+                  <a:tcPr/>
+                </a:tc>
+                <a:tc>
+                  <a:txBody>
+                    <a:bodyPr/>
+                    <a:p>
+                      <a:pPr>
+                        <a:buNone/>
+                      </a:pPr>
+                      <a:r>
+                        <a:rPr lang="en-US" altLang="zh-CN"/>
+                        <a:t>ffmpeg -hide_banner</a:t>
+                      </a:r>
+                      <a:endParaRPr lang="en-US" altLang="zh-CN"/>
+                    </a:p>
+                  </a:txBody>
+                  <a:tcPr/>
+                </a:tc>
+                <a:tc>
+                  <a:txBody>
+                    <a:bodyPr/>
+                    <a:p>
+                      <a:pPr>
+                        <a:buNone/>
+                      </a:pPr>
+                      <a:endParaRPr lang="zh-CN" altLang="en-US"/>
+                    </a:p>
+                  </a:txBody>
+                  <a:tcPr/>
+                </a:tc>
+              </a:tr>
+              <a:tr h="365760">
+                <a:tc>
+                  <a:txBody>
+                    <a:bodyPr/>
+                    <a:p>
+                      <a:pPr>
+                        <a:buNone/>
+                      </a:pPr>
+                      <a:r>
+                        <a:rPr lang="en-US" altLang="zh-CN"/>
+                        <a:t>Log level</a:t>
+                      </a:r>
+                      <a:endParaRPr lang="en-US" altLang="zh-CN"/>
+                    </a:p>
+                  </a:txBody>
+                  <a:tcPr/>
+                </a:tc>
+                <a:tc>
+                  <a:txBody>
+                    <a:bodyPr/>
+                    <a:p>
+                      <a:pPr>
+                        <a:buNone/>
+                      </a:pPr>
+                      <a:r>
+                        <a:rPr lang="en-US" altLang="zh-CN"/>
+                        <a:t>ffmpeg -loglevel error </a:t>
+                      </a:r>
+                      <a:endParaRPr lang="en-US" altLang="zh-CN"/>
+                    </a:p>
+                  </a:txBody>
+                  <a:tcPr/>
+                </a:tc>
+                <a:tc>
+                  <a:txBody>
+                    <a:bodyPr/>
+                    <a:p>
+                      <a:pPr>
+                        <a:buNone/>
+                      </a:pPr>
+                      <a:endParaRPr lang="zh-CN" altLang="en-US"/>
+                    </a:p>
+                  </a:txBody>
+                  <a:tcPr/>
+                </a:tc>
+              </a:tr>
+              <a:tr h="234315">
+                <a:tc>
+                  <a:txBody>
+                    <a:bodyPr/>
+                    <a:p>
+                      <a:pPr>
+                        <a:buNone/>
+                      </a:pPr>
+                      <a:r>
+                        <a:rPr lang="en-US" altLang="zh-CN"/>
+                        <a:t>pix format</a:t>
+                      </a:r>
+                      <a:endParaRPr lang="en-US" altLang="zh-CN"/>
+                    </a:p>
+                  </a:txBody>
+                  <a:tcPr/>
+                </a:tc>
+                <a:tc>
+                  <a:txBody>
+                    <a:bodyPr/>
+                    <a:p>
+                      <a:pPr>
+                        <a:buNone/>
+                      </a:pPr>
+                      <a:r>
+                        <a:rPr lang="en-US" altLang="zh-CN"/>
+                        <a:t>ffmpeg -pix_fmts</a:t>
+                      </a:r>
+                      <a:endParaRPr lang="en-US" altLang="zh-CN"/>
+                    </a:p>
+                  </a:txBody>
+                  <a:tcPr/>
+                </a:tc>
+                <a:tc>
+                  <a:txBody>
+                    <a:bodyPr/>
+                    <a:p>
+                      <a:pPr>
+                        <a:buNone/>
+                      </a:pPr>
+                      <a:endParaRPr lang="zh-CN" altLang="en-US"/>
+                    </a:p>
+                  </a:txBody>
+                  <a:tcPr/>
+                </a:tc>
+              </a:tr>
+              <a:tr h="640080">
+                <a:tc>
+                  <a:txBody>
+                    <a:bodyPr/>
+                    <a:p>
+                      <a:pPr>
+                        <a:buNone/>
+                      </a:pPr>
+                      <a:r>
+                        <a:rPr lang="en-US" altLang="zh-CN" sz="1800">
+                          <a:sym typeface="+mn-ea"/>
+                        </a:rPr>
+                        <a:t>Convert image sequences into video</a:t>
+                      </a:r>
+                      <a:endParaRPr lang="en-US" altLang="zh-CN"/>
+                    </a:p>
+                  </a:txBody>
+                  <a:tcPr/>
+                </a:tc>
+                <a:tc>
+                  <a:txBody>
+                    <a:bodyPr/>
+                    <a:p>
+                      <a:pPr>
+                        <a:buNone/>
+                      </a:pPr>
+                      <a:r>
+                        <a:rPr lang="zh-CN" altLang="en-US" sz="1800">
+                          <a:sym typeface="+mn-ea"/>
+                        </a:rPr>
+                        <a:t>ffmpeg -i %4d.png </a:t>
+                      </a:r>
+                      <a:r>
+                        <a:rPr lang="en-US" altLang="zh-CN" sz="1800">
+                          <a:sym typeface="+mn-ea"/>
+                        </a:rPr>
+                        <a:t>-r 20 output</a:t>
+                      </a:r>
+                      <a:r>
+                        <a:rPr lang="zh-CN" altLang="en-US" sz="1800">
+                          <a:sym typeface="+mn-ea"/>
+                        </a:rPr>
+                        <a:t>.mp4</a:t>
+                      </a:r>
+                      <a:endParaRPr lang="en-US" altLang="zh-CN"/>
+                    </a:p>
+                  </a:txBody>
+                  <a:tcPr/>
+                </a:tc>
+                <a:tc>
+                  <a:txBody>
+                    <a:bodyPr/>
+                    <a:p>
+                      <a:pPr>
+                        <a:buNone/>
+                      </a:pPr>
+                      <a:endParaRPr lang="zh-CN" altLang="en-US"/>
+                    </a:p>
+                  </a:txBody>
+                  <a:tcPr/>
+                </a:tc>
+              </a:tr>
+              <a:tr h="640080">
+                <a:tc>
+                  <a:txBody>
+                    <a:bodyPr/>
+                    <a:p>
+                      <a:pPr>
+                        <a:buNone/>
+                      </a:pPr>
+                      <a:r>
+                        <a:rPr lang="en-US" altLang="zh-CN" sz="1800">
+                          <a:sym typeface="+mn-ea"/>
+                        </a:rPr>
+                        <a:t>Get frames from image</a:t>
+                      </a:r>
+                      <a:endParaRPr lang="en-US" altLang="zh-CN"/>
+                    </a:p>
+                  </a:txBody>
+                  <a:tcPr/>
+                </a:tc>
+                <a:tc>
+                  <a:txBody>
+                    <a:bodyPr/>
+                    <a:p>
+                      <a:pPr>
+                        <a:buNone/>
+                      </a:pPr>
+                      <a:r>
+                        <a:rPr lang="en-US" altLang="zh-CN" sz="1800">
+                          <a:sym typeface="+mn-ea"/>
+                        </a:rPr>
+                        <a:t>ffmpeg -i input.mp4 output/frame%04d.jpg</a:t>
+                      </a:r>
+                      <a:endParaRPr lang="en-US" altLang="zh-CN"/>
+                    </a:p>
+                  </a:txBody>
+                  <a:tcPr/>
+                </a:tc>
+                <a:tc>
+                  <a:txBody>
+                    <a:bodyPr/>
+                    <a:p>
+                      <a:pPr>
+                        <a:buNone/>
+                      </a:pPr>
+                      <a:endParaRPr lang="zh-CN" altLang="en-US"/>
+                    </a:p>
+                  </a:txBody>
+                  <a:tcPr/>
+                </a:tc>
+              </a:tr>
+              <a:tr h="365760">
+                <a:tc>
+                  <a:txBody>
+                    <a:bodyPr/>
+                    <a:p>
+                      <a:pPr>
+                        <a:buNone/>
+                      </a:pPr>
+                      <a:r>
+                        <a:rPr lang="en-US" altLang="zh-CN"/>
+                        <a:t>Truncate video</a:t>
+                      </a:r>
+                      <a:endParaRPr lang="en-US" altLang="zh-CN"/>
+                    </a:p>
+                  </a:txBody>
+                  <a:tcPr/>
+                </a:tc>
+                <a:tc>
+                  <a:txBody>
+                    <a:bodyPr/>
+                    <a:p>
+                      <a:pPr>
+                        <a:buNone/>
+                      </a:pPr>
+                      <a:r>
+                        <a:rPr lang="en-US" altLang="zh-CN" sz="1800">
+                          <a:sym typeface="+mn-ea"/>
+                        </a:rPr>
+                        <a:t>ffmpeg -ss 10 -i input.mp3 -t 6 output.mp3</a:t>
+                      </a:r>
+                      <a:endParaRPr lang="en-US" altLang="zh-CN"/>
+                    </a:p>
+                  </a:txBody>
+                  <a:tcPr/>
+                </a:tc>
+                <a:tc>
+                  <a:txBody>
+                    <a:bodyPr/>
+                    <a:p>
+                      <a:pPr>
+                        <a:buNone/>
+                      </a:pPr>
+                      <a:endParaRPr lang="zh-CN" altLang="en-US"/>
+                    </a:p>
+                  </a:txBody>
+                  <a:tcPr/>
+                </a:tc>
+              </a:tr>
+              <a:tr h="365760">
+                <a:tc>
+                  <a:txBody>
+                    <a:bodyPr/>
+                    <a:p>
+                      <a:pPr>
+                        <a:buNone/>
+                      </a:pPr>
+                      <a:r>
+                        <a:rPr lang="en-US" altLang="zh-CN" sz="1800">
+                          <a:sym typeface="+mn-ea"/>
+                        </a:rPr>
+                        <a:t>Concat video files</a:t>
+                      </a:r>
+                      <a:endParaRPr lang="en-US" altLang="zh-CN"/>
+                    </a:p>
+                  </a:txBody>
+                  <a:tcPr/>
+                </a:tc>
+                <a:tc>
+                  <a:txBody>
+                    <a:bodyPr/>
+                    <a:p>
+                      <a:pPr marL="0" lvl="2">
+                        <a:buNone/>
+                      </a:pPr>
+                      <a:r>
+                        <a:rPr lang="en-US" altLang="zh-CN" sz="1800">
+                          <a:sym typeface="+mn-ea"/>
+                        </a:rPr>
+                        <a:t>ffmpeg -f concat -safe 0 -i mylist.txt -c copy output.mp4</a:t>
+                      </a:r>
+                      <a:endParaRPr lang="en-US" altLang="zh-CN"/>
+                    </a:p>
+                  </a:txBody>
+                  <a:tcPr/>
+                </a:tc>
+                <a:tc>
+                  <a:txBody>
+                    <a:bodyPr/>
+                    <a:p>
+                      <a:pPr>
+                        <a:buNone/>
+                      </a:pPr>
+                      <a:r>
+                        <a:rPr lang="en-US" altLang="zh-CN"/>
+                        <a:t>mylist.txt: </a:t>
+                      </a:r>
+                      <a:r>
+                        <a:rPr lang="en-US" altLang="zh-CN" sz="1800">
+                          <a:sym typeface="+mn-ea"/>
+                        </a:rPr>
+                        <a:t>file 'filename1'</a:t>
+                      </a:r>
+                      <a:endParaRPr lang="en-US" altLang="zh-CN"/>
+                    </a:p>
+                  </a:txBody>
+                  <a:tcPr/>
+                </a:tc>
+              </a:tr>
+              <a:tr h="365760">
+                <a:tc>
+                  <a:txBody>
+                    <a:bodyPr/>
+                    <a:p>
+                      <a:pPr>
+                        <a:buNone/>
+                      </a:pPr>
+                      <a:r>
+                        <a:rPr lang="en-US" altLang="zh-CN"/>
+                        <a:t>Change video codec</a:t>
+                      </a:r>
+                      <a:endParaRPr lang="en-US" altLang="zh-CN"/>
+                    </a:p>
+                  </a:txBody>
+                  <a:tcPr/>
+                </a:tc>
+                <a:tc>
+                  <a:txBody>
+                    <a:bodyPr/>
+                    <a:p>
+                      <a:pPr marL="0" lvl="2">
+                        <a:buNone/>
+                      </a:pPr>
+                      <a:r>
+                        <a:rPr lang="en-US" altLang="zh-CN" sz="1800">
+                          <a:sym typeface="+mn-ea"/>
+                        </a:rPr>
+                        <a:t>ffmpeg -i in.mpg -c:v libx264 out.mp4</a:t>
+                      </a:r>
+                      <a:endParaRPr lang="zh-CN" altLang="en-US"/>
+                    </a:p>
+                  </a:txBody>
+                  <a:tcPr/>
+                </a:tc>
+                <a:tc>
+                  <a:txBody>
+                    <a:bodyPr/>
+                    <a:p>
+                      <a:pPr>
+                        <a:buNone/>
+                      </a:pPr>
+                      <a:endParaRPr lang="zh-CN" altLang="en-US"/>
+                    </a:p>
+                  </a:txBody>
+                  <a:tcPr/>
+                </a:tc>
+              </a:tr>
+              <a:tr h="495300">
+                <a:tc>
+                  <a:txBody>
+                    <a:bodyPr/>
+                    <a:p>
+                      <a:pPr>
+                        <a:buNone/>
+                      </a:pPr>
+                      <a:r>
+                        <a:rPr lang="en-US" altLang="zh-CN"/>
+                        <a:t>List info</a:t>
+                      </a:r>
+                      <a:endParaRPr lang="en-US" altLang="zh-CN"/>
+                    </a:p>
+                  </a:txBody>
+                  <a:tcPr/>
+                </a:tc>
+                <a:tc>
+                  <a:txBody>
+                    <a:bodyPr/>
+                    <a:p>
+                      <a:pPr>
+                        <a:buNone/>
+                      </a:pPr>
+                      <a:r>
+                        <a:rPr lang="en-US" altLang="zh-CN" sz="1800">
+                          <a:sym typeface="+mn-ea"/>
+                        </a:rPr>
+                        <a:t>ffmpeg -codecs/-fomats/--decoders/--encoders/--filters</a:t>
+                      </a:r>
+                      <a:endParaRPr lang="zh-CN" altLang="en-US"/>
+                    </a:p>
+                  </a:txBody>
+                  <a:tcPr/>
+                </a:tc>
+                <a:tc>
+                  <a:txBody>
+                    <a:bodyPr/>
+                    <a:p>
+                      <a:pPr>
+                        <a:buNone/>
+                      </a:pPr>
+                      <a:endParaRPr lang="zh-CN" altLang="en-US"/>
+                    </a:p>
+                  </a:txBody>
+                  <a:tcPr/>
+                </a:tc>
+              </a:tr>
+            </a:tbl>
+          </a:graphicData>
+        </a:graphic>
+      </p:graphicFrame>
+    </p:spTree>
+    <p:custDataLst>
+      <p:tags r:id="rId2"/>
+    </p:custDataLst>
+  </p:cSld>
+  <p:clrMapOvr>
+    <a:masterClrMapping/>
+  </p:clrMapOvr>
+</p:sld>
+</file>
+
+<file path=ppt/slides/slide8.xml><?xml version="1.0" encoding="utf-8"?>
+<p:sld xmlns:a="http://schemas.openxmlformats.org/drawingml/2006/main" xmlns:r="http://schemas.openxmlformats.org/officeDocument/2006/relationships" xmlns:p="http://schemas.openxmlformats.org/presentationml/2006/main">
+  <p:cSld>
+    <p:spTree>
+      <p:nvGrpSpPr>
+        <p:cNvPr id="1" name=""/>
+        <p:cNvGrpSpPr/>
+        <p:nvPr/>
+      </p:nvGrpSpPr>
+      <p:grpSpPr/>
+      <p:sp>
+        <p:nvSpPr>
+          <p:cNvPr id="2" name="标题 1"/>
+          <p:cNvSpPr>
+            <a:spLocks noGrp="1"/>
+          </p:cNvSpPr>
+          <p:nvPr>
+            <p:ph type="title"/>
+          </p:nvPr>
+        </p:nvSpPr>
+        <p:spPr/>
+        <p:txBody>
+          <a:bodyPr/>
+          <a:p>
+            <a:r>
               <a:rPr lang="en-US" altLang="zh-CN"/>
-              <a:t>References</a:t>
+              <a:t>FFMPEG 2/2</a:t>
             </a:r>
             <a:endParaRPr lang="en-US" altLang="zh-CN"/>
           </a:p>
-          <a:p>
-            <a:pPr lvl="1"/>
+        </p:txBody>
+      </p:sp>
+      <p:graphicFrame>
+        <p:nvGraphicFramePr>
+          <p:cNvPr id="6" name="表格 5"/>
+          <p:cNvGraphicFramePr/>
+          <p:nvPr>
+            <p:custDataLst>
+              <p:tags r:id="rId1"/>
+            </p:custDataLst>
+          </p:nvPr>
+        </p:nvGraphicFramePr>
+        <p:xfrm>
+          <a:off x="676275" y="1177925"/>
+          <a:ext cx="11256645" cy="5566410"/>
+        </p:xfrm>
+        <a:graphic>
+          <a:graphicData uri="http://schemas.openxmlformats.org/drawingml/2006/table">
+            <a:tbl>
+              <a:tblPr firstRow="1" bandRow="1">
+                <a:tableStyleId>{5C22544A-7EE6-4342-B048-85BDC9FD1C3A}</a:tableStyleId>
+              </a:tblPr>
+              <a:tblGrid>
+                <a:gridCol w="2225675"/>
+                <a:gridCol w="6224270"/>
+                <a:gridCol w="2806700"/>
+              </a:tblGrid>
+              <a:tr h="405765">
+                <a:tc>
+                  <a:txBody>
+                    <a:bodyPr/>
+                    <a:p>
+                      <a:pPr algn="ctr">
+                        <a:buNone/>
+                      </a:pPr>
+                      <a:r>
+                        <a:rPr lang="en-US" altLang="zh-CN"/>
+                        <a:t>Task</a:t>
+                      </a:r>
+                      <a:endParaRPr lang="en-US" altLang="zh-CN"/>
+                    </a:p>
+                  </a:txBody>
+                  <a:tcPr/>
+                </a:tc>
+                <a:tc>
+                  <a:txBody>
+                    <a:bodyPr/>
+                    <a:p>
+                      <a:pPr algn="ctr">
+                        <a:buNone/>
+                      </a:pPr>
+                      <a:r>
+                        <a:rPr lang="en-US" altLang="zh-CN"/>
+                        <a:t>Commands</a:t>
+                      </a:r>
+                      <a:endParaRPr lang="en-US" altLang="zh-CN"/>
+                    </a:p>
+                  </a:txBody>
+                  <a:tcPr/>
+                </a:tc>
+                <a:tc>
+                  <a:txBody>
+                    <a:bodyPr/>
+                    <a:p>
+                      <a:pPr algn="ctr">
+                        <a:buNone/>
+                      </a:pPr>
+                      <a:r>
+                        <a:rPr lang="en-US" altLang="zh-CN"/>
+                        <a:t>Note</a:t>
+                      </a:r>
+                      <a:endParaRPr lang="en-US" altLang="zh-CN"/>
+                    </a:p>
+                  </a:txBody>
+                  <a:tcPr/>
+                </a:tc>
+              </a:tr>
+              <a:tr h="486410">
+                <a:tc>
+                  <a:txBody>
+                    <a:bodyPr/>
+                    <a:p>
+                      <a:pPr>
+                        <a:buNone/>
+                      </a:pPr>
+                      <a:r>
+                        <a:rPr lang="en-US" altLang="zh-CN"/>
+                        <a:t>Remove audio from video</a:t>
+                      </a:r>
+                      <a:endParaRPr lang="en-US" altLang="zh-CN"/>
+                    </a:p>
+                  </a:txBody>
+                  <a:tcPr/>
+                </a:tc>
+                <a:tc>
+                  <a:txBody>
+                    <a:bodyPr/>
+                    <a:p>
+                      <a:pPr>
+                        <a:buNone/>
+                      </a:pPr>
+                      <a:r>
+                        <a:rPr lang="zh-CN" altLang="en-US"/>
+                        <a:t>ffmpeg -i </a:t>
+                      </a:r>
+                      <a:r>
+                        <a:rPr lang="en-US" altLang="zh-CN"/>
+                        <a:t>input</a:t>
+                      </a:r>
+                      <a:r>
+                        <a:rPr lang="zh-CN" altLang="en-US"/>
+                        <a:t>.avi -vcodec copy -an </a:t>
+                      </a:r>
+                      <a:r>
+                        <a:rPr lang="en-US" altLang="zh-CN"/>
+                        <a:t>output.avi</a:t>
+                      </a:r>
+                      <a:endParaRPr lang="en-US" altLang="zh-CN"/>
+                    </a:p>
+                  </a:txBody>
+                  <a:tcPr/>
+                </a:tc>
+                <a:tc>
+                  <a:txBody>
+                    <a:bodyPr/>
+                    <a:p>
+                      <a:pPr>
+                        <a:buNone/>
+                      </a:pPr>
+                      <a:endParaRPr lang="zh-CN" altLang="en-US"/>
+                    </a:p>
+                  </a:txBody>
+                  <a:tcPr/>
+                </a:tc>
+              </a:tr>
+              <a:tr h="274955">
+                <a:tc>
+                  <a:txBody>
+                    <a:bodyPr/>
+                    <a:p>
+                      <a:pPr>
+                        <a:buNone/>
+                      </a:pPr>
+                      <a:r>
+                        <a:rPr lang="en-US" altLang="zh-CN"/>
+                        <a:t>Merge audi</a:t>
+                      </a:r>
+                      <a:r>
+                        <a:rPr lang="en-US" altLang="zh-CN"/>
+                        <a:t>o and video</a:t>
+                      </a:r>
+                      <a:endParaRPr lang="en-US" altLang="zh-CN"/>
+                    </a:p>
+                  </a:txBody>
+                  <a:tcPr/>
+                </a:tc>
+                <a:tc>
+                  <a:txBody>
+                    <a:bodyPr/>
+                    <a:p>
+                      <a:pPr>
+                        <a:buNone/>
+                      </a:pPr>
+                      <a:r>
+                        <a:rPr lang="en-US" altLang="zh-CN"/>
+                        <a:t>ffmpeg -i audio.mp3 -i input.mp4 output.mp4</a:t>
+                      </a:r>
+                      <a:endParaRPr lang="en-US" altLang="zh-CN"/>
+                    </a:p>
+                  </a:txBody>
+                  <a:tcPr/>
+                </a:tc>
+                <a:tc>
+                  <a:txBody>
+                    <a:bodyPr/>
+                    <a:p>
+                      <a:pPr>
+                        <a:buNone/>
+                      </a:pPr>
+                      <a:endParaRPr lang="zh-CN" altLang="en-US"/>
+                    </a:p>
+                  </a:txBody>
+                  <a:tcPr/>
+                </a:tc>
+              </a:tr>
+              <a:tr h="291465">
+                <a:tc>
+                  <a:txBody>
+                    <a:bodyPr/>
+                    <a:p>
+                      <a:pPr>
+                        <a:buNone/>
+                      </a:pPr>
+                      <a:r>
+                        <a:rPr lang="en-US" altLang="zh-CN"/>
+                        <a:t>Change video size</a:t>
+                      </a:r>
+                      <a:endParaRPr lang="en-US" altLang="zh-CN"/>
+                    </a:p>
+                  </a:txBody>
+                  <a:tcPr/>
+                </a:tc>
+                <a:tc>
+                  <a:txBody>
+                    <a:bodyPr/>
+                    <a:p>
+                      <a:pPr marL="0" lvl="2">
+                        <a:buNone/>
+                      </a:pPr>
+                      <a:r>
+                        <a:rPr lang="en-US" altLang="zh-CN" sz="1800">
+                          <a:sym typeface="+mn-ea"/>
+                        </a:rPr>
+                        <a:t>ffmpeg -i input.avi -s 720x480 -c:a copy output.avi</a:t>
+                      </a:r>
+                      <a:endParaRPr lang="en-US" altLang="zh-CN" sz="1800">
+                        <a:sym typeface="+mn-ea"/>
+                      </a:endParaRPr>
+                    </a:p>
+                    <a:p>
+                      <a:pPr marL="0" lvl="2">
+                        <a:buNone/>
+                      </a:pPr>
+                      <a:r>
+                        <a:rPr lang="en-US" altLang="zh-CN" sz="1800">
+                          <a:sym typeface="+mn-ea"/>
+                        </a:rPr>
+                        <a:t>ffmpeg -i input.avi -filter:v scale=720:-1 -c:a copy output.avi</a:t>
+                      </a:r>
+                      <a:endParaRPr lang="en-US" altLang="zh-CN"/>
+                    </a:p>
+                  </a:txBody>
+                  <a:tcPr/>
+                </a:tc>
+                <a:tc>
+                  <a:txBody>
+                    <a:bodyPr/>
+                    <a:p>
+                      <a:pPr>
+                        <a:buNone/>
+                      </a:pPr>
+                      <a:endParaRPr lang="zh-CN" altLang="en-US"/>
+                    </a:p>
+                  </a:txBody>
+                  <a:tcPr/>
+                </a:tc>
+              </a:tr>
+              <a:tr h="250190">
+                <a:tc>
+                  <a:txBody>
+                    <a:bodyPr/>
+                    <a:p>
+                      <a:pPr>
+                        <a:buNone/>
+                      </a:pPr>
+                      <a:r>
+                        <a:rPr lang="en-US" altLang="zh-CN"/>
+                        <a:t>Crop video</a:t>
+                      </a:r>
+                      <a:endParaRPr lang="en-US" altLang="zh-CN"/>
+                    </a:p>
+                  </a:txBody>
+                  <a:tcPr/>
+                </a:tc>
+                <a:tc>
+                  <a:txBody>
+                    <a:bodyPr/>
+                    <a:p>
+                      <a:pPr>
+                        <a:buNone/>
+                      </a:pPr>
+                      <a:r>
+                        <a:rPr lang="en-US" altLang="zh-CN" sz="1800">
+                          <a:sym typeface="+mn-ea"/>
+                        </a:rPr>
+                        <a:t>ffmpeg -i input.mp4 -filter:v "crop=w:h:x:y" output.mp4</a:t>
+                      </a:r>
+                      <a:endParaRPr lang="zh-CN" altLang="en-US"/>
+                    </a:p>
+                  </a:txBody>
+                  <a:tcPr/>
+                </a:tc>
+                <a:tc>
+                  <a:txBody>
+                    <a:bodyPr/>
+                    <a:p>
+                      <a:pPr>
+                        <a:buNone/>
+                      </a:pPr>
+                      <a:endParaRPr lang="zh-CN" altLang="en-US"/>
+                    </a:p>
+                  </a:txBody>
+                  <a:tcPr/>
+                </a:tc>
+              </a:tr>
+              <a:tr h="421005">
+                <a:tc>
+                  <a:txBody>
+                    <a:bodyPr/>
+                    <a:p>
+                      <a:pPr>
+                        <a:buNone/>
+                      </a:pPr>
+                      <a:r>
+                        <a:rPr lang="en-US" altLang="zh-CN"/>
+                        <a:t>Change fps</a:t>
+                      </a:r>
+                      <a:endParaRPr lang="en-US" altLang="zh-CN"/>
+                    </a:p>
+                  </a:txBody>
+                  <a:tcPr/>
+                </a:tc>
+                <a:tc>
+                  <a:txBody>
+                    <a:bodyPr/>
+                    <a:p>
+                      <a:pPr>
+                        <a:buNone/>
+                      </a:pPr>
+                      <a:r>
+                        <a:rPr lang="en-US" altLang="zh-CN" sz="1800">
+                          <a:sym typeface="+mn-ea"/>
+                        </a:rPr>
+                        <a:t>ffmpeg -i input.mp4 -r 30 output.mp4</a:t>
+                      </a:r>
+                      <a:endParaRPr lang="zh-CN" altLang="en-US"/>
+                    </a:p>
+                  </a:txBody>
+                  <a:tcPr/>
+                </a:tc>
+                <a:tc>
+                  <a:txBody>
+                    <a:bodyPr/>
+                    <a:p>
+                      <a:pPr>
+                        <a:buNone/>
+                      </a:pPr>
+                      <a:r>
+                        <a:rPr lang="en-US" altLang="zh-CN" sz="1800">
+                          <a:sym typeface="+mn-ea"/>
+                        </a:rPr>
+                        <a:t>video lengh not changed, frames added or removed</a:t>
+                      </a:r>
+                      <a:endParaRPr lang="zh-CN" altLang="en-US"/>
+                    </a:p>
+                  </a:txBody>
+                  <a:tcPr/>
+                </a:tc>
+              </a:tr>
+              <a:tr h="551815">
+                <a:tc>
+                  <a:txBody>
+                    <a:bodyPr/>
+                    <a:p>
+                      <a:pPr>
+                        <a:buNone/>
+                      </a:pPr>
+                      <a:r>
+                        <a:rPr lang="en-US" altLang="zh-CN" sz="1800">
+                          <a:sym typeface="+mn-ea"/>
+                        </a:rPr>
+                        <a:t>Add logo to video (bottom-right)</a:t>
+                      </a:r>
+                      <a:endParaRPr lang="zh-CN" altLang="en-US"/>
+                    </a:p>
+                  </a:txBody>
+                  <a:tcPr/>
+                </a:tc>
+                <a:tc>
+                  <a:txBody>
+                    <a:bodyPr/>
+                    <a:p>
+                      <a:pPr>
+                        <a:buNone/>
+                      </a:pPr>
+                      <a:r>
+                        <a:rPr lang="zh-CN" altLang="en-US" sz="1800">
+                          <a:sym typeface="+mn-ea"/>
+                        </a:rPr>
+                        <a:t>ffmpeg -i vt.mp4 -i vhuantech-org.png -filter_complex "overlay=W-w-5:H-h-5" -codec:a copy TempleOfHeaven.mp4</a:t>
+                      </a:r>
+                      <a:endParaRPr lang="zh-CN" altLang="en-US"/>
+                    </a:p>
+                  </a:txBody>
+                  <a:tcPr/>
+                </a:tc>
+                <a:tc>
+                  <a:txBody>
+                    <a:bodyPr/>
+                    <a:p>
+                      <a:pPr>
+                        <a:buNone/>
+                      </a:pPr>
+                      <a:endParaRPr lang="zh-CN" altLang="en-US"/>
+                    </a:p>
+                  </a:txBody>
+                  <a:tcPr/>
+                </a:tc>
+              </a:tr>
+              <a:tr h="405765">
+                <a:tc>
+                  <a:txBody>
+                    <a:bodyPr/>
+                    <a:p>
+                      <a:pPr>
+                        <a:buNone/>
+                      </a:pPr>
+                      <a:r>
+                        <a:rPr lang="en-US" altLang="zh-CN"/>
+                        <a:t>Speed up or slow down</a:t>
+                      </a:r>
+                      <a:endParaRPr lang="en-US" altLang="zh-CN"/>
+                    </a:p>
+                  </a:txBody>
+                  <a:tcPr/>
+                </a:tc>
+                <a:tc>
+                  <a:txBody>
+                    <a:bodyPr/>
+                    <a:p>
+                      <a:pPr>
+                        <a:buNone/>
+                      </a:pPr>
+                      <a:r>
+                        <a:rPr lang="en-US" altLang="zh-CN" sz="1800">
+                          <a:sym typeface="+mn-ea"/>
+                        </a:rPr>
+                        <a:t>ffmpeg -i input.mp4 -filter:v “setpts=0.6*PTS” output.mp4</a:t>
+                      </a:r>
+                      <a:endParaRPr lang="zh-CN" altLang="en-US"/>
+                    </a:p>
+                  </a:txBody>
+                  <a:tcPr/>
+                </a:tc>
+                <a:tc>
+                  <a:txBody>
+                    <a:bodyPr/>
+                    <a:p>
+                      <a:pPr>
+                        <a:buNone/>
+                      </a:pPr>
+                      <a:r>
+                        <a:rPr lang="en-US" altLang="zh-CN" sz="1800">
+                          <a:sym typeface="+mn-ea"/>
+                        </a:rPr>
+                        <a:t>fps not changed, video length changed, frames added or removed</a:t>
+                      </a:r>
+                      <a:endParaRPr lang="zh-CN" altLang="en-US"/>
+                    </a:p>
+                  </a:txBody>
+                  <a:tcPr/>
+                </a:tc>
+              </a:tr>
+            </a:tbl>
+          </a:graphicData>
+        </a:graphic>
+      </p:graphicFrame>
+    </p:spTree>
+    <p:custDataLst>
+      <p:tags r:id="rId2"/>
+    </p:custDataLst>
+  </p:cSld>
+  <p:clrMapOvr>
+    <a:masterClrMapping/>
+  </p:clrMapOvr>
+</p:sld>
+</file>
+
+<file path=ppt/slides/slide9.xml><?xml version="1.0" encoding="utf-8"?>
+<p:sld xmlns:a="http://schemas.openxmlformats.org/drawingml/2006/main" xmlns:r="http://schemas.openxmlformats.org/officeDocument/2006/relationships" xmlns:p="http://schemas.openxmlformats.org/presentationml/2006/main">
+  <p:cSld>
+    <p:spTree>
+      <p:nvGrpSpPr>
+        <p:cNvPr id="1" name=""/>
+        <p:cNvGrpSpPr/>
+        <p:nvPr/>
+      </p:nvGrpSpPr>
+      <p:grpSpPr/>
+      <p:sp>
+        <p:nvSpPr>
+          <p:cNvPr id="2" name="标题 1"/>
+          <p:cNvSpPr>
+            <a:spLocks noGrp="1"/>
+          </p:cNvSpPr>
+          <p:nvPr>
+            <p:ph type="title"/>
+          </p:nvPr>
+        </p:nvSpPr>
+        <p:spPr/>
+        <p:txBody>
+          <a:bodyPr/>
+          <a:p>
             <a:r>
               <a:rPr lang="en-US" altLang="zh-CN"/>
-              <a:t>https://developer.apple.com/library/archive/documentation/AppleApplications/Reference/SafariWebContent/CreatingVideoforSafarioniPhone/CreatingVideoforSafarioniPhone.html#//apple_ref/doc/uid/TP40006514-SW6</a:t>
+              <a:t>FFMPEG 3/3</a:t>
             </a:r>
             <a:endParaRPr lang="en-US" altLang="zh-CN"/>
           </a:p>
-          <a:p>
-            <a:r>
-              <a:rPr lang="en-US" altLang="zh-CN"/>
-              <a:t>Supported</a:t>
-            </a:r>
-            <a:endParaRPr lang="en-US" altLang="zh-CN"/>
-          </a:p>
-          <a:p>
-            <a:pPr lvl="1"/>
-            <a:r>
-              <a:rPr lang="en-US" altLang="zh-CN"/>
-              <a:t>H.264 Baseline Profile Level 3.0 video, up to 640 x 480 at 30 fps. Note that B frames are not supported in the Baseline profile</a:t>
-            </a:r>
-            <a:endParaRPr lang="en-US" altLang="zh-CN"/>
-          </a:p>
-          <a:p>
-            <a:pPr lvl="1"/>
-            <a:r>
-              <a:rPr lang="en-US" altLang="zh-CN"/>
-              <a:t>MPEG-4 Part 2 video (Simple Profile)</a:t>
-            </a:r>
-            <a:endParaRPr lang="en-US" altLang="zh-CN"/>
-          </a:p>
-          <a:p>
-            <a:pPr lvl="1"/>
-            <a:r>
-              <a:rPr lang="en-US" altLang="zh-CN"/>
-              <a:t>AAC-LC audio, up to 48 kHz</a:t>
-            </a:r>
-            <a:endParaRPr lang="en-US" altLang="zh-CN"/>
-          </a:p>
-          <a:p>
-            <a:pPr lvl="1"/>
-            <a:r>
-              <a:rPr lang="en-US" altLang="zh-CN"/>
-              <a:t>.mov, .mp4, .m4v, and .3gp are supported</a:t>
-            </a:r>
-            <a:endParaRPr lang="en-US" altLang="zh-CN"/>
-          </a:p>
-          <a:p>
-            <a:pPr lvl="0"/>
-            <a:r>
-              <a:rPr lang="en-US" altLang="zh-CN"/>
-              <a:t>Server</a:t>
-            </a:r>
-            <a:endParaRPr lang="en-US" altLang="zh-CN"/>
-          </a:p>
-          <a:p>
-            <a:pPr lvl="1"/>
-            <a:r>
-              <a:rPr lang="en-US" altLang="zh-CN"/>
-              <a:t>Must support byte-range requests</a:t>
-            </a:r>
-            <a:endParaRPr lang="en-US" altLang="zh-CN"/>
-          </a:p>
-          <a:p>
-            <a:pPr lvl="2"/>
-            <a:r>
-              <a:rPr lang="en-US" altLang="zh-CN"/>
-              <a:t>curl --range 0-99 http://example.com/test.mov -o /dev/null</a:t>
-            </a:r>
-            <a:endParaRPr lang="en-US" altLang="zh-CN"/>
-          </a:p>
-        </p:txBody>
-      </p:sp>
-      <p:pic>
-        <p:nvPicPr>
-          <p:cNvPr id="4" name="图片 3" descr="export_iphone_dialog"/>
-          <p:cNvPicPr>
-            <a:picLocks noChangeAspect="1"/>
-          </p:cNvPicPr>
-          <p:nvPr/>
-        </p:nvPicPr>
-        <p:blipFill>
-          <a:blip r:embed="rId1"/>
-          <a:stretch>
-            <a:fillRect/>
-          </a:stretch>
-        </p:blipFill>
-        <p:spPr>
-          <a:xfrm>
-            <a:off x="7904480" y="1211580"/>
-            <a:ext cx="4072890" cy="3997325"/>
-          </a:xfrm>
-          <a:prstGeom prst="rect">
-            <a:avLst/>
-          </a:prstGeom>
-        </p:spPr>
-      </p:pic>
+        </p:txBody>
+      </p:sp>
+      <p:graphicFrame>
+        <p:nvGraphicFramePr>
+          <p:cNvPr id="6" name="表格 5"/>
+          <p:cNvGraphicFramePr/>
+          <p:nvPr>
+            <p:custDataLst>
+              <p:tags r:id="rId1"/>
+            </p:custDataLst>
+          </p:nvPr>
+        </p:nvGraphicFramePr>
+        <p:xfrm>
+          <a:off x="676275" y="1177925"/>
+          <a:ext cx="11256645" cy="5608955"/>
+        </p:xfrm>
+        <a:graphic>
+          <a:graphicData uri="http://schemas.openxmlformats.org/drawingml/2006/table">
+            <a:tbl>
+              <a:tblPr firstRow="1" bandRow="1">
+                <a:tableStyleId>{5C22544A-7EE6-4342-B048-85BDC9FD1C3A}</a:tableStyleId>
+              </a:tblPr>
+              <a:tblGrid>
+                <a:gridCol w="2225675"/>
+                <a:gridCol w="6471920"/>
+                <a:gridCol w="2559050"/>
+              </a:tblGrid>
+              <a:tr h="365760">
+                <a:tc>
+                  <a:txBody>
+                    <a:bodyPr/>
+                    <a:p>
+                      <a:pPr algn="ctr">
+                        <a:buNone/>
+                      </a:pPr>
+                      <a:r>
+                        <a:rPr lang="en-US" altLang="zh-CN"/>
+                        <a:t>Task</a:t>
+                      </a:r>
+                      <a:endParaRPr lang="en-US" altLang="zh-CN"/>
+                    </a:p>
+                  </a:txBody>
+                  <a:tcPr/>
+                </a:tc>
+                <a:tc>
+                  <a:txBody>
+                    <a:bodyPr/>
+                    <a:p>
+                      <a:pPr algn="ctr">
+                        <a:buNone/>
+                      </a:pPr>
+                      <a:r>
+                        <a:rPr lang="en-US" altLang="zh-CN"/>
+                        <a:t>Commands</a:t>
+                      </a:r>
+                      <a:endParaRPr lang="en-US" altLang="zh-CN"/>
+                    </a:p>
+                  </a:txBody>
+                  <a:tcPr/>
+                </a:tc>
+                <a:tc>
+                  <a:txBody>
+                    <a:bodyPr/>
+                    <a:p>
+                      <a:pPr algn="ctr">
+                        <a:buNone/>
+                      </a:pPr>
+                      <a:r>
+                        <a:rPr lang="en-US" altLang="zh-CN"/>
+                        <a:t>Note</a:t>
+                      </a:r>
+                      <a:endParaRPr lang="en-US" altLang="zh-CN"/>
+                    </a:p>
+                  </a:txBody>
+                  <a:tcPr/>
+                </a:tc>
+              </a:tr>
+              <a:tr h="400050">
+                <a:tc>
+                  <a:txBody>
+                    <a:bodyPr/>
+                    <a:p>
+                      <a:pPr>
+                        <a:buNone/>
+                      </a:pPr>
+                      <a:r>
+                        <a:rPr lang="zh-CN" altLang="en-US"/>
+                        <a:t>从</a:t>
+                      </a:r>
+                      <a:r>
+                        <a:rPr lang="en-US" altLang="zh-CN"/>
+                        <a:t>MP4</a:t>
+                      </a:r>
+                      <a:r>
+                        <a:rPr lang="zh-CN" altLang="en-US"/>
+                        <a:t>中提取声音</a:t>
+                      </a:r>
+                      <a:endParaRPr lang="zh-CN" altLang="en-US"/>
+                    </a:p>
+                  </a:txBody>
+                  <a:tcPr/>
+                </a:tc>
+                <a:tc>
+                  <a:txBody>
+                    <a:bodyPr/>
+                    <a:p>
+                      <a:pPr>
+                        <a:buNone/>
+                      </a:pPr>
+                      <a:r>
+                        <a:rPr lang="en-US" altLang="zh-CN"/>
+                        <a:t>ffmpeg -i input.mp4 -vn output</a:t>
+                      </a:r>
+                      <a:r>
+                        <a:rPr lang="en-US" altLang="zh-CN"/>
+                        <a:t>.mp3</a:t>
+                      </a:r>
+                      <a:endParaRPr lang="en-US" altLang="zh-CN"/>
+                    </a:p>
+                  </a:txBody>
+                  <a:tcPr/>
+                </a:tc>
+                <a:tc>
+                  <a:txBody>
+                    <a:bodyPr/>
+                    <a:p>
+                      <a:pPr>
+                        <a:buNone/>
+                      </a:pPr>
+                      <a:endParaRPr lang="zh-CN" altLang="en-US"/>
+                    </a:p>
+                  </a:txBody>
+                  <a:tcPr/>
+                </a:tc>
+              </a:tr>
+              <a:tr h="640080">
+                <a:tc>
+                  <a:txBody>
+                    <a:bodyPr/>
+                    <a:p>
+                      <a:pPr>
+                        <a:buNone/>
+                      </a:pPr>
+                      <a:r>
+                        <a:rPr lang="en-US" altLang="zh-CN"/>
+                        <a:t>Add subtitle</a:t>
+                      </a:r>
+                      <a:endParaRPr lang="en-US" altLang="zh-CN"/>
+                    </a:p>
+                  </a:txBody>
+                  <a:tcPr/>
+                </a:tc>
+                <a:tc>
+                  <a:txBody>
+                    <a:bodyPr/>
+                    <a:p>
+                      <a:pPr>
+                        <a:buNone/>
+                      </a:pPr>
+                      <a:r>
+                        <a:rPr lang="zh-CN" altLang="en-US"/>
+                        <a:t>ffmpeg -i </a:t>
+                      </a:r>
+                      <a:r>
+                        <a:rPr lang="en-US" altLang="zh-CN"/>
+                        <a:t>input</a:t>
+                      </a:r>
+                      <a:r>
+                        <a:rPr lang="zh-CN" altLang="en-US"/>
+                        <a:t>.avi -vf subtitles=subtitle.srt out</a:t>
+                      </a:r>
+                      <a:r>
+                        <a:rPr lang="en-US" altLang="zh-CN"/>
+                        <a:t>put</a:t>
+                      </a:r>
+                      <a:r>
+                        <a:rPr lang="zh-CN" altLang="en-US"/>
+                        <a:t>.avi</a:t>
+                      </a:r>
+                      <a:endParaRPr lang="zh-CN" altLang="en-US"/>
+                    </a:p>
+                    <a:p>
+                      <a:pPr>
+                        <a:buNone/>
+                      </a:pPr>
+                      <a:r>
+                        <a:rPr lang="zh-CN" altLang="en-US" sz="1800">
+                          <a:sym typeface="+mn-ea"/>
+                        </a:rPr>
+                        <a:t>ffmpeg -i </a:t>
+                      </a:r>
+                      <a:r>
+                        <a:rPr lang="en-US" altLang="zh-CN" sz="1800">
+                          <a:sym typeface="+mn-ea"/>
+                        </a:rPr>
+                        <a:t>input</a:t>
+                      </a:r>
+                      <a:r>
+                        <a:rPr lang="zh-CN" altLang="en-US" sz="1800">
+                          <a:sym typeface="+mn-ea"/>
+                        </a:rPr>
+                        <a:t>.avi -vf </a:t>
+                      </a:r>
+                      <a:r>
+                        <a:rPr lang="en-US" altLang="zh-CN" sz="1800">
+                          <a:sym typeface="+mn-ea"/>
+                        </a:rPr>
+                        <a:t>“ass=subtitle.ass”</a:t>
+                      </a:r>
+                      <a:r>
+                        <a:rPr lang="zh-CN" altLang="en-US" sz="1800">
+                          <a:sym typeface="+mn-ea"/>
+                        </a:rPr>
+                        <a:t> out</a:t>
+                      </a:r>
+                      <a:r>
+                        <a:rPr lang="en-US" altLang="zh-CN" sz="1800">
+                          <a:sym typeface="+mn-ea"/>
+                        </a:rPr>
+                        <a:t>put</a:t>
+                      </a:r>
+                      <a:r>
+                        <a:rPr lang="zh-CN" altLang="en-US" sz="1800">
+                          <a:sym typeface="+mn-ea"/>
+                        </a:rPr>
+                        <a:t>.avi</a:t>
+                      </a:r>
+                      <a:endParaRPr lang="zh-CN" altLang="en-US"/>
+                    </a:p>
+                  </a:txBody>
+                  <a:tcPr/>
+                </a:tc>
+                <a:tc>
+                  <a:txBody>
+                    <a:bodyPr/>
+                    <a:p>
+                      <a:pPr>
+                        <a:buNone/>
+                      </a:pPr>
+                      <a:endParaRPr lang="zh-CN" altLang="en-US"/>
+                    </a:p>
+                  </a:txBody>
+                  <a:tcPr/>
+                </a:tc>
+              </a:tr>
+              <a:tr h="2011680">
+                <a:tc>
+                  <a:txBody>
+                    <a:bodyPr/>
+                    <a:p>
+                      <a:pPr>
+                        <a:buNone/>
+                      </a:pPr>
+                      <a:r>
+                        <a:rPr lang="en-US" altLang="zh-CN"/>
+                        <a:t>Set h264 encoding params</a:t>
+                      </a:r>
+                      <a:endParaRPr lang="en-US" altLang="zh-CN"/>
+                    </a:p>
+                  </a:txBody>
+                  <a:tcPr/>
+                </a:tc>
+                <a:tc>
+                  <a:txBody>
+                    <a:bodyPr/>
+                    <a:p>
+                      <a:pPr marL="0" lvl="2">
+                        <a:buNone/>
+                      </a:pPr>
+                      <a:r>
+                        <a:rPr lang="en-US" altLang="zh-CN"/>
+                        <a:t>ffmpeg -c:v libx264 -profile:v high/main/baseline -level:v 4.0</a:t>
+                      </a:r>
+                      <a:endParaRPr lang="en-US" altLang="zh-CN"/>
+                    </a:p>
+                    <a:p>
+                      <a:pPr marL="0" lvl="2">
+                        <a:buNone/>
+                      </a:pPr>
+                      <a:r>
+                        <a:rPr lang="en-US" altLang="zh-CN"/>
+                        <a:t>-crf 0~51 (constant rate factor, default 23, 0 lossless, 17/18 nearly lossless)</a:t>
+                      </a:r>
+                      <a:endParaRPr lang="en-US" altLang="zh-CN"/>
+                    </a:p>
+                    <a:p>
+                      <a:pPr marL="0" lvl="2">
+                        <a:buNone/>
+                      </a:pPr>
+                      <a:r>
+                        <a:rPr lang="en-US" altLang="zh-CN"/>
+                        <a:t>// profile: video compression features the player must support</a:t>
+                      </a:r>
+                      <a:endParaRPr lang="en-US" altLang="zh-CN"/>
+                    </a:p>
+                    <a:p>
+                      <a:pPr marL="0" lvl="2">
+                        <a:buNone/>
+                      </a:pPr>
+                      <a:r>
+                        <a:rPr lang="en-US" altLang="zh-CN"/>
+                        <a:t>// level: defines the peak bitrate the player can handle, along with the maximum resolution, and the maximum number of reference frames held in memory during playback</a:t>
+                      </a:r>
+                      <a:endParaRPr lang="en-US" altLang="zh-CN"/>
+                    </a:p>
+                  </a:txBody>
+                  <a:tcPr/>
+                </a:tc>
+                <a:tc>
+                  <a:txBody>
+                    <a:bodyPr/>
+                    <a:p>
+                      <a:pPr>
+                        <a:buNone/>
+                      </a:pPr>
+                      <a:endParaRPr lang="zh-CN" altLang="en-US"/>
+                    </a:p>
+                  </a:txBody>
+                  <a:tcPr/>
+                </a:tc>
+              </a:tr>
+              <a:tr h="640080">
+                <a:tc>
+                  <a:txBody>
+                    <a:bodyPr/>
+                    <a:p>
+                      <a:pPr>
+                        <a:buNone/>
+                      </a:pPr>
+                      <a:r>
+                        <a:rPr lang="en-US" altLang="zh-CN" sz="1800">
+                          <a:sym typeface="+mn-ea"/>
+                        </a:rPr>
+                        <a:t>Padding</a:t>
+                      </a:r>
+                      <a:endParaRPr lang="en-US" altLang="zh-CN"/>
+                    </a:p>
+                  </a:txBody>
+                  <a:tcPr/>
+                </a:tc>
+                <a:tc>
+                  <a:txBody>
+                    <a:bodyPr/>
+                    <a:p>
+                      <a:pPr>
+                        <a:buNone/>
+                      </a:pPr>
+                      <a:r>
+                        <a:rPr lang="en-US" altLang="zh-CN" sz="1800">
+                          <a:sym typeface="+mn-ea"/>
+                        </a:rPr>
+                        <a:t>ffmpeg -i in.mp4 -vf “pad=width=800:height=600:x=10:y=75:color=black” out.mp4</a:t>
+                      </a:r>
+                      <a:endParaRPr lang="zh-CN" altLang="en-US"/>
+                    </a:p>
+                  </a:txBody>
+                  <a:tcPr/>
+                </a:tc>
+                <a:tc>
+                  <a:txBody>
+                    <a:bodyPr/>
+                    <a:p>
+                      <a:pPr>
+                        <a:buNone/>
+                      </a:pPr>
+                      <a:r>
+                        <a:rPr lang="en-US" altLang="zh-CN" sz="1800">
+                          <a:sym typeface="+mn-ea"/>
+                        </a:rPr>
+                        <a:t>x/y: start placing point of the original frame</a:t>
+                      </a:r>
+                      <a:endParaRPr lang="zh-CN" altLang="en-US"/>
+                    </a:p>
+                  </a:txBody>
+                  <a:tcPr/>
+                </a:tc>
+              </a:tr>
+              <a:tr h="365760">
+                <a:tc>
+                  <a:txBody>
+                    <a:bodyPr/>
+                    <a:p>
+                      <a:pPr>
+                        <a:buNone/>
+                      </a:pPr>
+                      <a:r>
+                        <a:rPr lang="en-US" altLang="zh-CN"/>
+                        <a:t>Web video</a:t>
+                      </a:r>
+                      <a:endParaRPr lang="en-US" altLang="zh-CN"/>
+                    </a:p>
+                  </a:txBody>
+                  <a:tcPr/>
+                </a:tc>
+                <a:tc>
+                  <a:txBody>
+                    <a:bodyPr/>
+                    <a:p>
+                      <a:pPr>
+                        <a:buNone/>
+                      </a:pPr>
+                      <a:r>
+                        <a:rPr lang="zh-CN" altLang="en-US"/>
+                        <a:t>-movflags +faststart</a:t>
+                      </a:r>
+                      <a:endParaRPr lang="zh-CN" altLang="en-US"/>
+                    </a:p>
+                  </a:txBody>
+                  <a:tcPr/>
+                </a:tc>
+                <a:tc>
+                  <a:txBody>
+                    <a:bodyPr/>
+                    <a:p>
+                      <a:pPr>
+                        <a:buNone/>
+                      </a:pPr>
+                      <a:endParaRPr lang="zh-CN" altLang="en-US"/>
+                    </a:p>
+                  </a:txBody>
+                  <a:tcPr/>
+                </a:tc>
+              </a:tr>
+              <a:tr h="365760">
+                <a:tc>
+                  <a:txBody>
+                    <a:bodyPr/>
+                    <a:p>
+                      <a:pPr>
+                        <a:buNone/>
+                      </a:pPr>
+                      <a:endParaRPr lang="en-US" altLang="zh-CN"/>
+                    </a:p>
+                  </a:txBody>
+                  <a:tcPr/>
+                </a:tc>
+                <a:tc>
+                  <a:txBody>
+                    <a:bodyPr/>
+                    <a:p>
+                      <a:pPr>
+                        <a:buNone/>
+                      </a:pPr>
+                      <a:endParaRPr lang="zh-CN" altLang="en-US"/>
+                    </a:p>
+                  </a:txBody>
+                  <a:tcPr/>
+                </a:tc>
+                <a:tc>
+                  <a:txBody>
+                    <a:bodyPr/>
+                    <a:p>
+                      <a:pPr>
+                        <a:buNone/>
+                      </a:pPr>
+                      <a:endParaRPr lang="zh-CN" altLang="en-US"/>
+                    </a:p>
+                  </a:txBody>
+                  <a:tcPr/>
+                </a:tc>
+              </a:tr>
+              <a:tr h="365760">
+                <a:tc>
+                  <a:txBody>
+                    <a:bodyPr/>
+                    <a:p>
+                      <a:pPr>
+                        <a:buNone/>
+                      </a:pPr>
+                      <a:endParaRPr lang="en-US" altLang="zh-CN"/>
+                    </a:p>
+                  </a:txBody>
+                  <a:tcPr/>
+                </a:tc>
+                <a:tc>
+                  <a:txBody>
+                    <a:bodyPr/>
+                    <a:p>
+                      <a:pPr>
+                        <a:buNone/>
+                      </a:pPr>
+                      <a:endParaRPr lang="zh-CN" altLang="en-US"/>
+                    </a:p>
+                  </a:txBody>
+                  <a:tcPr/>
+                </a:tc>
+                <a:tc>
+                  <a:txBody>
+                    <a:bodyPr/>
+                    <a:p>
+                      <a:pPr>
+                        <a:buNone/>
+                      </a:pPr>
+                      <a:endParaRPr lang="zh-CN" altLang="en-US"/>
+                    </a:p>
+                  </a:txBody>
+                  <a:tcPr/>
+                </a:tc>
+              </a:tr>
+            </a:tbl>
+          </a:graphicData>
+        </a:graphic>
+      </p:graphicFrame>
     </p:spTree>
     <p:custDataLst>
       <p:tags r:id="rId2"/>
@@ -5228,9 +7176,7 @@
 
 <file path=ppt/tags/tag12.xml><?xml version="1.0" encoding="utf-8"?>
 <p:tagLst xmlns:p="http://schemas.openxmlformats.org/presentationml/2006/main">
-  <p:tag name="KSO_WM_BEAUTIFY_FLAG" val="#wm#"/>
-  <p:tag name="KSO_WM_TEMPLATE_CATEGORY" val="custom"/>
-  <p:tag name="KSO_WM_TEMPLATE_INDEX" val="160402"/>
+  <p:tag name="KSO_WM_UNIT_TABLE_BEAUTIFY" val="smartTable{b25ac203-39bb-4432-8512-8af5b043ea5c}"/>
 </p:tagLst>
 </file>
 
@@ -5250,9 +7196,82 @@
 </p:tagLst>
 </file>
 
+<file path=ppt/tags/tag15.xml><?xml version="1.0" encoding="utf-8"?>
+<p:tagLst xmlns:p="http://schemas.openxmlformats.org/presentationml/2006/main">
+  <p:tag name="KSO_WM_UNIT_TABLE_BEAUTIFY" val="smartTable{a8ef8be3-cc9c-4d18-9ded-adce915af36f}"/>
+</p:tagLst>
+</file>
+
+<file path=ppt/tags/tag16.xml><?xml version="1.0" encoding="utf-8"?>
+<p:tagLst xmlns:p="http://schemas.openxmlformats.org/presentationml/2006/main">
+  <p:tag name="KSO_WM_BEAUTIFY_FLAG" val="#wm#"/>
+  <p:tag name="KSO_WM_TEMPLATE_CATEGORY" val="custom"/>
+  <p:tag name="KSO_WM_TEMPLATE_INDEX" val="160402"/>
+</p:tagLst>
+</file>
+
+<file path=ppt/tags/tag17.xml><?xml version="1.0" encoding="utf-8"?>
+<p:tagLst xmlns:p="http://schemas.openxmlformats.org/presentationml/2006/main">
+  <p:tag name="KSO_WM_UNIT_TABLE_BEAUTIFY" val="smartTable{a8ef8be3-cc9c-4d18-9ded-adce915af36f}"/>
+</p:tagLst>
+</file>
+
+<file path=ppt/tags/tag18.xml><?xml version="1.0" encoding="utf-8"?>
+<p:tagLst xmlns:p="http://schemas.openxmlformats.org/presentationml/2006/main">
+  <p:tag name="KSO_WM_BEAUTIFY_FLAG" val="#wm#"/>
+  <p:tag name="KSO_WM_TEMPLATE_CATEGORY" val="custom"/>
+  <p:tag name="KSO_WM_TEMPLATE_INDEX" val="160402"/>
+</p:tagLst>
+</file>
+
+<file path=ppt/tags/tag19.xml><?xml version="1.0" encoding="utf-8"?>
+<p:tagLst xmlns:p="http://schemas.openxmlformats.org/presentationml/2006/main">
+  <p:tag name="KSO_WM_UNIT_TABLE_BEAUTIFY" val="smartTable{a8ef8be3-cc9c-4d18-9ded-adce915af36f}"/>
+</p:tagLst>
+</file>
+
 <file path=ppt/tags/tag2.xml><?xml version="1.0" encoding="utf-8"?>
 <p:tagLst xmlns:p="http://schemas.openxmlformats.org/presentationml/2006/main">
   <p:tag name="KSO_WM_TAG_VERSION" val="1.0"/>
+  <p:tag name="KSO_WM_TEMPLATE_CATEGORY" val="custom"/>
+  <p:tag name="KSO_WM_TEMPLATE_INDEX" val="160402"/>
+</p:tagLst>
+</file>
+
+<file path=ppt/tags/tag20.xml><?xml version="1.0" encoding="utf-8"?>
+<p:tagLst xmlns:p="http://schemas.openxmlformats.org/presentationml/2006/main">
+  <p:tag name="KSO_WM_BEAUTIFY_FLAG" val="#wm#"/>
+  <p:tag name="KSO_WM_TEMPLATE_CATEGORY" val="custom"/>
+  <p:tag name="KSO_WM_TEMPLATE_INDEX" val="160402"/>
+</p:tagLst>
+</file>
+
+<file path=ppt/tags/tag21.xml><?xml version="1.0" encoding="utf-8"?>
+<p:tagLst xmlns:p="http://schemas.openxmlformats.org/presentationml/2006/main">
+  <p:tag name="KSO_WM_BEAUTIFY_FLAG" val="#wm#"/>
+  <p:tag name="KSO_WM_TEMPLATE_CATEGORY" val="custom"/>
+  <p:tag name="KSO_WM_TEMPLATE_INDEX" val="160402"/>
+</p:tagLst>
+</file>
+
+<file path=ppt/tags/tag22.xml><?xml version="1.0" encoding="utf-8"?>
+<p:tagLst xmlns:p="http://schemas.openxmlformats.org/presentationml/2006/main">
+  <p:tag name="KSO_WM_BEAUTIFY_FLAG" val="#wm#"/>
+  <p:tag name="KSO_WM_TEMPLATE_CATEGORY" val="custom"/>
+  <p:tag name="KSO_WM_TEMPLATE_INDEX" val="160402"/>
+</p:tagLst>
+</file>
+
+<file path=ppt/tags/tag23.xml><?xml version="1.0" encoding="utf-8"?>
+<p:tagLst xmlns:p="http://schemas.openxmlformats.org/presentationml/2006/main">
+  <p:tag name="REFSHAPE" val="406339724"/>
+  <p:tag name="KSO_WM_UNIT_PLACING_PICTURE_USER_VIEWPORT" val="{&quot;height&quot;:1860,&quot;width&quot;:8385}"/>
+</p:tagLst>
+</file>
+
+<file path=ppt/tags/tag24.xml><?xml version="1.0" encoding="utf-8"?>
+<p:tagLst xmlns:p="http://schemas.openxmlformats.org/presentationml/2006/main">
+  <p:tag name="KSO_WM_BEAUTIFY_FLAG" val="#wm#"/>
   <p:tag name="KSO_WM_TEMPLATE_CATEGORY" val="custom"/>
   <p:tag name="KSO_WM_TEMPLATE_INDEX" val="160402"/>
 </p:tagLst>

--- a/Misc/Media-Notes.pptx
+++ b/Misc/Media-Notes.pptx
@@ -8,7 +8,7 @@
     <p:notesMasterId r:id="rId4"/>
   </p:notesMasterIdLst>
   <p:handoutMasterIdLst>
-    <p:handoutMasterId r:id="rId16"/>
+    <p:handoutMasterId r:id="rId17"/>
   </p:handoutMasterIdLst>
   <p:sldIdLst>
     <p:sldId id="256" r:id="rId3"/>
@@ -18,11 +18,12 @@
     <p:sldId id="277" r:id="rId8"/>
     <p:sldId id="260" r:id="rId9"/>
     <p:sldId id="261" r:id="rId10"/>
-    <p:sldId id="268" r:id="rId11"/>
-    <p:sldId id="273" r:id="rId12"/>
-    <p:sldId id="264" r:id="rId13"/>
-    <p:sldId id="267" r:id="rId14"/>
-    <p:sldId id="276" r:id="rId15"/>
+    <p:sldId id="285" r:id="rId11"/>
+    <p:sldId id="268" r:id="rId12"/>
+    <p:sldId id="273" r:id="rId13"/>
+    <p:sldId id="264" r:id="rId14"/>
+    <p:sldId id="267" r:id="rId15"/>
+    <p:sldId id="276" r:id="rId16"/>
   </p:sldIdLst>
   <p:sldSz cx="12192000" cy="6858000"/>
   <p:notesSz cx="6858000" cy="9144000"/>
@@ -3760,7 +3761,7 @@
             <a:pPr algn="ctr"/>
             <a:r>
               <a:rPr lang="en-US" altLang="zh-CN" dirty="0"/>
-              <a:t>Last updated: 2/2/2020</a:t>
+              <a:t>Last updated: 8/13/2020</a:t>
             </a:r>
             <a:endParaRPr lang="en-US" altLang="zh-CN" dirty="0"/>
           </a:p>
@@ -3778,6 +3779,558 @@
 </file>
 
 <file path=ppt/slides/slide10.xml><?xml version="1.0" encoding="utf-8"?>
+<p:sld xmlns:a="http://schemas.openxmlformats.org/drawingml/2006/main" xmlns:r="http://schemas.openxmlformats.org/officeDocument/2006/relationships" xmlns:p="http://schemas.openxmlformats.org/presentationml/2006/main">
+  <p:cSld>
+    <p:spTree>
+      <p:nvGrpSpPr>
+        <p:cNvPr id="1" name=""/>
+        <p:cNvGrpSpPr/>
+        <p:nvPr/>
+      </p:nvGrpSpPr>
+      <p:grpSpPr/>
+      <p:sp>
+        <p:nvSpPr>
+          <p:cNvPr id="2" name="标题 1"/>
+          <p:cNvSpPr>
+            <a:spLocks noGrp="1"/>
+          </p:cNvSpPr>
+          <p:nvPr>
+            <p:ph type="title"/>
+          </p:nvPr>
+        </p:nvSpPr>
+        <p:spPr/>
+        <p:txBody>
+          <a:bodyPr/>
+          <a:p>
+            <a:r>
+              <a:rPr lang="en-US" altLang="zh-CN"/>
+              <a:t>FFMPEG 3/3</a:t>
+            </a:r>
+            <a:endParaRPr lang="en-US" altLang="zh-CN"/>
+          </a:p>
+        </p:txBody>
+      </p:sp>
+      <p:graphicFrame>
+        <p:nvGraphicFramePr>
+          <p:cNvPr id="6" name="表格 5"/>
+          <p:cNvGraphicFramePr/>
+          <p:nvPr>
+            <p:custDataLst>
+              <p:tags r:id="rId1"/>
+            </p:custDataLst>
+          </p:nvPr>
+        </p:nvGraphicFramePr>
+        <p:xfrm>
+          <a:off x="676275" y="1177925"/>
+          <a:ext cx="11256645" cy="5608955"/>
+        </p:xfrm>
+        <a:graphic>
+          <a:graphicData uri="http://schemas.openxmlformats.org/drawingml/2006/table">
+            <a:tbl>
+              <a:tblPr firstRow="1" bandRow="1">
+                <a:tableStyleId>{5C22544A-7EE6-4342-B048-85BDC9FD1C3A}</a:tableStyleId>
+              </a:tblPr>
+              <a:tblGrid>
+                <a:gridCol w="2225675"/>
+                <a:gridCol w="6471920"/>
+                <a:gridCol w="2559050"/>
+              </a:tblGrid>
+              <a:tr h="365760">
+                <a:tc>
+                  <a:txBody>
+                    <a:bodyPr/>
+                    <a:p>
+                      <a:pPr algn="ctr">
+                        <a:buNone/>
+                      </a:pPr>
+                      <a:r>
+                        <a:rPr lang="en-US" altLang="zh-CN"/>
+                        <a:t>Task</a:t>
+                      </a:r>
+                      <a:endParaRPr lang="en-US" altLang="zh-CN"/>
+                    </a:p>
+                  </a:txBody>
+                  <a:tcPr/>
+                </a:tc>
+                <a:tc>
+                  <a:txBody>
+                    <a:bodyPr/>
+                    <a:p>
+                      <a:pPr algn="ctr">
+                        <a:buNone/>
+                      </a:pPr>
+                      <a:r>
+                        <a:rPr lang="en-US" altLang="zh-CN"/>
+                        <a:t>Commands</a:t>
+                      </a:r>
+                      <a:endParaRPr lang="en-US" altLang="zh-CN"/>
+                    </a:p>
+                  </a:txBody>
+                  <a:tcPr/>
+                </a:tc>
+                <a:tc>
+                  <a:txBody>
+                    <a:bodyPr/>
+                    <a:p>
+                      <a:pPr algn="ctr">
+                        <a:buNone/>
+                      </a:pPr>
+                      <a:r>
+                        <a:rPr lang="en-US" altLang="zh-CN"/>
+                        <a:t>Note</a:t>
+                      </a:r>
+                      <a:endParaRPr lang="en-US" altLang="zh-CN"/>
+                    </a:p>
+                  </a:txBody>
+                  <a:tcPr/>
+                </a:tc>
+              </a:tr>
+              <a:tr h="400050">
+                <a:tc>
+                  <a:txBody>
+                    <a:bodyPr/>
+                    <a:p>
+                      <a:pPr>
+                        <a:buNone/>
+                      </a:pPr>
+                      <a:r>
+                        <a:rPr lang="zh-CN" altLang="en-US"/>
+                        <a:t>从</a:t>
+                      </a:r>
+                      <a:r>
+                        <a:rPr lang="en-US" altLang="zh-CN"/>
+                        <a:t>MP4</a:t>
+                      </a:r>
+                      <a:r>
+                        <a:rPr lang="zh-CN" altLang="en-US"/>
+                        <a:t>中提取声音</a:t>
+                      </a:r>
+                      <a:endParaRPr lang="zh-CN" altLang="en-US"/>
+                    </a:p>
+                  </a:txBody>
+                  <a:tcPr/>
+                </a:tc>
+                <a:tc>
+                  <a:txBody>
+                    <a:bodyPr/>
+                    <a:p>
+                      <a:pPr>
+                        <a:buNone/>
+                      </a:pPr>
+                      <a:r>
+                        <a:rPr lang="en-US" altLang="zh-CN"/>
+                        <a:t>ffmpeg -i input.mp4 -vn output</a:t>
+                      </a:r>
+                      <a:r>
+                        <a:rPr lang="en-US" altLang="zh-CN"/>
+                        <a:t>.mp3</a:t>
+                      </a:r>
+                      <a:endParaRPr lang="en-US" altLang="zh-CN"/>
+                    </a:p>
+                  </a:txBody>
+                  <a:tcPr/>
+                </a:tc>
+                <a:tc>
+                  <a:txBody>
+                    <a:bodyPr/>
+                    <a:p>
+                      <a:pPr>
+                        <a:buNone/>
+                      </a:pPr>
+                      <a:endParaRPr lang="zh-CN" altLang="en-US"/>
+                    </a:p>
+                  </a:txBody>
+                  <a:tcPr/>
+                </a:tc>
+              </a:tr>
+              <a:tr h="640080">
+                <a:tc>
+                  <a:txBody>
+                    <a:bodyPr/>
+                    <a:p>
+                      <a:pPr>
+                        <a:buNone/>
+                      </a:pPr>
+                      <a:r>
+                        <a:rPr lang="en-US" altLang="zh-CN"/>
+                        <a:t>Add subtitle</a:t>
+                      </a:r>
+                      <a:endParaRPr lang="en-US" altLang="zh-CN"/>
+                    </a:p>
+                  </a:txBody>
+                  <a:tcPr/>
+                </a:tc>
+                <a:tc>
+                  <a:txBody>
+                    <a:bodyPr/>
+                    <a:p>
+                      <a:pPr>
+                        <a:buNone/>
+                      </a:pPr>
+                      <a:r>
+                        <a:rPr lang="zh-CN" altLang="en-US"/>
+                        <a:t>ffmpeg -i </a:t>
+                      </a:r>
+                      <a:r>
+                        <a:rPr lang="en-US" altLang="zh-CN"/>
+                        <a:t>input</a:t>
+                      </a:r>
+                      <a:r>
+                        <a:rPr lang="zh-CN" altLang="en-US"/>
+                        <a:t>.avi -vf subtitles=subtitle.srt out</a:t>
+                      </a:r>
+                      <a:r>
+                        <a:rPr lang="en-US" altLang="zh-CN"/>
+                        <a:t>put</a:t>
+                      </a:r>
+                      <a:r>
+                        <a:rPr lang="zh-CN" altLang="en-US"/>
+                        <a:t>.avi</a:t>
+                      </a:r>
+                      <a:endParaRPr lang="zh-CN" altLang="en-US"/>
+                    </a:p>
+                    <a:p>
+                      <a:pPr>
+                        <a:buNone/>
+                      </a:pPr>
+                      <a:r>
+                        <a:rPr lang="zh-CN" altLang="en-US" sz="1800">
+                          <a:sym typeface="+mn-ea"/>
+                        </a:rPr>
+                        <a:t>ffmpeg -i </a:t>
+                      </a:r>
+                      <a:r>
+                        <a:rPr lang="en-US" altLang="zh-CN" sz="1800">
+                          <a:sym typeface="+mn-ea"/>
+                        </a:rPr>
+                        <a:t>input</a:t>
+                      </a:r>
+                      <a:r>
+                        <a:rPr lang="zh-CN" altLang="en-US" sz="1800">
+                          <a:sym typeface="+mn-ea"/>
+                        </a:rPr>
+                        <a:t>.avi -vf </a:t>
+                      </a:r>
+                      <a:r>
+                        <a:rPr lang="en-US" altLang="zh-CN" sz="1800">
+                          <a:sym typeface="+mn-ea"/>
+                        </a:rPr>
+                        <a:t>“ass=subtitle.ass”</a:t>
+                      </a:r>
+                      <a:r>
+                        <a:rPr lang="zh-CN" altLang="en-US" sz="1800">
+                          <a:sym typeface="+mn-ea"/>
+                        </a:rPr>
+                        <a:t> out</a:t>
+                      </a:r>
+                      <a:r>
+                        <a:rPr lang="en-US" altLang="zh-CN" sz="1800">
+                          <a:sym typeface="+mn-ea"/>
+                        </a:rPr>
+                        <a:t>put</a:t>
+                      </a:r>
+                      <a:r>
+                        <a:rPr lang="zh-CN" altLang="en-US" sz="1800">
+                          <a:sym typeface="+mn-ea"/>
+                        </a:rPr>
+                        <a:t>.avi</a:t>
+                      </a:r>
+                      <a:endParaRPr lang="zh-CN" altLang="en-US"/>
+                    </a:p>
+                  </a:txBody>
+                  <a:tcPr/>
+                </a:tc>
+                <a:tc>
+                  <a:txBody>
+                    <a:bodyPr/>
+                    <a:p>
+                      <a:pPr>
+                        <a:buNone/>
+                      </a:pPr>
+                      <a:endParaRPr lang="zh-CN" altLang="en-US"/>
+                    </a:p>
+                  </a:txBody>
+                  <a:tcPr/>
+                </a:tc>
+              </a:tr>
+              <a:tr h="2011680">
+                <a:tc>
+                  <a:txBody>
+                    <a:bodyPr/>
+                    <a:p>
+                      <a:pPr>
+                        <a:buNone/>
+                      </a:pPr>
+                      <a:r>
+                        <a:rPr lang="en-US" altLang="zh-CN"/>
+                        <a:t>Set h264 encoding params</a:t>
+                      </a:r>
+                      <a:endParaRPr lang="en-US" altLang="zh-CN"/>
+                    </a:p>
+                  </a:txBody>
+                  <a:tcPr/>
+                </a:tc>
+                <a:tc>
+                  <a:txBody>
+                    <a:bodyPr/>
+                    <a:p>
+                      <a:pPr marL="0" lvl="2">
+                        <a:buNone/>
+                      </a:pPr>
+                      <a:r>
+                        <a:rPr lang="en-US" altLang="zh-CN"/>
+                        <a:t>ffmpeg -c:v libx264 -profile:v high/main/baseline -level:v 4.0</a:t>
+                      </a:r>
+                      <a:endParaRPr lang="en-US" altLang="zh-CN"/>
+                    </a:p>
+                    <a:p>
+                      <a:pPr marL="0" lvl="2">
+                        <a:buNone/>
+                      </a:pPr>
+                      <a:r>
+                        <a:rPr lang="en-US" altLang="zh-CN"/>
+                        <a:t>-crf 0~51 (constant rate factor, default 23, 0 lossless, 17/18 nearly lossless)</a:t>
+                      </a:r>
+                      <a:endParaRPr lang="en-US" altLang="zh-CN"/>
+                    </a:p>
+                    <a:p>
+                      <a:pPr marL="0" lvl="2">
+                        <a:buNone/>
+                      </a:pPr>
+                      <a:r>
+                        <a:rPr lang="en-US" altLang="zh-CN"/>
+                        <a:t>// profile: video compression features the player must support</a:t>
+                      </a:r>
+                      <a:endParaRPr lang="en-US" altLang="zh-CN"/>
+                    </a:p>
+                    <a:p>
+                      <a:pPr marL="0" lvl="2">
+                        <a:buNone/>
+                      </a:pPr>
+                      <a:r>
+                        <a:rPr lang="en-US" altLang="zh-CN"/>
+                        <a:t>// level: defines the peak bitrate the player can handle, along with the maximum resolution, and the maximum number of reference frames held in memory during playback</a:t>
+                      </a:r>
+                      <a:endParaRPr lang="en-US" altLang="zh-CN"/>
+                    </a:p>
+                  </a:txBody>
+                  <a:tcPr/>
+                </a:tc>
+                <a:tc>
+                  <a:txBody>
+                    <a:bodyPr/>
+                    <a:p>
+                      <a:pPr>
+                        <a:buNone/>
+                      </a:pPr>
+                      <a:endParaRPr lang="zh-CN" altLang="en-US"/>
+                    </a:p>
+                  </a:txBody>
+                  <a:tcPr/>
+                </a:tc>
+              </a:tr>
+              <a:tr h="640080">
+                <a:tc>
+                  <a:txBody>
+                    <a:bodyPr/>
+                    <a:p>
+                      <a:pPr>
+                        <a:buNone/>
+                      </a:pPr>
+                      <a:r>
+                        <a:rPr lang="en-US" altLang="zh-CN" sz="1800">
+                          <a:sym typeface="+mn-ea"/>
+                        </a:rPr>
+                        <a:t>Padding</a:t>
+                      </a:r>
+                      <a:endParaRPr lang="en-US" altLang="zh-CN"/>
+                    </a:p>
+                  </a:txBody>
+                  <a:tcPr/>
+                </a:tc>
+                <a:tc>
+                  <a:txBody>
+                    <a:bodyPr/>
+                    <a:p>
+                      <a:pPr>
+                        <a:buNone/>
+                      </a:pPr>
+                      <a:r>
+                        <a:rPr lang="en-US" altLang="zh-CN" sz="1800">
+                          <a:sym typeface="+mn-ea"/>
+                        </a:rPr>
+                        <a:t>ffmpeg -i in.mp4 -vf “pad=width=800:height=600:x=10:y=75:color=black” out.mp4</a:t>
+                      </a:r>
+                      <a:endParaRPr lang="zh-CN" altLang="en-US"/>
+                    </a:p>
+                  </a:txBody>
+                  <a:tcPr/>
+                </a:tc>
+                <a:tc>
+                  <a:txBody>
+                    <a:bodyPr/>
+                    <a:p>
+                      <a:pPr>
+                        <a:buNone/>
+                      </a:pPr>
+                      <a:r>
+                        <a:rPr lang="en-US" altLang="zh-CN" sz="1800">
+                          <a:sym typeface="+mn-ea"/>
+                        </a:rPr>
+                        <a:t>x/y: start placing point of the original frame</a:t>
+                      </a:r>
+                      <a:endParaRPr lang="zh-CN" altLang="en-US"/>
+                    </a:p>
+                  </a:txBody>
+                  <a:tcPr/>
+                </a:tc>
+              </a:tr>
+              <a:tr h="365760">
+                <a:tc>
+                  <a:txBody>
+                    <a:bodyPr/>
+                    <a:p>
+                      <a:pPr>
+                        <a:buNone/>
+                      </a:pPr>
+                      <a:r>
+                        <a:rPr lang="en-US" altLang="zh-CN"/>
+                        <a:t>Web video</a:t>
+                      </a:r>
+                      <a:endParaRPr lang="en-US" altLang="zh-CN"/>
+                    </a:p>
+                  </a:txBody>
+                  <a:tcPr/>
+                </a:tc>
+                <a:tc>
+                  <a:txBody>
+                    <a:bodyPr/>
+                    <a:p>
+                      <a:pPr>
+                        <a:buNone/>
+                      </a:pPr>
+                      <a:r>
+                        <a:rPr lang="zh-CN" altLang="en-US"/>
+                        <a:t>-movflags +faststart</a:t>
+                      </a:r>
+                      <a:endParaRPr lang="zh-CN" altLang="en-US"/>
+                    </a:p>
+                  </a:txBody>
+                  <a:tcPr/>
+                </a:tc>
+                <a:tc>
+                  <a:txBody>
+                    <a:bodyPr/>
+                    <a:p>
+                      <a:pPr>
+                        <a:buNone/>
+                      </a:pPr>
+                      <a:endParaRPr lang="zh-CN" altLang="en-US"/>
+                    </a:p>
+                  </a:txBody>
+                  <a:tcPr/>
+                </a:tc>
+              </a:tr>
+              <a:tr h="365760">
+                <a:tc>
+                  <a:txBody>
+                    <a:bodyPr/>
+                    <a:p>
+                      <a:pPr>
+                        <a:buNone/>
+                      </a:pPr>
+                      <a:r>
+                        <a:rPr lang="en-US" altLang="zh-CN"/>
+                        <a:t>Output to gif</a:t>
+                      </a:r>
+                      <a:endParaRPr lang="en-US" altLang="zh-CN"/>
+                    </a:p>
+                  </a:txBody>
+                  <a:tcPr/>
+                </a:tc>
+                <a:tc>
+                  <a:txBody>
+                    <a:bodyPr/>
+                    <a:p>
+                      <a:pPr>
+                        <a:buNone/>
+                      </a:pPr>
+                      <a:r>
+                        <a:rPr lang="en-US" altLang="zh-CN"/>
+                        <a:t>ffmpeg -i input.mp4 -f gif output.gif</a:t>
+                      </a:r>
+                      <a:endParaRPr lang="en-US" altLang="zh-CN"/>
+                    </a:p>
+                  </a:txBody>
+                  <a:tcPr/>
+                </a:tc>
+                <a:tc>
+                  <a:txBody>
+                    <a:bodyPr/>
+                    <a:p>
+                      <a:pPr>
+                        <a:buNone/>
+                      </a:pPr>
+                      <a:endParaRPr lang="zh-CN" altLang="en-US"/>
+                    </a:p>
+                  </a:txBody>
+                  <a:tcPr/>
+                </a:tc>
+              </a:tr>
+              <a:tr h="365760">
+                <a:tc>
+                  <a:txBody>
+                    <a:bodyPr/>
+                    <a:p>
+                      <a:pPr>
+                        <a:buNone/>
+                      </a:pPr>
+                      <a:endParaRPr lang="en-US" altLang="zh-CN"/>
+                    </a:p>
+                  </a:txBody>
+                  <a:tcPr/>
+                </a:tc>
+                <a:tc>
+                  <a:txBody>
+                    <a:bodyPr/>
+                    <a:p>
+                      <a:pPr>
+                        <a:buNone/>
+                      </a:pPr>
+                      <a:endParaRPr lang="zh-CN" altLang="en-US"/>
+                    </a:p>
+                  </a:txBody>
+                  <a:tcPr/>
+                </a:tc>
+                <a:tc>
+                  <a:txBody>
+                    <a:bodyPr/>
+                    <a:p>
+                      <a:pPr>
+                        <a:buNone/>
+                      </a:pPr>
+                      <a:endParaRPr lang="zh-CN" altLang="en-US"/>
+                    </a:p>
+                  </a:txBody>
+                  <a:tcPr/>
+                </a:tc>
+              </a:tr>
+            </a:tbl>
+          </a:graphicData>
+        </a:graphic>
+      </p:graphicFrame>
+    </p:spTree>
+    <p:custDataLst>
+      <p:tags r:id="rId2"/>
+    </p:custDataLst>
+  </p:cSld>
+  <p:clrMapOvr>
+    <a:masterClrMapping/>
+  </p:clrMapOvr>
+</p:sld>
+</file>
+
+<file path=ppt/slides/slide11.xml><?xml version="1.0" encoding="utf-8"?>
 <p:sld xmlns:a="http://schemas.openxmlformats.org/drawingml/2006/main" xmlns:r="http://schemas.openxmlformats.org/officeDocument/2006/relationships" xmlns:p="http://schemas.openxmlformats.org/presentationml/2006/main">
   <p:cSld>
     <p:spTree>
@@ -3944,7 +4497,7 @@
 </p:sld>
 </file>
 
-<file path=ppt/slides/slide11.xml><?xml version="1.0" encoding="utf-8"?>
+<file path=ppt/slides/slide12.xml><?xml version="1.0" encoding="utf-8"?>
 <p:sld xmlns:a="http://schemas.openxmlformats.org/drawingml/2006/main" xmlns:r="http://schemas.openxmlformats.org/officeDocument/2006/relationships" xmlns:p="http://schemas.openxmlformats.org/presentationml/2006/main">
   <p:cSld>
     <p:spTree>
@@ -4041,7 +4594,7 @@
 </p:sld>
 </file>
 
-<file path=ppt/slides/slide12.xml><?xml version="1.0" encoding="utf-8"?>
+<file path=ppt/slides/slide13.xml><?xml version="1.0" encoding="utf-8"?>
 <p:sld xmlns:a="http://schemas.openxmlformats.org/drawingml/2006/main" xmlns:r="http://schemas.openxmlformats.org/officeDocument/2006/relationships" xmlns:p="http://schemas.openxmlformats.org/presentationml/2006/main">
   <p:cSld>
     <p:spTree>
@@ -5515,7 +6068,7 @@
           <a:p>
             <a:r>
               <a:rPr lang="en-US" altLang="zh-CN"/>
-              <a:t>FFMPEG 1/2</a:t>
+              <a:t>FFMPEG 1/3</a:t>
             </a:r>
             <a:endParaRPr lang="en-US" altLang="zh-CN"/>
           </a:p>
@@ -6136,15 +6689,60 @@
           <a:p>
             <a:r>
               <a:rPr lang="en-US" altLang="zh-CN"/>
-              <a:t>FFMPEG 2/2</a:t>
+              <a:t>FFMPEG 1/3</a:t>
             </a:r>
             <a:endParaRPr lang="en-US" altLang="zh-CN"/>
+          </a:p>
+        </p:txBody>
+      </p:sp>
+      <p:sp>
+        <p:nvSpPr>
+          <p:cNvPr id="3" name="内容占位符 2"/>
+          <p:cNvSpPr>
+            <a:spLocks noGrp="1"/>
+          </p:cNvSpPr>
+          <p:nvPr>
+            <p:ph idx="1"/>
+          </p:nvPr>
+        </p:nvSpPr>
+        <p:spPr>
+          <a:xfrm>
+            <a:off x="838200" y="1211580"/>
+            <a:ext cx="10919460" cy="1041400"/>
+          </a:xfrm>
+        </p:spPr>
+        <p:txBody>
+          <a:bodyPr>
+            <a:noAutofit/>
+          </a:bodyPr>
+          <a:p>
+            <a:r>
+              <a:rPr lang="en-US" altLang="zh-CN" sz="2000"/>
+              <a:t>Install</a:t>
+            </a:r>
+            <a:endParaRPr lang="en-US" altLang="zh-CN" sz="2000"/>
+          </a:p>
+          <a:p>
+            <a:pPr lvl="1"/>
+            <a:r>
+              <a:rPr lang="en-US" altLang="zh-CN" sz="1665"/>
+              <a:t>sudo add-apt-repository ppa:videolan/master-daily</a:t>
+            </a:r>
+            <a:endParaRPr lang="en-US" altLang="zh-CN" sz="1665"/>
+          </a:p>
+          <a:p>
+            <a:pPr lvl="1"/>
+            <a:r>
+              <a:rPr lang="en-US" altLang="zh-CN" sz="1665"/>
+              <a:t>ffmpeg 3.3.3-2</a:t>
+            </a:r>
+            <a:endParaRPr lang="en-US" altLang="zh-CN" sz="1600"/>
           </a:p>
         </p:txBody>
       </p:sp>
       <p:graphicFrame>
         <p:nvGraphicFramePr>
-          <p:cNvPr id="6" name="表格 5"/>
+          <p:cNvPr id="5" name="表格 4"/>
           <p:cNvGraphicFramePr/>
           <p:nvPr>
             <p:custDataLst>
@@ -6153,8 +6751,8 @@
           </p:nvPr>
         </p:nvGraphicFramePr>
         <p:xfrm>
-          <a:off x="676275" y="1177925"/>
-          <a:ext cx="11256645" cy="5566410"/>
+          <a:off x="579120" y="2174875"/>
+          <a:ext cx="11268710" cy="4335780"/>
         </p:xfrm>
         <a:graphic>
           <a:graphicData uri="http://schemas.openxmlformats.org/drawingml/2006/table">
@@ -6163,11 +6761,11 @@
                 <a:tableStyleId>{5C22544A-7EE6-4342-B048-85BDC9FD1C3A}</a:tableStyleId>
               </a:tblPr>
               <a:tblGrid>
-                <a:gridCol w="2225675"/>
-                <a:gridCol w="6224270"/>
-                <a:gridCol w="2806700"/>
+                <a:gridCol w="2372360"/>
+                <a:gridCol w="6086475"/>
+                <a:gridCol w="2809875"/>
               </a:tblGrid>
-              <a:tr h="405765">
+              <a:tr h="365760">
                 <a:tc>
                   <a:txBody>
                     <a:bodyPr/>
@@ -6217,45 +6815,33 @@
                   <a:tcPr/>
                 </a:tc>
               </a:tr>
-              <a:tr h="486410">
-                <a:tc>
-                  <a:txBody>
-                    <a:bodyPr/>
-                    <a:p>
-                      <a:pPr>
-                        <a:buNone/>
-                      </a:pPr>
-                      <a:r>
-                        <a:rPr lang="en-US" altLang="zh-CN"/>
-                        <a:t>Remove audio from video</a:t>
-                      </a:r>
-                      <a:endParaRPr lang="en-US" altLang="zh-CN"/>
-                    </a:p>
-                  </a:txBody>
-                  <a:tcPr/>
-                </a:tc>
-                <a:tc>
-                  <a:txBody>
-                    <a:bodyPr/>
-                    <a:p>
-                      <a:pPr>
-                        <a:buNone/>
-                      </a:pPr>
-                      <a:r>
-                        <a:rPr lang="zh-CN" altLang="en-US"/>
-                        <a:t>ffmpeg -i </a:t>
-                      </a:r>
-                      <a:r>
-                        <a:rPr lang="en-US" altLang="zh-CN"/>
-                        <a:t>input</a:t>
-                      </a:r>
-                      <a:r>
-                        <a:rPr lang="zh-CN" altLang="en-US"/>
-                        <a:t>.avi -vcodec copy -an </a:t>
-                      </a:r>
-                      <a:r>
-                        <a:rPr lang="en-US" altLang="zh-CN"/>
-                        <a:t>output.avi</a:t>
+              <a:tr h="365760">
+                <a:tc>
+                  <a:txBody>
+                    <a:bodyPr/>
+                    <a:p>
+                      <a:pPr>
+                        <a:buNone/>
+                      </a:pPr>
+                      <a:r>
+                        <a:rPr lang="en-US" altLang="zh-CN"/>
+                        <a:t>Hide banner</a:t>
+                      </a:r>
+                      <a:endParaRPr lang="en-US" altLang="zh-CN"/>
+                    </a:p>
+                  </a:txBody>
+                  <a:tcPr/>
+                </a:tc>
+                <a:tc>
+                  <a:txBody>
+                    <a:bodyPr/>
+                    <a:p>
+                      <a:pPr>
+                        <a:buNone/>
+                      </a:pPr>
+                      <a:r>
+                        <a:rPr lang="en-US" altLang="zh-CN"/>
+                        <a:t>ffmpeg -hide_banner</a:t>
                       </a:r>
                       <a:endParaRPr lang="en-US" altLang="zh-CN"/>
                     </a:p>
@@ -6275,37 +6861,33 @@
                   <a:tcPr/>
                 </a:tc>
               </a:tr>
-              <a:tr h="274955">
-                <a:tc>
-                  <a:txBody>
-                    <a:bodyPr/>
-                    <a:p>
-                      <a:pPr>
-                        <a:buNone/>
-                      </a:pPr>
-                      <a:r>
-                        <a:rPr lang="en-US" altLang="zh-CN"/>
-                        <a:t>Merge audi</a:t>
-                      </a:r>
-                      <a:r>
-                        <a:rPr lang="en-US" altLang="zh-CN"/>
-                        <a:t>o and video</a:t>
-                      </a:r>
-                      <a:endParaRPr lang="en-US" altLang="zh-CN"/>
-                    </a:p>
-                  </a:txBody>
-                  <a:tcPr/>
-                </a:tc>
-                <a:tc>
-                  <a:txBody>
-                    <a:bodyPr/>
-                    <a:p>
-                      <a:pPr>
-                        <a:buNone/>
-                      </a:pPr>
-                      <a:r>
-                        <a:rPr lang="en-US" altLang="zh-CN"/>
-                        <a:t>ffmpeg -i audio.mp3 -i input.mp4 output.mp4</a:t>
+              <a:tr h="365760">
+                <a:tc>
+                  <a:txBody>
+                    <a:bodyPr/>
+                    <a:p>
+                      <a:pPr>
+                        <a:buNone/>
+                      </a:pPr>
+                      <a:r>
+                        <a:rPr lang="en-US" altLang="zh-CN"/>
+                        <a:t>Log level</a:t>
+                      </a:r>
+                      <a:endParaRPr lang="en-US" altLang="zh-CN"/>
+                    </a:p>
+                  </a:txBody>
+                  <a:tcPr/>
+                </a:tc>
+                <a:tc>
+                  <a:txBody>
+                    <a:bodyPr/>
+                    <a:p>
+                      <a:pPr>
+                        <a:buNone/>
+                      </a:pPr>
+                      <a:r>
+                        <a:rPr lang="en-US" altLang="zh-CN"/>
+                        <a:t>ffmpeg -loglevel error </a:t>
                       </a:r>
                       <a:endParaRPr lang="en-US" altLang="zh-CN"/>
                     </a:p>
@@ -6325,49 +6907,95 @@
                   <a:tcPr/>
                 </a:tc>
               </a:tr>
-              <a:tr h="291465">
-                <a:tc>
-                  <a:txBody>
-                    <a:bodyPr/>
-                    <a:p>
-                      <a:pPr>
-                        <a:buNone/>
-                      </a:pPr>
-                      <a:r>
-                        <a:rPr lang="en-US" altLang="zh-CN"/>
-                        <a:t>Change video size</a:t>
-                      </a:r>
-                      <a:endParaRPr lang="en-US" altLang="zh-CN"/>
-                    </a:p>
-                  </a:txBody>
-                  <a:tcPr/>
-                </a:tc>
-                <a:tc>
-                  <a:txBody>
-                    <a:bodyPr/>
-                    <a:p>
-                      <a:pPr marL="0" lvl="2">
+              <a:tr h="234315">
+                <a:tc>
+                  <a:txBody>
+                    <a:bodyPr/>
+                    <a:p>
+                      <a:pPr>
+                        <a:buNone/>
+                      </a:pPr>
+                      <a:r>
+                        <a:rPr lang="en-US" altLang="zh-CN"/>
+                        <a:t>pix format</a:t>
+                      </a:r>
+                      <a:endParaRPr lang="en-US" altLang="zh-CN"/>
+                    </a:p>
+                  </a:txBody>
+                  <a:tcPr/>
+                </a:tc>
+                <a:tc>
+                  <a:txBody>
+                    <a:bodyPr/>
+                    <a:p>
+                      <a:pPr>
+                        <a:buNone/>
+                      </a:pPr>
+                      <a:r>
+                        <a:rPr lang="en-US" altLang="zh-CN"/>
+                        <a:t>ffmpeg -pix_fmts</a:t>
+                      </a:r>
+                      <a:endParaRPr lang="en-US" altLang="zh-CN"/>
+                    </a:p>
+                  </a:txBody>
+                  <a:tcPr/>
+                </a:tc>
+                <a:tc>
+                  <a:txBody>
+                    <a:bodyPr/>
+                    <a:p>
+                      <a:pPr>
+                        <a:buNone/>
+                      </a:pPr>
+                      <a:endParaRPr lang="zh-CN" altLang="en-US"/>
+                    </a:p>
+                  </a:txBody>
+                  <a:tcPr/>
+                </a:tc>
+              </a:tr>
+              <a:tr h="640080">
+                <a:tc>
+                  <a:txBody>
+                    <a:bodyPr/>
+                    <a:p>
+                      <a:pPr>
                         <a:buNone/>
                       </a:pPr>
                       <a:r>
                         <a:rPr lang="en-US" altLang="zh-CN" sz="1800">
                           <a:sym typeface="+mn-ea"/>
                         </a:rPr>
-                        <a:t>ffmpeg -i input.avi -s 720x480 -c:a copy output.avi</a:t>
-                      </a:r>
-                      <a:endParaRPr lang="en-US" altLang="zh-CN" sz="1800">
-                        <a:sym typeface="+mn-ea"/>
-                      </a:endParaRPr>
-                    </a:p>
-                    <a:p>
-                      <a:pPr marL="0" lvl="2">
-                        <a:buNone/>
-                      </a:pPr>
+                        <a:t>Convert image sequences into video</a:t>
+                      </a:r>
+                      <a:endParaRPr lang="en-US" altLang="zh-CN"/>
+                    </a:p>
+                  </a:txBody>
+                  <a:tcPr/>
+                </a:tc>
+                <a:tc>
+                  <a:txBody>
+                    <a:bodyPr/>
+                    <a:p>
+                      <a:pPr>
+                        <a:buNone/>
+                      </a:pPr>
+                      <a:r>
+                        <a:rPr lang="zh-CN" altLang="en-US" sz="1800">
+                          <a:sym typeface="+mn-ea"/>
+                        </a:rPr>
+                        <a:t>ffmpeg -i %4d.png </a:t>
+                      </a:r>
                       <a:r>
                         <a:rPr lang="en-US" altLang="zh-CN" sz="1800">
                           <a:sym typeface="+mn-ea"/>
                         </a:rPr>
-                        <a:t>ffmpeg -i input.avi -filter:v scale=720:-1 -c:a copy output.avi</a:t>
+                        <a:t>-r 20 output</a:t>
+                      </a:r>
+                      <a:r>
+                        <a:rPr lang="zh-CN" altLang="en-US" sz="1800">
+                          <a:sym typeface="+mn-ea"/>
+                        </a:rPr>
+                        <a:t>.mp4</a:t>
                       </a:r>
                       <a:endParaRPr lang="en-US" altLang="zh-CN"/>
                     </a:p>
@@ -6387,23 +7015,7 @@
                   <a:tcPr/>
                 </a:tc>
               </a:tr>
-              <a:tr h="250190">
-                <a:tc>
-                  <a:txBody>
-                    <a:bodyPr/>
-                    <a:p>
-                      <a:pPr>
-                        <a:buNone/>
-                      </a:pPr>
-                      <a:r>
-                        <a:rPr lang="en-US" altLang="zh-CN"/>
-                        <a:t>Crop video</a:t>
-                      </a:r>
-                      <a:endParaRPr lang="en-US" altLang="zh-CN"/>
-                    </a:p>
-                  </a:txBody>
-                  <a:tcPr/>
-                </a:tc>
+              <a:tr h="640080">
                 <a:tc>
                   <a:txBody>
                     <a:bodyPr/>
@@ -6415,37 +7027,7 @@
                         <a:rPr lang="en-US" altLang="zh-CN" sz="1800">
                           <a:sym typeface="+mn-ea"/>
                         </a:rPr>
-                        <a:t>ffmpeg -i input.mp4 -filter:v "crop=w:h:x:y" output.mp4</a:t>
-                      </a:r>
-                      <a:endParaRPr lang="zh-CN" altLang="en-US"/>
-                    </a:p>
-                  </a:txBody>
-                  <a:tcPr/>
-                </a:tc>
-                <a:tc>
-                  <a:txBody>
-                    <a:bodyPr/>
-                    <a:p>
-                      <a:pPr>
-                        <a:buNone/>
-                      </a:pPr>
-                      <a:endParaRPr lang="zh-CN" altLang="en-US"/>
-                    </a:p>
-                  </a:txBody>
-                  <a:tcPr/>
-                </a:tc>
-              </a:tr>
-              <a:tr h="421005">
-                <a:tc>
-                  <a:txBody>
-                    <a:bodyPr/>
-                    <a:p>
-                      <a:pPr>
-                        <a:buNone/>
-                      </a:pPr>
-                      <a:r>
-                        <a:rPr lang="en-US" altLang="zh-CN"/>
-                        <a:t>Change fps</a:t>
+                        <a:t>Get frames from image</a:t>
                       </a:r>
                       <a:endParaRPr lang="en-US" altLang="zh-CN"/>
                     </a:p>
@@ -6463,9 +7045,39 @@
                         <a:rPr lang="en-US" altLang="zh-CN" sz="1800">
                           <a:sym typeface="+mn-ea"/>
                         </a:rPr>
-                        <a:t>ffmpeg -i input.mp4 -r 30 output.mp4</a:t>
-                      </a:r>
+                        <a:t>ffmpeg -i input.mp4 output/frame%04d.jpg</a:t>
+                      </a:r>
+                      <a:endParaRPr lang="en-US" altLang="zh-CN"/>
+                    </a:p>
+                  </a:txBody>
+                  <a:tcPr/>
+                </a:tc>
+                <a:tc>
+                  <a:txBody>
+                    <a:bodyPr/>
+                    <a:p>
+                      <a:pPr>
+                        <a:buNone/>
+                      </a:pPr>
                       <a:endParaRPr lang="zh-CN" altLang="en-US"/>
+                    </a:p>
+                  </a:txBody>
+                  <a:tcPr/>
+                </a:tc>
+              </a:tr>
+              <a:tr h="365760">
+                <a:tc>
+                  <a:txBody>
+                    <a:bodyPr/>
+                    <a:p>
+                      <a:pPr>
+                        <a:buNone/>
+                      </a:pPr>
+                      <a:r>
+                        <a:rPr lang="en-US" altLang="zh-CN"/>
+                        <a:t>Truncate video</a:t>
+                      </a:r>
+                      <a:endParaRPr lang="en-US" altLang="zh-CN"/>
                     </a:p>
                   </a:txBody>
                   <a:tcPr/>
@@ -6481,15 +7093,27 @@
                         <a:rPr lang="en-US" altLang="zh-CN" sz="1800">
                           <a:sym typeface="+mn-ea"/>
                         </a:rPr>
-                        <a:t>video lengh not changed, frames added or removed</a:t>
-                      </a:r>
+                        <a:t>ffmpeg -ss 10 -i input.mp3 -t 6 output.mp3</a:t>
+                      </a:r>
+                      <a:endParaRPr lang="en-US" altLang="zh-CN"/>
+                    </a:p>
+                  </a:txBody>
+                  <a:tcPr/>
+                </a:tc>
+                <a:tc>
+                  <a:txBody>
+                    <a:bodyPr/>
+                    <a:p>
+                      <a:pPr>
+                        <a:buNone/>
+                      </a:pPr>
                       <a:endParaRPr lang="zh-CN" altLang="en-US"/>
                     </a:p>
                   </a:txBody>
                   <a:tcPr/>
                 </a:tc>
               </a:tr>
-              <a:tr h="551815">
+              <a:tr h="365760">
                 <a:tc>
                   <a:txBody>
                     <a:bodyPr/>
@@ -6501,92 +7125,144 @@
                         <a:rPr lang="en-US" altLang="zh-CN" sz="1800">
                           <a:sym typeface="+mn-ea"/>
                         </a:rPr>
-                        <a:t>Add logo to video (bottom-right)</a:t>
-                      </a:r>
-                      <a:endParaRPr lang="zh-CN" altLang="en-US"/>
-                    </a:p>
-                  </a:txBody>
-                  <a:tcPr/>
-                </a:tc>
-                <a:tc>
-                  <a:txBody>
-                    <a:bodyPr/>
-                    <a:p>
-                      <a:pPr>
-                        <a:buNone/>
-                      </a:pPr>
-                      <a:r>
-                        <a:rPr lang="zh-CN" altLang="en-US" sz="1800">
-                          <a:sym typeface="+mn-ea"/>
-                        </a:rPr>
-                        <a:t>ffmpeg -i vt.mp4 -i vhuantech-org.png -filter_complex "overlay=W-w-5:H-h-5" -codec:a copy TempleOfHeaven.mp4</a:t>
-                      </a:r>
-                      <a:endParaRPr lang="zh-CN" altLang="en-US"/>
-                    </a:p>
-                  </a:txBody>
-                  <a:tcPr/>
-                </a:tc>
-                <a:tc>
-                  <a:txBody>
-                    <a:bodyPr/>
-                    <a:p>
-                      <a:pPr>
-                        <a:buNone/>
-                      </a:pPr>
-                      <a:endParaRPr lang="zh-CN" altLang="en-US"/>
-                    </a:p>
-                  </a:txBody>
-                  <a:tcPr/>
-                </a:tc>
-              </a:tr>
-              <a:tr h="405765">
-                <a:tc>
-                  <a:txBody>
-                    <a:bodyPr/>
-                    <a:p>
-                      <a:pPr>
-                        <a:buNone/>
-                      </a:pPr>
-                      <a:r>
-                        <a:rPr lang="en-US" altLang="zh-CN"/>
-                        <a:t>Speed up or slow down</a:t>
-                      </a:r>
-                      <a:endParaRPr lang="en-US" altLang="zh-CN"/>
-                    </a:p>
-                  </a:txBody>
-                  <a:tcPr/>
-                </a:tc>
-                <a:tc>
-                  <a:txBody>
-                    <a:bodyPr/>
-                    <a:p>
-                      <a:pPr>
+                        <a:t>Concat video files</a:t>
+                      </a:r>
+                      <a:endParaRPr lang="en-US" altLang="zh-CN"/>
+                    </a:p>
+                  </a:txBody>
+                  <a:tcPr/>
+                </a:tc>
+                <a:tc>
+                  <a:txBody>
+                    <a:bodyPr/>
+                    <a:p>
+                      <a:pPr marL="0" lvl="2">
                         <a:buNone/>
                       </a:pPr>
                       <a:r>
                         <a:rPr lang="en-US" altLang="zh-CN" sz="1800">
                           <a:sym typeface="+mn-ea"/>
                         </a:rPr>
-                        <a:t>ffmpeg -i input.mp4 -filter:v “setpts=0.6*PTS” output.mp4</a:t>
-                      </a:r>
-                      <a:endParaRPr lang="zh-CN" altLang="en-US"/>
-                    </a:p>
-                  </a:txBody>
-                  <a:tcPr/>
-                </a:tc>
-                <a:tc>
-                  <a:txBody>
-                    <a:bodyPr/>
-                    <a:p>
-                      <a:pPr>
-                        <a:buNone/>
-                      </a:pPr>
+                        <a:t>ffmpeg -f concat -safe 0 -i mylist.txt -c copy output.mp4</a:t>
+                      </a:r>
+                      <a:endParaRPr lang="en-US" altLang="zh-CN"/>
+                    </a:p>
+                  </a:txBody>
+                  <a:tcPr/>
+                </a:tc>
+                <a:tc>
+                  <a:txBody>
+                    <a:bodyPr/>
+                    <a:p>
+                      <a:pPr>
+                        <a:buNone/>
+                      </a:pPr>
+                      <a:r>
+                        <a:rPr lang="en-US" altLang="zh-CN"/>
+                        <a:t>mylist.txt: </a:t>
+                      </a:r>
                       <a:r>
                         <a:rPr lang="en-US" altLang="zh-CN" sz="1800">
                           <a:sym typeface="+mn-ea"/>
                         </a:rPr>
-                        <a:t>fps not changed, video length changed, frames added or removed</a:t>
-                      </a:r>
+                        <a:t>file 'filename1'</a:t>
+                      </a:r>
+                      <a:endParaRPr lang="en-US" altLang="zh-CN"/>
+                    </a:p>
+                  </a:txBody>
+                  <a:tcPr/>
+                </a:tc>
+              </a:tr>
+              <a:tr h="365760">
+                <a:tc>
+                  <a:txBody>
+                    <a:bodyPr/>
+                    <a:p>
+                      <a:pPr>
+                        <a:buNone/>
+                      </a:pPr>
+                      <a:r>
+                        <a:rPr lang="en-US" altLang="zh-CN"/>
+                        <a:t>Change video codec</a:t>
+                      </a:r>
+                      <a:endParaRPr lang="en-US" altLang="zh-CN"/>
+                    </a:p>
+                  </a:txBody>
+                  <a:tcPr/>
+                </a:tc>
+                <a:tc>
+                  <a:txBody>
+                    <a:bodyPr/>
+                    <a:p>
+                      <a:pPr marL="0" lvl="2">
+                        <a:buNone/>
+                      </a:pPr>
+                      <a:r>
+                        <a:rPr lang="en-US" altLang="zh-CN" sz="1800">
+                          <a:sym typeface="+mn-ea"/>
+                        </a:rPr>
+                        <a:t>ffmpeg -i in.mpg -c:v libx264 out.mp4</a:t>
+                      </a:r>
+                      <a:endParaRPr lang="zh-CN" altLang="en-US"/>
+                    </a:p>
+                  </a:txBody>
+                  <a:tcPr/>
+                </a:tc>
+                <a:tc>
+                  <a:txBody>
+                    <a:bodyPr/>
+                    <a:p>
+                      <a:pPr>
+                        <a:buNone/>
+                      </a:pPr>
+                      <a:endParaRPr lang="zh-CN" altLang="en-US"/>
+                    </a:p>
+                  </a:txBody>
+                  <a:tcPr/>
+                </a:tc>
+              </a:tr>
+              <a:tr h="495300">
+                <a:tc>
+                  <a:txBody>
+                    <a:bodyPr/>
+                    <a:p>
+                      <a:pPr>
+                        <a:buNone/>
+                      </a:pPr>
+                      <a:r>
+                        <a:rPr lang="en-US" altLang="zh-CN"/>
+                        <a:t>List info</a:t>
+                      </a:r>
+                      <a:endParaRPr lang="en-US" altLang="zh-CN"/>
+                    </a:p>
+                  </a:txBody>
+                  <a:tcPr/>
+                </a:tc>
+                <a:tc>
+                  <a:txBody>
+                    <a:bodyPr/>
+                    <a:p>
+                      <a:pPr>
+                        <a:buNone/>
+                      </a:pPr>
+                      <a:r>
+                        <a:rPr lang="en-US" altLang="zh-CN" sz="1800">
+                          <a:sym typeface="+mn-ea"/>
+                        </a:rPr>
+                        <a:t>ffmpeg -codecs/-fomats/--decoders/--encoders/--filters</a:t>
+                      </a:r>
+                      <a:endParaRPr lang="zh-CN" altLang="en-US"/>
+                    </a:p>
+                  </a:txBody>
+                  <a:tcPr/>
+                </a:tc>
+                <a:tc>
+                  <a:txBody>
+                    <a:bodyPr/>
+                    <a:p>
+                      <a:pPr>
+                        <a:buNone/>
+                      </a:pPr>
                       <a:endParaRPr lang="zh-CN" altLang="en-US"/>
                     </a:p>
                   </a:txBody>
@@ -6634,7 +7310,7 @@
           <a:p>
             <a:r>
               <a:rPr lang="en-US" altLang="zh-CN"/>
-              <a:t>FFMPEG 3/3</a:t>
+              <a:t>FFMPEG 2/3</a:t>
             </a:r>
             <a:endParaRPr lang="en-US" altLang="zh-CN"/>
           </a:p>
@@ -6652,7 +7328,7 @@
         </p:nvGraphicFramePr>
         <p:xfrm>
           <a:off x="676275" y="1177925"/>
-          <a:ext cx="11256645" cy="5608955"/>
+          <a:ext cx="11256645" cy="5566410"/>
         </p:xfrm>
         <a:graphic>
           <a:graphicData uri="http://schemas.openxmlformats.org/drawingml/2006/table">
@@ -6662,10 +7338,10 @@
               </a:tblPr>
               <a:tblGrid>
                 <a:gridCol w="2225675"/>
-                <a:gridCol w="6471920"/>
-                <a:gridCol w="2559050"/>
+                <a:gridCol w="6224270"/>
+                <a:gridCol w="2806700"/>
               </a:tblGrid>
-              <a:tr h="365760">
+              <a:tr h="405765">
                 <a:tc>
                   <a:txBody>
                     <a:bodyPr/>
@@ -6715,75 +7391,17 @@
                   <a:tcPr/>
                 </a:tc>
               </a:tr>
-              <a:tr h="400050">
-                <a:tc>
-                  <a:txBody>
-                    <a:bodyPr/>
-                    <a:p>
-                      <a:pPr>
-                        <a:buNone/>
-                      </a:pPr>
-                      <a:r>
-                        <a:rPr lang="zh-CN" altLang="en-US"/>
-                        <a:t>从</a:t>
-                      </a:r>
-                      <a:r>
-                        <a:rPr lang="en-US" altLang="zh-CN"/>
-                        <a:t>MP4</a:t>
-                      </a:r>
-                      <a:r>
-                        <a:rPr lang="zh-CN" altLang="en-US"/>
-                        <a:t>中提取声音</a:t>
-                      </a:r>
-                      <a:endParaRPr lang="zh-CN" altLang="en-US"/>
-                    </a:p>
-                  </a:txBody>
-                  <a:tcPr/>
-                </a:tc>
-                <a:tc>
-                  <a:txBody>
-                    <a:bodyPr/>
-                    <a:p>
-                      <a:pPr>
-                        <a:buNone/>
-                      </a:pPr>
-                      <a:r>
-                        <a:rPr lang="en-US" altLang="zh-CN"/>
-                        <a:t>ffmpeg -i input.mp4 -vn output</a:t>
-                      </a:r>
-                      <a:r>
-                        <a:rPr lang="en-US" altLang="zh-CN"/>
-                        <a:t>.mp3</a:t>
-                      </a:r>
-                      <a:endParaRPr lang="en-US" altLang="zh-CN"/>
-                    </a:p>
-                  </a:txBody>
-                  <a:tcPr/>
-                </a:tc>
-                <a:tc>
-                  <a:txBody>
-                    <a:bodyPr/>
-                    <a:p>
-                      <a:pPr>
-                        <a:buNone/>
-                      </a:pPr>
-                      <a:endParaRPr lang="zh-CN" altLang="en-US"/>
-                    </a:p>
-                  </a:txBody>
-                  <a:tcPr/>
-                </a:tc>
-              </a:tr>
-              <a:tr h="640080">
-                <a:tc>
-                  <a:txBody>
-                    <a:bodyPr/>
-                    <a:p>
-                      <a:pPr>
-                        <a:buNone/>
-                      </a:pPr>
-                      <a:r>
-                        <a:rPr lang="en-US" altLang="zh-CN"/>
-                        <a:t>Add subtitle</a:t>
+              <a:tr h="486410">
+                <a:tc>
+                  <a:txBody>
+                    <a:bodyPr/>
+                    <a:p>
+                      <a:pPr>
+                        <a:buNone/>
+                      </a:pPr>
+                      <a:r>
+                        <a:rPr lang="en-US" altLang="zh-CN"/>
+                        <a:t>Remove audio from video</a:t>
                       </a:r>
                       <a:endParaRPr lang="en-US" altLang="zh-CN"/>
                     </a:p>
@@ -6807,18 +7425,266 @@
                       </a:r>
                       <a:r>
                         <a:rPr lang="zh-CN" altLang="en-US"/>
-                        <a:t>.avi -vf subtitles=subtitle.srt out</a:t>
-                      </a:r>
-                      <a:r>
-                        <a:rPr lang="en-US" altLang="zh-CN"/>
-                        <a:t>put</a:t>
-                      </a:r>
-                      <a:r>
-                        <a:rPr lang="zh-CN" altLang="en-US"/>
-                        <a:t>.avi</a:t>
-                      </a:r>
+                        <a:t>.avi -vcodec copy -an </a:t>
+                      </a:r>
+                      <a:r>
+                        <a:rPr lang="en-US" altLang="zh-CN"/>
+                        <a:t>output.avi</a:t>
+                      </a:r>
+                      <a:endParaRPr lang="en-US" altLang="zh-CN"/>
+                    </a:p>
+                  </a:txBody>
+                  <a:tcPr/>
+                </a:tc>
+                <a:tc>
+                  <a:txBody>
+                    <a:bodyPr/>
+                    <a:p>
+                      <a:pPr>
+                        <a:buNone/>
+                      </a:pPr>
                       <a:endParaRPr lang="zh-CN" altLang="en-US"/>
                     </a:p>
+                  </a:txBody>
+                  <a:tcPr/>
+                </a:tc>
+              </a:tr>
+              <a:tr h="274955">
+                <a:tc>
+                  <a:txBody>
+                    <a:bodyPr/>
+                    <a:p>
+                      <a:pPr>
+                        <a:buNone/>
+                      </a:pPr>
+                      <a:r>
+                        <a:rPr lang="en-US" altLang="zh-CN"/>
+                        <a:t>Merge audi</a:t>
+                      </a:r>
+                      <a:r>
+                        <a:rPr lang="en-US" altLang="zh-CN"/>
+                        <a:t>o and video</a:t>
+                      </a:r>
+                      <a:endParaRPr lang="en-US" altLang="zh-CN"/>
+                    </a:p>
+                  </a:txBody>
+                  <a:tcPr/>
+                </a:tc>
+                <a:tc>
+                  <a:txBody>
+                    <a:bodyPr/>
+                    <a:p>
+                      <a:pPr>
+                        <a:buNone/>
+                      </a:pPr>
+                      <a:r>
+                        <a:rPr lang="en-US" altLang="zh-CN"/>
+                        <a:t>ffmpeg -i audio.mp3 -i input.mp4 output.mp4</a:t>
+                      </a:r>
+                      <a:endParaRPr lang="en-US" altLang="zh-CN"/>
+                    </a:p>
+                  </a:txBody>
+                  <a:tcPr/>
+                </a:tc>
+                <a:tc>
+                  <a:txBody>
+                    <a:bodyPr/>
+                    <a:p>
+                      <a:pPr>
+                        <a:buNone/>
+                      </a:pPr>
+                      <a:endParaRPr lang="zh-CN" altLang="en-US"/>
+                    </a:p>
+                  </a:txBody>
+                  <a:tcPr/>
+                </a:tc>
+              </a:tr>
+              <a:tr h="291465">
+                <a:tc>
+                  <a:txBody>
+                    <a:bodyPr/>
+                    <a:p>
+                      <a:pPr>
+                        <a:buNone/>
+                      </a:pPr>
+                      <a:r>
+                        <a:rPr lang="en-US" altLang="zh-CN"/>
+                        <a:t>Change video size</a:t>
+                      </a:r>
+                      <a:endParaRPr lang="en-US" altLang="zh-CN"/>
+                    </a:p>
+                  </a:txBody>
+                  <a:tcPr/>
+                </a:tc>
+                <a:tc>
+                  <a:txBody>
+                    <a:bodyPr/>
+                    <a:p>
+                      <a:pPr marL="0" lvl="2">
+                        <a:buNone/>
+                      </a:pPr>
+                      <a:r>
+                        <a:rPr lang="en-US" altLang="zh-CN" sz="1800">
+                          <a:sym typeface="+mn-ea"/>
+                        </a:rPr>
+                        <a:t>ffmpeg -i input.avi -s 720x480 -c:a copy output.avi</a:t>
+                      </a:r>
+                      <a:endParaRPr lang="en-US" altLang="zh-CN" sz="1800">
+                        <a:sym typeface="+mn-ea"/>
+                      </a:endParaRPr>
+                    </a:p>
+                    <a:p>
+                      <a:pPr marL="0" lvl="2">
+                        <a:buNone/>
+                      </a:pPr>
+                      <a:r>
+                        <a:rPr lang="en-US" altLang="zh-CN" sz="1800">
+                          <a:sym typeface="+mn-ea"/>
+                        </a:rPr>
+                        <a:t>ffmpeg -i input.avi -filter:v scale=720:-1 -c:a copy output.avi</a:t>
+                      </a:r>
+                      <a:endParaRPr lang="en-US" altLang="zh-CN"/>
+                    </a:p>
+                  </a:txBody>
+                  <a:tcPr/>
+                </a:tc>
+                <a:tc>
+                  <a:txBody>
+                    <a:bodyPr/>
+                    <a:p>
+                      <a:pPr>
+                        <a:buNone/>
+                      </a:pPr>
+                      <a:endParaRPr lang="zh-CN" altLang="en-US"/>
+                    </a:p>
+                  </a:txBody>
+                  <a:tcPr/>
+                </a:tc>
+              </a:tr>
+              <a:tr h="250190">
+                <a:tc>
+                  <a:txBody>
+                    <a:bodyPr/>
+                    <a:p>
+                      <a:pPr>
+                        <a:buNone/>
+                      </a:pPr>
+                      <a:r>
+                        <a:rPr lang="en-US" altLang="zh-CN"/>
+                        <a:t>Crop video</a:t>
+                      </a:r>
+                      <a:endParaRPr lang="en-US" altLang="zh-CN"/>
+                    </a:p>
+                  </a:txBody>
+                  <a:tcPr/>
+                </a:tc>
+                <a:tc>
+                  <a:txBody>
+                    <a:bodyPr/>
+                    <a:p>
+                      <a:pPr>
+                        <a:buNone/>
+                      </a:pPr>
+                      <a:r>
+                        <a:rPr lang="en-US" altLang="zh-CN" sz="1800">
+                          <a:sym typeface="+mn-ea"/>
+                        </a:rPr>
+                        <a:t>ffmpeg -i input.mp4 -filter:v "crop=w:h:x:y" output.mp4</a:t>
+                      </a:r>
+                      <a:endParaRPr lang="zh-CN" altLang="en-US"/>
+                    </a:p>
+                  </a:txBody>
+                  <a:tcPr/>
+                </a:tc>
+                <a:tc>
+                  <a:txBody>
+                    <a:bodyPr/>
+                    <a:p>
+                      <a:pPr>
+                        <a:buNone/>
+                      </a:pPr>
+                      <a:endParaRPr lang="zh-CN" altLang="en-US"/>
+                    </a:p>
+                  </a:txBody>
+                  <a:tcPr/>
+                </a:tc>
+              </a:tr>
+              <a:tr h="421005">
+                <a:tc>
+                  <a:txBody>
+                    <a:bodyPr/>
+                    <a:p>
+                      <a:pPr>
+                        <a:buNone/>
+                      </a:pPr>
+                      <a:r>
+                        <a:rPr lang="en-US" altLang="zh-CN"/>
+                        <a:t>Change fps</a:t>
+                      </a:r>
+                      <a:endParaRPr lang="en-US" altLang="zh-CN"/>
+                    </a:p>
+                  </a:txBody>
+                  <a:tcPr/>
+                </a:tc>
+                <a:tc>
+                  <a:txBody>
+                    <a:bodyPr/>
+                    <a:p>
+                      <a:pPr>
+                        <a:buNone/>
+                      </a:pPr>
+                      <a:r>
+                        <a:rPr lang="en-US" altLang="zh-CN" sz="1800">
+                          <a:sym typeface="+mn-ea"/>
+                        </a:rPr>
+                        <a:t>ffmpeg -i input.mp4 -r 30 output.mp4</a:t>
+                      </a:r>
+                      <a:endParaRPr lang="zh-CN" altLang="en-US"/>
+                    </a:p>
+                  </a:txBody>
+                  <a:tcPr/>
+                </a:tc>
+                <a:tc>
+                  <a:txBody>
+                    <a:bodyPr/>
+                    <a:p>
+                      <a:pPr>
+                        <a:buNone/>
+                      </a:pPr>
+                      <a:r>
+                        <a:rPr lang="en-US" altLang="zh-CN" sz="1800">
+                          <a:sym typeface="+mn-ea"/>
+                        </a:rPr>
+                        <a:t>video lengh not changed, frames added or removed</a:t>
+                      </a:r>
+                      <a:endParaRPr lang="zh-CN" altLang="en-US"/>
+                    </a:p>
+                  </a:txBody>
+                  <a:tcPr/>
+                </a:tc>
+              </a:tr>
+              <a:tr h="551815">
+                <a:tc>
+                  <a:txBody>
+                    <a:bodyPr/>
+                    <a:p>
+                      <a:pPr>
+                        <a:buNone/>
+                      </a:pPr>
+                      <a:r>
+                        <a:rPr lang="en-US" altLang="zh-CN" sz="1800">
+                          <a:sym typeface="+mn-ea"/>
+                        </a:rPr>
+                        <a:t>Add logo to video (bottom-right)</a:t>
+                      </a:r>
+                      <a:endParaRPr lang="zh-CN" altLang="en-US"/>
+                    </a:p>
+                  </a:txBody>
+                  <a:tcPr/>
+                </a:tc>
+                <a:tc>
+                  <a:txBody>
+                    <a:bodyPr/>
                     <a:p>
                       <a:pPr>
                         <a:buNone/>
@@ -6827,310 +7693,74 @@
                         <a:rPr lang="zh-CN" altLang="en-US" sz="1800">
                           <a:sym typeface="+mn-ea"/>
                         </a:rPr>
-                        <a:t>ffmpeg -i </a:t>
-                      </a:r>
+                        <a:t>ffmpeg -i vt.mp4 -i vhuantech-org.png -filter_complex "overlay=W-w-5:H-h-5" -codec:a copy TempleOfHeaven.mp4</a:t>
+                      </a:r>
+                      <a:endParaRPr lang="zh-CN" altLang="en-US"/>
+                    </a:p>
+                  </a:txBody>
+                  <a:tcPr/>
+                </a:tc>
+                <a:tc>
+                  <a:txBody>
+                    <a:bodyPr/>
+                    <a:p>
+                      <a:pPr>
+                        <a:buNone/>
+                      </a:pPr>
+                      <a:endParaRPr lang="zh-CN" altLang="en-US"/>
+                    </a:p>
+                  </a:txBody>
+                  <a:tcPr/>
+                </a:tc>
+              </a:tr>
+              <a:tr h="405765">
+                <a:tc>
+                  <a:txBody>
+                    <a:bodyPr/>
+                    <a:p>
+                      <a:pPr>
+                        <a:buNone/>
+                      </a:pPr>
+                      <a:r>
+                        <a:rPr lang="en-US" altLang="zh-CN"/>
+                        <a:t>Speed up or slow down</a:t>
+                      </a:r>
+                      <a:endParaRPr lang="en-US" altLang="zh-CN"/>
+                    </a:p>
+                  </a:txBody>
+                  <a:tcPr/>
+                </a:tc>
+                <a:tc>
+                  <a:txBody>
+                    <a:bodyPr/>
+                    <a:p>
+                      <a:pPr>
+                        <a:buNone/>
+                      </a:pPr>
                       <a:r>
                         <a:rPr lang="en-US" altLang="zh-CN" sz="1800">
                           <a:sym typeface="+mn-ea"/>
                         </a:rPr>
-                        <a:t>input</a:t>
-                      </a:r>
-                      <a:r>
-                        <a:rPr lang="zh-CN" altLang="en-US" sz="1800">
-                          <a:sym typeface="+mn-ea"/>
-                        </a:rPr>
-                        <a:t>.avi -vf </a:t>
-                      </a:r>
+                        <a:t>ffmpeg -i input.mp4 -filter:v “setpts=0.6*PTS” output.mp4</a:t>
+                      </a:r>
+                      <a:endParaRPr lang="zh-CN" altLang="en-US"/>
+                    </a:p>
+                  </a:txBody>
+                  <a:tcPr/>
+                </a:tc>
+                <a:tc>
+                  <a:txBody>
+                    <a:bodyPr/>
+                    <a:p>
+                      <a:pPr>
+                        <a:buNone/>
+                      </a:pPr>
                       <a:r>
                         <a:rPr lang="en-US" altLang="zh-CN" sz="1800">
                           <a:sym typeface="+mn-ea"/>
                         </a:rPr>
-                        <a:t>“ass=subtitle.ass”</a:t>
-                      </a:r>
-                      <a:r>
-                        <a:rPr lang="zh-CN" altLang="en-US" sz="1800">
-                          <a:sym typeface="+mn-ea"/>
-                        </a:rPr>
-                        <a:t> out</a:t>
-                      </a:r>
-                      <a:r>
-                        <a:rPr lang="en-US" altLang="zh-CN" sz="1800">
-                          <a:sym typeface="+mn-ea"/>
-                        </a:rPr>
-                        <a:t>put</a:t>
-                      </a:r>
-                      <a:r>
-                        <a:rPr lang="zh-CN" altLang="en-US" sz="1800">
-                          <a:sym typeface="+mn-ea"/>
-                        </a:rPr>
-                        <a:t>.avi</a:t>
-                      </a:r>
-                      <a:endParaRPr lang="zh-CN" altLang="en-US"/>
-                    </a:p>
-                  </a:txBody>
-                  <a:tcPr/>
-                </a:tc>
-                <a:tc>
-                  <a:txBody>
-                    <a:bodyPr/>
-                    <a:p>
-                      <a:pPr>
-                        <a:buNone/>
-                      </a:pPr>
-                      <a:endParaRPr lang="zh-CN" altLang="en-US"/>
-                    </a:p>
-                  </a:txBody>
-                  <a:tcPr/>
-                </a:tc>
-              </a:tr>
-              <a:tr h="2011680">
-                <a:tc>
-                  <a:txBody>
-                    <a:bodyPr/>
-                    <a:p>
-                      <a:pPr>
-                        <a:buNone/>
-                      </a:pPr>
-                      <a:r>
-                        <a:rPr lang="en-US" altLang="zh-CN"/>
-                        <a:t>Set h264 encoding params</a:t>
-                      </a:r>
-                      <a:endParaRPr lang="en-US" altLang="zh-CN"/>
-                    </a:p>
-                  </a:txBody>
-                  <a:tcPr/>
-                </a:tc>
-                <a:tc>
-                  <a:txBody>
-                    <a:bodyPr/>
-                    <a:p>
-                      <a:pPr marL="0" lvl="2">
-                        <a:buNone/>
-                      </a:pPr>
-                      <a:r>
-                        <a:rPr lang="en-US" altLang="zh-CN"/>
-                        <a:t>ffmpeg -c:v libx264 -profile:v high/main/baseline -level:v 4.0</a:t>
-                      </a:r>
-                      <a:endParaRPr lang="en-US" altLang="zh-CN"/>
-                    </a:p>
-                    <a:p>
-                      <a:pPr marL="0" lvl="2">
-                        <a:buNone/>
-                      </a:pPr>
-                      <a:r>
-                        <a:rPr lang="en-US" altLang="zh-CN"/>
-                        <a:t>-crf 0~51 (constant rate factor, default 23, 0 lossless, 17/18 nearly lossless)</a:t>
-                      </a:r>
-                      <a:endParaRPr lang="en-US" altLang="zh-CN"/>
-                    </a:p>
-                    <a:p>
-                      <a:pPr marL="0" lvl="2">
-                        <a:buNone/>
-                      </a:pPr>
-                      <a:r>
-                        <a:rPr lang="en-US" altLang="zh-CN"/>
-                        <a:t>// profile: video compression features the player must support</a:t>
-                      </a:r>
-                      <a:endParaRPr lang="en-US" altLang="zh-CN"/>
-                    </a:p>
-                    <a:p>
-                      <a:pPr marL="0" lvl="2">
-                        <a:buNone/>
-                      </a:pPr>
-                      <a:r>
-                        <a:rPr lang="en-US" altLang="zh-CN"/>
-                        <a:t>// level: defines the peak bitrate the player can handle, along with the maximum resolution, and the maximum number of reference frames held in memory during playback</a:t>
-                      </a:r>
-                      <a:endParaRPr lang="en-US" altLang="zh-CN"/>
-                    </a:p>
-                  </a:txBody>
-                  <a:tcPr/>
-                </a:tc>
-                <a:tc>
-                  <a:txBody>
-                    <a:bodyPr/>
-                    <a:p>
-                      <a:pPr>
-                        <a:buNone/>
-                      </a:pPr>
-                      <a:endParaRPr lang="zh-CN" altLang="en-US"/>
-                    </a:p>
-                  </a:txBody>
-                  <a:tcPr/>
-                </a:tc>
-              </a:tr>
-              <a:tr h="640080">
-                <a:tc>
-                  <a:txBody>
-                    <a:bodyPr/>
-                    <a:p>
-                      <a:pPr>
-                        <a:buNone/>
-                      </a:pPr>
-                      <a:r>
-                        <a:rPr lang="en-US" altLang="zh-CN" sz="1800">
-                          <a:sym typeface="+mn-ea"/>
-                        </a:rPr>
-                        <a:t>Padding</a:t>
-                      </a:r>
-                      <a:endParaRPr lang="en-US" altLang="zh-CN"/>
-                    </a:p>
-                  </a:txBody>
-                  <a:tcPr/>
-                </a:tc>
-                <a:tc>
-                  <a:txBody>
-                    <a:bodyPr/>
-                    <a:p>
-                      <a:pPr>
-                        <a:buNone/>
-                      </a:pPr>
-                      <a:r>
-                        <a:rPr lang="en-US" altLang="zh-CN" sz="1800">
-                          <a:sym typeface="+mn-ea"/>
-                        </a:rPr>
-                        <a:t>ffmpeg -i in.mp4 -vf “pad=width=800:height=600:x=10:y=75:color=black” out.mp4</a:t>
-                      </a:r>
-                      <a:endParaRPr lang="zh-CN" altLang="en-US"/>
-                    </a:p>
-                  </a:txBody>
-                  <a:tcPr/>
-                </a:tc>
-                <a:tc>
-                  <a:txBody>
-                    <a:bodyPr/>
-                    <a:p>
-                      <a:pPr>
-                        <a:buNone/>
-                      </a:pPr>
-                      <a:r>
-                        <a:rPr lang="en-US" altLang="zh-CN" sz="1800">
-                          <a:sym typeface="+mn-ea"/>
-                        </a:rPr>
-                        <a:t>x/y: start placing point of the original frame</a:t>
-                      </a:r>
-                      <a:endParaRPr lang="zh-CN" altLang="en-US"/>
-                    </a:p>
-                  </a:txBody>
-                  <a:tcPr/>
-                </a:tc>
-              </a:tr>
-              <a:tr h="365760">
-                <a:tc>
-                  <a:txBody>
-                    <a:bodyPr/>
-                    <a:p>
-                      <a:pPr>
-                        <a:buNone/>
-                      </a:pPr>
-                      <a:r>
-                        <a:rPr lang="en-US" altLang="zh-CN"/>
-                        <a:t>Web video</a:t>
-                      </a:r>
-                      <a:endParaRPr lang="en-US" altLang="zh-CN"/>
-                    </a:p>
-                  </a:txBody>
-                  <a:tcPr/>
-                </a:tc>
-                <a:tc>
-                  <a:txBody>
-                    <a:bodyPr/>
-                    <a:p>
-                      <a:pPr>
-                        <a:buNone/>
-                      </a:pPr>
-                      <a:r>
-                        <a:rPr lang="zh-CN" altLang="en-US"/>
-                        <a:t>-movflags +faststart</a:t>
-                      </a:r>
-                      <a:endParaRPr lang="zh-CN" altLang="en-US"/>
-                    </a:p>
-                  </a:txBody>
-                  <a:tcPr/>
-                </a:tc>
-                <a:tc>
-                  <a:txBody>
-                    <a:bodyPr/>
-                    <a:p>
-                      <a:pPr>
-                        <a:buNone/>
-                      </a:pPr>
-                      <a:endParaRPr lang="zh-CN" altLang="en-US"/>
-                    </a:p>
-                  </a:txBody>
-                  <a:tcPr/>
-                </a:tc>
-              </a:tr>
-              <a:tr h="365760">
-                <a:tc>
-                  <a:txBody>
-                    <a:bodyPr/>
-                    <a:p>
-                      <a:pPr>
-                        <a:buNone/>
-                      </a:pPr>
-                      <a:endParaRPr lang="en-US" altLang="zh-CN"/>
-                    </a:p>
-                  </a:txBody>
-                  <a:tcPr/>
-                </a:tc>
-                <a:tc>
-                  <a:txBody>
-                    <a:bodyPr/>
-                    <a:p>
-                      <a:pPr>
-                        <a:buNone/>
-                      </a:pPr>
-                      <a:endParaRPr lang="zh-CN" altLang="en-US"/>
-                    </a:p>
-                  </a:txBody>
-                  <a:tcPr/>
-                </a:tc>
-                <a:tc>
-                  <a:txBody>
-                    <a:bodyPr/>
-                    <a:p>
-                      <a:pPr>
-                        <a:buNone/>
-                      </a:pPr>
-                      <a:endParaRPr lang="zh-CN" altLang="en-US"/>
-                    </a:p>
-                  </a:txBody>
-                  <a:tcPr/>
-                </a:tc>
-              </a:tr>
-              <a:tr h="365760">
-                <a:tc>
-                  <a:txBody>
-                    <a:bodyPr/>
-                    <a:p>
-                      <a:pPr>
-                        <a:buNone/>
-                      </a:pPr>
-                      <a:endParaRPr lang="en-US" altLang="zh-CN"/>
-                    </a:p>
-                  </a:txBody>
-                  <a:tcPr/>
-                </a:tc>
-                <a:tc>
-                  <a:txBody>
-                    <a:bodyPr/>
-                    <a:p>
-                      <a:pPr>
-                        <a:buNone/>
-                      </a:pPr>
-                      <a:endParaRPr lang="zh-CN" altLang="en-US"/>
-                    </a:p>
-                  </a:txBody>
-                  <a:tcPr/>
-                </a:tc>
-                <a:tc>
-                  <a:txBody>
-                    <a:bodyPr/>
-                    <a:p>
-                      <a:pPr>
-                        <a:buNone/>
-                      </a:pPr>
+                        <a:t>fps not changed, video length changed, frames added or removed</a:t>
+                      </a:r>
                       <a:endParaRPr lang="zh-CN" altLang="en-US"/>
                     </a:p>
                   </a:txBody>
@@ -7248,9 +7878,7 @@
 
 <file path=ppt/tags/tag21.xml><?xml version="1.0" encoding="utf-8"?>
 <p:tagLst xmlns:p="http://schemas.openxmlformats.org/presentationml/2006/main">
-  <p:tag name="KSO_WM_BEAUTIFY_FLAG" val="#wm#"/>
-  <p:tag name="KSO_WM_TEMPLATE_CATEGORY" val="custom"/>
-  <p:tag name="KSO_WM_TEMPLATE_INDEX" val="160402"/>
+  <p:tag name="KSO_WM_UNIT_TABLE_BEAUTIFY" val="smartTable{a8ef8be3-cc9c-4d18-9ded-adce915af36f}"/>
 </p:tagLst>
 </file>
 
@@ -7264,12 +7892,28 @@
 
 <file path=ppt/tags/tag23.xml><?xml version="1.0" encoding="utf-8"?>
 <p:tagLst xmlns:p="http://schemas.openxmlformats.org/presentationml/2006/main">
+  <p:tag name="KSO_WM_BEAUTIFY_FLAG" val="#wm#"/>
+  <p:tag name="KSO_WM_TEMPLATE_CATEGORY" val="custom"/>
+  <p:tag name="KSO_WM_TEMPLATE_INDEX" val="160402"/>
+</p:tagLst>
+</file>
+
+<file path=ppt/tags/tag24.xml><?xml version="1.0" encoding="utf-8"?>
+<p:tagLst xmlns:p="http://schemas.openxmlformats.org/presentationml/2006/main">
+  <p:tag name="KSO_WM_BEAUTIFY_FLAG" val="#wm#"/>
+  <p:tag name="KSO_WM_TEMPLATE_CATEGORY" val="custom"/>
+  <p:tag name="KSO_WM_TEMPLATE_INDEX" val="160402"/>
+</p:tagLst>
+</file>
+
+<file path=ppt/tags/tag25.xml><?xml version="1.0" encoding="utf-8"?>
+<p:tagLst xmlns:p="http://schemas.openxmlformats.org/presentationml/2006/main">
   <p:tag name="REFSHAPE" val="406339724"/>
   <p:tag name="KSO_WM_UNIT_PLACING_PICTURE_USER_VIEWPORT" val="{&quot;height&quot;:1860,&quot;width&quot;:8385}"/>
 </p:tagLst>
 </file>
 
-<file path=ppt/tags/tag24.xml><?xml version="1.0" encoding="utf-8"?>
+<file path=ppt/tags/tag26.xml><?xml version="1.0" encoding="utf-8"?>
 <p:tagLst xmlns:p="http://schemas.openxmlformats.org/presentationml/2006/main">
   <p:tag name="KSO_WM_BEAUTIFY_FLAG" val="#wm#"/>
   <p:tag name="KSO_WM_TEMPLATE_CATEGORY" val="custom"/>

--- a/Misc/Media-Notes.pptx
+++ b/Misc/Media-Notes.pptx
@@ -8,7 +8,7 @@
     <p:notesMasterId r:id="rId4"/>
   </p:notesMasterIdLst>
   <p:handoutMasterIdLst>
-    <p:handoutMasterId r:id="rId17"/>
+    <p:handoutMasterId r:id="rId16"/>
   </p:handoutMasterIdLst>
   <p:sldIdLst>
     <p:sldId id="256" r:id="rId3"/>
@@ -17,13 +17,12 @@
     <p:sldId id="263" r:id="rId7"/>
     <p:sldId id="277" r:id="rId8"/>
     <p:sldId id="260" r:id="rId9"/>
-    <p:sldId id="261" r:id="rId10"/>
-    <p:sldId id="285" r:id="rId11"/>
-    <p:sldId id="268" r:id="rId12"/>
-    <p:sldId id="273" r:id="rId13"/>
-    <p:sldId id="264" r:id="rId14"/>
-    <p:sldId id="267" r:id="rId15"/>
-    <p:sldId id="276" r:id="rId16"/>
+    <p:sldId id="285" r:id="rId10"/>
+    <p:sldId id="268" r:id="rId11"/>
+    <p:sldId id="273" r:id="rId12"/>
+    <p:sldId id="264" r:id="rId13"/>
+    <p:sldId id="267" r:id="rId14"/>
+    <p:sldId id="276" r:id="rId15"/>
   </p:sldIdLst>
   <p:sldSz cx="12192000" cy="6858000"/>
   <p:notesSz cx="6858000" cy="9144000"/>
@@ -3804,558 +3803,6 @@
           <a:p>
             <a:r>
               <a:rPr lang="en-US" altLang="zh-CN"/>
-              <a:t>FFMPEG 3/3</a:t>
-            </a:r>
-            <a:endParaRPr lang="en-US" altLang="zh-CN"/>
-          </a:p>
-        </p:txBody>
-      </p:sp>
-      <p:graphicFrame>
-        <p:nvGraphicFramePr>
-          <p:cNvPr id="6" name="表格 5"/>
-          <p:cNvGraphicFramePr/>
-          <p:nvPr>
-            <p:custDataLst>
-              <p:tags r:id="rId1"/>
-            </p:custDataLst>
-          </p:nvPr>
-        </p:nvGraphicFramePr>
-        <p:xfrm>
-          <a:off x="676275" y="1177925"/>
-          <a:ext cx="11256645" cy="5608955"/>
-        </p:xfrm>
-        <a:graphic>
-          <a:graphicData uri="http://schemas.openxmlformats.org/drawingml/2006/table">
-            <a:tbl>
-              <a:tblPr firstRow="1" bandRow="1">
-                <a:tableStyleId>{5C22544A-7EE6-4342-B048-85BDC9FD1C3A}</a:tableStyleId>
-              </a:tblPr>
-              <a:tblGrid>
-                <a:gridCol w="2225675"/>
-                <a:gridCol w="6471920"/>
-                <a:gridCol w="2559050"/>
-              </a:tblGrid>
-              <a:tr h="365760">
-                <a:tc>
-                  <a:txBody>
-                    <a:bodyPr/>
-                    <a:p>
-                      <a:pPr algn="ctr">
-                        <a:buNone/>
-                      </a:pPr>
-                      <a:r>
-                        <a:rPr lang="en-US" altLang="zh-CN"/>
-                        <a:t>Task</a:t>
-                      </a:r>
-                      <a:endParaRPr lang="en-US" altLang="zh-CN"/>
-                    </a:p>
-                  </a:txBody>
-                  <a:tcPr/>
-                </a:tc>
-                <a:tc>
-                  <a:txBody>
-                    <a:bodyPr/>
-                    <a:p>
-                      <a:pPr algn="ctr">
-                        <a:buNone/>
-                      </a:pPr>
-                      <a:r>
-                        <a:rPr lang="en-US" altLang="zh-CN"/>
-                        <a:t>Commands</a:t>
-                      </a:r>
-                      <a:endParaRPr lang="en-US" altLang="zh-CN"/>
-                    </a:p>
-                  </a:txBody>
-                  <a:tcPr/>
-                </a:tc>
-                <a:tc>
-                  <a:txBody>
-                    <a:bodyPr/>
-                    <a:p>
-                      <a:pPr algn="ctr">
-                        <a:buNone/>
-                      </a:pPr>
-                      <a:r>
-                        <a:rPr lang="en-US" altLang="zh-CN"/>
-                        <a:t>Note</a:t>
-                      </a:r>
-                      <a:endParaRPr lang="en-US" altLang="zh-CN"/>
-                    </a:p>
-                  </a:txBody>
-                  <a:tcPr/>
-                </a:tc>
-              </a:tr>
-              <a:tr h="400050">
-                <a:tc>
-                  <a:txBody>
-                    <a:bodyPr/>
-                    <a:p>
-                      <a:pPr>
-                        <a:buNone/>
-                      </a:pPr>
-                      <a:r>
-                        <a:rPr lang="zh-CN" altLang="en-US"/>
-                        <a:t>从</a:t>
-                      </a:r>
-                      <a:r>
-                        <a:rPr lang="en-US" altLang="zh-CN"/>
-                        <a:t>MP4</a:t>
-                      </a:r>
-                      <a:r>
-                        <a:rPr lang="zh-CN" altLang="en-US"/>
-                        <a:t>中提取声音</a:t>
-                      </a:r>
-                      <a:endParaRPr lang="zh-CN" altLang="en-US"/>
-                    </a:p>
-                  </a:txBody>
-                  <a:tcPr/>
-                </a:tc>
-                <a:tc>
-                  <a:txBody>
-                    <a:bodyPr/>
-                    <a:p>
-                      <a:pPr>
-                        <a:buNone/>
-                      </a:pPr>
-                      <a:r>
-                        <a:rPr lang="en-US" altLang="zh-CN"/>
-                        <a:t>ffmpeg -i input.mp4 -vn output</a:t>
-                      </a:r>
-                      <a:r>
-                        <a:rPr lang="en-US" altLang="zh-CN"/>
-                        <a:t>.mp3</a:t>
-                      </a:r>
-                      <a:endParaRPr lang="en-US" altLang="zh-CN"/>
-                    </a:p>
-                  </a:txBody>
-                  <a:tcPr/>
-                </a:tc>
-                <a:tc>
-                  <a:txBody>
-                    <a:bodyPr/>
-                    <a:p>
-                      <a:pPr>
-                        <a:buNone/>
-                      </a:pPr>
-                      <a:endParaRPr lang="zh-CN" altLang="en-US"/>
-                    </a:p>
-                  </a:txBody>
-                  <a:tcPr/>
-                </a:tc>
-              </a:tr>
-              <a:tr h="640080">
-                <a:tc>
-                  <a:txBody>
-                    <a:bodyPr/>
-                    <a:p>
-                      <a:pPr>
-                        <a:buNone/>
-                      </a:pPr>
-                      <a:r>
-                        <a:rPr lang="en-US" altLang="zh-CN"/>
-                        <a:t>Add subtitle</a:t>
-                      </a:r>
-                      <a:endParaRPr lang="en-US" altLang="zh-CN"/>
-                    </a:p>
-                  </a:txBody>
-                  <a:tcPr/>
-                </a:tc>
-                <a:tc>
-                  <a:txBody>
-                    <a:bodyPr/>
-                    <a:p>
-                      <a:pPr>
-                        <a:buNone/>
-                      </a:pPr>
-                      <a:r>
-                        <a:rPr lang="zh-CN" altLang="en-US"/>
-                        <a:t>ffmpeg -i </a:t>
-                      </a:r>
-                      <a:r>
-                        <a:rPr lang="en-US" altLang="zh-CN"/>
-                        <a:t>input</a:t>
-                      </a:r>
-                      <a:r>
-                        <a:rPr lang="zh-CN" altLang="en-US"/>
-                        <a:t>.avi -vf subtitles=subtitle.srt out</a:t>
-                      </a:r>
-                      <a:r>
-                        <a:rPr lang="en-US" altLang="zh-CN"/>
-                        <a:t>put</a:t>
-                      </a:r>
-                      <a:r>
-                        <a:rPr lang="zh-CN" altLang="en-US"/>
-                        <a:t>.avi</a:t>
-                      </a:r>
-                      <a:endParaRPr lang="zh-CN" altLang="en-US"/>
-                    </a:p>
-                    <a:p>
-                      <a:pPr>
-                        <a:buNone/>
-                      </a:pPr>
-                      <a:r>
-                        <a:rPr lang="zh-CN" altLang="en-US" sz="1800">
-                          <a:sym typeface="+mn-ea"/>
-                        </a:rPr>
-                        <a:t>ffmpeg -i </a:t>
-                      </a:r>
-                      <a:r>
-                        <a:rPr lang="en-US" altLang="zh-CN" sz="1800">
-                          <a:sym typeface="+mn-ea"/>
-                        </a:rPr>
-                        <a:t>input</a:t>
-                      </a:r>
-                      <a:r>
-                        <a:rPr lang="zh-CN" altLang="en-US" sz="1800">
-                          <a:sym typeface="+mn-ea"/>
-                        </a:rPr>
-                        <a:t>.avi -vf </a:t>
-                      </a:r>
-                      <a:r>
-                        <a:rPr lang="en-US" altLang="zh-CN" sz="1800">
-                          <a:sym typeface="+mn-ea"/>
-                        </a:rPr>
-                        <a:t>“ass=subtitle.ass”</a:t>
-                      </a:r>
-                      <a:r>
-                        <a:rPr lang="zh-CN" altLang="en-US" sz="1800">
-                          <a:sym typeface="+mn-ea"/>
-                        </a:rPr>
-                        <a:t> out</a:t>
-                      </a:r>
-                      <a:r>
-                        <a:rPr lang="en-US" altLang="zh-CN" sz="1800">
-                          <a:sym typeface="+mn-ea"/>
-                        </a:rPr>
-                        <a:t>put</a:t>
-                      </a:r>
-                      <a:r>
-                        <a:rPr lang="zh-CN" altLang="en-US" sz="1800">
-                          <a:sym typeface="+mn-ea"/>
-                        </a:rPr>
-                        <a:t>.avi</a:t>
-                      </a:r>
-                      <a:endParaRPr lang="zh-CN" altLang="en-US"/>
-                    </a:p>
-                  </a:txBody>
-                  <a:tcPr/>
-                </a:tc>
-                <a:tc>
-                  <a:txBody>
-                    <a:bodyPr/>
-                    <a:p>
-                      <a:pPr>
-                        <a:buNone/>
-                      </a:pPr>
-                      <a:endParaRPr lang="zh-CN" altLang="en-US"/>
-                    </a:p>
-                  </a:txBody>
-                  <a:tcPr/>
-                </a:tc>
-              </a:tr>
-              <a:tr h="2011680">
-                <a:tc>
-                  <a:txBody>
-                    <a:bodyPr/>
-                    <a:p>
-                      <a:pPr>
-                        <a:buNone/>
-                      </a:pPr>
-                      <a:r>
-                        <a:rPr lang="en-US" altLang="zh-CN"/>
-                        <a:t>Set h264 encoding params</a:t>
-                      </a:r>
-                      <a:endParaRPr lang="en-US" altLang="zh-CN"/>
-                    </a:p>
-                  </a:txBody>
-                  <a:tcPr/>
-                </a:tc>
-                <a:tc>
-                  <a:txBody>
-                    <a:bodyPr/>
-                    <a:p>
-                      <a:pPr marL="0" lvl="2">
-                        <a:buNone/>
-                      </a:pPr>
-                      <a:r>
-                        <a:rPr lang="en-US" altLang="zh-CN"/>
-                        <a:t>ffmpeg -c:v libx264 -profile:v high/main/baseline -level:v 4.0</a:t>
-                      </a:r>
-                      <a:endParaRPr lang="en-US" altLang="zh-CN"/>
-                    </a:p>
-                    <a:p>
-                      <a:pPr marL="0" lvl="2">
-                        <a:buNone/>
-                      </a:pPr>
-                      <a:r>
-                        <a:rPr lang="en-US" altLang="zh-CN"/>
-                        <a:t>-crf 0~51 (constant rate factor, default 23, 0 lossless, 17/18 nearly lossless)</a:t>
-                      </a:r>
-                      <a:endParaRPr lang="en-US" altLang="zh-CN"/>
-                    </a:p>
-                    <a:p>
-                      <a:pPr marL="0" lvl="2">
-                        <a:buNone/>
-                      </a:pPr>
-                      <a:r>
-                        <a:rPr lang="en-US" altLang="zh-CN"/>
-                        <a:t>// profile: video compression features the player must support</a:t>
-                      </a:r>
-                      <a:endParaRPr lang="en-US" altLang="zh-CN"/>
-                    </a:p>
-                    <a:p>
-                      <a:pPr marL="0" lvl="2">
-                        <a:buNone/>
-                      </a:pPr>
-                      <a:r>
-                        <a:rPr lang="en-US" altLang="zh-CN"/>
-                        <a:t>// level: defines the peak bitrate the player can handle, along with the maximum resolution, and the maximum number of reference frames held in memory during playback</a:t>
-                      </a:r>
-                      <a:endParaRPr lang="en-US" altLang="zh-CN"/>
-                    </a:p>
-                  </a:txBody>
-                  <a:tcPr/>
-                </a:tc>
-                <a:tc>
-                  <a:txBody>
-                    <a:bodyPr/>
-                    <a:p>
-                      <a:pPr>
-                        <a:buNone/>
-                      </a:pPr>
-                      <a:endParaRPr lang="zh-CN" altLang="en-US"/>
-                    </a:p>
-                  </a:txBody>
-                  <a:tcPr/>
-                </a:tc>
-              </a:tr>
-              <a:tr h="640080">
-                <a:tc>
-                  <a:txBody>
-                    <a:bodyPr/>
-                    <a:p>
-                      <a:pPr>
-                        <a:buNone/>
-                      </a:pPr>
-                      <a:r>
-                        <a:rPr lang="en-US" altLang="zh-CN" sz="1800">
-                          <a:sym typeface="+mn-ea"/>
-                        </a:rPr>
-                        <a:t>Padding</a:t>
-                      </a:r>
-                      <a:endParaRPr lang="en-US" altLang="zh-CN"/>
-                    </a:p>
-                  </a:txBody>
-                  <a:tcPr/>
-                </a:tc>
-                <a:tc>
-                  <a:txBody>
-                    <a:bodyPr/>
-                    <a:p>
-                      <a:pPr>
-                        <a:buNone/>
-                      </a:pPr>
-                      <a:r>
-                        <a:rPr lang="en-US" altLang="zh-CN" sz="1800">
-                          <a:sym typeface="+mn-ea"/>
-                        </a:rPr>
-                        <a:t>ffmpeg -i in.mp4 -vf “pad=width=800:height=600:x=10:y=75:color=black” out.mp4</a:t>
-                      </a:r>
-                      <a:endParaRPr lang="zh-CN" altLang="en-US"/>
-                    </a:p>
-                  </a:txBody>
-                  <a:tcPr/>
-                </a:tc>
-                <a:tc>
-                  <a:txBody>
-                    <a:bodyPr/>
-                    <a:p>
-                      <a:pPr>
-                        <a:buNone/>
-                      </a:pPr>
-                      <a:r>
-                        <a:rPr lang="en-US" altLang="zh-CN" sz="1800">
-                          <a:sym typeface="+mn-ea"/>
-                        </a:rPr>
-                        <a:t>x/y: start placing point of the original frame</a:t>
-                      </a:r>
-                      <a:endParaRPr lang="zh-CN" altLang="en-US"/>
-                    </a:p>
-                  </a:txBody>
-                  <a:tcPr/>
-                </a:tc>
-              </a:tr>
-              <a:tr h="365760">
-                <a:tc>
-                  <a:txBody>
-                    <a:bodyPr/>
-                    <a:p>
-                      <a:pPr>
-                        <a:buNone/>
-                      </a:pPr>
-                      <a:r>
-                        <a:rPr lang="en-US" altLang="zh-CN"/>
-                        <a:t>Web video</a:t>
-                      </a:r>
-                      <a:endParaRPr lang="en-US" altLang="zh-CN"/>
-                    </a:p>
-                  </a:txBody>
-                  <a:tcPr/>
-                </a:tc>
-                <a:tc>
-                  <a:txBody>
-                    <a:bodyPr/>
-                    <a:p>
-                      <a:pPr>
-                        <a:buNone/>
-                      </a:pPr>
-                      <a:r>
-                        <a:rPr lang="zh-CN" altLang="en-US"/>
-                        <a:t>-movflags +faststart</a:t>
-                      </a:r>
-                      <a:endParaRPr lang="zh-CN" altLang="en-US"/>
-                    </a:p>
-                  </a:txBody>
-                  <a:tcPr/>
-                </a:tc>
-                <a:tc>
-                  <a:txBody>
-                    <a:bodyPr/>
-                    <a:p>
-                      <a:pPr>
-                        <a:buNone/>
-                      </a:pPr>
-                      <a:endParaRPr lang="zh-CN" altLang="en-US"/>
-                    </a:p>
-                  </a:txBody>
-                  <a:tcPr/>
-                </a:tc>
-              </a:tr>
-              <a:tr h="365760">
-                <a:tc>
-                  <a:txBody>
-                    <a:bodyPr/>
-                    <a:p>
-                      <a:pPr>
-                        <a:buNone/>
-                      </a:pPr>
-                      <a:r>
-                        <a:rPr lang="en-US" altLang="zh-CN"/>
-                        <a:t>Output to gif</a:t>
-                      </a:r>
-                      <a:endParaRPr lang="en-US" altLang="zh-CN"/>
-                    </a:p>
-                  </a:txBody>
-                  <a:tcPr/>
-                </a:tc>
-                <a:tc>
-                  <a:txBody>
-                    <a:bodyPr/>
-                    <a:p>
-                      <a:pPr>
-                        <a:buNone/>
-                      </a:pPr>
-                      <a:r>
-                        <a:rPr lang="en-US" altLang="zh-CN"/>
-                        <a:t>ffmpeg -i input.mp4 -f gif output.gif</a:t>
-                      </a:r>
-                      <a:endParaRPr lang="en-US" altLang="zh-CN"/>
-                    </a:p>
-                  </a:txBody>
-                  <a:tcPr/>
-                </a:tc>
-                <a:tc>
-                  <a:txBody>
-                    <a:bodyPr/>
-                    <a:p>
-                      <a:pPr>
-                        <a:buNone/>
-                      </a:pPr>
-                      <a:endParaRPr lang="zh-CN" altLang="en-US"/>
-                    </a:p>
-                  </a:txBody>
-                  <a:tcPr/>
-                </a:tc>
-              </a:tr>
-              <a:tr h="365760">
-                <a:tc>
-                  <a:txBody>
-                    <a:bodyPr/>
-                    <a:p>
-                      <a:pPr>
-                        <a:buNone/>
-                      </a:pPr>
-                      <a:endParaRPr lang="en-US" altLang="zh-CN"/>
-                    </a:p>
-                  </a:txBody>
-                  <a:tcPr/>
-                </a:tc>
-                <a:tc>
-                  <a:txBody>
-                    <a:bodyPr/>
-                    <a:p>
-                      <a:pPr>
-                        <a:buNone/>
-                      </a:pPr>
-                      <a:endParaRPr lang="zh-CN" altLang="en-US"/>
-                    </a:p>
-                  </a:txBody>
-                  <a:tcPr/>
-                </a:tc>
-                <a:tc>
-                  <a:txBody>
-                    <a:bodyPr/>
-                    <a:p>
-                      <a:pPr>
-                        <a:buNone/>
-                      </a:pPr>
-                      <a:endParaRPr lang="zh-CN" altLang="en-US"/>
-                    </a:p>
-                  </a:txBody>
-                  <a:tcPr/>
-                </a:tc>
-              </a:tr>
-            </a:tbl>
-          </a:graphicData>
-        </a:graphic>
-      </p:graphicFrame>
-    </p:spTree>
-    <p:custDataLst>
-      <p:tags r:id="rId2"/>
-    </p:custDataLst>
-  </p:cSld>
-  <p:clrMapOvr>
-    <a:masterClrMapping/>
-  </p:clrMapOvr>
-</p:sld>
-</file>
-
-<file path=ppt/slides/slide11.xml><?xml version="1.0" encoding="utf-8"?>
-<p:sld xmlns:a="http://schemas.openxmlformats.org/drawingml/2006/main" xmlns:r="http://schemas.openxmlformats.org/officeDocument/2006/relationships" xmlns:p="http://schemas.openxmlformats.org/presentationml/2006/main">
-  <p:cSld>
-    <p:spTree>
-      <p:nvGrpSpPr>
-        <p:cNvPr id="1" name=""/>
-        <p:cNvGrpSpPr/>
-        <p:nvPr/>
-      </p:nvGrpSpPr>
-      <p:grpSpPr/>
-      <p:sp>
-        <p:nvSpPr>
-          <p:cNvPr id="2" name="标题 1"/>
-          <p:cNvSpPr>
-            <a:spLocks noGrp="1"/>
-          </p:cNvSpPr>
-          <p:nvPr>
-            <p:ph type="title"/>
-          </p:nvPr>
-        </p:nvSpPr>
-        <p:spPr/>
-        <p:txBody>
-          <a:bodyPr/>
-          <a:p>
-            <a:r>
-              <a:rPr lang="en-US" altLang="zh-CN"/>
               <a:t>Video Support in Safari</a:t>
             </a:r>
             <a:endParaRPr lang="en-US" altLang="zh-CN"/>
@@ -4497,7 +3944,7 @@
 </p:sld>
 </file>
 
-<file path=ppt/slides/slide12.xml><?xml version="1.0" encoding="utf-8"?>
+<file path=ppt/slides/slide11.xml><?xml version="1.0" encoding="utf-8"?>
 <p:sld xmlns:a="http://schemas.openxmlformats.org/drawingml/2006/main" xmlns:r="http://schemas.openxmlformats.org/officeDocument/2006/relationships" xmlns:p="http://schemas.openxmlformats.org/presentationml/2006/main">
   <p:cSld>
     <p:spTree>
@@ -4594,7 +4041,7 @@
 </p:sld>
 </file>
 
-<file path=ppt/slides/slide13.xml><?xml version="1.0" encoding="utf-8"?>
+<file path=ppt/slides/slide12.xml><?xml version="1.0" encoding="utf-8"?>
 <p:sld xmlns:a="http://schemas.openxmlformats.org/drawingml/2006/main" xmlns:r="http://schemas.openxmlformats.org/officeDocument/2006/relationships" xmlns:p="http://schemas.openxmlformats.org/presentationml/2006/main">
   <p:cSld>
     <p:spTree>
@@ -6689,60 +6136,15 @@
           <a:p>
             <a:r>
               <a:rPr lang="en-US" altLang="zh-CN"/>
-              <a:t>FFMPEG 1/3</a:t>
+              <a:t>FFMPEG 2/3</a:t>
             </a:r>
             <a:endParaRPr lang="en-US" altLang="zh-CN"/>
-          </a:p>
-        </p:txBody>
-      </p:sp>
-      <p:sp>
-        <p:nvSpPr>
-          <p:cNvPr id="3" name="内容占位符 2"/>
-          <p:cNvSpPr>
-            <a:spLocks noGrp="1"/>
-          </p:cNvSpPr>
-          <p:nvPr>
-            <p:ph idx="1"/>
-          </p:nvPr>
-        </p:nvSpPr>
-        <p:spPr>
-          <a:xfrm>
-            <a:off x="838200" y="1211580"/>
-            <a:ext cx="10919460" cy="1041400"/>
-          </a:xfrm>
-        </p:spPr>
-        <p:txBody>
-          <a:bodyPr>
-            <a:noAutofit/>
-          </a:bodyPr>
-          <a:p>
-            <a:r>
-              <a:rPr lang="en-US" altLang="zh-CN" sz="2000"/>
-              <a:t>Install</a:t>
-            </a:r>
-            <a:endParaRPr lang="en-US" altLang="zh-CN" sz="2000"/>
-          </a:p>
-          <a:p>
-            <a:pPr lvl="1"/>
-            <a:r>
-              <a:rPr lang="en-US" altLang="zh-CN" sz="1665"/>
-              <a:t>sudo add-apt-repository ppa:videolan/master-daily</a:t>
-            </a:r>
-            <a:endParaRPr lang="en-US" altLang="zh-CN" sz="1665"/>
-          </a:p>
-          <a:p>
-            <a:pPr lvl="1"/>
-            <a:r>
-              <a:rPr lang="en-US" altLang="zh-CN" sz="1665"/>
-              <a:t>ffmpeg 3.3.3-2</a:t>
-            </a:r>
-            <a:endParaRPr lang="en-US" altLang="zh-CN" sz="1600"/>
           </a:p>
         </p:txBody>
       </p:sp>
       <p:graphicFrame>
         <p:nvGraphicFramePr>
-          <p:cNvPr id="5" name="表格 4"/>
+          <p:cNvPr id="6" name="表格 5"/>
           <p:cNvGraphicFramePr/>
           <p:nvPr>
             <p:custDataLst>
@@ -6751,8 +6153,8 @@
           </p:nvPr>
         </p:nvGraphicFramePr>
         <p:xfrm>
-          <a:off x="579120" y="2174875"/>
-          <a:ext cx="11268710" cy="4335780"/>
+          <a:off x="676275" y="1177925"/>
+          <a:ext cx="11256645" cy="5566410"/>
         </p:xfrm>
         <a:graphic>
           <a:graphicData uri="http://schemas.openxmlformats.org/drawingml/2006/table">
@@ -6761,11 +6163,11 @@
                 <a:tableStyleId>{5C22544A-7EE6-4342-B048-85BDC9FD1C3A}</a:tableStyleId>
               </a:tblPr>
               <a:tblGrid>
-                <a:gridCol w="2372360"/>
-                <a:gridCol w="6086475"/>
-                <a:gridCol w="2809875"/>
+                <a:gridCol w="2225675"/>
+                <a:gridCol w="6224270"/>
+                <a:gridCol w="2806700"/>
               </a:tblGrid>
-              <a:tr h="365760">
+              <a:tr h="405765">
                 <a:tc>
                   <a:txBody>
                     <a:bodyPr/>
@@ -6815,7 +6217,7 @@
                   <a:tcPr/>
                 </a:tc>
               </a:tr>
-              <a:tr h="365760">
+              <a:tr h="486410">
                 <a:tc>
                   <a:txBody>
                     <a:bodyPr/>
@@ -6825,7 +6227,7 @@
                       </a:pPr>
                       <a:r>
                         <a:rPr lang="en-US" altLang="zh-CN"/>
-                        <a:t>Hide banner</a:t>
+                        <a:t>Remove audio from video</a:t>
                       </a:r>
                       <a:endParaRPr lang="en-US" altLang="zh-CN"/>
                     </a:p>
@@ -6840,8 +6242,20 @@
                         <a:buNone/>
                       </a:pPr>
                       <a:r>
+                        <a:rPr lang="zh-CN" altLang="en-US"/>
+                        <a:t>ffmpeg -i </a:t>
+                      </a:r>
+                      <a:r>
                         <a:rPr lang="en-US" altLang="zh-CN"/>
-                        <a:t>ffmpeg -hide_banner</a:t>
+                        <a:t>input</a:t>
+                      </a:r>
+                      <a:r>
+                        <a:rPr lang="zh-CN" altLang="en-US"/>
+                        <a:t>.avi -vcodec copy -an </a:t>
+                      </a:r>
+                      <a:r>
+                        <a:rPr lang="en-US" altLang="zh-CN"/>
+                        <a:t>output.avi</a:t>
                       </a:r>
                       <a:endParaRPr lang="en-US" altLang="zh-CN"/>
                     </a:p>
@@ -6861,7 +6275,7 @@
                   <a:tcPr/>
                 </a:tc>
               </a:tr>
-              <a:tr h="365760">
+              <a:tr h="274955">
                 <a:tc>
                   <a:txBody>
                     <a:bodyPr/>
@@ -6871,7 +6285,11 @@
                       </a:pPr>
                       <a:r>
                         <a:rPr lang="en-US" altLang="zh-CN"/>
-                        <a:t>Log level</a:t>
+                        <a:t>Merge audi</a:t>
+                      </a:r>
+                      <a:r>
+                        <a:rPr lang="en-US" altLang="zh-CN"/>
+                        <a:t>o and video</a:t>
                       </a:r>
                       <a:endParaRPr lang="en-US" altLang="zh-CN"/>
                     </a:p>
@@ -6887,7 +6305,7 @@
                       </a:pPr>
                       <a:r>
                         <a:rPr lang="en-US" altLang="zh-CN"/>
-                        <a:t>ffmpeg -loglevel error </a:t>
+                        <a:t>ffmpeg -i audio.mp3 -i input.mp4 output.mp4</a:t>
                       </a:r>
                       <a:endParaRPr lang="en-US" altLang="zh-CN"/>
                     </a:p>
@@ -6907,7 +6325,7 @@
                   <a:tcPr/>
                 </a:tc>
               </a:tr>
-              <a:tr h="234315">
+              <a:tr h="291465">
                 <a:tc>
                   <a:txBody>
                     <a:bodyPr/>
@@ -6917,7 +6335,7 @@
                       </a:pPr>
                       <a:r>
                         <a:rPr lang="en-US" altLang="zh-CN"/>
-                        <a:t>pix format</a:t>
+                        <a:t>Change video size</a:t>
                       </a:r>
                       <a:endParaRPr lang="en-US" altLang="zh-CN"/>
                     </a:p>
@@ -6928,46 +6346,164 @@
                   <a:txBody>
                     <a:bodyPr/>
                     <a:p>
-                      <a:pPr>
-                        <a:buNone/>
-                      </a:pPr>
-                      <a:r>
-                        <a:rPr lang="en-US" altLang="zh-CN"/>
-                        <a:t>ffmpeg -pix_fmts</a:t>
-                      </a:r>
-                      <a:endParaRPr lang="en-US" altLang="zh-CN"/>
-                    </a:p>
-                  </a:txBody>
-                  <a:tcPr/>
-                </a:tc>
-                <a:tc>
-                  <a:txBody>
-                    <a:bodyPr/>
-                    <a:p>
-                      <a:pPr>
-                        <a:buNone/>
-                      </a:pPr>
-                      <a:endParaRPr lang="zh-CN" altLang="en-US"/>
-                    </a:p>
-                  </a:txBody>
-                  <a:tcPr/>
-                </a:tc>
-              </a:tr>
-              <a:tr h="640080">
-                <a:tc>
-                  <a:txBody>
-                    <a:bodyPr/>
-                    <a:p>
-                      <a:pPr>
+                      <a:pPr marL="0" lvl="2">
                         <a:buNone/>
                       </a:pPr>
                       <a:r>
                         <a:rPr lang="en-US" altLang="zh-CN" sz="1800">
                           <a:sym typeface="+mn-ea"/>
                         </a:rPr>
-                        <a:t>Convert image sequences into video</a:t>
+                        <a:t>ffmpeg -i input.avi -s 720x480 -c:a copy output.avi</a:t>
+                      </a:r>
+                      <a:endParaRPr lang="en-US" altLang="zh-CN" sz="1800">
+                        <a:sym typeface="+mn-ea"/>
+                      </a:endParaRPr>
+                    </a:p>
+                    <a:p>
+                      <a:pPr marL="0" lvl="2">
+                        <a:buNone/>
+                      </a:pPr>
+                      <a:r>
+                        <a:rPr lang="en-US" altLang="zh-CN" sz="1800">
+                          <a:sym typeface="+mn-ea"/>
+                        </a:rPr>
+                        <a:t>ffmpeg -i input.avi -filter:v scale=720:-1 -c:a copy output.avi</a:t>
                       </a:r>
                       <a:endParaRPr lang="en-US" altLang="zh-CN"/>
+                    </a:p>
+                  </a:txBody>
+                  <a:tcPr/>
+                </a:tc>
+                <a:tc>
+                  <a:txBody>
+                    <a:bodyPr/>
+                    <a:p>
+                      <a:pPr>
+                        <a:buNone/>
+                      </a:pPr>
+                      <a:endParaRPr lang="zh-CN" altLang="en-US"/>
+                    </a:p>
+                  </a:txBody>
+                  <a:tcPr/>
+                </a:tc>
+              </a:tr>
+              <a:tr h="250190">
+                <a:tc>
+                  <a:txBody>
+                    <a:bodyPr/>
+                    <a:p>
+                      <a:pPr>
+                        <a:buNone/>
+                      </a:pPr>
+                      <a:r>
+                        <a:rPr lang="en-US" altLang="zh-CN"/>
+                        <a:t>Crop video</a:t>
+                      </a:r>
+                      <a:endParaRPr lang="en-US" altLang="zh-CN"/>
+                    </a:p>
+                  </a:txBody>
+                  <a:tcPr/>
+                </a:tc>
+                <a:tc>
+                  <a:txBody>
+                    <a:bodyPr/>
+                    <a:p>
+                      <a:pPr>
+                        <a:buNone/>
+                      </a:pPr>
+                      <a:r>
+                        <a:rPr lang="en-US" altLang="zh-CN" sz="1800">
+                          <a:sym typeface="+mn-ea"/>
+                        </a:rPr>
+                        <a:t>ffmpeg -i input.mp4 -filter:v "crop=w:h:x:y" output.mp4</a:t>
+                      </a:r>
+                      <a:endParaRPr lang="zh-CN" altLang="en-US"/>
+                    </a:p>
+                  </a:txBody>
+                  <a:tcPr/>
+                </a:tc>
+                <a:tc>
+                  <a:txBody>
+                    <a:bodyPr/>
+                    <a:p>
+                      <a:pPr>
+                        <a:buNone/>
+                      </a:pPr>
+                      <a:endParaRPr lang="zh-CN" altLang="en-US"/>
+                    </a:p>
+                  </a:txBody>
+                  <a:tcPr/>
+                </a:tc>
+              </a:tr>
+              <a:tr h="421005">
+                <a:tc>
+                  <a:txBody>
+                    <a:bodyPr/>
+                    <a:p>
+                      <a:pPr>
+                        <a:buNone/>
+                      </a:pPr>
+                      <a:r>
+                        <a:rPr lang="en-US" altLang="zh-CN"/>
+                        <a:t>Change fps</a:t>
+                      </a:r>
+                      <a:endParaRPr lang="en-US" altLang="zh-CN"/>
+                    </a:p>
+                  </a:txBody>
+                  <a:tcPr/>
+                </a:tc>
+                <a:tc>
+                  <a:txBody>
+                    <a:bodyPr/>
+                    <a:p>
+                      <a:pPr>
+                        <a:buNone/>
+                      </a:pPr>
+                      <a:r>
+                        <a:rPr lang="en-US" altLang="zh-CN" sz="1800">
+                          <a:sym typeface="+mn-ea"/>
+                        </a:rPr>
+                        <a:t>ffmpeg -i input.mp4 -r 30 output.mp4</a:t>
+                      </a:r>
+                      <a:endParaRPr lang="zh-CN" altLang="en-US"/>
+                    </a:p>
+                  </a:txBody>
+                  <a:tcPr/>
+                </a:tc>
+                <a:tc>
+                  <a:txBody>
+                    <a:bodyPr/>
+                    <a:p>
+                      <a:pPr>
+                        <a:buNone/>
+                      </a:pPr>
+                      <a:r>
+                        <a:rPr lang="en-US" altLang="zh-CN" sz="1800">
+                          <a:sym typeface="+mn-ea"/>
+                        </a:rPr>
+                        <a:t>video lengh not changed, frames added or removed</a:t>
+                      </a:r>
+                      <a:endParaRPr lang="zh-CN" altLang="en-US"/>
+                    </a:p>
+                  </a:txBody>
+                  <a:tcPr/>
+                </a:tc>
+              </a:tr>
+              <a:tr h="551815">
+                <a:tc>
+                  <a:txBody>
+                    <a:bodyPr/>
+                    <a:p>
+                      <a:pPr>
+                        <a:buNone/>
+                      </a:pPr>
+                      <a:r>
+                        <a:rPr lang="en-US" altLang="zh-CN" sz="1800">
+                          <a:sym typeface="+mn-ea"/>
+                        </a:rPr>
+                        <a:t>Add logo to video (bottom-right)</a:t>
+                      </a:r>
+                      <a:endParaRPr lang="zh-CN" altLang="en-US"/>
                     </a:p>
                   </a:txBody>
                   <a:tcPr/>
@@ -6983,39 +6519,61 @@
                         <a:rPr lang="zh-CN" altLang="en-US" sz="1800">
                           <a:sym typeface="+mn-ea"/>
                         </a:rPr>
-                        <a:t>ffmpeg -i %4d.png </a:t>
-                      </a:r>
+                        <a:t>ffmpeg -i vt.mp4 -i vhuantech-org.png -filter_complex "overlay=W-w-5:H-h-5" -codec:a copy TempleOfHeaven.mp4</a:t>
+                      </a:r>
+                      <a:endParaRPr lang="zh-CN" altLang="en-US"/>
+                    </a:p>
+                  </a:txBody>
+                  <a:tcPr/>
+                </a:tc>
+                <a:tc>
+                  <a:txBody>
+                    <a:bodyPr/>
+                    <a:p>
+                      <a:pPr>
+                        <a:buNone/>
+                      </a:pPr>
+                      <a:endParaRPr lang="zh-CN" altLang="en-US"/>
+                    </a:p>
+                  </a:txBody>
+                  <a:tcPr/>
+                </a:tc>
+              </a:tr>
+              <a:tr h="405765">
+                <a:tc>
+                  <a:txBody>
+                    <a:bodyPr/>
+                    <a:p>
+                      <a:pPr>
+                        <a:buNone/>
+                      </a:pPr>
+                      <a:r>
+                        <a:rPr lang="en-US" altLang="zh-CN"/>
+                        <a:t>Speed up or slow down</a:t>
+                      </a:r>
+                      <a:endParaRPr lang="en-US" altLang="zh-CN"/>
+                    </a:p>
+                  </a:txBody>
+                  <a:tcPr/>
+                </a:tc>
+                <a:tc>
+                  <a:txBody>
+                    <a:bodyPr/>
+                    <a:p>
+                      <a:pPr>
+                        <a:buNone/>
+                      </a:pPr>
                       <a:r>
                         <a:rPr lang="en-US" altLang="zh-CN" sz="1800">
                           <a:sym typeface="+mn-ea"/>
                         </a:rPr>
-                        <a:t>-r 20 output</a:t>
-                      </a:r>
-                      <a:r>
-                        <a:rPr lang="zh-CN" altLang="en-US" sz="1800">
-                          <a:sym typeface="+mn-ea"/>
-                        </a:rPr>
-                        <a:t>.mp4</a:t>
-                      </a:r>
-                      <a:endParaRPr lang="en-US" altLang="zh-CN"/>
-                    </a:p>
-                  </a:txBody>
-                  <a:tcPr/>
-                </a:tc>
-                <a:tc>
-                  <a:txBody>
-                    <a:bodyPr/>
-                    <a:p>
-                      <a:pPr>
-                        <a:buNone/>
-                      </a:pPr>
+                        <a:t>ffmpeg -i input.mp4 -filter:v “setpts=0.6*PTS” output.mp4</a:t>
+                      </a:r>
                       <a:endParaRPr lang="zh-CN" altLang="en-US"/>
                     </a:p>
                   </a:txBody>
                   <a:tcPr/>
                 </a:tc>
-              </a:tr>
-              <a:tr h="640080">
                 <a:tc>
                   <a:txBody>
                     <a:bodyPr/>
@@ -7027,242 +6585,8 @@
                         <a:rPr lang="en-US" altLang="zh-CN" sz="1800">
                           <a:sym typeface="+mn-ea"/>
                         </a:rPr>
-                        <a:t>Get frames from image</a:t>
-                      </a:r>
-                      <a:endParaRPr lang="en-US" altLang="zh-CN"/>
-                    </a:p>
-                  </a:txBody>
-                  <a:tcPr/>
-                </a:tc>
-                <a:tc>
-                  <a:txBody>
-                    <a:bodyPr/>
-                    <a:p>
-                      <a:pPr>
-                        <a:buNone/>
-                      </a:pPr>
-                      <a:r>
-                        <a:rPr lang="en-US" altLang="zh-CN" sz="1800">
-                          <a:sym typeface="+mn-ea"/>
-                        </a:rPr>
-                        <a:t>ffmpeg -i input.mp4 output/frame%04d.jpg</a:t>
-                      </a:r>
-                      <a:endParaRPr lang="en-US" altLang="zh-CN"/>
-                    </a:p>
-                  </a:txBody>
-                  <a:tcPr/>
-                </a:tc>
-                <a:tc>
-                  <a:txBody>
-                    <a:bodyPr/>
-                    <a:p>
-                      <a:pPr>
-                        <a:buNone/>
-                      </a:pPr>
-                      <a:endParaRPr lang="zh-CN" altLang="en-US"/>
-                    </a:p>
-                  </a:txBody>
-                  <a:tcPr/>
-                </a:tc>
-              </a:tr>
-              <a:tr h="365760">
-                <a:tc>
-                  <a:txBody>
-                    <a:bodyPr/>
-                    <a:p>
-                      <a:pPr>
-                        <a:buNone/>
-                      </a:pPr>
-                      <a:r>
-                        <a:rPr lang="en-US" altLang="zh-CN"/>
-                        <a:t>Truncate video</a:t>
-                      </a:r>
-                      <a:endParaRPr lang="en-US" altLang="zh-CN"/>
-                    </a:p>
-                  </a:txBody>
-                  <a:tcPr/>
-                </a:tc>
-                <a:tc>
-                  <a:txBody>
-                    <a:bodyPr/>
-                    <a:p>
-                      <a:pPr>
-                        <a:buNone/>
-                      </a:pPr>
-                      <a:r>
-                        <a:rPr lang="en-US" altLang="zh-CN" sz="1800">
-                          <a:sym typeface="+mn-ea"/>
-                        </a:rPr>
-                        <a:t>ffmpeg -ss 10 -i input.mp3 -t 6 output.mp3</a:t>
-                      </a:r>
-                      <a:endParaRPr lang="en-US" altLang="zh-CN"/>
-                    </a:p>
-                  </a:txBody>
-                  <a:tcPr/>
-                </a:tc>
-                <a:tc>
-                  <a:txBody>
-                    <a:bodyPr/>
-                    <a:p>
-                      <a:pPr>
-                        <a:buNone/>
-                      </a:pPr>
-                      <a:endParaRPr lang="zh-CN" altLang="en-US"/>
-                    </a:p>
-                  </a:txBody>
-                  <a:tcPr/>
-                </a:tc>
-              </a:tr>
-              <a:tr h="365760">
-                <a:tc>
-                  <a:txBody>
-                    <a:bodyPr/>
-                    <a:p>
-                      <a:pPr>
-                        <a:buNone/>
-                      </a:pPr>
-                      <a:r>
-                        <a:rPr lang="en-US" altLang="zh-CN" sz="1800">
-                          <a:sym typeface="+mn-ea"/>
-                        </a:rPr>
-                        <a:t>Concat video files</a:t>
-                      </a:r>
-                      <a:endParaRPr lang="en-US" altLang="zh-CN"/>
-                    </a:p>
-                  </a:txBody>
-                  <a:tcPr/>
-                </a:tc>
-                <a:tc>
-                  <a:txBody>
-                    <a:bodyPr/>
-                    <a:p>
-                      <a:pPr marL="0" lvl="2">
-                        <a:buNone/>
-                      </a:pPr>
-                      <a:r>
-                        <a:rPr lang="en-US" altLang="zh-CN" sz="1800">
-                          <a:sym typeface="+mn-ea"/>
-                        </a:rPr>
-                        <a:t>ffmpeg -f concat -safe 0 -i mylist.txt -c copy output.mp4</a:t>
-                      </a:r>
-                      <a:endParaRPr lang="en-US" altLang="zh-CN"/>
-                    </a:p>
-                  </a:txBody>
-                  <a:tcPr/>
-                </a:tc>
-                <a:tc>
-                  <a:txBody>
-                    <a:bodyPr/>
-                    <a:p>
-                      <a:pPr>
-                        <a:buNone/>
-                      </a:pPr>
-                      <a:r>
-                        <a:rPr lang="en-US" altLang="zh-CN"/>
-                        <a:t>mylist.txt: </a:t>
-                      </a:r>
-                      <a:r>
-                        <a:rPr lang="en-US" altLang="zh-CN" sz="1800">
-                          <a:sym typeface="+mn-ea"/>
-                        </a:rPr>
-                        <a:t>file 'filename1'</a:t>
-                      </a:r>
-                      <a:endParaRPr lang="en-US" altLang="zh-CN"/>
-                    </a:p>
-                  </a:txBody>
-                  <a:tcPr/>
-                </a:tc>
-              </a:tr>
-              <a:tr h="365760">
-                <a:tc>
-                  <a:txBody>
-                    <a:bodyPr/>
-                    <a:p>
-                      <a:pPr>
-                        <a:buNone/>
-                      </a:pPr>
-                      <a:r>
-                        <a:rPr lang="en-US" altLang="zh-CN"/>
-                        <a:t>Change video codec</a:t>
-                      </a:r>
-                      <a:endParaRPr lang="en-US" altLang="zh-CN"/>
-                    </a:p>
-                  </a:txBody>
-                  <a:tcPr/>
-                </a:tc>
-                <a:tc>
-                  <a:txBody>
-                    <a:bodyPr/>
-                    <a:p>
-                      <a:pPr marL="0" lvl="2">
-                        <a:buNone/>
-                      </a:pPr>
-                      <a:r>
-                        <a:rPr lang="en-US" altLang="zh-CN" sz="1800">
-                          <a:sym typeface="+mn-ea"/>
-                        </a:rPr>
-                        <a:t>ffmpeg -i in.mpg -c:v libx264 out.mp4</a:t>
-                      </a:r>
-                      <a:endParaRPr lang="zh-CN" altLang="en-US"/>
-                    </a:p>
-                  </a:txBody>
-                  <a:tcPr/>
-                </a:tc>
-                <a:tc>
-                  <a:txBody>
-                    <a:bodyPr/>
-                    <a:p>
-                      <a:pPr>
-                        <a:buNone/>
-                      </a:pPr>
-                      <a:endParaRPr lang="zh-CN" altLang="en-US"/>
-                    </a:p>
-                  </a:txBody>
-                  <a:tcPr/>
-                </a:tc>
-              </a:tr>
-              <a:tr h="495300">
-                <a:tc>
-                  <a:txBody>
-                    <a:bodyPr/>
-                    <a:p>
-                      <a:pPr>
-                        <a:buNone/>
-                      </a:pPr>
-                      <a:r>
-                        <a:rPr lang="en-US" altLang="zh-CN"/>
-                        <a:t>List info</a:t>
-                      </a:r>
-                      <a:endParaRPr lang="en-US" altLang="zh-CN"/>
-                    </a:p>
-                  </a:txBody>
-                  <a:tcPr/>
-                </a:tc>
-                <a:tc>
-                  <a:txBody>
-                    <a:bodyPr/>
-                    <a:p>
-                      <a:pPr>
-                        <a:buNone/>
-                      </a:pPr>
-                      <a:r>
-                        <a:rPr lang="en-US" altLang="zh-CN" sz="1800">
-                          <a:sym typeface="+mn-ea"/>
-                        </a:rPr>
-                        <a:t>ffmpeg -codecs/-fomats/--decoders/--encoders/--filters</a:t>
-                      </a:r>
-                      <a:endParaRPr lang="zh-CN" altLang="en-US"/>
-                    </a:p>
-                  </a:txBody>
-                  <a:tcPr/>
-                </a:tc>
-                <a:tc>
-                  <a:txBody>
-                    <a:bodyPr/>
-                    <a:p>
-                      <a:pPr>
-                        <a:buNone/>
-                      </a:pPr>
+                        <a:t>fps not changed, video length changed, frames added or removed</a:t>
+                      </a:r>
                       <a:endParaRPr lang="zh-CN" altLang="en-US"/>
                     </a:p>
                   </a:txBody>
@@ -7310,7 +6634,7 @@
           <a:p>
             <a:r>
               <a:rPr lang="en-US" altLang="zh-CN"/>
-              <a:t>FFMPEG 2/3</a:t>
+              <a:t>FFMPEG 3/3</a:t>
             </a:r>
             <a:endParaRPr lang="en-US" altLang="zh-CN"/>
           </a:p>
@@ -7328,7 +6652,7 @@
         </p:nvGraphicFramePr>
         <p:xfrm>
           <a:off x="676275" y="1177925"/>
-          <a:ext cx="11256645" cy="5566410"/>
+          <a:ext cx="11256645" cy="5242560"/>
         </p:xfrm>
         <a:graphic>
           <a:graphicData uri="http://schemas.openxmlformats.org/drawingml/2006/table">
@@ -7338,10 +6662,10 @@
               </a:tblPr>
               <a:tblGrid>
                 <a:gridCol w="2225675"/>
-                <a:gridCol w="6224270"/>
-                <a:gridCol w="2806700"/>
+                <a:gridCol w="6471920"/>
+                <a:gridCol w="2559050"/>
               </a:tblGrid>
-              <a:tr h="405765">
+              <a:tr h="365760">
                 <a:tc>
                   <a:txBody>
                     <a:bodyPr/>
@@ -7391,377 +6715,493 @@
                   <a:tcPr/>
                 </a:tc>
               </a:tr>
-              <a:tr h="486410">
-                <a:tc>
-                  <a:txBody>
-                    <a:bodyPr/>
-                    <a:p>
-                      <a:pPr>
-                        <a:buNone/>
-                      </a:pPr>
-                      <a:r>
-                        <a:rPr lang="en-US" altLang="zh-CN"/>
-                        <a:t>Remove audio from video</a:t>
-                      </a:r>
-                      <a:endParaRPr lang="en-US" altLang="zh-CN"/>
-                    </a:p>
-                  </a:txBody>
-                  <a:tcPr/>
-                </a:tc>
-                <a:tc>
-                  <a:txBody>
-                    <a:bodyPr/>
-                    <a:p>
-                      <a:pPr>
-                        <a:buNone/>
-                      </a:pPr>
-                      <a:r>
-                        <a:rPr lang="zh-CN" altLang="en-US"/>
+              <a:tr h="335280">
+                <a:tc>
+                  <a:txBody>
+                    <a:bodyPr/>
+                    <a:p>
+                      <a:pPr>
+                        <a:buNone/>
+                      </a:pPr>
+                      <a:r>
+                        <a:rPr lang="zh-CN" altLang="en-US" sz="1600"/>
+                        <a:t>从</a:t>
+                      </a:r>
+                      <a:r>
+                        <a:rPr lang="en-US" altLang="zh-CN" sz="1600"/>
+                        <a:t>MP4</a:t>
+                      </a:r>
+                      <a:r>
+                        <a:rPr lang="zh-CN" altLang="en-US" sz="1600"/>
+                        <a:t>中提取声音</a:t>
+                      </a:r>
+                      <a:endParaRPr lang="zh-CN" altLang="en-US" sz="1600"/>
+                    </a:p>
+                  </a:txBody>
+                  <a:tcPr/>
+                </a:tc>
+                <a:tc>
+                  <a:txBody>
+                    <a:bodyPr/>
+                    <a:p>
+                      <a:pPr>
+                        <a:buNone/>
+                      </a:pPr>
+                      <a:r>
+                        <a:rPr lang="en-US" altLang="zh-CN" sz="1600"/>
+                        <a:t>ffmpeg -i input.mp4 -vn output</a:t>
+                      </a:r>
+                      <a:r>
+                        <a:rPr lang="en-US" altLang="zh-CN" sz="1600"/>
+                        <a:t>.mp3</a:t>
+                      </a:r>
+                      <a:endParaRPr lang="en-US" altLang="zh-CN" sz="1600"/>
+                    </a:p>
+                  </a:txBody>
+                  <a:tcPr/>
+                </a:tc>
+                <a:tc>
+                  <a:txBody>
+                    <a:bodyPr/>
+                    <a:p>
+                      <a:pPr>
+                        <a:buNone/>
+                      </a:pPr>
+                      <a:endParaRPr lang="zh-CN" altLang="en-US" sz="1600"/>
+                    </a:p>
+                  </a:txBody>
+                  <a:tcPr/>
+                </a:tc>
+              </a:tr>
+              <a:tr h="579120">
+                <a:tc>
+                  <a:txBody>
+                    <a:bodyPr/>
+                    <a:p>
+                      <a:pPr>
+                        <a:buNone/>
+                      </a:pPr>
+                      <a:r>
+                        <a:rPr lang="en-US" altLang="zh-CN" sz="1600"/>
+                        <a:t>Add subtitle</a:t>
+                      </a:r>
+                      <a:endParaRPr lang="en-US" altLang="zh-CN" sz="1600"/>
+                    </a:p>
+                  </a:txBody>
+                  <a:tcPr/>
+                </a:tc>
+                <a:tc>
+                  <a:txBody>
+                    <a:bodyPr/>
+                    <a:p>
+                      <a:pPr>
+                        <a:buNone/>
+                      </a:pPr>
+                      <a:r>
+                        <a:rPr lang="zh-CN" altLang="en-US" sz="1600"/>
                         <a:t>ffmpeg -i </a:t>
                       </a:r>
                       <a:r>
-                        <a:rPr lang="en-US" altLang="zh-CN"/>
+                        <a:rPr lang="en-US" altLang="zh-CN" sz="1600"/>
                         <a:t>input</a:t>
                       </a:r>
                       <a:r>
-                        <a:rPr lang="zh-CN" altLang="en-US"/>
-                        <a:t>.avi -vcodec copy -an </a:t>
-                      </a:r>
-                      <a:r>
-                        <a:rPr lang="en-US" altLang="zh-CN"/>
-                        <a:t>output.avi</a:t>
-                      </a:r>
-                      <a:endParaRPr lang="en-US" altLang="zh-CN"/>
-                    </a:p>
-                  </a:txBody>
-                  <a:tcPr/>
-                </a:tc>
-                <a:tc>
-                  <a:txBody>
-                    <a:bodyPr/>
-                    <a:p>
-                      <a:pPr>
-                        <a:buNone/>
-                      </a:pPr>
-                      <a:endParaRPr lang="zh-CN" altLang="en-US"/>
-                    </a:p>
-                  </a:txBody>
-                  <a:tcPr/>
-                </a:tc>
-              </a:tr>
-              <a:tr h="274955">
-                <a:tc>
-                  <a:txBody>
-                    <a:bodyPr/>
-                    <a:p>
-                      <a:pPr>
-                        <a:buNone/>
-                      </a:pPr>
-                      <a:r>
-                        <a:rPr lang="en-US" altLang="zh-CN"/>
-                        <a:t>Merge audi</a:t>
-                      </a:r>
-                      <a:r>
-                        <a:rPr lang="en-US" altLang="zh-CN"/>
-                        <a:t>o and video</a:t>
-                      </a:r>
-                      <a:endParaRPr lang="en-US" altLang="zh-CN"/>
-                    </a:p>
-                  </a:txBody>
-                  <a:tcPr/>
-                </a:tc>
-                <a:tc>
-                  <a:txBody>
-                    <a:bodyPr/>
-                    <a:p>
-                      <a:pPr>
-                        <a:buNone/>
-                      </a:pPr>
-                      <a:r>
-                        <a:rPr lang="en-US" altLang="zh-CN"/>
-                        <a:t>ffmpeg -i audio.mp3 -i input.mp4 output.mp4</a:t>
-                      </a:r>
-                      <a:endParaRPr lang="en-US" altLang="zh-CN"/>
-                    </a:p>
-                  </a:txBody>
-                  <a:tcPr/>
-                </a:tc>
-                <a:tc>
-                  <a:txBody>
-                    <a:bodyPr/>
-                    <a:p>
-                      <a:pPr>
-                        <a:buNone/>
-                      </a:pPr>
-                      <a:endParaRPr lang="zh-CN" altLang="en-US"/>
-                    </a:p>
-                  </a:txBody>
-                  <a:tcPr/>
-                </a:tc>
-              </a:tr>
-              <a:tr h="291465">
-                <a:tc>
-                  <a:txBody>
-                    <a:bodyPr/>
-                    <a:p>
-                      <a:pPr>
-                        <a:buNone/>
-                      </a:pPr>
-                      <a:r>
-                        <a:rPr lang="en-US" altLang="zh-CN"/>
-                        <a:t>Change video size</a:t>
-                      </a:r>
-                      <a:endParaRPr lang="en-US" altLang="zh-CN"/>
-                    </a:p>
-                  </a:txBody>
-                  <a:tcPr/>
-                </a:tc>
-                <a:tc>
-                  <a:txBody>
-                    <a:bodyPr/>
-                    <a:p>
-                      <a:pPr marL="0" lvl="2">
-                        <a:buNone/>
-                      </a:pPr>
-                      <a:r>
-                        <a:rPr lang="en-US" altLang="zh-CN" sz="1800">
+                        <a:rPr lang="zh-CN" altLang="en-US" sz="1600"/>
+                        <a:t>.avi -vf subtitles=subtitle.srt out</a:t>
+                      </a:r>
+                      <a:r>
+                        <a:rPr lang="en-US" altLang="zh-CN" sz="1600"/>
+                        <a:t>put</a:t>
+                      </a:r>
+                      <a:r>
+                        <a:rPr lang="zh-CN" altLang="en-US" sz="1600"/>
+                        <a:t>.avi</a:t>
+                      </a:r>
+                      <a:endParaRPr lang="zh-CN" altLang="en-US" sz="1600"/>
+                    </a:p>
+                    <a:p>
+                      <a:pPr>
+                        <a:buNone/>
+                      </a:pPr>
+                      <a:r>
+                        <a:rPr lang="zh-CN" altLang="en-US" sz="1600">
                           <a:sym typeface="+mn-ea"/>
                         </a:rPr>
-                        <a:t>ffmpeg -i input.avi -s 720x480 -c:a copy output.avi</a:t>
-                      </a:r>
-                      <a:endParaRPr lang="en-US" altLang="zh-CN" sz="1800">
+                        <a:t>ffmpeg -i </a:t>
+                      </a:r>
+                      <a:r>
+                        <a:rPr lang="en-US" altLang="zh-CN" sz="1600">
+                          <a:sym typeface="+mn-ea"/>
+                        </a:rPr>
+                        <a:t>input</a:t>
+                      </a:r>
+                      <a:r>
+                        <a:rPr lang="zh-CN" altLang="en-US" sz="1600">
+                          <a:sym typeface="+mn-ea"/>
+                        </a:rPr>
+                        <a:t>.avi -vf </a:t>
+                      </a:r>
+                      <a:r>
+                        <a:rPr lang="en-US" altLang="zh-CN" sz="1600">
+                          <a:sym typeface="+mn-ea"/>
+                        </a:rPr>
+                        <a:t>“ass=subtitle.ass”</a:t>
+                      </a:r>
+                      <a:r>
+                        <a:rPr lang="zh-CN" altLang="en-US" sz="1600">
+                          <a:sym typeface="+mn-ea"/>
+                        </a:rPr>
+                        <a:t> out</a:t>
+                      </a:r>
+                      <a:r>
+                        <a:rPr lang="en-US" altLang="zh-CN" sz="1600">
+                          <a:sym typeface="+mn-ea"/>
+                        </a:rPr>
+                        <a:t>put</a:t>
+                      </a:r>
+                      <a:r>
+                        <a:rPr lang="zh-CN" altLang="en-US" sz="1600">
+                          <a:sym typeface="+mn-ea"/>
+                        </a:rPr>
+                        <a:t>.avi</a:t>
+                      </a:r>
+                      <a:endParaRPr lang="zh-CN" altLang="en-US" sz="1600">
                         <a:sym typeface="+mn-ea"/>
                       </a:endParaRPr>
                     </a:p>
+                  </a:txBody>
+                  <a:tcPr/>
+                </a:tc>
+                <a:tc>
+                  <a:txBody>
+                    <a:bodyPr/>
+                    <a:p>
+                      <a:pPr>
+                        <a:buNone/>
+                      </a:pPr>
+                      <a:endParaRPr lang="zh-CN" altLang="en-US" sz="1600"/>
+                    </a:p>
+                  </a:txBody>
+                  <a:tcPr/>
+                </a:tc>
+              </a:tr>
+              <a:tr h="1798320">
+                <a:tc>
+                  <a:txBody>
+                    <a:bodyPr/>
+                    <a:p>
+                      <a:pPr>
+                        <a:buNone/>
+                      </a:pPr>
+                      <a:r>
+                        <a:rPr lang="en-US" altLang="zh-CN" sz="1600"/>
+                        <a:t>Set h264 encoding params</a:t>
+                      </a:r>
+                      <a:endParaRPr lang="en-US" altLang="zh-CN" sz="1600"/>
+                    </a:p>
+                  </a:txBody>
+                  <a:tcPr/>
+                </a:tc>
+                <a:tc>
+                  <a:txBody>
+                    <a:bodyPr/>
                     <a:p>
                       <a:pPr marL="0" lvl="2">
                         <a:buNone/>
                       </a:pPr>
                       <a:r>
-                        <a:rPr lang="en-US" altLang="zh-CN" sz="1800">
+                        <a:rPr lang="en-US" altLang="zh-CN" sz="1600"/>
+                        <a:t>ffmpeg -c:v libx264 -profile:v high/main/baseline -level:v 4.0</a:t>
+                      </a:r>
+                      <a:endParaRPr lang="en-US" altLang="zh-CN" sz="1600"/>
+                    </a:p>
+                    <a:p>
+                      <a:pPr marL="0" lvl="2">
+                        <a:buNone/>
+                      </a:pPr>
+                      <a:r>
+                        <a:rPr lang="en-US" altLang="zh-CN" sz="1600"/>
+                        <a:t>-crf 0~51 (constant rate factor, default 23, 0 lossless, 17/18 nearly lossless)</a:t>
+                      </a:r>
+                      <a:endParaRPr lang="en-US" altLang="zh-CN" sz="1600"/>
+                    </a:p>
+                    <a:p>
+                      <a:pPr marL="0" lvl="2">
+                        <a:buNone/>
+                      </a:pPr>
+                      <a:r>
+                        <a:rPr lang="en-US" altLang="zh-CN" sz="1600"/>
+                        <a:t>// profile: video compression features the player must support</a:t>
+                      </a:r>
+                      <a:endParaRPr lang="en-US" altLang="zh-CN" sz="1600"/>
+                    </a:p>
+                    <a:p>
+                      <a:pPr marL="0" lvl="2">
+                        <a:buNone/>
+                      </a:pPr>
+                      <a:r>
+                        <a:rPr lang="en-US" altLang="zh-CN" sz="1600"/>
+                        <a:t>// level: defines the peak bitrate the player can handle, along with the maximum resolution, and the maximum number of reference frames held in memory during playback</a:t>
+                      </a:r>
+                      <a:endParaRPr lang="en-US" altLang="zh-CN" sz="1600"/>
+                    </a:p>
+                  </a:txBody>
+                  <a:tcPr/>
+                </a:tc>
+                <a:tc>
+                  <a:txBody>
+                    <a:bodyPr/>
+                    <a:p>
+                      <a:pPr>
+                        <a:buNone/>
+                      </a:pPr>
+                      <a:endParaRPr lang="zh-CN" altLang="en-US" sz="1600"/>
+                    </a:p>
+                  </a:txBody>
+                  <a:tcPr/>
+                </a:tc>
+              </a:tr>
+              <a:tr h="579120">
+                <a:tc>
+                  <a:txBody>
+                    <a:bodyPr/>
+                    <a:p>
+                      <a:pPr>
+                        <a:buNone/>
+                      </a:pPr>
+                      <a:r>
+                        <a:rPr lang="en-US" altLang="zh-CN" sz="1600">
                           <a:sym typeface="+mn-ea"/>
                         </a:rPr>
-                        <a:t>ffmpeg -i input.avi -filter:v scale=720:-1 -c:a copy output.avi</a:t>
-                      </a:r>
-                      <a:endParaRPr lang="en-US" altLang="zh-CN"/>
-                    </a:p>
-                  </a:txBody>
-                  <a:tcPr/>
-                </a:tc>
-                <a:tc>
-                  <a:txBody>
-                    <a:bodyPr/>
-                    <a:p>
-                      <a:pPr>
-                        <a:buNone/>
-                      </a:pPr>
-                      <a:endParaRPr lang="zh-CN" altLang="en-US"/>
-                    </a:p>
-                  </a:txBody>
-                  <a:tcPr/>
-                </a:tc>
-              </a:tr>
-              <a:tr h="250190">
-                <a:tc>
-                  <a:txBody>
-                    <a:bodyPr/>
-                    <a:p>
-                      <a:pPr>
-                        <a:buNone/>
-                      </a:pPr>
-                      <a:r>
-                        <a:rPr lang="en-US" altLang="zh-CN"/>
-                        <a:t>Crop video</a:t>
-                      </a:r>
-                      <a:endParaRPr lang="en-US" altLang="zh-CN"/>
-                    </a:p>
-                  </a:txBody>
-                  <a:tcPr/>
-                </a:tc>
-                <a:tc>
-                  <a:txBody>
-                    <a:bodyPr/>
-                    <a:p>
-                      <a:pPr>
-                        <a:buNone/>
-                      </a:pPr>
-                      <a:r>
-                        <a:rPr lang="en-US" altLang="zh-CN" sz="1800">
+                        <a:t>Padding</a:t>
+                      </a:r>
+                      <a:endParaRPr lang="en-US" altLang="zh-CN" sz="1600">
+                        <a:sym typeface="+mn-ea"/>
+                      </a:endParaRPr>
+                    </a:p>
+                  </a:txBody>
+                  <a:tcPr/>
+                </a:tc>
+                <a:tc>
+                  <a:txBody>
+                    <a:bodyPr/>
+                    <a:p>
+                      <a:pPr>
+                        <a:buNone/>
+                      </a:pPr>
+                      <a:r>
+                        <a:rPr lang="en-US" altLang="zh-CN" sz="1600">
                           <a:sym typeface="+mn-ea"/>
                         </a:rPr>
-                        <a:t>ffmpeg -i input.mp4 -filter:v "crop=w:h:x:y" output.mp4</a:t>
-                      </a:r>
-                      <a:endParaRPr lang="zh-CN" altLang="en-US"/>
-                    </a:p>
-                  </a:txBody>
-                  <a:tcPr/>
-                </a:tc>
-                <a:tc>
-                  <a:txBody>
-                    <a:bodyPr/>
-                    <a:p>
-                      <a:pPr>
-                        <a:buNone/>
-                      </a:pPr>
-                      <a:endParaRPr lang="zh-CN" altLang="en-US"/>
-                    </a:p>
-                  </a:txBody>
-                  <a:tcPr/>
-                </a:tc>
-              </a:tr>
-              <a:tr h="421005">
-                <a:tc>
-                  <a:txBody>
-                    <a:bodyPr/>
-                    <a:p>
-                      <a:pPr>
-                        <a:buNone/>
-                      </a:pPr>
-                      <a:r>
-                        <a:rPr lang="en-US" altLang="zh-CN"/>
-                        <a:t>Change fps</a:t>
-                      </a:r>
-                      <a:endParaRPr lang="en-US" altLang="zh-CN"/>
-                    </a:p>
-                  </a:txBody>
-                  <a:tcPr/>
-                </a:tc>
-                <a:tc>
-                  <a:txBody>
-                    <a:bodyPr/>
-                    <a:p>
-                      <a:pPr>
-                        <a:buNone/>
-                      </a:pPr>
-                      <a:r>
-                        <a:rPr lang="en-US" altLang="zh-CN" sz="1800">
+                        <a:t>ffmpeg -i in.mp4 -vf “pad=width=800:height=600:x=10:y=75:color=black” out.mp4</a:t>
+                      </a:r>
+                      <a:endParaRPr lang="en-US" altLang="zh-CN" sz="1600">
+                        <a:sym typeface="+mn-ea"/>
+                      </a:endParaRPr>
+                    </a:p>
+                  </a:txBody>
+                  <a:tcPr/>
+                </a:tc>
+                <a:tc>
+                  <a:txBody>
+                    <a:bodyPr/>
+                    <a:p>
+                      <a:pPr>
+                        <a:buNone/>
+                      </a:pPr>
+                      <a:r>
+                        <a:rPr lang="en-US" altLang="zh-CN" sz="1600">
                           <a:sym typeface="+mn-ea"/>
                         </a:rPr>
-                        <a:t>ffmpeg -i input.mp4 -r 30 output.mp4</a:t>
-                      </a:r>
-                      <a:endParaRPr lang="zh-CN" altLang="en-US"/>
-                    </a:p>
-                  </a:txBody>
-                  <a:tcPr/>
-                </a:tc>
-                <a:tc>
-                  <a:txBody>
-                    <a:bodyPr/>
-                    <a:p>
-                      <a:pPr>
-                        <a:buNone/>
-                      </a:pPr>
-                      <a:r>
-                        <a:rPr lang="en-US" altLang="zh-CN" sz="1800">
-                          <a:sym typeface="+mn-ea"/>
-                        </a:rPr>
-                        <a:t>video lengh not changed, frames added or removed</a:t>
-                      </a:r>
-                      <a:endParaRPr lang="zh-CN" altLang="en-US"/>
+                        <a:t>x/y: start placing point of the original frame</a:t>
+                      </a:r>
+                      <a:endParaRPr lang="en-US" altLang="zh-CN" sz="1600">
+                        <a:sym typeface="+mn-ea"/>
+                      </a:endParaRPr>
                     </a:p>
                   </a:txBody>
                   <a:tcPr/>
                 </a:tc>
               </a:tr>
-              <a:tr h="551815">
-                <a:tc>
-                  <a:txBody>
-                    <a:bodyPr/>
-                    <a:p>
-                      <a:pPr>
-                        <a:buNone/>
-                      </a:pPr>
-                      <a:r>
-                        <a:rPr lang="en-US" altLang="zh-CN" sz="1800">
-                          <a:sym typeface="+mn-ea"/>
-                        </a:rPr>
-                        <a:t>Add logo to video (bottom-right)</a:t>
-                      </a:r>
-                      <a:endParaRPr lang="zh-CN" altLang="en-US"/>
-                    </a:p>
-                  </a:txBody>
-                  <a:tcPr/>
-                </a:tc>
-                <a:tc>
-                  <a:txBody>
-                    <a:bodyPr/>
-                    <a:p>
-                      <a:pPr>
-                        <a:buNone/>
-                      </a:pPr>
-                      <a:r>
-                        <a:rPr lang="zh-CN" altLang="en-US" sz="1800">
-                          <a:sym typeface="+mn-ea"/>
-                        </a:rPr>
-                        <a:t>ffmpeg -i vt.mp4 -i vhuantech-org.png -filter_complex "overlay=W-w-5:H-h-5" -codec:a copy TempleOfHeaven.mp4</a:t>
-                      </a:r>
-                      <a:endParaRPr lang="zh-CN" altLang="en-US"/>
-                    </a:p>
-                  </a:txBody>
-                  <a:tcPr/>
-                </a:tc>
-                <a:tc>
-                  <a:txBody>
-                    <a:bodyPr/>
-                    <a:p>
-                      <a:pPr>
-                        <a:buNone/>
-                      </a:pPr>
-                      <a:endParaRPr lang="zh-CN" altLang="en-US"/>
+              <a:tr h="335280">
+                <a:tc>
+                  <a:txBody>
+                    <a:bodyPr/>
+                    <a:p>
+                      <a:pPr>
+                        <a:buNone/>
+                      </a:pPr>
+                      <a:r>
+                        <a:rPr lang="en-US" altLang="zh-CN" sz="1600"/>
+                        <a:t>Web video</a:t>
+                      </a:r>
+                      <a:endParaRPr lang="en-US" altLang="zh-CN" sz="1600"/>
+                    </a:p>
+                  </a:txBody>
+                  <a:tcPr/>
+                </a:tc>
+                <a:tc>
+                  <a:txBody>
+                    <a:bodyPr/>
+                    <a:p>
+                      <a:pPr>
+                        <a:buNone/>
+                      </a:pPr>
+                      <a:r>
+                        <a:rPr lang="zh-CN" altLang="en-US" sz="1600"/>
+                        <a:t>-movflags +faststart</a:t>
+                      </a:r>
+                      <a:endParaRPr lang="zh-CN" altLang="en-US" sz="1600"/>
+                    </a:p>
+                  </a:txBody>
+                  <a:tcPr/>
+                </a:tc>
+                <a:tc>
+                  <a:txBody>
+                    <a:bodyPr/>
+                    <a:p>
+                      <a:pPr>
+                        <a:buNone/>
+                      </a:pPr>
+                      <a:endParaRPr lang="zh-CN" altLang="en-US" sz="1600"/>
                     </a:p>
                   </a:txBody>
                   <a:tcPr/>
                 </a:tc>
               </a:tr>
-              <a:tr h="405765">
-                <a:tc>
-                  <a:txBody>
-                    <a:bodyPr/>
-                    <a:p>
-                      <a:pPr>
-                        <a:buNone/>
-                      </a:pPr>
-                      <a:r>
-                        <a:rPr lang="en-US" altLang="zh-CN"/>
-                        <a:t>Speed up or slow down</a:t>
-                      </a:r>
-                      <a:endParaRPr lang="en-US" altLang="zh-CN"/>
-                    </a:p>
-                  </a:txBody>
-                  <a:tcPr/>
-                </a:tc>
-                <a:tc>
-                  <a:txBody>
-                    <a:bodyPr/>
-                    <a:p>
-                      <a:pPr>
-                        <a:buNone/>
-                      </a:pPr>
-                      <a:r>
-                        <a:rPr lang="en-US" altLang="zh-CN" sz="1800">
-                          <a:sym typeface="+mn-ea"/>
-                        </a:rPr>
-                        <a:t>ffmpeg -i input.mp4 -filter:v “setpts=0.6*PTS” output.mp4</a:t>
-                      </a:r>
-                      <a:endParaRPr lang="zh-CN" altLang="en-US"/>
-                    </a:p>
-                  </a:txBody>
-                  <a:tcPr/>
-                </a:tc>
-                <a:tc>
-                  <a:txBody>
-                    <a:bodyPr/>
-                    <a:p>
-                      <a:pPr>
-                        <a:buNone/>
-                      </a:pPr>
-                      <a:r>
-                        <a:rPr lang="en-US" altLang="zh-CN" sz="1800">
-                          <a:sym typeface="+mn-ea"/>
-                        </a:rPr>
-                        <a:t>fps not changed, video length changed, frames added or removed</a:t>
-                      </a:r>
-                      <a:endParaRPr lang="zh-CN" altLang="en-US"/>
+              <a:tr h="335280">
+                <a:tc>
+                  <a:txBody>
+                    <a:bodyPr/>
+                    <a:p>
+                      <a:pPr>
+                        <a:buNone/>
+                      </a:pPr>
+                      <a:r>
+                        <a:rPr lang="en-US" altLang="zh-CN" sz="1600"/>
+                        <a:t>Output to gif</a:t>
+                      </a:r>
+                      <a:endParaRPr lang="en-US" altLang="zh-CN" sz="1600"/>
+                    </a:p>
+                  </a:txBody>
+                  <a:tcPr/>
+                </a:tc>
+                <a:tc>
+                  <a:txBody>
+                    <a:bodyPr/>
+                    <a:p>
+                      <a:pPr>
+                        <a:buNone/>
+                      </a:pPr>
+                      <a:r>
+                        <a:rPr lang="en-US" altLang="zh-CN" sz="1600"/>
+                        <a:t>ffmpeg -i input.mp4 -f gif output.gif</a:t>
+                      </a:r>
+                      <a:endParaRPr lang="en-US" altLang="zh-CN" sz="1600"/>
+                    </a:p>
+                  </a:txBody>
+                  <a:tcPr/>
+                </a:tc>
+                <a:tc>
+                  <a:txBody>
+                    <a:bodyPr/>
+                    <a:p>
+                      <a:pPr>
+                        <a:buNone/>
+                      </a:pPr>
+                      <a:endParaRPr lang="zh-CN" altLang="en-US" sz="1600"/>
+                    </a:p>
+                  </a:txBody>
+                  <a:tcPr/>
+                </a:tc>
+              </a:tr>
+              <a:tr h="335280">
+                <a:tc>
+                  <a:txBody>
+                    <a:bodyPr/>
+                    <a:p>
+                      <a:pPr>
+                        <a:buNone/>
+                      </a:pPr>
+                      <a:r>
+                        <a:rPr lang="en-US" altLang="zh-CN" sz="1600"/>
+                        <a:t>Reverse video</a:t>
+                      </a:r>
+                      <a:endParaRPr lang="en-US" altLang="zh-CN" sz="1600"/>
+                    </a:p>
+                  </a:txBody>
+                  <a:tcPr/>
+                </a:tc>
+                <a:tc>
+                  <a:txBody>
+                    <a:bodyPr/>
+                    <a:p>
+                      <a:pPr>
+                        <a:buNone/>
+                      </a:pPr>
+                      <a:r>
+                        <a:rPr sz="1600"/>
+                        <a:t>ffmpeg -i input.mov -filter:v 'reverse' -filter:a 'areverse' output.mov</a:t>
+                      </a:r>
+                      <a:endParaRPr sz="1600"/>
+                    </a:p>
+                  </a:txBody>
+                  <a:tcPr/>
+                </a:tc>
+                <a:tc>
+                  <a:txBody>
+                    <a:bodyPr/>
+                    <a:p>
+                      <a:pPr>
+                        <a:buNone/>
+                      </a:pPr>
+                      <a:endParaRPr lang="zh-CN" altLang="en-US" sz="1600"/>
+                    </a:p>
+                  </a:txBody>
+                  <a:tcPr/>
+                </a:tc>
+              </a:tr>
+              <a:tr h="579120">
+                <a:tc>
+                  <a:txBody>
+                    <a:bodyPr/>
+                    <a:p>
+                      <a:pPr>
+                        <a:buNone/>
+                      </a:pPr>
+                      <a:r>
+                        <a:rPr lang="en-US" altLang="zh-CN" sz="1600"/>
+                        <a:t>Extract audio from video</a:t>
+                      </a:r>
+                      <a:endParaRPr lang="en-US" altLang="zh-CN" sz="1600"/>
+                    </a:p>
+                  </a:txBody>
+                  <a:tcPr/>
+                </a:tc>
+                <a:tc>
+                  <a:txBody>
+                    <a:bodyPr/>
+                    <a:p>
+                      <a:pPr>
+                        <a:buNone/>
+                      </a:pPr>
+                      <a:r>
+                        <a:rPr lang="zh-CN" altLang="en-US" sz="1600"/>
+                        <a:t>ffmpeg -i input.mp4 -vn -ac 2 audio.wav</a:t>
+                      </a:r>
+                      <a:endParaRPr lang="zh-CN" altLang="en-US" sz="1600"/>
+                    </a:p>
+                  </a:txBody>
+                  <a:tcPr/>
+                </a:tc>
+                <a:tc>
+                  <a:txBody>
+                    <a:bodyPr/>
+                    <a:p>
+                      <a:pPr>
+                        <a:buNone/>
+                      </a:pPr>
+                      <a:endParaRPr lang="zh-CN" altLang="en-US" sz="1600"/>
                     </a:p>
                   </a:txBody>
                   <a:tcPr/>
@@ -7857,6 +7297,8 @@
 <file path=ppt/tags/tag19.xml><?xml version="1.0" encoding="utf-8"?>
 <p:tagLst xmlns:p="http://schemas.openxmlformats.org/presentationml/2006/main">
   <p:tag name="KSO_WM_UNIT_TABLE_BEAUTIFY" val="smartTable{a8ef8be3-cc9c-4d18-9ded-adce915af36f}"/>
+  <p:tag name="TABLE_ENDDRAG_ORIGIN_RECT" val="886*379"/>
+  <p:tag name="TABLE_ENDDRAG_RECT" val="53*92*886*379"/>
 </p:tagLst>
 </file>
 
@@ -7878,7 +7320,9 @@
 
 <file path=ppt/tags/tag21.xml><?xml version="1.0" encoding="utf-8"?>
 <p:tagLst xmlns:p="http://schemas.openxmlformats.org/presentationml/2006/main">
-  <p:tag name="KSO_WM_UNIT_TABLE_BEAUTIFY" val="smartTable{a8ef8be3-cc9c-4d18-9ded-adce915af36f}"/>
+  <p:tag name="KSO_WM_BEAUTIFY_FLAG" val="#wm#"/>
+  <p:tag name="KSO_WM_TEMPLATE_CATEGORY" val="custom"/>
+  <p:tag name="KSO_WM_TEMPLATE_INDEX" val="160402"/>
 </p:tagLst>
 </file>
 
@@ -7892,28 +7336,12 @@
 
 <file path=ppt/tags/tag23.xml><?xml version="1.0" encoding="utf-8"?>
 <p:tagLst xmlns:p="http://schemas.openxmlformats.org/presentationml/2006/main">
-  <p:tag name="KSO_WM_BEAUTIFY_FLAG" val="#wm#"/>
-  <p:tag name="KSO_WM_TEMPLATE_CATEGORY" val="custom"/>
-  <p:tag name="KSO_WM_TEMPLATE_INDEX" val="160402"/>
-</p:tagLst>
-</file>
-
-<file path=ppt/tags/tag24.xml><?xml version="1.0" encoding="utf-8"?>
-<p:tagLst xmlns:p="http://schemas.openxmlformats.org/presentationml/2006/main">
-  <p:tag name="KSO_WM_BEAUTIFY_FLAG" val="#wm#"/>
-  <p:tag name="KSO_WM_TEMPLATE_CATEGORY" val="custom"/>
-  <p:tag name="KSO_WM_TEMPLATE_INDEX" val="160402"/>
-</p:tagLst>
-</file>
-
-<file path=ppt/tags/tag25.xml><?xml version="1.0" encoding="utf-8"?>
-<p:tagLst xmlns:p="http://schemas.openxmlformats.org/presentationml/2006/main">
   <p:tag name="REFSHAPE" val="406339724"/>
   <p:tag name="KSO_WM_UNIT_PLACING_PICTURE_USER_VIEWPORT" val="{&quot;height&quot;:1860,&quot;width&quot;:8385}"/>
 </p:tagLst>
 </file>
 
-<file path=ppt/tags/tag26.xml><?xml version="1.0" encoding="utf-8"?>
+<file path=ppt/tags/tag24.xml><?xml version="1.0" encoding="utf-8"?>
 <p:tagLst xmlns:p="http://schemas.openxmlformats.org/presentationml/2006/main">
   <p:tag name="KSO_WM_BEAUTIFY_FLAG" val="#wm#"/>
   <p:tag name="KSO_WM_TEMPLATE_CATEGORY" val="custom"/>

--- a/Misc/Media-Notes.pptx
+++ b/Misc/Media-Notes.pptx
@@ -8,21 +8,22 @@
     <p:notesMasterId r:id="rId4"/>
   </p:notesMasterIdLst>
   <p:handoutMasterIdLst>
-    <p:handoutMasterId r:id="rId16"/>
+    <p:handoutMasterId r:id="rId17"/>
   </p:handoutMasterIdLst>
   <p:sldIdLst>
     <p:sldId id="256" r:id="rId3"/>
-    <p:sldId id="259" r:id="rId5"/>
-    <p:sldId id="258" r:id="rId6"/>
-    <p:sldId id="263" r:id="rId7"/>
-    <p:sldId id="277" r:id="rId8"/>
-    <p:sldId id="260" r:id="rId9"/>
-    <p:sldId id="285" r:id="rId10"/>
-    <p:sldId id="268" r:id="rId11"/>
-    <p:sldId id="273" r:id="rId12"/>
-    <p:sldId id="264" r:id="rId13"/>
-    <p:sldId id="267" r:id="rId14"/>
-    <p:sldId id="276" r:id="rId15"/>
+    <p:sldId id="291" r:id="rId5"/>
+    <p:sldId id="259" r:id="rId6"/>
+    <p:sldId id="258" r:id="rId7"/>
+    <p:sldId id="263" r:id="rId8"/>
+    <p:sldId id="277" r:id="rId9"/>
+    <p:sldId id="260" r:id="rId10"/>
+    <p:sldId id="285" r:id="rId11"/>
+    <p:sldId id="268" r:id="rId12"/>
+    <p:sldId id="273" r:id="rId13"/>
+    <p:sldId id="264" r:id="rId14"/>
+    <p:sldId id="267" r:id="rId15"/>
+    <p:sldId id="276" r:id="rId16"/>
   </p:sldIdLst>
   <p:sldSz cx="12192000" cy="6858000"/>
   <p:notesSz cx="6858000" cy="9144000"/>
@@ -3760,7 +3761,7 @@
             <a:pPr algn="ctr"/>
             <a:r>
               <a:rPr lang="en-US" altLang="zh-CN" dirty="0"/>
-              <a:t>Last updated: 8/13/2020</a:t>
+              <a:t>Last updated: 11/10/2021</a:t>
             </a:r>
             <a:endParaRPr lang="en-US" altLang="zh-CN" dirty="0"/>
           </a:p>
@@ -3778,6 +3779,620 @@
 </file>
 
 <file path=ppt/slides/slide10.xml><?xml version="1.0" encoding="utf-8"?>
+<p:sld xmlns:a="http://schemas.openxmlformats.org/drawingml/2006/main" xmlns:r="http://schemas.openxmlformats.org/officeDocument/2006/relationships" xmlns:p="http://schemas.openxmlformats.org/presentationml/2006/main">
+  <p:cSld>
+    <p:spTree>
+      <p:nvGrpSpPr>
+        <p:cNvPr id="1" name=""/>
+        <p:cNvGrpSpPr/>
+        <p:nvPr/>
+      </p:nvGrpSpPr>
+      <p:grpSpPr/>
+      <p:sp>
+        <p:nvSpPr>
+          <p:cNvPr id="2" name="标题 1"/>
+          <p:cNvSpPr>
+            <a:spLocks noGrp="1"/>
+          </p:cNvSpPr>
+          <p:nvPr>
+            <p:ph type="title"/>
+          </p:nvPr>
+        </p:nvSpPr>
+        <p:spPr/>
+        <p:txBody>
+          <a:bodyPr/>
+          <a:p>
+            <a:r>
+              <a:rPr lang="en-US" altLang="zh-CN"/>
+              <a:t>FFMPEG 3/3</a:t>
+            </a:r>
+            <a:endParaRPr lang="en-US" altLang="zh-CN"/>
+          </a:p>
+        </p:txBody>
+      </p:sp>
+      <p:graphicFrame>
+        <p:nvGraphicFramePr>
+          <p:cNvPr id="6" name="表格 5"/>
+          <p:cNvGraphicFramePr/>
+          <p:nvPr>
+            <p:custDataLst>
+              <p:tags r:id="rId1"/>
+            </p:custDataLst>
+          </p:nvPr>
+        </p:nvGraphicFramePr>
+        <p:xfrm>
+          <a:off x="676275" y="1177925"/>
+          <a:ext cx="11256645" cy="5242560"/>
+        </p:xfrm>
+        <a:graphic>
+          <a:graphicData uri="http://schemas.openxmlformats.org/drawingml/2006/table">
+            <a:tbl>
+              <a:tblPr firstRow="1" bandRow="1">
+                <a:tableStyleId>{5C22544A-7EE6-4342-B048-85BDC9FD1C3A}</a:tableStyleId>
+              </a:tblPr>
+              <a:tblGrid>
+                <a:gridCol w="2225675"/>
+                <a:gridCol w="6471920"/>
+                <a:gridCol w="2559050"/>
+              </a:tblGrid>
+              <a:tr h="365760">
+                <a:tc>
+                  <a:txBody>
+                    <a:bodyPr/>
+                    <a:p>
+                      <a:pPr algn="ctr">
+                        <a:buNone/>
+                      </a:pPr>
+                      <a:r>
+                        <a:rPr lang="en-US" altLang="zh-CN"/>
+                        <a:t>Task</a:t>
+                      </a:r>
+                      <a:endParaRPr lang="en-US" altLang="zh-CN"/>
+                    </a:p>
+                  </a:txBody>
+                  <a:tcPr/>
+                </a:tc>
+                <a:tc>
+                  <a:txBody>
+                    <a:bodyPr/>
+                    <a:p>
+                      <a:pPr algn="ctr">
+                        <a:buNone/>
+                      </a:pPr>
+                      <a:r>
+                        <a:rPr lang="en-US" altLang="zh-CN"/>
+                        <a:t>Commands</a:t>
+                      </a:r>
+                      <a:endParaRPr lang="en-US" altLang="zh-CN"/>
+                    </a:p>
+                  </a:txBody>
+                  <a:tcPr/>
+                </a:tc>
+                <a:tc>
+                  <a:txBody>
+                    <a:bodyPr/>
+                    <a:p>
+                      <a:pPr algn="ctr">
+                        <a:buNone/>
+                      </a:pPr>
+                      <a:r>
+                        <a:rPr lang="en-US" altLang="zh-CN"/>
+                        <a:t>Note</a:t>
+                      </a:r>
+                      <a:endParaRPr lang="en-US" altLang="zh-CN"/>
+                    </a:p>
+                  </a:txBody>
+                  <a:tcPr/>
+                </a:tc>
+              </a:tr>
+              <a:tr h="335280">
+                <a:tc>
+                  <a:txBody>
+                    <a:bodyPr/>
+                    <a:p>
+                      <a:pPr>
+                        <a:buNone/>
+                      </a:pPr>
+                      <a:r>
+                        <a:rPr lang="zh-CN" altLang="en-US" sz="1600"/>
+                        <a:t>从</a:t>
+                      </a:r>
+                      <a:r>
+                        <a:rPr lang="en-US" altLang="zh-CN" sz="1600"/>
+                        <a:t>MP4</a:t>
+                      </a:r>
+                      <a:r>
+                        <a:rPr lang="zh-CN" altLang="en-US" sz="1600"/>
+                        <a:t>中提取声音</a:t>
+                      </a:r>
+                      <a:endParaRPr lang="zh-CN" altLang="en-US" sz="1600"/>
+                    </a:p>
+                  </a:txBody>
+                  <a:tcPr/>
+                </a:tc>
+                <a:tc>
+                  <a:txBody>
+                    <a:bodyPr/>
+                    <a:p>
+                      <a:pPr>
+                        <a:buNone/>
+                      </a:pPr>
+                      <a:r>
+                        <a:rPr lang="en-US" altLang="zh-CN" sz="1600"/>
+                        <a:t>ffmpeg -i input.mp4 -vn output</a:t>
+                      </a:r>
+                      <a:r>
+                        <a:rPr lang="en-US" altLang="zh-CN" sz="1600"/>
+                        <a:t>.mp3</a:t>
+                      </a:r>
+                      <a:endParaRPr lang="en-US" altLang="zh-CN" sz="1600"/>
+                    </a:p>
+                  </a:txBody>
+                  <a:tcPr/>
+                </a:tc>
+                <a:tc>
+                  <a:txBody>
+                    <a:bodyPr/>
+                    <a:p>
+                      <a:pPr>
+                        <a:buNone/>
+                      </a:pPr>
+                      <a:endParaRPr lang="zh-CN" altLang="en-US" sz="1600"/>
+                    </a:p>
+                  </a:txBody>
+                  <a:tcPr/>
+                </a:tc>
+              </a:tr>
+              <a:tr h="579120">
+                <a:tc>
+                  <a:txBody>
+                    <a:bodyPr/>
+                    <a:p>
+                      <a:pPr>
+                        <a:buNone/>
+                      </a:pPr>
+                      <a:r>
+                        <a:rPr lang="en-US" altLang="zh-CN" sz="1600"/>
+                        <a:t>Add subtitle</a:t>
+                      </a:r>
+                      <a:endParaRPr lang="en-US" altLang="zh-CN" sz="1600"/>
+                    </a:p>
+                  </a:txBody>
+                  <a:tcPr/>
+                </a:tc>
+                <a:tc>
+                  <a:txBody>
+                    <a:bodyPr/>
+                    <a:p>
+                      <a:pPr>
+                        <a:buNone/>
+                      </a:pPr>
+                      <a:r>
+                        <a:rPr lang="zh-CN" altLang="en-US" sz="1600"/>
+                        <a:t>ffmpeg -i </a:t>
+                      </a:r>
+                      <a:r>
+                        <a:rPr lang="en-US" altLang="zh-CN" sz="1600"/>
+                        <a:t>input</a:t>
+                      </a:r>
+                      <a:r>
+                        <a:rPr lang="zh-CN" altLang="en-US" sz="1600"/>
+                        <a:t>.avi -vf subtitles=subtitle.srt out</a:t>
+                      </a:r>
+                      <a:r>
+                        <a:rPr lang="en-US" altLang="zh-CN" sz="1600"/>
+                        <a:t>put</a:t>
+                      </a:r>
+                      <a:r>
+                        <a:rPr lang="zh-CN" altLang="en-US" sz="1600"/>
+                        <a:t>.avi</a:t>
+                      </a:r>
+                      <a:endParaRPr lang="zh-CN" altLang="en-US" sz="1600"/>
+                    </a:p>
+                    <a:p>
+                      <a:pPr>
+                        <a:buNone/>
+                      </a:pPr>
+                      <a:r>
+                        <a:rPr lang="zh-CN" altLang="en-US" sz="1600">
+                          <a:sym typeface="+mn-ea"/>
+                        </a:rPr>
+                        <a:t>ffmpeg -i </a:t>
+                      </a:r>
+                      <a:r>
+                        <a:rPr lang="en-US" altLang="zh-CN" sz="1600">
+                          <a:sym typeface="+mn-ea"/>
+                        </a:rPr>
+                        <a:t>input</a:t>
+                      </a:r>
+                      <a:r>
+                        <a:rPr lang="zh-CN" altLang="en-US" sz="1600">
+                          <a:sym typeface="+mn-ea"/>
+                        </a:rPr>
+                        <a:t>.avi -vf </a:t>
+                      </a:r>
+                      <a:r>
+                        <a:rPr lang="en-US" altLang="zh-CN" sz="1600">
+                          <a:sym typeface="+mn-ea"/>
+                        </a:rPr>
+                        <a:t>“ass=subtitle.ass”</a:t>
+                      </a:r>
+                      <a:r>
+                        <a:rPr lang="zh-CN" altLang="en-US" sz="1600">
+                          <a:sym typeface="+mn-ea"/>
+                        </a:rPr>
+                        <a:t> out</a:t>
+                      </a:r>
+                      <a:r>
+                        <a:rPr lang="en-US" altLang="zh-CN" sz="1600">
+                          <a:sym typeface="+mn-ea"/>
+                        </a:rPr>
+                        <a:t>put</a:t>
+                      </a:r>
+                      <a:r>
+                        <a:rPr lang="zh-CN" altLang="en-US" sz="1600">
+                          <a:sym typeface="+mn-ea"/>
+                        </a:rPr>
+                        <a:t>.avi</a:t>
+                      </a:r>
+                      <a:endParaRPr lang="zh-CN" altLang="en-US" sz="1600">
+                        <a:sym typeface="+mn-ea"/>
+                      </a:endParaRPr>
+                    </a:p>
+                  </a:txBody>
+                  <a:tcPr/>
+                </a:tc>
+                <a:tc>
+                  <a:txBody>
+                    <a:bodyPr/>
+                    <a:p>
+                      <a:pPr>
+                        <a:buNone/>
+                      </a:pPr>
+                      <a:endParaRPr lang="zh-CN" altLang="en-US" sz="1600"/>
+                    </a:p>
+                  </a:txBody>
+                  <a:tcPr/>
+                </a:tc>
+              </a:tr>
+              <a:tr h="1798320">
+                <a:tc>
+                  <a:txBody>
+                    <a:bodyPr/>
+                    <a:p>
+                      <a:pPr>
+                        <a:buNone/>
+                      </a:pPr>
+                      <a:r>
+                        <a:rPr lang="en-US" altLang="zh-CN" sz="1600"/>
+                        <a:t>Set h264 encoding params</a:t>
+                      </a:r>
+                      <a:endParaRPr lang="en-US" altLang="zh-CN" sz="1600"/>
+                    </a:p>
+                  </a:txBody>
+                  <a:tcPr/>
+                </a:tc>
+                <a:tc>
+                  <a:txBody>
+                    <a:bodyPr/>
+                    <a:p>
+                      <a:pPr marL="0" lvl="2">
+                        <a:buNone/>
+                      </a:pPr>
+                      <a:r>
+                        <a:rPr lang="en-US" altLang="zh-CN" sz="1600"/>
+                        <a:t>ffmpeg -c:v libx264 -profile:v high/main/baseline -level:v 4.0</a:t>
+                      </a:r>
+                      <a:endParaRPr lang="en-US" altLang="zh-CN" sz="1600"/>
+                    </a:p>
+                    <a:p>
+                      <a:pPr marL="0" lvl="2">
+                        <a:buNone/>
+                      </a:pPr>
+                      <a:r>
+                        <a:rPr lang="en-US" altLang="zh-CN" sz="1600"/>
+                        <a:t>-crf 0~51 (constant rate factor, default 23, 0 lossless, 17/18 nearly lossless)</a:t>
+                      </a:r>
+                      <a:endParaRPr lang="en-US" altLang="zh-CN" sz="1600"/>
+                    </a:p>
+                    <a:p>
+                      <a:pPr marL="0" lvl="2">
+                        <a:buNone/>
+                      </a:pPr>
+                      <a:r>
+                        <a:rPr lang="en-US" altLang="zh-CN" sz="1600"/>
+                        <a:t>// profile: video compression features the player must support</a:t>
+                      </a:r>
+                      <a:endParaRPr lang="en-US" altLang="zh-CN" sz="1600"/>
+                    </a:p>
+                    <a:p>
+                      <a:pPr marL="0" lvl="2">
+                        <a:buNone/>
+                      </a:pPr>
+                      <a:r>
+                        <a:rPr lang="en-US" altLang="zh-CN" sz="1600"/>
+                        <a:t>// level: defines the peak bitrate the player can handle, along with the maximum resolution, and the maximum number of reference frames held in memory during playback</a:t>
+                      </a:r>
+                      <a:endParaRPr lang="en-US" altLang="zh-CN" sz="1600"/>
+                    </a:p>
+                  </a:txBody>
+                  <a:tcPr/>
+                </a:tc>
+                <a:tc>
+                  <a:txBody>
+                    <a:bodyPr/>
+                    <a:p>
+                      <a:pPr>
+                        <a:buNone/>
+                      </a:pPr>
+                      <a:endParaRPr lang="zh-CN" altLang="en-US" sz="1600"/>
+                    </a:p>
+                  </a:txBody>
+                  <a:tcPr/>
+                </a:tc>
+              </a:tr>
+              <a:tr h="579120">
+                <a:tc>
+                  <a:txBody>
+                    <a:bodyPr/>
+                    <a:p>
+                      <a:pPr>
+                        <a:buNone/>
+                      </a:pPr>
+                      <a:r>
+                        <a:rPr lang="en-US" altLang="zh-CN" sz="1600">
+                          <a:sym typeface="+mn-ea"/>
+                        </a:rPr>
+                        <a:t>Padding</a:t>
+                      </a:r>
+                      <a:endParaRPr lang="en-US" altLang="zh-CN" sz="1600">
+                        <a:sym typeface="+mn-ea"/>
+                      </a:endParaRPr>
+                    </a:p>
+                  </a:txBody>
+                  <a:tcPr/>
+                </a:tc>
+                <a:tc>
+                  <a:txBody>
+                    <a:bodyPr/>
+                    <a:p>
+                      <a:pPr>
+                        <a:buNone/>
+                      </a:pPr>
+                      <a:r>
+                        <a:rPr lang="en-US" altLang="zh-CN" sz="1600">
+                          <a:sym typeface="+mn-ea"/>
+                        </a:rPr>
+                        <a:t>ffmpeg -i in.mp4 -vf “pad=width=800:height=600:x=10:y=75:color=black” out.mp4</a:t>
+                      </a:r>
+                      <a:endParaRPr lang="en-US" altLang="zh-CN" sz="1600">
+                        <a:sym typeface="+mn-ea"/>
+                      </a:endParaRPr>
+                    </a:p>
+                  </a:txBody>
+                  <a:tcPr/>
+                </a:tc>
+                <a:tc>
+                  <a:txBody>
+                    <a:bodyPr/>
+                    <a:p>
+                      <a:pPr>
+                        <a:buNone/>
+                      </a:pPr>
+                      <a:r>
+                        <a:rPr lang="en-US" altLang="zh-CN" sz="1600">
+                          <a:sym typeface="+mn-ea"/>
+                        </a:rPr>
+                        <a:t>x/y: start placing point of the original frame</a:t>
+                      </a:r>
+                      <a:endParaRPr lang="en-US" altLang="zh-CN" sz="1600">
+                        <a:sym typeface="+mn-ea"/>
+                      </a:endParaRPr>
+                    </a:p>
+                  </a:txBody>
+                  <a:tcPr/>
+                </a:tc>
+              </a:tr>
+              <a:tr h="335280">
+                <a:tc>
+                  <a:txBody>
+                    <a:bodyPr/>
+                    <a:p>
+                      <a:pPr>
+                        <a:buNone/>
+                      </a:pPr>
+                      <a:r>
+                        <a:rPr lang="en-US" altLang="zh-CN" sz="1600"/>
+                        <a:t>Web video</a:t>
+                      </a:r>
+                      <a:endParaRPr lang="en-US" altLang="zh-CN" sz="1600"/>
+                    </a:p>
+                  </a:txBody>
+                  <a:tcPr/>
+                </a:tc>
+                <a:tc>
+                  <a:txBody>
+                    <a:bodyPr/>
+                    <a:p>
+                      <a:pPr>
+                        <a:buNone/>
+                      </a:pPr>
+                      <a:r>
+                        <a:rPr lang="zh-CN" altLang="en-US" sz="1600"/>
+                        <a:t>-movflags +faststart</a:t>
+                      </a:r>
+                      <a:endParaRPr lang="zh-CN" altLang="en-US" sz="1600"/>
+                    </a:p>
+                  </a:txBody>
+                  <a:tcPr/>
+                </a:tc>
+                <a:tc>
+                  <a:txBody>
+                    <a:bodyPr/>
+                    <a:p>
+                      <a:pPr>
+                        <a:buNone/>
+                      </a:pPr>
+                      <a:endParaRPr lang="zh-CN" altLang="en-US" sz="1600"/>
+                    </a:p>
+                  </a:txBody>
+                  <a:tcPr/>
+                </a:tc>
+              </a:tr>
+              <a:tr h="335280">
+                <a:tc>
+                  <a:txBody>
+                    <a:bodyPr/>
+                    <a:p>
+                      <a:pPr>
+                        <a:buNone/>
+                      </a:pPr>
+                      <a:r>
+                        <a:rPr lang="en-US" altLang="zh-CN" sz="1600"/>
+                        <a:t>Output to gif</a:t>
+                      </a:r>
+                      <a:endParaRPr lang="en-US" altLang="zh-CN" sz="1600"/>
+                    </a:p>
+                  </a:txBody>
+                  <a:tcPr/>
+                </a:tc>
+                <a:tc>
+                  <a:txBody>
+                    <a:bodyPr/>
+                    <a:p>
+                      <a:pPr>
+                        <a:buNone/>
+                      </a:pPr>
+                      <a:r>
+                        <a:rPr lang="en-US" altLang="zh-CN" sz="1600"/>
+                        <a:t>ffmpeg -i input.mp4 -f gif output.gif</a:t>
+                      </a:r>
+                      <a:endParaRPr lang="en-US" altLang="zh-CN" sz="1600"/>
+                    </a:p>
+                  </a:txBody>
+                  <a:tcPr/>
+                </a:tc>
+                <a:tc>
+                  <a:txBody>
+                    <a:bodyPr/>
+                    <a:p>
+                      <a:pPr>
+                        <a:buNone/>
+                      </a:pPr>
+                      <a:endParaRPr lang="zh-CN" altLang="en-US" sz="1600"/>
+                    </a:p>
+                  </a:txBody>
+                  <a:tcPr/>
+                </a:tc>
+              </a:tr>
+              <a:tr h="335280">
+                <a:tc>
+                  <a:txBody>
+                    <a:bodyPr/>
+                    <a:p>
+                      <a:pPr>
+                        <a:buNone/>
+                      </a:pPr>
+                      <a:r>
+                        <a:rPr lang="en-US" altLang="zh-CN" sz="1600"/>
+                        <a:t>Reverse video</a:t>
+                      </a:r>
+                      <a:endParaRPr lang="en-US" altLang="zh-CN" sz="1600"/>
+                    </a:p>
+                  </a:txBody>
+                  <a:tcPr/>
+                </a:tc>
+                <a:tc>
+                  <a:txBody>
+                    <a:bodyPr/>
+                    <a:p>
+                      <a:pPr>
+                        <a:buNone/>
+                      </a:pPr>
+                      <a:r>
+                        <a:rPr sz="1600"/>
+                        <a:t>ffmpeg -i input.mov -filter:v 'reverse' -filter:a 'areverse' output.mov</a:t>
+                      </a:r>
+                      <a:endParaRPr sz="1600"/>
+                    </a:p>
+                  </a:txBody>
+                  <a:tcPr/>
+                </a:tc>
+                <a:tc>
+                  <a:txBody>
+                    <a:bodyPr/>
+                    <a:p>
+                      <a:pPr>
+                        <a:buNone/>
+                      </a:pPr>
+                      <a:endParaRPr lang="zh-CN" altLang="en-US" sz="1600"/>
+                    </a:p>
+                  </a:txBody>
+                  <a:tcPr/>
+                </a:tc>
+              </a:tr>
+              <a:tr h="579120">
+                <a:tc>
+                  <a:txBody>
+                    <a:bodyPr/>
+                    <a:p>
+                      <a:pPr>
+                        <a:buNone/>
+                      </a:pPr>
+                      <a:r>
+                        <a:rPr lang="en-US" altLang="zh-CN" sz="1600"/>
+                        <a:t>Extract audio from video</a:t>
+                      </a:r>
+                      <a:endParaRPr lang="en-US" altLang="zh-CN" sz="1600"/>
+                    </a:p>
+                  </a:txBody>
+                  <a:tcPr/>
+                </a:tc>
+                <a:tc>
+                  <a:txBody>
+                    <a:bodyPr/>
+                    <a:p>
+                      <a:pPr>
+                        <a:buNone/>
+                      </a:pPr>
+                      <a:r>
+                        <a:rPr lang="zh-CN" altLang="en-US" sz="1600"/>
+                        <a:t>ffmpeg -i input.mp4 -vn -ac 2 audio.wav</a:t>
+                      </a:r>
+                      <a:endParaRPr lang="zh-CN" altLang="en-US" sz="1600"/>
+                    </a:p>
+                  </a:txBody>
+                  <a:tcPr/>
+                </a:tc>
+                <a:tc>
+                  <a:txBody>
+                    <a:bodyPr/>
+                    <a:p>
+                      <a:pPr>
+                        <a:buNone/>
+                      </a:pPr>
+                      <a:endParaRPr lang="zh-CN" altLang="en-US" sz="1600"/>
+                    </a:p>
+                  </a:txBody>
+                  <a:tcPr/>
+                </a:tc>
+              </a:tr>
+            </a:tbl>
+          </a:graphicData>
+        </a:graphic>
+      </p:graphicFrame>
+    </p:spTree>
+    <p:custDataLst>
+      <p:tags r:id="rId2"/>
+    </p:custDataLst>
+  </p:cSld>
+  <p:clrMapOvr>
+    <a:masterClrMapping/>
+  </p:clrMapOvr>
+</p:sld>
+</file>
+
+<file path=ppt/slides/slide11.xml><?xml version="1.0" encoding="utf-8"?>
 <p:sld xmlns:a="http://schemas.openxmlformats.org/drawingml/2006/main" xmlns:r="http://schemas.openxmlformats.org/officeDocument/2006/relationships" xmlns:p="http://schemas.openxmlformats.org/presentationml/2006/main">
   <p:cSld>
     <p:spTree>
@@ -3944,7 +4559,7 @@
 </p:sld>
 </file>
 
-<file path=ppt/slides/slide11.xml><?xml version="1.0" encoding="utf-8"?>
+<file path=ppt/slides/slide12.xml><?xml version="1.0" encoding="utf-8"?>
 <p:sld xmlns:a="http://schemas.openxmlformats.org/drawingml/2006/main" xmlns:r="http://schemas.openxmlformats.org/officeDocument/2006/relationships" xmlns:p="http://schemas.openxmlformats.org/presentationml/2006/main">
   <p:cSld>
     <p:spTree>
@@ -4041,7 +4656,7 @@
 </p:sld>
 </file>
 
-<file path=ppt/slides/slide12.xml><?xml version="1.0" encoding="utf-8"?>
+<file path=ppt/slides/slide13.xml><?xml version="1.0" encoding="utf-8"?>
 <p:sld xmlns:a="http://schemas.openxmlformats.org/drawingml/2006/main" xmlns:r="http://schemas.openxmlformats.org/officeDocument/2006/relationships" xmlns:p="http://schemas.openxmlformats.org/presentationml/2006/main">
   <p:cSld>
     <p:spTree>
@@ -4275,7 +4890,7 @@
           <a:p>
             <a:r>
               <a:rPr lang="en-US" altLang="zh-CN"/>
-              <a:t>References</a:t>
+              <a:t>Change History</a:t>
             </a:r>
             <a:endParaRPr lang="en-US" altLang="zh-CN"/>
           </a:p>
@@ -4296,31 +4911,18 @@
           <a:bodyPr/>
           <a:p>
             <a:r>
-              <a:rPr lang="zh-CN" altLang="en-US"/>
-              <a:t>https://helgeklein.com/blog/2017/12/browser-video-codecs-formats-hardware-acceleration/</a:t>
-            </a:r>
-            <a:endParaRPr lang="zh-CN" altLang="en-US"/>
-          </a:p>
-          <a:p>
-            <a:r>
-              <a:rPr lang="zh-CN" altLang="en-US"/>
-              <a:t>https://www.fourcc.org/codecs.php</a:t>
-            </a:r>
-            <a:endParaRPr lang="zh-CN" altLang="en-US"/>
-          </a:p>
-          <a:p>
-            <a:r>
-              <a:rPr lang="zh-CN" altLang="en-US"/>
-              <a:t>https://trac.ffmpeg.org/wiki/Encode/H.264</a:t>
-            </a:r>
-            <a:endParaRPr lang="zh-CN" altLang="en-US"/>
-          </a:p>
-          <a:p>
-            <a:r>
-              <a:rPr lang="zh-CN" altLang="en-US"/>
-              <a:t>http://www.lighterra.com/papers/videoencodingh264/</a:t>
-            </a:r>
-            <a:endParaRPr lang="zh-CN" altLang="en-US"/>
+              <a:rPr lang="en-US" altLang="zh-CN"/>
+              <a:t>11/10/2021</a:t>
+            </a:r>
+            <a:endParaRPr lang="en-US" altLang="zh-CN"/>
+          </a:p>
+          <a:p>
+            <a:pPr lvl="1"/>
+            <a:r>
+              <a:rPr lang="en-US" altLang="zh-CN"/>
+              <a:t>Added audio codec conversion</a:t>
+            </a:r>
+            <a:endParaRPr lang="en-US" altLang="zh-CN"/>
           </a:p>
         </p:txBody>
       </p:sp>
@@ -4336,6 +4938,92 @@
 </file>
 
 <file path=ppt/slides/slide3.xml><?xml version="1.0" encoding="utf-8"?>
+<p:sld xmlns:a="http://schemas.openxmlformats.org/drawingml/2006/main" xmlns:r="http://schemas.openxmlformats.org/officeDocument/2006/relationships" xmlns:p="http://schemas.openxmlformats.org/presentationml/2006/main">
+  <p:cSld>
+    <p:spTree>
+      <p:nvGrpSpPr>
+        <p:cNvPr id="1" name=""/>
+        <p:cNvGrpSpPr/>
+        <p:nvPr/>
+      </p:nvGrpSpPr>
+      <p:grpSpPr/>
+      <p:sp>
+        <p:nvSpPr>
+          <p:cNvPr id="2" name="标题 1"/>
+          <p:cNvSpPr>
+            <a:spLocks noGrp="1"/>
+          </p:cNvSpPr>
+          <p:nvPr>
+            <p:ph type="title"/>
+          </p:nvPr>
+        </p:nvSpPr>
+        <p:spPr/>
+        <p:txBody>
+          <a:bodyPr/>
+          <a:p>
+            <a:r>
+              <a:rPr lang="en-US" altLang="zh-CN"/>
+              <a:t>References</a:t>
+            </a:r>
+            <a:endParaRPr lang="en-US" altLang="zh-CN"/>
+          </a:p>
+        </p:txBody>
+      </p:sp>
+      <p:sp>
+        <p:nvSpPr>
+          <p:cNvPr id="3" name="内容占位符 2"/>
+          <p:cNvSpPr>
+            <a:spLocks noGrp="1"/>
+          </p:cNvSpPr>
+          <p:nvPr>
+            <p:ph idx="1"/>
+          </p:nvPr>
+        </p:nvSpPr>
+        <p:spPr/>
+        <p:txBody>
+          <a:bodyPr/>
+          <a:p>
+            <a:r>
+              <a:rPr lang="zh-CN" altLang="en-US"/>
+              <a:t>https://helgeklein.com/blog/2017/12/browser-video-codecs-formats-hardware-acceleration/</a:t>
+            </a:r>
+            <a:endParaRPr lang="zh-CN" altLang="en-US"/>
+          </a:p>
+          <a:p>
+            <a:r>
+              <a:rPr lang="zh-CN" altLang="en-US"/>
+              <a:t>https://www.fourcc.org/codecs.php</a:t>
+            </a:r>
+            <a:endParaRPr lang="zh-CN" altLang="en-US"/>
+          </a:p>
+          <a:p>
+            <a:r>
+              <a:rPr lang="zh-CN" altLang="en-US"/>
+              <a:t>https://trac.ffmpeg.org/wiki/Encode/H.264</a:t>
+            </a:r>
+            <a:endParaRPr lang="zh-CN" altLang="en-US"/>
+          </a:p>
+          <a:p>
+            <a:r>
+              <a:rPr lang="zh-CN" altLang="en-US"/>
+              <a:t>http://www.lighterra.com/papers/videoencodingh264/</a:t>
+            </a:r>
+            <a:endParaRPr lang="zh-CN" altLang="en-US"/>
+          </a:p>
+        </p:txBody>
+      </p:sp>
+    </p:spTree>
+    <p:custDataLst>
+      <p:tags r:id="rId1"/>
+    </p:custDataLst>
+  </p:cSld>
+  <p:clrMapOvr>
+    <a:masterClrMapping/>
+  </p:clrMapOvr>
+</p:sld>
+</file>
+
+<file path=ppt/slides/slide4.xml><?xml version="1.0" encoding="utf-8"?>
 <p:sld xmlns:a="http://schemas.openxmlformats.org/drawingml/2006/main" xmlns:r="http://schemas.openxmlformats.org/officeDocument/2006/relationships" xmlns:p="http://schemas.openxmlformats.org/presentationml/2006/main">
   <p:cSld>
     <p:spTree>
@@ -4537,7 +5225,7 @@
 </p:sld>
 </file>
 
-<file path=ppt/slides/slide4.xml><?xml version="1.0" encoding="utf-8"?>
+<file path=ppt/slides/slide5.xml><?xml version="1.0" encoding="utf-8"?>
 <p:sld xmlns:a="http://schemas.openxmlformats.org/drawingml/2006/main" xmlns:r="http://schemas.openxmlformats.org/officeDocument/2006/relationships" xmlns:p="http://schemas.openxmlformats.org/presentationml/2006/main">
   <p:cSld>
     <p:spTree>
@@ -4889,7 +5577,7 @@
 </p:sld>
 </file>
 
-<file path=ppt/slides/slide5.xml><?xml version="1.0" encoding="utf-8"?>
+<file path=ppt/slides/slide6.xml><?xml version="1.0" encoding="utf-8"?>
 <p:sld xmlns:a="http://schemas.openxmlformats.org/drawingml/2006/main" xmlns:r="http://schemas.openxmlformats.org/officeDocument/2006/relationships" xmlns:p="http://schemas.openxmlformats.org/presentationml/2006/main">
   <p:cSld>
     <p:spTree>
@@ -5369,126 +6057,6 @@
 </p:sld>
 </file>
 
-<file path=ppt/slides/slide6.xml><?xml version="1.0" encoding="utf-8"?>
-<p:sld xmlns:a="http://schemas.openxmlformats.org/drawingml/2006/main" xmlns:r="http://schemas.openxmlformats.org/officeDocument/2006/relationships" xmlns:p="http://schemas.openxmlformats.org/presentationml/2006/main">
-  <p:cSld>
-    <p:spTree>
-      <p:nvGrpSpPr>
-        <p:cNvPr id="1" name=""/>
-        <p:cNvGrpSpPr/>
-        <p:nvPr/>
-      </p:nvGrpSpPr>
-      <p:grpSpPr/>
-      <p:sp>
-        <p:nvSpPr>
-          <p:cNvPr id="2" name="标题 1"/>
-          <p:cNvSpPr>
-            <a:spLocks noGrp="1"/>
-          </p:cNvSpPr>
-          <p:nvPr>
-            <p:ph type="title"/>
-          </p:nvPr>
-        </p:nvSpPr>
-        <p:spPr/>
-        <p:txBody>
-          <a:bodyPr/>
-          <a:p>
-            <a:r>
-              <a:rPr lang="en-US" altLang="zh-CN"/>
-              <a:t>FourCC</a:t>
-            </a:r>
-            <a:endParaRPr lang="en-US" altLang="zh-CN"/>
-          </a:p>
-        </p:txBody>
-      </p:sp>
-      <p:sp>
-        <p:nvSpPr>
-          <p:cNvPr id="3" name="内容占位符 2"/>
-          <p:cNvSpPr>
-            <a:spLocks noGrp="1"/>
-          </p:cNvSpPr>
-          <p:nvPr>
-            <p:ph idx="1"/>
-          </p:nvPr>
-        </p:nvSpPr>
-        <p:spPr/>
-        <p:txBody>
-          <a:bodyPr/>
-          <a:p>
-            <a:r>
-              <a:rPr lang="en-US" altLang="zh-CN"/>
-              <a:t>Intro</a:t>
-            </a:r>
-            <a:endParaRPr lang="en-US" altLang="zh-CN"/>
-          </a:p>
-          <a:p>
-            <a:pPr lvl="1"/>
-            <a:r>
-              <a:rPr lang="en-US" altLang="zh-CN"/>
-              <a:t>Short for “Four Character Code”</a:t>
-            </a:r>
-            <a:endParaRPr lang="en-US" altLang="zh-CN"/>
-          </a:p>
-          <a:p>
-            <a:pPr lvl="1"/>
-            <a:r>
-              <a:rPr lang="en-US" altLang="zh-CN"/>
-              <a:t>An identifier for a video codec, compression format, color, or pixel format used in a media file.</a:t>
-            </a:r>
-            <a:endParaRPr lang="en-US" altLang="zh-CN"/>
-          </a:p>
-          <a:p>
-            <a:pPr lvl="0"/>
-            <a:r>
-              <a:rPr lang="en-US" altLang="zh-CN" sz="2400"/>
-              <a:t>Video Codecs by FourCC</a:t>
-            </a:r>
-            <a:endParaRPr lang="en-US" altLang="zh-CN" sz="2400"/>
-          </a:p>
-          <a:p>
-            <a:pPr lvl="1"/>
-            <a:r>
-              <a:rPr lang="en-US" altLang="zh-CN" sz="2000"/>
-              <a:t>H264</a:t>
-            </a:r>
-            <a:endParaRPr lang="en-US" altLang="zh-CN" sz="2000"/>
-          </a:p>
-          <a:p>
-            <a:pPr lvl="1"/>
-            <a:r>
-              <a:rPr lang="en-US" altLang="zh-CN" sz="2000"/>
-              <a:t>X264</a:t>
-            </a:r>
-            <a:endParaRPr lang="en-US" altLang="zh-CN" sz="2000"/>
-          </a:p>
-          <a:p>
-            <a:pPr lvl="1"/>
-            <a:r>
-              <a:rPr lang="en-US" altLang="zh-CN" sz="2000"/>
-              <a:t>XVID</a:t>
-            </a:r>
-            <a:endParaRPr lang="en-US" altLang="zh-CN" sz="2000"/>
-          </a:p>
-          <a:p>
-            <a:pPr lvl="2"/>
-            <a:endParaRPr lang="en-US" altLang="zh-CN"/>
-          </a:p>
-          <a:p>
-            <a:endParaRPr lang="en-US" altLang="zh-CN"/>
-          </a:p>
-        </p:txBody>
-      </p:sp>
-    </p:spTree>
-    <p:custDataLst>
-      <p:tags r:id="rId1"/>
-    </p:custDataLst>
-  </p:cSld>
-  <p:clrMapOvr>
-    <a:masterClrMapping/>
-  </p:clrMapOvr>
-</p:sld>
-</file>
-
 <file path=ppt/slides/slide7.xml><?xml version="1.0" encoding="utf-8"?>
 <p:sld xmlns:a="http://schemas.openxmlformats.org/drawingml/2006/main" xmlns:r="http://schemas.openxmlformats.org/officeDocument/2006/relationships" xmlns:p="http://schemas.openxmlformats.org/presentationml/2006/main">
   <p:cSld>
@@ -5515,7 +6083,7 @@
           <a:p>
             <a:r>
               <a:rPr lang="en-US" altLang="zh-CN"/>
-              <a:t>FFMPEG 1/3</a:t>
+              <a:t>FourCC</a:t>
             </a:r>
             <a:endParaRPr lang="en-US" altLang="zh-CN"/>
           </a:p>
@@ -5531,577 +6099,76 @@
             <p:ph idx="1"/>
           </p:nvPr>
         </p:nvSpPr>
-        <p:spPr>
-          <a:xfrm>
-            <a:off x="838200" y="1211580"/>
-            <a:ext cx="10919460" cy="1041400"/>
-          </a:xfrm>
-        </p:spPr>
-        <p:txBody>
-          <a:bodyPr>
-            <a:noAutofit/>
-          </a:bodyPr>
-          <a:p>
+        <p:spPr/>
+        <p:txBody>
+          <a:bodyPr/>
+          <a:p>
+            <a:r>
+              <a:rPr lang="en-US" altLang="zh-CN"/>
+              <a:t>Intro</a:t>
+            </a:r>
+            <a:endParaRPr lang="en-US" altLang="zh-CN"/>
+          </a:p>
+          <a:p>
+            <a:pPr lvl="1"/>
+            <a:r>
+              <a:rPr lang="en-US" altLang="zh-CN"/>
+              <a:t>Short for “Four Character Code”</a:t>
+            </a:r>
+            <a:endParaRPr lang="en-US" altLang="zh-CN"/>
+          </a:p>
+          <a:p>
+            <a:pPr lvl="1"/>
+            <a:r>
+              <a:rPr lang="en-US" altLang="zh-CN"/>
+              <a:t>An identifier for a video codec, compression format, color, or pixel format used in a media file.</a:t>
+            </a:r>
+            <a:endParaRPr lang="en-US" altLang="zh-CN"/>
+          </a:p>
+          <a:p>
+            <a:pPr lvl="0"/>
+            <a:r>
+              <a:rPr lang="en-US" altLang="zh-CN" sz="2400"/>
+              <a:t>Video Codecs by FourCC</a:t>
+            </a:r>
+            <a:endParaRPr lang="en-US" altLang="zh-CN" sz="2400"/>
+          </a:p>
+          <a:p>
+            <a:pPr lvl="1"/>
             <a:r>
               <a:rPr lang="en-US" altLang="zh-CN" sz="2000"/>
-              <a:t>Install</a:t>
+              <a:t>H264</a:t>
             </a:r>
             <a:endParaRPr lang="en-US" altLang="zh-CN" sz="2000"/>
           </a:p>
           <a:p>
             <a:pPr lvl="1"/>
             <a:r>
-              <a:rPr lang="en-US" altLang="zh-CN" sz="1665"/>
-              <a:t>sudo add-apt-repository ppa:videolan/master-daily</a:t>
-            </a:r>
-            <a:endParaRPr lang="en-US" altLang="zh-CN" sz="1665"/>
+              <a:rPr lang="en-US" altLang="zh-CN" sz="2000"/>
+              <a:t>X264</a:t>
+            </a:r>
+            <a:endParaRPr lang="en-US" altLang="zh-CN" sz="2000"/>
           </a:p>
           <a:p>
             <a:pPr lvl="1"/>
             <a:r>
-              <a:rPr lang="en-US" altLang="zh-CN" sz="1665"/>
-              <a:t>ffmpeg 3.3.3-2</a:t>
-            </a:r>
-            <a:endParaRPr lang="en-US" altLang="zh-CN" sz="1600"/>
-          </a:p>
-        </p:txBody>
-      </p:sp>
-      <p:graphicFrame>
-        <p:nvGraphicFramePr>
-          <p:cNvPr id="5" name="表格 4"/>
-          <p:cNvGraphicFramePr/>
-          <p:nvPr>
-            <p:custDataLst>
-              <p:tags r:id="rId1"/>
-            </p:custDataLst>
-          </p:nvPr>
-        </p:nvGraphicFramePr>
-        <p:xfrm>
-          <a:off x="579120" y="2174875"/>
-          <a:ext cx="11268710" cy="4335780"/>
-        </p:xfrm>
-        <a:graphic>
-          <a:graphicData uri="http://schemas.openxmlformats.org/drawingml/2006/table">
-            <a:tbl>
-              <a:tblPr firstRow="1" bandRow="1">
-                <a:tableStyleId>{5C22544A-7EE6-4342-B048-85BDC9FD1C3A}</a:tableStyleId>
-              </a:tblPr>
-              <a:tblGrid>
-                <a:gridCol w="2372360"/>
-                <a:gridCol w="6086475"/>
-                <a:gridCol w="2809875"/>
-              </a:tblGrid>
-              <a:tr h="365760">
-                <a:tc>
-                  <a:txBody>
-                    <a:bodyPr/>
-                    <a:p>
-                      <a:pPr algn="ctr">
-                        <a:buNone/>
-                      </a:pPr>
-                      <a:r>
-                        <a:rPr lang="en-US" altLang="zh-CN"/>
-                        <a:t>Task</a:t>
-                      </a:r>
-                      <a:endParaRPr lang="en-US" altLang="zh-CN"/>
-                    </a:p>
-                  </a:txBody>
-                  <a:tcPr/>
-                </a:tc>
-                <a:tc>
-                  <a:txBody>
-                    <a:bodyPr/>
-                    <a:p>
-                      <a:pPr algn="ctr">
-                        <a:buNone/>
-                      </a:pPr>
-                      <a:r>
-                        <a:rPr lang="en-US" altLang="zh-CN"/>
-                        <a:t>Commands</a:t>
-                      </a:r>
-                      <a:endParaRPr lang="en-US" altLang="zh-CN"/>
-                    </a:p>
-                  </a:txBody>
-                  <a:tcPr/>
-                </a:tc>
-                <a:tc>
-                  <a:txBody>
-                    <a:bodyPr/>
-                    <a:p>
-                      <a:pPr algn="ctr">
-                        <a:buNone/>
-                      </a:pPr>
-                      <a:r>
-                        <a:rPr lang="en-US" altLang="zh-CN"/>
-                        <a:t>Note</a:t>
-                      </a:r>
-                      <a:endParaRPr lang="en-US" altLang="zh-CN"/>
-                    </a:p>
-                  </a:txBody>
-                  <a:tcPr/>
-                </a:tc>
-              </a:tr>
-              <a:tr h="365760">
-                <a:tc>
-                  <a:txBody>
-                    <a:bodyPr/>
-                    <a:p>
-                      <a:pPr>
-                        <a:buNone/>
-                      </a:pPr>
-                      <a:r>
-                        <a:rPr lang="en-US" altLang="zh-CN"/>
-                        <a:t>Hide banner</a:t>
-                      </a:r>
-                      <a:endParaRPr lang="en-US" altLang="zh-CN"/>
-                    </a:p>
-                  </a:txBody>
-                  <a:tcPr/>
-                </a:tc>
-                <a:tc>
-                  <a:txBody>
-                    <a:bodyPr/>
-                    <a:p>
-                      <a:pPr>
-                        <a:buNone/>
-                      </a:pPr>
-                      <a:r>
-                        <a:rPr lang="en-US" altLang="zh-CN"/>
-                        <a:t>ffmpeg -hide_banner</a:t>
-                      </a:r>
-                      <a:endParaRPr lang="en-US" altLang="zh-CN"/>
-                    </a:p>
-                  </a:txBody>
-                  <a:tcPr/>
-                </a:tc>
-                <a:tc>
-                  <a:txBody>
-                    <a:bodyPr/>
-                    <a:p>
-                      <a:pPr>
-                        <a:buNone/>
-                      </a:pPr>
-                      <a:endParaRPr lang="zh-CN" altLang="en-US"/>
-                    </a:p>
-                  </a:txBody>
-                  <a:tcPr/>
-                </a:tc>
-              </a:tr>
-              <a:tr h="365760">
-                <a:tc>
-                  <a:txBody>
-                    <a:bodyPr/>
-                    <a:p>
-                      <a:pPr>
-                        <a:buNone/>
-                      </a:pPr>
-                      <a:r>
-                        <a:rPr lang="en-US" altLang="zh-CN"/>
-                        <a:t>Log level</a:t>
-                      </a:r>
-                      <a:endParaRPr lang="en-US" altLang="zh-CN"/>
-                    </a:p>
-                  </a:txBody>
-                  <a:tcPr/>
-                </a:tc>
-                <a:tc>
-                  <a:txBody>
-                    <a:bodyPr/>
-                    <a:p>
-                      <a:pPr>
-                        <a:buNone/>
-                      </a:pPr>
-                      <a:r>
-                        <a:rPr lang="en-US" altLang="zh-CN"/>
-                        <a:t>ffmpeg -loglevel error </a:t>
-                      </a:r>
-                      <a:endParaRPr lang="en-US" altLang="zh-CN"/>
-                    </a:p>
-                  </a:txBody>
-                  <a:tcPr/>
-                </a:tc>
-                <a:tc>
-                  <a:txBody>
-                    <a:bodyPr/>
-                    <a:p>
-                      <a:pPr>
-                        <a:buNone/>
-                      </a:pPr>
-                      <a:endParaRPr lang="zh-CN" altLang="en-US"/>
-                    </a:p>
-                  </a:txBody>
-                  <a:tcPr/>
-                </a:tc>
-              </a:tr>
-              <a:tr h="234315">
-                <a:tc>
-                  <a:txBody>
-                    <a:bodyPr/>
-                    <a:p>
-                      <a:pPr>
-                        <a:buNone/>
-                      </a:pPr>
-                      <a:r>
-                        <a:rPr lang="en-US" altLang="zh-CN"/>
-                        <a:t>pix format</a:t>
-                      </a:r>
-                      <a:endParaRPr lang="en-US" altLang="zh-CN"/>
-                    </a:p>
-                  </a:txBody>
-                  <a:tcPr/>
-                </a:tc>
-                <a:tc>
-                  <a:txBody>
-                    <a:bodyPr/>
-                    <a:p>
-                      <a:pPr>
-                        <a:buNone/>
-                      </a:pPr>
-                      <a:r>
-                        <a:rPr lang="en-US" altLang="zh-CN"/>
-                        <a:t>ffmpeg -pix_fmts</a:t>
-                      </a:r>
-                      <a:endParaRPr lang="en-US" altLang="zh-CN"/>
-                    </a:p>
-                  </a:txBody>
-                  <a:tcPr/>
-                </a:tc>
-                <a:tc>
-                  <a:txBody>
-                    <a:bodyPr/>
-                    <a:p>
-                      <a:pPr>
-                        <a:buNone/>
-                      </a:pPr>
-                      <a:endParaRPr lang="zh-CN" altLang="en-US"/>
-                    </a:p>
-                  </a:txBody>
-                  <a:tcPr/>
-                </a:tc>
-              </a:tr>
-              <a:tr h="640080">
-                <a:tc>
-                  <a:txBody>
-                    <a:bodyPr/>
-                    <a:p>
-                      <a:pPr>
-                        <a:buNone/>
-                      </a:pPr>
-                      <a:r>
-                        <a:rPr lang="en-US" altLang="zh-CN" sz="1800">
-                          <a:sym typeface="+mn-ea"/>
-                        </a:rPr>
-                        <a:t>Convert image sequences into video</a:t>
-                      </a:r>
-                      <a:endParaRPr lang="en-US" altLang="zh-CN"/>
-                    </a:p>
-                  </a:txBody>
-                  <a:tcPr/>
-                </a:tc>
-                <a:tc>
-                  <a:txBody>
-                    <a:bodyPr/>
-                    <a:p>
-                      <a:pPr>
-                        <a:buNone/>
-                      </a:pPr>
-                      <a:r>
-                        <a:rPr lang="zh-CN" altLang="en-US" sz="1800">
-                          <a:sym typeface="+mn-ea"/>
-                        </a:rPr>
-                        <a:t>ffmpeg -i %4d.png </a:t>
-                      </a:r>
-                      <a:r>
-                        <a:rPr lang="en-US" altLang="zh-CN" sz="1800">
-                          <a:sym typeface="+mn-ea"/>
-                        </a:rPr>
-                        <a:t>-r 20 output</a:t>
-                      </a:r>
-                      <a:r>
-                        <a:rPr lang="zh-CN" altLang="en-US" sz="1800">
-                          <a:sym typeface="+mn-ea"/>
-                        </a:rPr>
-                        <a:t>.mp4</a:t>
-                      </a:r>
-                      <a:endParaRPr lang="en-US" altLang="zh-CN"/>
-                    </a:p>
-                  </a:txBody>
-                  <a:tcPr/>
-                </a:tc>
-                <a:tc>
-                  <a:txBody>
-                    <a:bodyPr/>
-                    <a:p>
-                      <a:pPr>
-                        <a:buNone/>
-                      </a:pPr>
-                      <a:endParaRPr lang="zh-CN" altLang="en-US"/>
-                    </a:p>
-                  </a:txBody>
-                  <a:tcPr/>
-                </a:tc>
-              </a:tr>
-              <a:tr h="640080">
-                <a:tc>
-                  <a:txBody>
-                    <a:bodyPr/>
-                    <a:p>
-                      <a:pPr>
-                        <a:buNone/>
-                      </a:pPr>
-                      <a:r>
-                        <a:rPr lang="en-US" altLang="zh-CN" sz="1800">
-                          <a:sym typeface="+mn-ea"/>
-                        </a:rPr>
-                        <a:t>Get frames from image</a:t>
-                      </a:r>
-                      <a:endParaRPr lang="en-US" altLang="zh-CN"/>
-                    </a:p>
-                  </a:txBody>
-                  <a:tcPr/>
-                </a:tc>
-                <a:tc>
-                  <a:txBody>
-                    <a:bodyPr/>
-                    <a:p>
-                      <a:pPr>
-                        <a:buNone/>
-                      </a:pPr>
-                      <a:r>
-                        <a:rPr lang="en-US" altLang="zh-CN" sz="1800">
-                          <a:sym typeface="+mn-ea"/>
-                        </a:rPr>
-                        <a:t>ffmpeg -i input.mp4 output/frame%04d.jpg</a:t>
-                      </a:r>
-                      <a:endParaRPr lang="en-US" altLang="zh-CN"/>
-                    </a:p>
-                  </a:txBody>
-                  <a:tcPr/>
-                </a:tc>
-                <a:tc>
-                  <a:txBody>
-                    <a:bodyPr/>
-                    <a:p>
-                      <a:pPr>
-                        <a:buNone/>
-                      </a:pPr>
-                      <a:endParaRPr lang="zh-CN" altLang="en-US"/>
-                    </a:p>
-                  </a:txBody>
-                  <a:tcPr/>
-                </a:tc>
-              </a:tr>
-              <a:tr h="365760">
-                <a:tc>
-                  <a:txBody>
-                    <a:bodyPr/>
-                    <a:p>
-                      <a:pPr>
-                        <a:buNone/>
-                      </a:pPr>
-                      <a:r>
-                        <a:rPr lang="en-US" altLang="zh-CN"/>
-                        <a:t>Truncate video</a:t>
-                      </a:r>
-                      <a:endParaRPr lang="en-US" altLang="zh-CN"/>
-                    </a:p>
-                  </a:txBody>
-                  <a:tcPr/>
-                </a:tc>
-                <a:tc>
-                  <a:txBody>
-                    <a:bodyPr/>
-                    <a:p>
-                      <a:pPr>
-                        <a:buNone/>
-                      </a:pPr>
-                      <a:r>
-                        <a:rPr lang="en-US" altLang="zh-CN" sz="1800">
-                          <a:sym typeface="+mn-ea"/>
-                        </a:rPr>
-                        <a:t>ffmpeg -ss 10 -i input.mp3 -t 6 output.mp3</a:t>
-                      </a:r>
-                      <a:endParaRPr lang="en-US" altLang="zh-CN"/>
-                    </a:p>
-                  </a:txBody>
-                  <a:tcPr/>
-                </a:tc>
-                <a:tc>
-                  <a:txBody>
-                    <a:bodyPr/>
-                    <a:p>
-                      <a:pPr>
-                        <a:buNone/>
-                      </a:pPr>
-                      <a:endParaRPr lang="zh-CN" altLang="en-US"/>
-                    </a:p>
-                  </a:txBody>
-                  <a:tcPr/>
-                </a:tc>
-              </a:tr>
-              <a:tr h="365760">
-                <a:tc>
-                  <a:txBody>
-                    <a:bodyPr/>
-                    <a:p>
-                      <a:pPr>
-                        <a:buNone/>
-                      </a:pPr>
-                      <a:r>
-                        <a:rPr lang="en-US" altLang="zh-CN" sz="1800">
-                          <a:sym typeface="+mn-ea"/>
-                        </a:rPr>
-                        <a:t>Concat video files</a:t>
-                      </a:r>
-                      <a:endParaRPr lang="en-US" altLang="zh-CN"/>
-                    </a:p>
-                  </a:txBody>
-                  <a:tcPr/>
-                </a:tc>
-                <a:tc>
-                  <a:txBody>
-                    <a:bodyPr/>
-                    <a:p>
-                      <a:pPr marL="0" lvl="2">
-                        <a:buNone/>
-                      </a:pPr>
-                      <a:r>
-                        <a:rPr lang="en-US" altLang="zh-CN" sz="1800">
-                          <a:sym typeface="+mn-ea"/>
-                        </a:rPr>
-                        <a:t>ffmpeg -f concat -safe 0 -i mylist.txt -c copy output.mp4</a:t>
-                      </a:r>
-                      <a:endParaRPr lang="en-US" altLang="zh-CN"/>
-                    </a:p>
-                  </a:txBody>
-                  <a:tcPr/>
-                </a:tc>
-                <a:tc>
-                  <a:txBody>
-                    <a:bodyPr/>
-                    <a:p>
-                      <a:pPr>
-                        <a:buNone/>
-                      </a:pPr>
-                      <a:r>
-                        <a:rPr lang="en-US" altLang="zh-CN"/>
-                        <a:t>mylist.txt: </a:t>
-                      </a:r>
-                      <a:r>
-                        <a:rPr lang="en-US" altLang="zh-CN" sz="1800">
-                          <a:sym typeface="+mn-ea"/>
-                        </a:rPr>
-                        <a:t>file 'filename1'</a:t>
-                      </a:r>
-                      <a:endParaRPr lang="en-US" altLang="zh-CN"/>
-                    </a:p>
-                  </a:txBody>
-                  <a:tcPr/>
-                </a:tc>
-              </a:tr>
-              <a:tr h="365760">
-                <a:tc>
-                  <a:txBody>
-                    <a:bodyPr/>
-                    <a:p>
-                      <a:pPr>
-                        <a:buNone/>
-                      </a:pPr>
-                      <a:r>
-                        <a:rPr lang="en-US" altLang="zh-CN"/>
-                        <a:t>Change video codec</a:t>
-                      </a:r>
-                      <a:endParaRPr lang="en-US" altLang="zh-CN"/>
-                    </a:p>
-                  </a:txBody>
-                  <a:tcPr/>
-                </a:tc>
-                <a:tc>
-                  <a:txBody>
-                    <a:bodyPr/>
-                    <a:p>
-                      <a:pPr marL="0" lvl="2">
-                        <a:buNone/>
-                      </a:pPr>
-                      <a:r>
-                        <a:rPr lang="en-US" altLang="zh-CN" sz="1800">
-                          <a:sym typeface="+mn-ea"/>
-                        </a:rPr>
-                        <a:t>ffmpeg -i in.mpg -c:v libx264 out.mp4</a:t>
-                      </a:r>
-                      <a:endParaRPr lang="zh-CN" altLang="en-US"/>
-                    </a:p>
-                  </a:txBody>
-                  <a:tcPr/>
-                </a:tc>
-                <a:tc>
-                  <a:txBody>
-                    <a:bodyPr/>
-                    <a:p>
-                      <a:pPr>
-                        <a:buNone/>
-                      </a:pPr>
-                      <a:endParaRPr lang="zh-CN" altLang="en-US"/>
-                    </a:p>
-                  </a:txBody>
-                  <a:tcPr/>
-                </a:tc>
-              </a:tr>
-              <a:tr h="495300">
-                <a:tc>
-                  <a:txBody>
-                    <a:bodyPr/>
-                    <a:p>
-                      <a:pPr>
-                        <a:buNone/>
-                      </a:pPr>
-                      <a:r>
-                        <a:rPr lang="en-US" altLang="zh-CN"/>
-                        <a:t>List info</a:t>
-                      </a:r>
-                      <a:endParaRPr lang="en-US" altLang="zh-CN"/>
-                    </a:p>
-                  </a:txBody>
-                  <a:tcPr/>
-                </a:tc>
-                <a:tc>
-                  <a:txBody>
-                    <a:bodyPr/>
-                    <a:p>
-                      <a:pPr>
-                        <a:buNone/>
-                      </a:pPr>
-                      <a:r>
-                        <a:rPr lang="en-US" altLang="zh-CN" sz="1800">
-                          <a:sym typeface="+mn-ea"/>
-                        </a:rPr>
-                        <a:t>ffmpeg -codecs/-fomats/--decoders/--encoders/--filters</a:t>
-                      </a:r>
-                      <a:endParaRPr lang="zh-CN" altLang="en-US"/>
-                    </a:p>
-                  </a:txBody>
-                  <a:tcPr/>
-                </a:tc>
-                <a:tc>
-                  <a:txBody>
-                    <a:bodyPr/>
-                    <a:p>
-                      <a:pPr>
-                        <a:buNone/>
-                      </a:pPr>
-                      <a:endParaRPr lang="zh-CN" altLang="en-US"/>
-                    </a:p>
-                  </a:txBody>
-                  <a:tcPr/>
-                </a:tc>
-              </a:tr>
-            </a:tbl>
-          </a:graphicData>
-        </a:graphic>
-      </p:graphicFrame>
+              <a:rPr lang="en-US" altLang="zh-CN" sz="2000"/>
+              <a:t>XVID</a:t>
+            </a:r>
+            <a:endParaRPr lang="en-US" altLang="zh-CN" sz="2000"/>
+          </a:p>
+          <a:p>
+            <a:pPr lvl="2"/>
+            <a:endParaRPr lang="en-US" altLang="zh-CN"/>
+          </a:p>
+          <a:p>
+            <a:endParaRPr lang="en-US" altLang="zh-CN"/>
+          </a:p>
+        </p:txBody>
+      </p:sp>
     </p:spTree>
     <p:custDataLst>
-      <p:tags r:id="rId2"/>
+      <p:tags r:id="rId1"/>
     </p:custDataLst>
   </p:cSld>
   <p:clrMapOvr>
@@ -6136,15 +6203,60 @@
           <a:p>
             <a:r>
               <a:rPr lang="en-US" altLang="zh-CN"/>
-              <a:t>FFMPEG 2/3</a:t>
+              <a:t>FFMPEG 1/3</a:t>
             </a:r>
             <a:endParaRPr lang="en-US" altLang="zh-CN"/>
+          </a:p>
+        </p:txBody>
+      </p:sp>
+      <p:sp>
+        <p:nvSpPr>
+          <p:cNvPr id="3" name="内容占位符 2"/>
+          <p:cNvSpPr>
+            <a:spLocks noGrp="1"/>
+          </p:cNvSpPr>
+          <p:nvPr>
+            <p:ph idx="1"/>
+          </p:nvPr>
+        </p:nvSpPr>
+        <p:spPr>
+          <a:xfrm>
+            <a:off x="838200" y="1211580"/>
+            <a:ext cx="10919460" cy="1041400"/>
+          </a:xfrm>
+        </p:spPr>
+        <p:txBody>
+          <a:bodyPr>
+            <a:noAutofit/>
+          </a:bodyPr>
+          <a:p>
+            <a:r>
+              <a:rPr lang="en-US" altLang="zh-CN" sz="2000"/>
+              <a:t>Install</a:t>
+            </a:r>
+            <a:endParaRPr lang="en-US" altLang="zh-CN" sz="2000"/>
+          </a:p>
+          <a:p>
+            <a:pPr lvl="1"/>
+            <a:r>
+              <a:rPr lang="en-US" altLang="zh-CN" sz="1665"/>
+              <a:t>sudo add-apt-repository ppa:videolan/master-daily</a:t>
+            </a:r>
+            <a:endParaRPr lang="en-US" altLang="zh-CN" sz="1665"/>
+          </a:p>
+          <a:p>
+            <a:pPr lvl="1"/>
+            <a:r>
+              <a:rPr lang="en-US" altLang="zh-CN" sz="1665"/>
+              <a:t>ffmpeg 3.3.3-2</a:t>
+            </a:r>
+            <a:endParaRPr lang="en-US" altLang="zh-CN" sz="1600"/>
           </a:p>
         </p:txBody>
       </p:sp>
       <p:graphicFrame>
         <p:nvGraphicFramePr>
-          <p:cNvPr id="6" name="表格 5"/>
+          <p:cNvPr id="5" name="表格 4"/>
           <p:cNvGraphicFramePr/>
           <p:nvPr>
             <p:custDataLst>
@@ -6153,8 +6265,8 @@
           </p:nvPr>
         </p:nvGraphicFramePr>
         <p:xfrm>
-          <a:off x="676275" y="1177925"/>
-          <a:ext cx="11256645" cy="5566410"/>
+          <a:off x="579120" y="2174875"/>
+          <a:ext cx="11268710" cy="4283075"/>
         </p:xfrm>
         <a:graphic>
           <a:graphicData uri="http://schemas.openxmlformats.org/drawingml/2006/table">
@@ -6163,11 +6275,11 @@
                 <a:tableStyleId>{5C22544A-7EE6-4342-B048-85BDC9FD1C3A}</a:tableStyleId>
               </a:tblPr>
               <a:tblGrid>
-                <a:gridCol w="2225675"/>
-                <a:gridCol w="6224270"/>
-                <a:gridCol w="2806700"/>
+                <a:gridCol w="2372360"/>
+                <a:gridCol w="5694680"/>
+                <a:gridCol w="3201670"/>
               </a:tblGrid>
-              <a:tr h="405765">
+              <a:tr h="365760">
                 <a:tc>
                   <a:txBody>
                     <a:bodyPr/>
@@ -6217,377 +6329,525 @@
                   <a:tcPr/>
                 </a:tc>
               </a:tr>
-              <a:tr h="486410">
-                <a:tc>
-                  <a:txBody>
-                    <a:bodyPr/>
-                    <a:p>
-                      <a:pPr>
-                        <a:buNone/>
-                      </a:pPr>
-                      <a:r>
-                        <a:rPr lang="en-US" altLang="zh-CN"/>
-                        <a:t>Remove audio from video</a:t>
-                      </a:r>
-                      <a:endParaRPr lang="en-US" altLang="zh-CN"/>
-                    </a:p>
-                  </a:txBody>
-                  <a:tcPr/>
-                </a:tc>
-                <a:tc>
-                  <a:txBody>
-                    <a:bodyPr/>
-                    <a:p>
-                      <a:pPr>
-                        <a:buNone/>
-                      </a:pPr>
-                      <a:r>
-                        <a:rPr lang="zh-CN" altLang="en-US"/>
-                        <a:t>ffmpeg -i </a:t>
-                      </a:r>
-                      <a:r>
-                        <a:rPr lang="en-US" altLang="zh-CN"/>
-                        <a:t>input</a:t>
-                      </a:r>
-                      <a:r>
-                        <a:rPr lang="zh-CN" altLang="en-US"/>
-                        <a:t>.avi -vcodec copy -an </a:t>
-                      </a:r>
-                      <a:r>
-                        <a:rPr lang="en-US" altLang="zh-CN"/>
-                        <a:t>output.avi</a:t>
-                      </a:r>
-                      <a:endParaRPr lang="en-US" altLang="zh-CN"/>
-                    </a:p>
-                  </a:txBody>
-                  <a:tcPr/>
-                </a:tc>
-                <a:tc>
-                  <a:txBody>
-                    <a:bodyPr/>
-                    <a:p>
-                      <a:pPr>
-                        <a:buNone/>
-                      </a:pPr>
-                      <a:endParaRPr lang="zh-CN" altLang="en-US"/>
+              <a:tr h="335280">
+                <a:tc>
+                  <a:txBody>
+                    <a:bodyPr/>
+                    <a:p>
+                      <a:pPr>
+                        <a:buNone/>
+                      </a:pPr>
+                      <a:r>
+                        <a:rPr lang="en-US" altLang="zh-CN" sz="1600"/>
+                        <a:t>Hide banner</a:t>
+                      </a:r>
+                      <a:endParaRPr lang="en-US" altLang="zh-CN" sz="1600"/>
+                    </a:p>
+                  </a:txBody>
+                  <a:tcPr/>
+                </a:tc>
+                <a:tc>
+                  <a:txBody>
+                    <a:bodyPr/>
+                    <a:p>
+                      <a:pPr>
+                        <a:buNone/>
+                      </a:pPr>
+                      <a:r>
+                        <a:rPr lang="en-US" altLang="zh-CN" sz="1600"/>
+                        <a:t>ffmpeg -hide_banner</a:t>
+                      </a:r>
+                      <a:endParaRPr lang="en-US" altLang="zh-CN" sz="1600"/>
+                    </a:p>
+                  </a:txBody>
+                  <a:tcPr/>
+                </a:tc>
+                <a:tc>
+                  <a:txBody>
+                    <a:bodyPr/>
+                    <a:p>
+                      <a:pPr>
+                        <a:buNone/>
+                      </a:pPr>
+                      <a:endParaRPr lang="zh-CN" altLang="en-US" sz="1600"/>
                     </a:p>
                   </a:txBody>
                   <a:tcPr/>
                 </a:tc>
               </a:tr>
-              <a:tr h="274955">
-                <a:tc>
-                  <a:txBody>
-                    <a:bodyPr/>
-                    <a:p>
-                      <a:pPr>
-                        <a:buNone/>
-                      </a:pPr>
-                      <a:r>
-                        <a:rPr lang="en-US" altLang="zh-CN"/>
-                        <a:t>Merge audi</a:t>
-                      </a:r>
-                      <a:r>
-                        <a:rPr lang="en-US" altLang="zh-CN"/>
-                        <a:t>o and video</a:t>
-                      </a:r>
-                      <a:endParaRPr lang="en-US" altLang="zh-CN"/>
-                    </a:p>
-                  </a:txBody>
-                  <a:tcPr/>
-                </a:tc>
-                <a:tc>
-                  <a:txBody>
-                    <a:bodyPr/>
-                    <a:p>
-                      <a:pPr>
-                        <a:buNone/>
-                      </a:pPr>
-                      <a:r>
-                        <a:rPr lang="en-US" altLang="zh-CN"/>
-                        <a:t>ffmpeg -i audio.mp3 -i input.mp4 output.mp4</a:t>
-                      </a:r>
-                      <a:endParaRPr lang="en-US" altLang="zh-CN"/>
-                    </a:p>
-                  </a:txBody>
-                  <a:tcPr/>
-                </a:tc>
-                <a:tc>
-                  <a:txBody>
-                    <a:bodyPr/>
-                    <a:p>
-                      <a:pPr>
-                        <a:buNone/>
-                      </a:pPr>
-                      <a:endParaRPr lang="zh-CN" altLang="en-US"/>
+              <a:tr h="335280">
+                <a:tc>
+                  <a:txBody>
+                    <a:bodyPr/>
+                    <a:p>
+                      <a:pPr>
+                        <a:buNone/>
+                      </a:pPr>
+                      <a:r>
+                        <a:rPr lang="en-US" altLang="zh-CN" sz="1600"/>
+                        <a:t>Log level</a:t>
+                      </a:r>
+                      <a:endParaRPr lang="en-US" altLang="zh-CN" sz="1600"/>
+                    </a:p>
+                  </a:txBody>
+                  <a:tcPr/>
+                </a:tc>
+                <a:tc>
+                  <a:txBody>
+                    <a:bodyPr/>
+                    <a:p>
+                      <a:pPr>
+                        <a:buNone/>
+                      </a:pPr>
+                      <a:r>
+                        <a:rPr lang="en-US" altLang="zh-CN" sz="1600"/>
+                        <a:t>ffmpeg -loglevel error </a:t>
+                      </a:r>
+                      <a:endParaRPr lang="en-US" altLang="zh-CN" sz="1600"/>
+                    </a:p>
+                  </a:txBody>
+                  <a:tcPr/>
+                </a:tc>
+                <a:tc>
+                  <a:txBody>
+                    <a:bodyPr/>
+                    <a:p>
+                      <a:pPr>
+                        <a:buNone/>
+                      </a:pPr>
+                      <a:endParaRPr lang="zh-CN" altLang="en-US" sz="1600"/>
                     </a:p>
                   </a:txBody>
                   <a:tcPr/>
                 </a:tc>
               </a:tr>
-              <a:tr h="291465">
-                <a:tc>
-                  <a:txBody>
-                    <a:bodyPr/>
-                    <a:p>
-                      <a:pPr>
-                        <a:buNone/>
-                      </a:pPr>
-                      <a:r>
-                        <a:rPr lang="en-US" altLang="zh-CN"/>
-                        <a:t>Change video size</a:t>
-                      </a:r>
-                      <a:endParaRPr lang="en-US" altLang="zh-CN"/>
-                    </a:p>
-                  </a:txBody>
-                  <a:tcPr/>
-                </a:tc>
-                <a:tc>
-                  <a:txBody>
-                    <a:bodyPr/>
-                    <a:p>
-                      <a:pPr marL="0" lvl="2">
-                        <a:buNone/>
-                      </a:pPr>
-                      <a:r>
-                        <a:rPr lang="en-US" altLang="zh-CN" sz="1800">
+              <a:tr h="335280">
+                <a:tc>
+                  <a:txBody>
+                    <a:bodyPr/>
+                    <a:p>
+                      <a:pPr>
+                        <a:buNone/>
+                      </a:pPr>
+                      <a:r>
+                        <a:rPr lang="en-US" altLang="zh-CN" sz="1600"/>
+                        <a:t>pix format</a:t>
+                      </a:r>
+                      <a:endParaRPr lang="en-US" altLang="zh-CN" sz="1600"/>
+                    </a:p>
+                  </a:txBody>
+                  <a:tcPr/>
+                </a:tc>
+                <a:tc>
+                  <a:txBody>
+                    <a:bodyPr/>
+                    <a:p>
+                      <a:pPr>
+                        <a:buNone/>
+                      </a:pPr>
+                      <a:r>
+                        <a:rPr lang="en-US" altLang="zh-CN" sz="1600"/>
+                        <a:t>ffmpeg -pix_fmts</a:t>
+                      </a:r>
+                      <a:endParaRPr lang="en-US" altLang="zh-CN" sz="1600"/>
+                    </a:p>
+                  </a:txBody>
+                  <a:tcPr/>
+                </a:tc>
+                <a:tc>
+                  <a:txBody>
+                    <a:bodyPr/>
+                    <a:p>
+                      <a:pPr>
+                        <a:buNone/>
+                      </a:pPr>
+                      <a:endParaRPr lang="zh-CN" altLang="en-US" sz="1600"/>
+                    </a:p>
+                  </a:txBody>
+                  <a:tcPr/>
+                </a:tc>
+              </a:tr>
+              <a:tr h="579120">
+                <a:tc>
+                  <a:txBody>
+                    <a:bodyPr/>
+                    <a:p>
+                      <a:pPr>
+                        <a:buNone/>
+                      </a:pPr>
+                      <a:r>
+                        <a:rPr lang="en-US" altLang="zh-CN" sz="1600">
                           <a:sym typeface="+mn-ea"/>
                         </a:rPr>
-                        <a:t>ffmpeg -i input.avi -s 720x480 -c:a copy output.avi</a:t>
-                      </a:r>
-                      <a:endParaRPr lang="en-US" altLang="zh-CN" sz="1800">
+                        <a:t>Convert image sequences into video</a:t>
+                      </a:r>
+                      <a:endParaRPr lang="en-US" altLang="zh-CN" sz="1600">
                         <a:sym typeface="+mn-ea"/>
                       </a:endParaRPr>
                     </a:p>
-                    <a:p>
-                      <a:pPr marL="0" lvl="2">
-                        <a:buNone/>
-                      </a:pPr>
-                      <a:r>
-                        <a:rPr lang="en-US" altLang="zh-CN" sz="1800">
+                  </a:txBody>
+                  <a:tcPr/>
+                </a:tc>
+                <a:tc>
+                  <a:txBody>
+                    <a:bodyPr/>
+                    <a:p>
+                      <a:pPr>
+                        <a:buNone/>
+                      </a:pPr>
+                      <a:r>
+                        <a:rPr lang="zh-CN" altLang="en-US" sz="1600">
                           <a:sym typeface="+mn-ea"/>
                         </a:rPr>
-                        <a:t>ffmpeg -i input.avi -filter:v scale=720:-1 -c:a copy output.avi</a:t>
-                      </a:r>
-                      <a:endParaRPr lang="en-US" altLang="zh-CN"/>
-                    </a:p>
-                  </a:txBody>
-                  <a:tcPr/>
-                </a:tc>
-                <a:tc>
-                  <a:txBody>
-                    <a:bodyPr/>
-                    <a:p>
-                      <a:pPr>
-                        <a:buNone/>
-                      </a:pPr>
-                      <a:endParaRPr lang="zh-CN" altLang="en-US"/>
-                    </a:p>
-                  </a:txBody>
-                  <a:tcPr/>
-                </a:tc>
-              </a:tr>
-              <a:tr h="250190">
-                <a:tc>
-                  <a:txBody>
-                    <a:bodyPr/>
-                    <a:p>
-                      <a:pPr>
-                        <a:buNone/>
-                      </a:pPr>
-                      <a:r>
-                        <a:rPr lang="en-US" altLang="zh-CN"/>
-                        <a:t>Crop video</a:t>
-                      </a:r>
-                      <a:endParaRPr lang="en-US" altLang="zh-CN"/>
-                    </a:p>
-                  </a:txBody>
-                  <a:tcPr/>
-                </a:tc>
-                <a:tc>
-                  <a:txBody>
-                    <a:bodyPr/>
-                    <a:p>
-                      <a:pPr>
-                        <a:buNone/>
-                      </a:pPr>
-                      <a:r>
-                        <a:rPr lang="en-US" altLang="zh-CN" sz="1800">
+                        <a:t>ffmpeg -i %4d.png </a:t>
+                      </a:r>
+                      <a:r>
+                        <a:rPr lang="en-US" altLang="zh-CN" sz="1600">
                           <a:sym typeface="+mn-ea"/>
                         </a:rPr>
-                        <a:t>ffmpeg -i input.mp4 -filter:v "crop=w:h:x:y" output.mp4</a:t>
-                      </a:r>
-                      <a:endParaRPr lang="zh-CN" altLang="en-US"/>
-                    </a:p>
-                  </a:txBody>
-                  <a:tcPr/>
-                </a:tc>
-                <a:tc>
-                  <a:txBody>
-                    <a:bodyPr/>
-                    <a:p>
-                      <a:pPr>
-                        <a:buNone/>
-                      </a:pPr>
-                      <a:endParaRPr lang="zh-CN" altLang="en-US"/>
-                    </a:p>
-                  </a:txBody>
-                  <a:tcPr/>
-                </a:tc>
-              </a:tr>
-              <a:tr h="421005">
-                <a:tc>
-                  <a:txBody>
-                    <a:bodyPr/>
-                    <a:p>
-                      <a:pPr>
-                        <a:buNone/>
-                      </a:pPr>
-                      <a:r>
-                        <a:rPr lang="en-US" altLang="zh-CN"/>
-                        <a:t>Change fps</a:t>
-                      </a:r>
-                      <a:endParaRPr lang="en-US" altLang="zh-CN"/>
-                    </a:p>
-                  </a:txBody>
-                  <a:tcPr/>
-                </a:tc>
-                <a:tc>
-                  <a:txBody>
-                    <a:bodyPr/>
-                    <a:p>
-                      <a:pPr>
-                        <a:buNone/>
-                      </a:pPr>
-                      <a:r>
-                        <a:rPr lang="en-US" altLang="zh-CN" sz="1800">
+                        <a:t>-r 20 output</a:t>
+                      </a:r>
+                      <a:r>
+                        <a:rPr lang="zh-CN" altLang="en-US" sz="1600">
                           <a:sym typeface="+mn-ea"/>
                         </a:rPr>
-                        <a:t>ffmpeg -i input.mp4 -r 30 output.mp4</a:t>
-                      </a:r>
-                      <a:endParaRPr lang="zh-CN" altLang="en-US"/>
-                    </a:p>
-                  </a:txBody>
-                  <a:tcPr/>
-                </a:tc>
-                <a:tc>
-                  <a:txBody>
-                    <a:bodyPr/>
-                    <a:p>
-                      <a:pPr>
-                        <a:buNone/>
-                      </a:pPr>
-                      <a:r>
-                        <a:rPr lang="en-US" altLang="zh-CN" sz="1800">
+                        <a:t>.mp4</a:t>
+                      </a:r>
+                      <a:endParaRPr lang="zh-CN" altLang="en-US" sz="1600">
+                        <a:sym typeface="+mn-ea"/>
+                      </a:endParaRPr>
+                    </a:p>
+                  </a:txBody>
+                  <a:tcPr/>
+                </a:tc>
+                <a:tc>
+                  <a:txBody>
+                    <a:bodyPr/>
+                    <a:p>
+                      <a:pPr>
+                        <a:buNone/>
+                      </a:pPr>
+                      <a:endParaRPr lang="zh-CN" altLang="en-US" sz="1600"/>
+                    </a:p>
+                  </a:txBody>
+                  <a:tcPr/>
+                </a:tc>
+              </a:tr>
+              <a:tr h="412115">
+                <a:tc>
+                  <a:txBody>
+                    <a:bodyPr/>
+                    <a:p>
+                      <a:pPr>
+                        <a:buNone/>
+                      </a:pPr>
+                      <a:r>
+                        <a:rPr lang="en-US" altLang="zh-CN" sz="1600">
                           <a:sym typeface="+mn-ea"/>
                         </a:rPr>
-                        <a:t>video lengh not changed, frames added or removed</a:t>
-                      </a:r>
-                      <a:endParaRPr lang="zh-CN" altLang="en-US"/>
-                    </a:p>
-                  </a:txBody>
-                  <a:tcPr/>
-                </a:tc>
-              </a:tr>
-              <a:tr h="551815">
-                <a:tc>
-                  <a:txBody>
-                    <a:bodyPr/>
-                    <a:p>
-                      <a:pPr>
-                        <a:buNone/>
-                      </a:pPr>
-                      <a:r>
-                        <a:rPr lang="en-US" altLang="zh-CN" sz="1800">
+                        <a:t>Get frames from image</a:t>
+                      </a:r>
+                      <a:endParaRPr lang="en-US" altLang="zh-CN" sz="1600">
+                        <a:sym typeface="+mn-ea"/>
+                      </a:endParaRPr>
+                    </a:p>
+                  </a:txBody>
+                  <a:tcPr/>
+                </a:tc>
+                <a:tc>
+                  <a:txBody>
+                    <a:bodyPr/>
+                    <a:p>
+                      <a:pPr>
+                        <a:buNone/>
+                      </a:pPr>
+                      <a:r>
+                        <a:rPr lang="en-US" altLang="zh-CN" sz="1600">
                           <a:sym typeface="+mn-ea"/>
                         </a:rPr>
-                        <a:t>Add logo to video (bottom-right)</a:t>
-                      </a:r>
-                      <a:endParaRPr lang="zh-CN" altLang="en-US"/>
-                    </a:p>
-                  </a:txBody>
-                  <a:tcPr/>
-                </a:tc>
-                <a:tc>
-                  <a:txBody>
-                    <a:bodyPr/>
-                    <a:p>
-                      <a:pPr>
-                        <a:buNone/>
-                      </a:pPr>
-                      <a:r>
-                        <a:rPr lang="zh-CN" altLang="en-US" sz="1800">
+                        <a:t>ffmpeg -i input.mp4 output/frame%04d.jpg</a:t>
+                      </a:r>
+                      <a:endParaRPr lang="en-US" altLang="zh-CN" sz="1600">
+                        <a:sym typeface="+mn-ea"/>
+                      </a:endParaRPr>
+                    </a:p>
+                  </a:txBody>
+                  <a:tcPr/>
+                </a:tc>
+                <a:tc>
+                  <a:txBody>
+                    <a:bodyPr/>
+                    <a:p>
+                      <a:pPr>
+                        <a:buNone/>
+                      </a:pPr>
+                      <a:endParaRPr lang="zh-CN" altLang="en-US" sz="1600"/>
+                    </a:p>
+                  </a:txBody>
+                  <a:tcPr/>
+                </a:tc>
+              </a:tr>
+              <a:tr h="335280">
+                <a:tc>
+                  <a:txBody>
+                    <a:bodyPr/>
+                    <a:p>
+                      <a:pPr>
+                        <a:buNone/>
+                      </a:pPr>
+                      <a:r>
+                        <a:rPr lang="en-US" altLang="zh-CN" sz="1600"/>
+                        <a:t>Truncate video</a:t>
+                      </a:r>
+                      <a:endParaRPr lang="en-US" altLang="zh-CN" sz="1600"/>
+                    </a:p>
+                  </a:txBody>
+                  <a:tcPr/>
+                </a:tc>
+                <a:tc>
+                  <a:txBody>
+                    <a:bodyPr/>
+                    <a:p>
+                      <a:pPr>
+                        <a:buNone/>
+                      </a:pPr>
+                      <a:r>
+                        <a:rPr lang="en-US" altLang="zh-CN" sz="1600">
                           <a:sym typeface="+mn-ea"/>
                         </a:rPr>
-                        <a:t>ffmpeg -i vt.mp4 -i vhuantech-org.png -filter_complex "overlay=W-w-5:H-h-5" -codec:a copy TempleOfHeaven.mp4</a:t>
-                      </a:r>
-                      <a:endParaRPr lang="zh-CN" altLang="en-US"/>
-                    </a:p>
-                  </a:txBody>
-                  <a:tcPr/>
-                </a:tc>
-                <a:tc>
-                  <a:txBody>
-                    <a:bodyPr/>
-                    <a:p>
-                      <a:pPr>
-                        <a:buNone/>
-                      </a:pPr>
-                      <a:endParaRPr lang="zh-CN" altLang="en-US"/>
+                        <a:t>ffmpeg -ss 10 -i input.mp3 -t 6 output.mp3</a:t>
+                      </a:r>
+                      <a:endParaRPr lang="en-US" altLang="zh-CN" sz="1600">
+                        <a:sym typeface="+mn-ea"/>
+                      </a:endParaRPr>
+                    </a:p>
+                  </a:txBody>
+                  <a:tcPr/>
+                </a:tc>
+                <a:tc>
+                  <a:txBody>
+                    <a:bodyPr/>
+                    <a:p>
+                      <a:pPr>
+                        <a:buNone/>
+                      </a:pPr>
+                      <a:endParaRPr lang="zh-CN" altLang="en-US" sz="1600"/>
                     </a:p>
                   </a:txBody>
                   <a:tcPr/>
                 </a:tc>
               </a:tr>
-              <a:tr h="405765">
-                <a:tc>
-                  <a:txBody>
-                    <a:bodyPr/>
-                    <a:p>
-                      <a:pPr>
-                        <a:buNone/>
-                      </a:pPr>
-                      <a:r>
-                        <a:rPr lang="en-US" altLang="zh-CN"/>
-                        <a:t>Speed up or slow down</a:t>
-                      </a:r>
-                      <a:endParaRPr lang="en-US" altLang="zh-CN"/>
-                    </a:p>
-                  </a:txBody>
-                  <a:tcPr/>
-                </a:tc>
-                <a:tc>
-                  <a:txBody>
-                    <a:bodyPr/>
-                    <a:p>
-                      <a:pPr>
-                        <a:buNone/>
-                      </a:pPr>
-                      <a:r>
-                        <a:rPr lang="en-US" altLang="zh-CN" sz="1800">
+              <a:tr h="335280">
+                <a:tc>
+                  <a:txBody>
+                    <a:bodyPr/>
+                    <a:p>
+                      <a:pPr>
+                        <a:buNone/>
+                      </a:pPr>
+                      <a:r>
+                        <a:rPr lang="en-US" altLang="zh-CN" sz="1600">
                           <a:sym typeface="+mn-ea"/>
                         </a:rPr>
-                        <a:t>ffmpeg -i input.mp4 -filter:v “setpts=0.6*PTS” output.mp4</a:t>
-                      </a:r>
-                      <a:endParaRPr lang="zh-CN" altLang="en-US"/>
-                    </a:p>
-                  </a:txBody>
-                  <a:tcPr/>
-                </a:tc>
-                <a:tc>
-                  <a:txBody>
-                    <a:bodyPr/>
-                    <a:p>
-                      <a:pPr>
-                        <a:buNone/>
-                      </a:pPr>
-                      <a:r>
-                        <a:rPr lang="en-US" altLang="zh-CN" sz="1800">
+                        <a:t>Concat video files</a:t>
+                      </a:r>
+                      <a:endParaRPr lang="en-US" altLang="zh-CN" sz="1600">
+                        <a:sym typeface="+mn-ea"/>
+                      </a:endParaRPr>
+                    </a:p>
+                  </a:txBody>
+                  <a:tcPr/>
+                </a:tc>
+                <a:tc>
+                  <a:txBody>
+                    <a:bodyPr/>
+                    <a:p>
+                      <a:pPr marL="0" lvl="2">
+                        <a:buNone/>
+                      </a:pPr>
+                      <a:r>
+                        <a:rPr lang="en-US" altLang="zh-CN" sz="1600">
                           <a:sym typeface="+mn-ea"/>
                         </a:rPr>
-                        <a:t>fps not changed, video length changed, frames added or removed</a:t>
-                      </a:r>
-                      <a:endParaRPr lang="zh-CN" altLang="en-US"/>
+                        <a:t>ffmpeg -f concat -safe 0 -i mylist.txt -c copy output.mp4</a:t>
+                      </a:r>
+                      <a:endParaRPr lang="en-US" altLang="zh-CN" sz="1600">
+                        <a:sym typeface="+mn-ea"/>
+                      </a:endParaRPr>
+                    </a:p>
+                  </a:txBody>
+                  <a:tcPr/>
+                </a:tc>
+                <a:tc>
+                  <a:txBody>
+                    <a:bodyPr/>
+                    <a:p>
+                      <a:pPr>
+                        <a:buNone/>
+                      </a:pPr>
+                      <a:r>
+                        <a:rPr lang="en-US" altLang="zh-CN" sz="1600"/>
+                        <a:t>mylist.txt: </a:t>
+                      </a:r>
+                      <a:r>
+                        <a:rPr lang="en-US" altLang="zh-CN" sz="1600">
+                          <a:sym typeface="+mn-ea"/>
+                        </a:rPr>
+                        <a:t>file 'filename1'</a:t>
+                      </a:r>
+                      <a:endParaRPr lang="en-US" altLang="zh-CN" sz="1600">
+                        <a:sym typeface="+mn-ea"/>
+                      </a:endParaRPr>
+                    </a:p>
+                  </a:txBody>
+                  <a:tcPr/>
+                </a:tc>
+              </a:tr>
+              <a:tr h="335280">
+                <a:tc>
+                  <a:txBody>
+                    <a:bodyPr/>
+                    <a:p>
+                      <a:pPr>
+                        <a:buNone/>
+                      </a:pPr>
+                      <a:r>
+                        <a:rPr lang="en-US" altLang="zh-CN" sz="1600"/>
+                        <a:t>Change video codec</a:t>
+                      </a:r>
+                      <a:endParaRPr lang="en-US" altLang="zh-CN" sz="1600"/>
+                    </a:p>
+                  </a:txBody>
+                  <a:tcPr/>
+                </a:tc>
+                <a:tc>
+                  <a:txBody>
+                    <a:bodyPr/>
+                    <a:p>
+                      <a:pPr marL="0" lvl="2">
+                        <a:buNone/>
+                      </a:pPr>
+                      <a:r>
+                        <a:rPr lang="en-US" altLang="zh-CN" sz="1600">
+                          <a:sym typeface="+mn-ea"/>
+                        </a:rPr>
+                        <a:t>ffmpeg -i in.mpg -c:v libx264 out.mp4</a:t>
+                      </a:r>
+                      <a:endParaRPr lang="en-US" altLang="zh-CN" sz="1600">
+                        <a:sym typeface="+mn-ea"/>
+                      </a:endParaRPr>
+                    </a:p>
+                  </a:txBody>
+                  <a:tcPr/>
+                </a:tc>
+                <a:tc>
+                  <a:txBody>
+                    <a:bodyPr/>
+                    <a:p>
+                      <a:pPr>
+                        <a:buNone/>
+                      </a:pPr>
+                      <a:endParaRPr lang="zh-CN" altLang="en-US" sz="1600"/>
+                    </a:p>
+                  </a:txBody>
+                  <a:tcPr/>
+                </a:tc>
+              </a:tr>
+              <a:tr h="335280">
+                <a:tc>
+                  <a:txBody>
+                    <a:bodyPr/>
+                    <a:p>
+                      <a:pPr>
+                        <a:buNone/>
+                      </a:pPr>
+                      <a:r>
+                        <a:rPr lang="en-US" altLang="zh-CN" sz="1600"/>
+                        <a:t>Change audio codec</a:t>
+                      </a:r>
+                      <a:endParaRPr lang="en-US" altLang="zh-CN" sz="1600"/>
+                    </a:p>
+                  </a:txBody>
+                  <a:tcPr/>
+                </a:tc>
+                <a:tc>
+                  <a:txBody>
+                    <a:bodyPr/>
+                    <a:p>
+                      <a:pPr marL="0" lvl="2">
+                        <a:buNone/>
+                      </a:pPr>
+                      <a:r>
+                        <a:rPr lang="en-US" altLang="zh-CN" sz="1600"/>
+                        <a:t>ffmpeg -i in.mp4 -c:a aac out.mp4</a:t>
+                      </a:r>
+                      <a:endParaRPr lang="en-US" altLang="zh-CN" sz="1600"/>
+                    </a:p>
+                  </a:txBody>
+                  <a:tcPr/>
+                </a:tc>
+                <a:tc>
+                  <a:txBody>
+                    <a:bodyPr/>
+                    <a:p>
+                      <a:pPr>
+                        <a:buNone/>
+                      </a:pPr>
+                      <a:r>
+                        <a:rPr lang="en-US" altLang="zh-CN" sz="1600"/>
+                        <a:t>mp3-encoded video cannot play audio correctly in Mac/iOS</a:t>
+                      </a:r>
+                      <a:endParaRPr lang="en-US" altLang="zh-CN" sz="1600"/>
+                    </a:p>
+                  </a:txBody>
+                  <a:tcPr/>
+                </a:tc>
+              </a:tr>
+              <a:tr h="335280">
+                <a:tc>
+                  <a:txBody>
+                    <a:bodyPr/>
+                    <a:p>
+                      <a:pPr>
+                        <a:buNone/>
+                      </a:pPr>
+                      <a:r>
+                        <a:rPr lang="en-US" altLang="zh-CN" sz="1600"/>
+                        <a:t>List info</a:t>
+                      </a:r>
+                      <a:endParaRPr lang="en-US" altLang="zh-CN" sz="1600"/>
+                    </a:p>
+                  </a:txBody>
+                  <a:tcPr/>
+                </a:tc>
+                <a:tc>
+                  <a:txBody>
+                    <a:bodyPr/>
+                    <a:p>
+                      <a:pPr>
+                        <a:buNone/>
+                      </a:pPr>
+                      <a:r>
+                        <a:rPr lang="en-US" altLang="zh-CN" sz="1600">
+                          <a:sym typeface="+mn-ea"/>
+                        </a:rPr>
+                        <a:t>ffmpeg -codecs/-fomats/--decoders/--encoders/--filters</a:t>
+                      </a:r>
+                      <a:endParaRPr lang="en-US" altLang="zh-CN" sz="1600">
+                        <a:sym typeface="+mn-ea"/>
+                      </a:endParaRPr>
+                    </a:p>
+                  </a:txBody>
+                  <a:tcPr/>
+                </a:tc>
+                <a:tc>
+                  <a:txBody>
+                    <a:bodyPr/>
+                    <a:p>
+                      <a:pPr>
+                        <a:buNone/>
+                      </a:pPr>
+                      <a:endParaRPr lang="zh-CN" altLang="en-US" sz="1600"/>
                     </a:p>
                   </a:txBody>
                   <a:tcPr/>
@@ -6634,7 +6894,7 @@
           <a:p>
             <a:r>
               <a:rPr lang="en-US" altLang="zh-CN"/>
-              <a:t>FFMPEG 3/3</a:t>
+              <a:t>FFMPEG 2/3</a:t>
             </a:r>
             <a:endParaRPr lang="en-US" altLang="zh-CN"/>
           </a:p>
@@ -6652,7 +6912,7 @@
         </p:nvGraphicFramePr>
         <p:xfrm>
           <a:off x="676275" y="1177925"/>
-          <a:ext cx="11256645" cy="5242560"/>
+          <a:ext cx="11256645" cy="4865370"/>
         </p:xfrm>
         <a:graphic>
           <a:graphicData uri="http://schemas.openxmlformats.org/drawingml/2006/table">
@@ -6662,10 +6922,10 @@
               </a:tblPr>
               <a:tblGrid>
                 <a:gridCol w="2225675"/>
-                <a:gridCol w="6471920"/>
-                <a:gridCol w="2559050"/>
+                <a:gridCol w="6224270"/>
+                <a:gridCol w="2806700"/>
               </a:tblGrid>
-              <a:tr h="365760">
+              <a:tr h="405765">
                 <a:tc>
                   <a:txBody>
                     <a:bodyPr/>
@@ -6715,75 +6975,17 @@
                   <a:tcPr/>
                 </a:tc>
               </a:tr>
-              <a:tr h="335280">
-                <a:tc>
-                  <a:txBody>
-                    <a:bodyPr/>
-                    <a:p>
-                      <a:pPr>
-                        <a:buNone/>
-                      </a:pPr>
-                      <a:r>
-                        <a:rPr lang="zh-CN" altLang="en-US" sz="1600"/>
-                        <a:t>从</a:t>
-                      </a:r>
+              <a:tr h="486410">
+                <a:tc>
+                  <a:txBody>
+                    <a:bodyPr/>
+                    <a:p>
+                      <a:pPr>
+                        <a:buNone/>
+                      </a:pPr>
                       <a:r>
                         <a:rPr lang="en-US" altLang="zh-CN" sz="1600"/>
-                        <a:t>MP4</a:t>
-                      </a:r>
-                      <a:r>
-                        <a:rPr lang="zh-CN" altLang="en-US" sz="1600"/>
-                        <a:t>中提取声音</a:t>
-                      </a:r>
-                      <a:endParaRPr lang="zh-CN" altLang="en-US" sz="1600"/>
-                    </a:p>
-                  </a:txBody>
-                  <a:tcPr/>
-                </a:tc>
-                <a:tc>
-                  <a:txBody>
-                    <a:bodyPr/>
-                    <a:p>
-                      <a:pPr>
-                        <a:buNone/>
-                      </a:pPr>
-                      <a:r>
-                        <a:rPr lang="en-US" altLang="zh-CN" sz="1600"/>
-                        <a:t>ffmpeg -i input.mp4 -vn output</a:t>
-                      </a:r>
-                      <a:r>
-                        <a:rPr lang="en-US" altLang="zh-CN" sz="1600"/>
-                        <a:t>.mp3</a:t>
-                      </a:r>
-                      <a:endParaRPr lang="en-US" altLang="zh-CN" sz="1600"/>
-                    </a:p>
-                  </a:txBody>
-                  <a:tcPr/>
-                </a:tc>
-                <a:tc>
-                  <a:txBody>
-                    <a:bodyPr/>
-                    <a:p>
-                      <a:pPr>
-                        <a:buNone/>
-                      </a:pPr>
-                      <a:endParaRPr lang="zh-CN" altLang="en-US" sz="1600"/>
-                    </a:p>
-                  </a:txBody>
-                  <a:tcPr/>
-                </a:tc>
-              </a:tr>
-              <a:tr h="579120">
-                <a:tc>
-                  <a:txBody>
-                    <a:bodyPr/>
-                    <a:p>
-                      <a:pPr>
-                        <a:buNone/>
-                      </a:pPr>
-                      <a:r>
-                        <a:rPr lang="en-US" altLang="zh-CN" sz="1600"/>
-                        <a:t>Add subtitle</a:t>
+                        <a:t>Remove audio from video</a:t>
                       </a:r>
                       <a:endParaRPr lang="en-US" altLang="zh-CN" sz="1600"/>
                     </a:p>
@@ -6807,18 +7009,276 @@
                       </a:r>
                       <a:r>
                         <a:rPr lang="zh-CN" altLang="en-US" sz="1600"/>
-                        <a:t>.avi -vf subtitles=subtitle.srt out</a:t>
+                        <a:t>.avi -vcodec copy -an </a:t>
                       </a:r>
                       <a:r>
                         <a:rPr lang="en-US" altLang="zh-CN" sz="1600"/>
-                        <a:t>put</a:t>
-                      </a:r>
-                      <a:r>
-                        <a:rPr lang="zh-CN" altLang="en-US" sz="1600"/>
-                        <a:t>.avi</a:t>
-                      </a:r>
+                        <a:t>output.avi</a:t>
+                      </a:r>
+                      <a:endParaRPr lang="en-US" altLang="zh-CN" sz="1600"/>
+                    </a:p>
+                  </a:txBody>
+                  <a:tcPr/>
+                </a:tc>
+                <a:tc>
+                  <a:txBody>
+                    <a:bodyPr/>
+                    <a:p>
+                      <a:pPr>
+                        <a:buNone/>
+                      </a:pPr>
                       <a:endParaRPr lang="zh-CN" altLang="en-US" sz="1600"/>
                     </a:p>
+                  </a:txBody>
+                  <a:tcPr/>
+                </a:tc>
+              </a:tr>
+              <a:tr h="274955">
+                <a:tc>
+                  <a:txBody>
+                    <a:bodyPr/>
+                    <a:p>
+                      <a:pPr>
+                        <a:buNone/>
+                      </a:pPr>
+                      <a:r>
+                        <a:rPr lang="en-US" altLang="zh-CN" sz="1600"/>
+                        <a:t>Merge audi</a:t>
+                      </a:r>
+                      <a:r>
+                        <a:rPr lang="en-US" altLang="zh-CN" sz="1600"/>
+                        <a:t>o and video</a:t>
+                      </a:r>
+                      <a:endParaRPr lang="en-US" altLang="zh-CN" sz="1600"/>
+                    </a:p>
+                  </a:txBody>
+                  <a:tcPr/>
+                </a:tc>
+                <a:tc>
+                  <a:txBody>
+                    <a:bodyPr/>
+                    <a:p>
+                      <a:pPr>
+                        <a:buNone/>
+                      </a:pPr>
+                      <a:r>
+                        <a:rPr lang="en-US" altLang="zh-CN" sz="1600"/>
+                        <a:t>ffmpeg -i audio.mp3 -i input.mp4 output.mp4</a:t>
+                      </a:r>
+                      <a:endParaRPr lang="en-US" altLang="zh-CN" sz="1600"/>
+                    </a:p>
+                  </a:txBody>
+                  <a:tcPr/>
+                </a:tc>
+                <a:tc>
+                  <a:txBody>
+                    <a:bodyPr/>
+                    <a:p>
+                      <a:pPr>
+                        <a:buNone/>
+                      </a:pPr>
+                      <a:endParaRPr lang="zh-CN" altLang="en-US" sz="1600"/>
+                    </a:p>
+                  </a:txBody>
+                  <a:tcPr/>
+                </a:tc>
+              </a:tr>
+              <a:tr h="291465">
+                <a:tc>
+                  <a:txBody>
+                    <a:bodyPr/>
+                    <a:p>
+                      <a:pPr>
+                        <a:buNone/>
+                      </a:pPr>
+                      <a:r>
+                        <a:rPr lang="en-US" altLang="zh-CN" sz="1600"/>
+                        <a:t>Change video size</a:t>
+                      </a:r>
+                      <a:endParaRPr lang="en-US" altLang="zh-CN" sz="1600"/>
+                    </a:p>
+                  </a:txBody>
+                  <a:tcPr/>
+                </a:tc>
+                <a:tc>
+                  <a:txBody>
+                    <a:bodyPr/>
+                    <a:p>
+                      <a:pPr marL="0" lvl="2">
+                        <a:buNone/>
+                      </a:pPr>
+                      <a:r>
+                        <a:rPr lang="en-US" altLang="zh-CN" sz="1600">
+                          <a:sym typeface="+mn-ea"/>
+                        </a:rPr>
+                        <a:t>ffmpeg -i input.avi -s 720x480 -c:a copy output.avi</a:t>
+                      </a:r>
+                      <a:endParaRPr lang="en-US" altLang="zh-CN" sz="1600">
+                        <a:sym typeface="+mn-ea"/>
+                      </a:endParaRPr>
+                    </a:p>
+                    <a:p>
+                      <a:pPr marL="0" lvl="2">
+                        <a:buNone/>
+                      </a:pPr>
+                      <a:r>
+                        <a:rPr lang="en-US" altLang="zh-CN" sz="1600">
+                          <a:sym typeface="+mn-ea"/>
+                        </a:rPr>
+                        <a:t>ffmpeg -i input.avi -filter:v scale=720:-1 -c:a copy output.avi</a:t>
+                      </a:r>
+                      <a:endParaRPr lang="en-US" altLang="zh-CN" sz="1600">
+                        <a:sym typeface="+mn-ea"/>
+                      </a:endParaRPr>
+                    </a:p>
+                  </a:txBody>
+                  <a:tcPr/>
+                </a:tc>
+                <a:tc>
+                  <a:txBody>
+                    <a:bodyPr/>
+                    <a:p>
+                      <a:pPr>
+                        <a:buNone/>
+                      </a:pPr>
+                      <a:endParaRPr lang="zh-CN" altLang="en-US" sz="1600"/>
+                    </a:p>
+                  </a:txBody>
+                  <a:tcPr/>
+                </a:tc>
+              </a:tr>
+              <a:tr h="250190">
+                <a:tc>
+                  <a:txBody>
+                    <a:bodyPr/>
+                    <a:p>
+                      <a:pPr>
+                        <a:buNone/>
+                      </a:pPr>
+                      <a:r>
+                        <a:rPr lang="en-US" altLang="zh-CN" sz="1600"/>
+                        <a:t>Crop video</a:t>
+                      </a:r>
+                      <a:endParaRPr lang="en-US" altLang="zh-CN" sz="1600"/>
+                    </a:p>
+                  </a:txBody>
+                  <a:tcPr/>
+                </a:tc>
+                <a:tc>
+                  <a:txBody>
+                    <a:bodyPr/>
+                    <a:p>
+                      <a:pPr>
+                        <a:buNone/>
+                      </a:pPr>
+                      <a:r>
+                        <a:rPr lang="en-US" altLang="zh-CN" sz="1600">
+                          <a:sym typeface="+mn-ea"/>
+                        </a:rPr>
+                        <a:t>ffmpeg -i input.mp4 -filter:v "crop=w:h:x:y" output.mp4</a:t>
+                      </a:r>
+                      <a:endParaRPr lang="en-US" altLang="zh-CN" sz="1600">
+                        <a:sym typeface="+mn-ea"/>
+                      </a:endParaRPr>
+                    </a:p>
+                  </a:txBody>
+                  <a:tcPr/>
+                </a:tc>
+                <a:tc>
+                  <a:txBody>
+                    <a:bodyPr/>
+                    <a:p>
+                      <a:pPr>
+                        <a:buNone/>
+                      </a:pPr>
+                      <a:endParaRPr lang="zh-CN" altLang="en-US" sz="1600"/>
+                    </a:p>
+                  </a:txBody>
+                  <a:tcPr/>
+                </a:tc>
+              </a:tr>
+              <a:tr h="421005">
+                <a:tc>
+                  <a:txBody>
+                    <a:bodyPr/>
+                    <a:p>
+                      <a:pPr>
+                        <a:buNone/>
+                      </a:pPr>
+                      <a:r>
+                        <a:rPr lang="en-US" altLang="zh-CN" sz="1600"/>
+                        <a:t>Change fps</a:t>
+                      </a:r>
+                      <a:endParaRPr lang="en-US" altLang="zh-CN" sz="1600"/>
+                    </a:p>
+                  </a:txBody>
+                  <a:tcPr/>
+                </a:tc>
+                <a:tc>
+                  <a:txBody>
+                    <a:bodyPr/>
+                    <a:p>
+                      <a:pPr>
+                        <a:buNone/>
+                      </a:pPr>
+                      <a:r>
+                        <a:rPr lang="en-US" altLang="zh-CN" sz="1600">
+                          <a:sym typeface="+mn-ea"/>
+                        </a:rPr>
+                        <a:t>ffmpeg -i input.mp4 -r 30 output.mp4</a:t>
+                      </a:r>
+                      <a:endParaRPr lang="en-US" altLang="zh-CN" sz="1600">
+                        <a:sym typeface="+mn-ea"/>
+                      </a:endParaRPr>
+                    </a:p>
+                  </a:txBody>
+                  <a:tcPr/>
+                </a:tc>
+                <a:tc>
+                  <a:txBody>
+                    <a:bodyPr/>
+                    <a:p>
+                      <a:pPr>
+                        <a:buNone/>
+                      </a:pPr>
+                      <a:r>
+                        <a:rPr lang="en-US" altLang="zh-CN" sz="1600">
+                          <a:sym typeface="+mn-ea"/>
+                        </a:rPr>
+                        <a:t>video lengh not changed, frames added or removed</a:t>
+                      </a:r>
+                      <a:endParaRPr lang="en-US" altLang="zh-CN" sz="1600">
+                        <a:sym typeface="+mn-ea"/>
+                      </a:endParaRPr>
+                    </a:p>
+                  </a:txBody>
+                  <a:tcPr/>
+                </a:tc>
+              </a:tr>
+              <a:tr h="551815">
+                <a:tc>
+                  <a:txBody>
+                    <a:bodyPr/>
+                    <a:p>
+                      <a:pPr>
+                        <a:buNone/>
+                      </a:pPr>
+                      <a:r>
+                        <a:rPr lang="en-US" altLang="zh-CN" sz="1600">
+                          <a:sym typeface="+mn-ea"/>
+                        </a:rPr>
+                        <a:t>Add logo to video (bottom-right)</a:t>
+                      </a:r>
+                      <a:endParaRPr lang="en-US" altLang="zh-CN" sz="1600">
+                        <a:sym typeface="+mn-ea"/>
+                      </a:endParaRPr>
+                    </a:p>
+                  </a:txBody>
+                  <a:tcPr/>
+                </a:tc>
+                <a:tc>
+                  <a:txBody>
+                    <a:bodyPr/>
                     <a:p>
                       <a:pPr>
                         <a:buNone/>
@@ -6827,153 +7287,115 @@
                         <a:rPr lang="zh-CN" altLang="en-US" sz="1600">
                           <a:sym typeface="+mn-ea"/>
                         </a:rPr>
-                        <a:t>ffmpeg -i </a:t>
-                      </a:r>
+                        <a:t>ffmpeg -i vt.mp4 -i vhuantech-org.png -filter_complex "overlay=W-w-5:H-h-5" -codec:a copy TempleOfHeaven.mp4</a:t>
+                      </a:r>
+                      <a:endParaRPr lang="zh-CN" altLang="en-US" sz="1600">
+                        <a:sym typeface="+mn-ea"/>
+                      </a:endParaRPr>
+                    </a:p>
+                  </a:txBody>
+                  <a:tcPr/>
+                </a:tc>
+                <a:tc>
+                  <a:txBody>
+                    <a:bodyPr/>
+                    <a:p>
+                      <a:pPr>
+                        <a:buNone/>
+                      </a:pPr>
+                      <a:endParaRPr lang="zh-CN" altLang="en-US" sz="1600"/>
+                    </a:p>
+                  </a:txBody>
+                  <a:tcPr/>
+                </a:tc>
+              </a:tr>
+              <a:tr h="405765">
+                <a:tc>
+                  <a:txBody>
+                    <a:bodyPr/>
+                    <a:p>
+                      <a:pPr>
+                        <a:buNone/>
+                      </a:pPr>
+                      <a:r>
+                        <a:rPr lang="en-US" altLang="zh-CN" sz="1600"/>
+                        <a:t>Speed up or slow down</a:t>
+                      </a:r>
+                      <a:endParaRPr lang="en-US" altLang="zh-CN" sz="1600"/>
+                    </a:p>
+                  </a:txBody>
+                  <a:tcPr/>
+                </a:tc>
+                <a:tc>
+                  <a:txBody>
+                    <a:bodyPr/>
+                    <a:p>
+                      <a:pPr>
+                        <a:buNone/>
+                      </a:pPr>
                       <a:r>
                         <a:rPr lang="en-US" altLang="zh-CN" sz="1600">
                           <a:sym typeface="+mn-ea"/>
                         </a:rPr>
-                        <a:t>input</a:t>
-                      </a:r>
-                      <a:r>
-                        <a:rPr lang="zh-CN" altLang="en-US" sz="1600">
-                          <a:sym typeface="+mn-ea"/>
-                        </a:rPr>
-                        <a:t>.avi -vf </a:t>
-                      </a:r>
+                        <a:t>ffmpeg -i input.mp4 -filter:v “setpts=0.6*PTS” output.mp4</a:t>
+                      </a:r>
+                      <a:endParaRPr lang="en-US" altLang="zh-CN" sz="1600">
+                        <a:sym typeface="+mn-ea"/>
+                      </a:endParaRPr>
+                    </a:p>
+                  </a:txBody>
+                  <a:tcPr/>
+                </a:tc>
+                <a:tc>
+                  <a:txBody>
+                    <a:bodyPr/>
+                    <a:p>
+                      <a:pPr>
+                        <a:buNone/>
+                      </a:pPr>
                       <a:r>
                         <a:rPr lang="en-US" altLang="zh-CN" sz="1600">
                           <a:sym typeface="+mn-ea"/>
                         </a:rPr>
-                        <a:t>“ass=subtitle.ass”</a:t>
-                      </a:r>
-                      <a:r>
-                        <a:rPr lang="zh-CN" altLang="en-US" sz="1600">
-                          <a:sym typeface="+mn-ea"/>
-                        </a:rPr>
-                        <a:t> out</a:t>
-                      </a:r>
+                        <a:t>fps not changed, video length changed, frames added or removed</a:t>
+                      </a:r>
+                      <a:endParaRPr lang="en-US" altLang="zh-CN" sz="1600">
+                        <a:sym typeface="+mn-ea"/>
+                      </a:endParaRPr>
+                    </a:p>
+                  </a:txBody>
+                  <a:tcPr/>
+                </a:tc>
+              </a:tr>
+              <a:tr h="405765">
+                <a:tc>
+                  <a:txBody>
+                    <a:bodyPr/>
+                    <a:p>
+                      <a:pPr>
+                        <a:buNone/>
+                      </a:pPr>
+                      <a:r>
+                        <a:rPr lang="en-US" altLang="zh-CN" sz="1600"/>
+                        <a:t>Generate video from one image</a:t>
+                      </a:r>
+                      <a:endParaRPr lang="en-US" altLang="zh-CN" sz="1600"/>
+                    </a:p>
+                  </a:txBody>
+                  <a:tcPr/>
+                </a:tc>
+                <a:tc>
+                  <a:txBody>
+                    <a:bodyPr/>
+                    <a:p>
+                      <a:pPr>
+                        <a:buNone/>
+                      </a:pPr>
                       <a:r>
                         <a:rPr lang="en-US" altLang="zh-CN" sz="1600">
                           <a:sym typeface="+mn-ea"/>
                         </a:rPr>
-                        <a:t>put</a:t>
-                      </a:r>
-                      <a:r>
-                        <a:rPr lang="zh-CN" altLang="en-US" sz="1600">
-                          <a:sym typeface="+mn-ea"/>
-                        </a:rPr>
-                        <a:t>.avi</a:t>
-                      </a:r>
-                      <a:endParaRPr lang="zh-CN" altLang="en-US" sz="1600">
-                        <a:sym typeface="+mn-ea"/>
-                      </a:endParaRPr>
-                    </a:p>
-                  </a:txBody>
-                  <a:tcPr/>
-                </a:tc>
-                <a:tc>
-                  <a:txBody>
-                    <a:bodyPr/>
-                    <a:p>
-                      <a:pPr>
-                        <a:buNone/>
-                      </a:pPr>
-                      <a:endParaRPr lang="zh-CN" altLang="en-US" sz="1600"/>
-                    </a:p>
-                  </a:txBody>
-                  <a:tcPr/>
-                </a:tc>
-              </a:tr>
-              <a:tr h="1798320">
-                <a:tc>
-                  <a:txBody>
-                    <a:bodyPr/>
-                    <a:p>
-                      <a:pPr>
-                        <a:buNone/>
-                      </a:pPr>
-                      <a:r>
-                        <a:rPr lang="en-US" altLang="zh-CN" sz="1600"/>
-                        <a:t>Set h264 encoding params</a:t>
-                      </a:r>
-                      <a:endParaRPr lang="en-US" altLang="zh-CN" sz="1600"/>
-                    </a:p>
-                  </a:txBody>
-                  <a:tcPr/>
-                </a:tc>
-                <a:tc>
-                  <a:txBody>
-                    <a:bodyPr/>
-                    <a:p>
-                      <a:pPr marL="0" lvl="2">
-                        <a:buNone/>
-                      </a:pPr>
-                      <a:r>
-                        <a:rPr lang="en-US" altLang="zh-CN" sz="1600"/>
-                        <a:t>ffmpeg -c:v libx264 -profile:v high/main/baseline -level:v 4.0</a:t>
-                      </a:r>
-                      <a:endParaRPr lang="en-US" altLang="zh-CN" sz="1600"/>
-                    </a:p>
-                    <a:p>
-                      <a:pPr marL="0" lvl="2">
-                        <a:buNone/>
-                      </a:pPr>
-                      <a:r>
-                        <a:rPr lang="en-US" altLang="zh-CN" sz="1600"/>
-                        <a:t>-crf 0~51 (constant rate factor, default 23, 0 lossless, 17/18 nearly lossless)</a:t>
-                      </a:r>
-                      <a:endParaRPr lang="en-US" altLang="zh-CN" sz="1600"/>
-                    </a:p>
-                    <a:p>
-                      <a:pPr marL="0" lvl="2">
-                        <a:buNone/>
-                      </a:pPr>
-                      <a:r>
-                        <a:rPr lang="en-US" altLang="zh-CN" sz="1600"/>
-                        <a:t>// profile: video compression features the player must support</a:t>
-                      </a:r>
-                      <a:endParaRPr lang="en-US" altLang="zh-CN" sz="1600"/>
-                    </a:p>
-                    <a:p>
-                      <a:pPr marL="0" lvl="2">
-                        <a:buNone/>
-                      </a:pPr>
-                      <a:r>
-                        <a:rPr lang="en-US" altLang="zh-CN" sz="1600"/>
-                        <a:t>// level: defines the peak bitrate the player can handle, along with the maximum resolution, and the maximum number of reference frames held in memory during playback</a:t>
-                      </a:r>
-                      <a:endParaRPr lang="en-US" altLang="zh-CN" sz="1600"/>
-                    </a:p>
-                  </a:txBody>
-                  <a:tcPr/>
-                </a:tc>
-                <a:tc>
-                  <a:txBody>
-                    <a:bodyPr/>
-                    <a:p>
-                      <a:pPr>
-                        <a:buNone/>
-                      </a:pPr>
-                      <a:endParaRPr lang="zh-CN" altLang="en-US" sz="1600"/>
-                    </a:p>
-                  </a:txBody>
-                  <a:tcPr/>
-                </a:tc>
-              </a:tr>
-              <a:tr h="579120">
-                <a:tc>
-                  <a:txBody>
-                    <a:bodyPr/>
-                    <a:p>
-                      <a:pPr>
-                        <a:buNone/>
-                      </a:pPr>
-                      <a:r>
-                        <a:rPr lang="en-US" altLang="zh-CN" sz="1600">
-                          <a:sym typeface="+mn-ea"/>
-                        </a:rPr>
-                        <a:t>Padding</a:t>
+                        <a:t>ffmpeg -loop 1 -i image.png -t 3  out.mp4</a:t>
                       </a:r>
                       <a:endParaRPr lang="en-US" altLang="zh-CN" sz="1600">
                         <a:sym typeface="+mn-ea"/>
@@ -6989,219 +7411,9 @@
                       <a:pPr>
                         <a:buNone/>
                       </a:pPr>
-                      <a:r>
-                        <a:rPr lang="en-US" altLang="zh-CN" sz="1600">
-                          <a:sym typeface="+mn-ea"/>
-                        </a:rPr>
-                        <a:t>ffmpeg -i in.mp4 -vf “pad=width=800:height=600:x=10:y=75:color=black” out.mp4</a:t>
-                      </a:r>
                       <a:endParaRPr lang="en-US" altLang="zh-CN" sz="1600">
                         <a:sym typeface="+mn-ea"/>
                       </a:endParaRPr>
-                    </a:p>
-                  </a:txBody>
-                  <a:tcPr/>
-                </a:tc>
-                <a:tc>
-                  <a:txBody>
-                    <a:bodyPr/>
-                    <a:p>
-                      <a:pPr>
-                        <a:buNone/>
-                      </a:pPr>
-                      <a:r>
-                        <a:rPr lang="en-US" altLang="zh-CN" sz="1600">
-                          <a:sym typeface="+mn-ea"/>
-                        </a:rPr>
-                        <a:t>x/y: start placing point of the original frame</a:t>
-                      </a:r>
-                      <a:endParaRPr lang="en-US" altLang="zh-CN" sz="1600">
-                        <a:sym typeface="+mn-ea"/>
-                      </a:endParaRPr>
-                    </a:p>
-                  </a:txBody>
-                  <a:tcPr/>
-                </a:tc>
-              </a:tr>
-              <a:tr h="335280">
-                <a:tc>
-                  <a:txBody>
-                    <a:bodyPr/>
-                    <a:p>
-                      <a:pPr>
-                        <a:buNone/>
-                      </a:pPr>
-                      <a:r>
-                        <a:rPr lang="en-US" altLang="zh-CN" sz="1600"/>
-                        <a:t>Web video</a:t>
-                      </a:r>
-                      <a:endParaRPr lang="en-US" altLang="zh-CN" sz="1600"/>
-                    </a:p>
-                  </a:txBody>
-                  <a:tcPr/>
-                </a:tc>
-                <a:tc>
-                  <a:txBody>
-                    <a:bodyPr/>
-                    <a:p>
-                      <a:pPr>
-                        <a:buNone/>
-                      </a:pPr>
-                      <a:r>
-                        <a:rPr lang="zh-CN" altLang="en-US" sz="1600"/>
-                        <a:t>-movflags +faststart</a:t>
-                      </a:r>
-                      <a:endParaRPr lang="zh-CN" altLang="en-US" sz="1600"/>
-                    </a:p>
-                  </a:txBody>
-                  <a:tcPr/>
-                </a:tc>
-                <a:tc>
-                  <a:txBody>
-                    <a:bodyPr/>
-                    <a:p>
-                      <a:pPr>
-                        <a:buNone/>
-                      </a:pPr>
-                      <a:endParaRPr lang="zh-CN" altLang="en-US" sz="1600"/>
-                    </a:p>
-                  </a:txBody>
-                  <a:tcPr/>
-                </a:tc>
-              </a:tr>
-              <a:tr h="335280">
-                <a:tc>
-                  <a:txBody>
-                    <a:bodyPr/>
-                    <a:p>
-                      <a:pPr>
-                        <a:buNone/>
-                      </a:pPr>
-                      <a:r>
-                        <a:rPr lang="en-US" altLang="zh-CN" sz="1600"/>
-                        <a:t>Output to gif</a:t>
-                      </a:r>
-                      <a:endParaRPr lang="en-US" altLang="zh-CN" sz="1600"/>
-                    </a:p>
-                  </a:txBody>
-                  <a:tcPr/>
-                </a:tc>
-                <a:tc>
-                  <a:txBody>
-                    <a:bodyPr/>
-                    <a:p>
-                      <a:pPr>
-                        <a:buNone/>
-                      </a:pPr>
-                      <a:r>
-                        <a:rPr lang="en-US" altLang="zh-CN" sz="1600"/>
-                        <a:t>ffmpeg -i input.mp4 -f gif output.gif</a:t>
-                      </a:r>
-                      <a:endParaRPr lang="en-US" altLang="zh-CN" sz="1600"/>
-                    </a:p>
-                  </a:txBody>
-                  <a:tcPr/>
-                </a:tc>
-                <a:tc>
-                  <a:txBody>
-                    <a:bodyPr/>
-                    <a:p>
-                      <a:pPr>
-                        <a:buNone/>
-                      </a:pPr>
-                      <a:endParaRPr lang="zh-CN" altLang="en-US" sz="1600"/>
-                    </a:p>
-                  </a:txBody>
-                  <a:tcPr/>
-                </a:tc>
-              </a:tr>
-              <a:tr h="335280">
-                <a:tc>
-                  <a:txBody>
-                    <a:bodyPr/>
-                    <a:p>
-                      <a:pPr>
-                        <a:buNone/>
-                      </a:pPr>
-                      <a:r>
-                        <a:rPr lang="en-US" altLang="zh-CN" sz="1600"/>
-                        <a:t>Reverse video</a:t>
-                      </a:r>
-                      <a:endParaRPr lang="en-US" altLang="zh-CN" sz="1600"/>
-                    </a:p>
-                  </a:txBody>
-                  <a:tcPr/>
-                </a:tc>
-                <a:tc>
-                  <a:txBody>
-                    <a:bodyPr/>
-                    <a:p>
-                      <a:pPr>
-                        <a:buNone/>
-                      </a:pPr>
-                      <a:r>
-                        <a:rPr sz="1600"/>
-                        <a:t>ffmpeg -i input.mov -filter:v 'reverse' -filter:a 'areverse' output.mov</a:t>
-                      </a:r>
-                      <a:endParaRPr sz="1600"/>
-                    </a:p>
-                  </a:txBody>
-                  <a:tcPr/>
-                </a:tc>
-                <a:tc>
-                  <a:txBody>
-                    <a:bodyPr/>
-                    <a:p>
-                      <a:pPr>
-                        <a:buNone/>
-                      </a:pPr>
-                      <a:endParaRPr lang="zh-CN" altLang="en-US" sz="1600"/>
-                    </a:p>
-                  </a:txBody>
-                  <a:tcPr/>
-                </a:tc>
-              </a:tr>
-              <a:tr h="579120">
-                <a:tc>
-                  <a:txBody>
-                    <a:bodyPr/>
-                    <a:p>
-                      <a:pPr>
-                        <a:buNone/>
-                      </a:pPr>
-                      <a:r>
-                        <a:rPr lang="en-US" altLang="zh-CN" sz="1600"/>
-                        <a:t>Extract audio from video</a:t>
-                      </a:r>
-                      <a:endParaRPr lang="en-US" altLang="zh-CN" sz="1600"/>
-                    </a:p>
-                  </a:txBody>
-                  <a:tcPr/>
-                </a:tc>
-                <a:tc>
-                  <a:txBody>
-                    <a:bodyPr/>
-                    <a:p>
-                      <a:pPr>
-                        <a:buNone/>
-                      </a:pPr>
-                      <a:r>
-                        <a:rPr lang="zh-CN" altLang="en-US" sz="1600"/>
-                        <a:t>ffmpeg -i input.mp4 -vn -ac 2 audio.wav</a:t>
-                      </a:r>
-                      <a:endParaRPr lang="zh-CN" altLang="en-US" sz="1600"/>
-                    </a:p>
-                  </a:txBody>
-                  <a:tcPr/>
-                </a:tc>
-                <a:tc>
-                  <a:txBody>
-                    <a:bodyPr/>
-                    <a:p>
-                      <a:pPr>
-                        <a:buNone/>
-                      </a:pPr>
-                      <a:endParaRPr lang="zh-CN" altLang="en-US" sz="1600"/>
                     </a:p>
                   </a:txBody>
                   <a:tcPr/>
@@ -7232,11 +7444,19 @@
 
 <file path=ppt/tags/tag10.xml><?xml version="1.0" encoding="utf-8"?>
 <p:tagLst xmlns:p="http://schemas.openxmlformats.org/presentationml/2006/main">
+  <p:tag name="KSO_WM_BEAUTIFY_FLAG" val="#wm#"/>
+  <p:tag name="KSO_WM_TEMPLATE_CATEGORY" val="custom"/>
+  <p:tag name="KSO_WM_TEMPLATE_INDEX" val="160402"/>
+</p:tagLst>
+</file>
+
+<file path=ppt/tags/tag11.xml><?xml version="1.0" encoding="utf-8"?>
+<p:tagLst xmlns:p="http://schemas.openxmlformats.org/presentationml/2006/main">
   <p:tag name="KSO_WM_UNIT_TABLE_BEAUTIFY" val="smartTable{703f567b-05a5-4a53-b5f0-8938832afbf8}"/>
 </p:tagLst>
 </file>
 
-<file path=ppt/tags/tag11.xml><?xml version="1.0" encoding="utf-8"?>
+<file path=ppt/tags/tag12.xml><?xml version="1.0" encoding="utf-8"?>
 <p:tagLst xmlns:p="http://schemas.openxmlformats.org/presentationml/2006/main">
   <p:tag name="KSO_WM_BEAUTIFY_FLAG" val="#wm#"/>
   <p:tag name="KSO_WM_TEMPLATE_CATEGORY" val="custom"/>
@@ -7244,17 +7464,9 @@
 </p:tagLst>
 </file>
 
-<file path=ppt/tags/tag12.xml><?xml version="1.0" encoding="utf-8"?>
+<file path=ppt/tags/tag13.xml><?xml version="1.0" encoding="utf-8"?>
 <p:tagLst xmlns:p="http://schemas.openxmlformats.org/presentationml/2006/main">
   <p:tag name="KSO_WM_UNIT_TABLE_BEAUTIFY" val="smartTable{b25ac203-39bb-4432-8512-8af5b043ea5c}"/>
-</p:tagLst>
-</file>
-
-<file path=ppt/tags/tag13.xml><?xml version="1.0" encoding="utf-8"?>
-<p:tagLst xmlns:p="http://schemas.openxmlformats.org/presentationml/2006/main">
-  <p:tag name="KSO_WM_BEAUTIFY_FLAG" val="#wm#"/>
-  <p:tag name="KSO_WM_TEMPLATE_CATEGORY" val="custom"/>
-  <p:tag name="KSO_WM_TEMPLATE_INDEX" val="160402"/>
 </p:tagLst>
 </file>
 
@@ -7268,11 +7480,21 @@
 
 <file path=ppt/tags/tag15.xml><?xml version="1.0" encoding="utf-8"?>
 <p:tagLst xmlns:p="http://schemas.openxmlformats.org/presentationml/2006/main">
-  <p:tag name="KSO_WM_UNIT_TABLE_BEAUTIFY" val="smartTable{a8ef8be3-cc9c-4d18-9ded-adce915af36f}"/>
+  <p:tag name="KSO_WM_BEAUTIFY_FLAG" val="#wm#"/>
+  <p:tag name="KSO_WM_TEMPLATE_CATEGORY" val="custom"/>
+  <p:tag name="KSO_WM_TEMPLATE_INDEX" val="160402"/>
 </p:tagLst>
 </file>
 
 <file path=ppt/tags/tag16.xml><?xml version="1.0" encoding="utf-8"?>
+<p:tagLst xmlns:p="http://schemas.openxmlformats.org/presentationml/2006/main">
+  <p:tag name="KSO_WM_UNIT_TABLE_BEAUTIFY" val="smartTable{a8ef8be3-cc9c-4d18-9ded-adce915af36f}"/>
+  <p:tag name="TABLE_ENDDRAG_ORIGIN_RECT" val="887*232"/>
+  <p:tag name="TABLE_ENDDRAG_RECT" val="45*171*887*232"/>
+</p:tagLst>
+</file>
+
+<file path=ppt/tags/tag17.xml><?xml version="1.0" encoding="utf-8"?>
 <p:tagLst xmlns:p="http://schemas.openxmlformats.org/presentationml/2006/main">
   <p:tag name="KSO_WM_BEAUTIFY_FLAG" val="#wm#"/>
   <p:tag name="KSO_WM_TEMPLATE_CATEGORY" val="custom"/>
@@ -7280,25 +7502,17 @@
 </p:tagLst>
 </file>
 
-<file path=ppt/tags/tag17.xml><?xml version="1.0" encoding="utf-8"?>
+<file path=ppt/tags/tag18.xml><?xml version="1.0" encoding="utf-8"?>
 <p:tagLst xmlns:p="http://schemas.openxmlformats.org/presentationml/2006/main">
   <p:tag name="KSO_WM_UNIT_TABLE_BEAUTIFY" val="smartTable{a8ef8be3-cc9c-4d18-9ded-adce915af36f}"/>
 </p:tagLst>
 </file>
 
-<file path=ppt/tags/tag18.xml><?xml version="1.0" encoding="utf-8"?>
+<file path=ppt/tags/tag19.xml><?xml version="1.0" encoding="utf-8"?>
 <p:tagLst xmlns:p="http://schemas.openxmlformats.org/presentationml/2006/main">
   <p:tag name="KSO_WM_BEAUTIFY_FLAG" val="#wm#"/>
   <p:tag name="KSO_WM_TEMPLATE_CATEGORY" val="custom"/>
   <p:tag name="KSO_WM_TEMPLATE_INDEX" val="160402"/>
-</p:tagLst>
-</file>
-
-<file path=ppt/tags/tag19.xml><?xml version="1.0" encoding="utf-8"?>
-<p:tagLst xmlns:p="http://schemas.openxmlformats.org/presentationml/2006/main">
-  <p:tag name="KSO_WM_UNIT_TABLE_BEAUTIFY" val="smartTable{a8ef8be3-cc9c-4d18-9ded-adce915af36f}"/>
-  <p:tag name="TABLE_ENDDRAG_ORIGIN_RECT" val="886*379"/>
-  <p:tag name="TABLE_ENDDRAG_RECT" val="53*92*886*379"/>
 </p:tagLst>
 </file>
 
@@ -7312,9 +7526,9 @@
 
 <file path=ppt/tags/tag20.xml><?xml version="1.0" encoding="utf-8"?>
 <p:tagLst xmlns:p="http://schemas.openxmlformats.org/presentationml/2006/main">
-  <p:tag name="KSO_WM_BEAUTIFY_FLAG" val="#wm#"/>
-  <p:tag name="KSO_WM_TEMPLATE_CATEGORY" val="custom"/>
-  <p:tag name="KSO_WM_TEMPLATE_INDEX" val="160402"/>
+  <p:tag name="KSO_WM_UNIT_TABLE_BEAUTIFY" val="smartTable{a8ef8be3-cc9c-4d18-9ded-adce915af36f}"/>
+  <p:tag name="TABLE_ENDDRAG_ORIGIN_RECT" val="886*379"/>
+  <p:tag name="TABLE_ENDDRAG_RECT" val="53*92*886*379"/>
 </p:tagLst>
 </file>
 
@@ -7336,12 +7550,20 @@
 
 <file path=ppt/tags/tag23.xml><?xml version="1.0" encoding="utf-8"?>
 <p:tagLst xmlns:p="http://schemas.openxmlformats.org/presentationml/2006/main">
+  <p:tag name="KSO_WM_BEAUTIFY_FLAG" val="#wm#"/>
+  <p:tag name="KSO_WM_TEMPLATE_CATEGORY" val="custom"/>
+  <p:tag name="KSO_WM_TEMPLATE_INDEX" val="160402"/>
+</p:tagLst>
+</file>
+
+<file path=ppt/tags/tag24.xml><?xml version="1.0" encoding="utf-8"?>
+<p:tagLst xmlns:p="http://schemas.openxmlformats.org/presentationml/2006/main">
   <p:tag name="REFSHAPE" val="406339724"/>
   <p:tag name="KSO_WM_UNIT_PLACING_PICTURE_USER_VIEWPORT" val="{&quot;height&quot;:1860,&quot;width&quot;:8385}"/>
 </p:tagLst>
 </file>
 
-<file path=ppt/tags/tag24.xml><?xml version="1.0" encoding="utf-8"?>
+<file path=ppt/tags/tag25.xml><?xml version="1.0" encoding="utf-8"?>
 <p:tagLst xmlns:p="http://schemas.openxmlformats.org/presentationml/2006/main">
   <p:tag name="KSO_WM_BEAUTIFY_FLAG" val="#wm#"/>
   <p:tag name="KSO_WM_TEMPLATE_CATEGORY" val="custom"/>
@@ -7427,16 +7649,16 @@
 
 <file path=ppt/tags/tag8.xml><?xml version="1.0" encoding="utf-8"?>
 <p:tagLst xmlns:p="http://schemas.openxmlformats.org/presentationml/2006/main">
-  <p:tag name="REFSHAPE" val="364707732"/>
-  <p:tag name="KSO_WM_UNIT_PLACING_PICTURE_USER_VIEWPORT" val="{&quot;height&quot;:6390,&quot;width&quot;:13080}"/>
+  <p:tag name="KSO_WM_BEAUTIFY_FLAG" val="#wm#"/>
+  <p:tag name="KSO_WM_TEMPLATE_CATEGORY" val="custom"/>
+  <p:tag name="KSO_WM_TEMPLATE_INDEX" val="160402"/>
 </p:tagLst>
 </file>
 
 <file path=ppt/tags/tag9.xml><?xml version="1.0" encoding="utf-8"?>
 <p:tagLst xmlns:p="http://schemas.openxmlformats.org/presentationml/2006/main">
-  <p:tag name="KSO_WM_BEAUTIFY_FLAG" val="#wm#"/>
-  <p:tag name="KSO_WM_TEMPLATE_CATEGORY" val="custom"/>
-  <p:tag name="KSO_WM_TEMPLATE_INDEX" val="160402"/>
+  <p:tag name="REFSHAPE" val="364707732"/>
+  <p:tag name="KSO_WM_UNIT_PLACING_PICTURE_USER_VIEWPORT" val="{&quot;height&quot;:6390,&quot;width&quot;:13080}"/>
 </p:tagLst>
 </file>
 

--- a/Misc/Media-Notes.pptx
+++ b/Misc/Media-Notes.pptx
@@ -27,6 +27,9 @@
   </p:sldIdLst>
   <p:sldSz cx="12192000" cy="6858000"/>
   <p:notesSz cx="6858000" cy="9144000"/>
+  <p:custDataLst>
+    <p:tags r:id="rId21"/>
+  </p:custDataLst>
   <p:defaultTextStyle>
     <a:defPPr>
       <a:defRPr lang="zh-CN"/>
@@ -3822,7 +3825,7 @@
         </p:nvGraphicFramePr>
         <p:xfrm>
           <a:off x="676275" y="1177925"/>
-          <a:ext cx="11256645" cy="5242560"/>
+          <a:ext cx="11256645" cy="4797425"/>
         </p:xfrm>
         <a:graphic>
           <a:graphicData uri="http://schemas.openxmlformats.org/drawingml/2006/table">
@@ -3885,157 +3888,157 @@
                   <a:tcPr/>
                 </a:tc>
               </a:tr>
-              <a:tr h="335280">
-                <a:tc>
-                  <a:txBody>
-                    <a:bodyPr/>
-                    <a:p>
-                      <a:pPr>
-                        <a:buNone/>
-                      </a:pPr>
-                      <a:r>
-                        <a:rPr lang="zh-CN" altLang="en-US" sz="1600"/>
+              <a:tr h="304800">
+                <a:tc>
+                  <a:txBody>
+                    <a:bodyPr/>
+                    <a:p>
+                      <a:pPr>
+                        <a:buNone/>
+                      </a:pPr>
+                      <a:r>
+                        <a:rPr lang="zh-CN" altLang="en-US" sz="1400"/>
                         <a:t>从</a:t>
                       </a:r>
                       <a:r>
-                        <a:rPr lang="en-US" altLang="zh-CN" sz="1600"/>
+                        <a:rPr lang="en-US" altLang="zh-CN" sz="1400"/>
                         <a:t>MP4</a:t>
                       </a:r>
                       <a:r>
-                        <a:rPr lang="zh-CN" altLang="en-US" sz="1600"/>
+                        <a:rPr lang="zh-CN" altLang="en-US" sz="1400"/>
                         <a:t>中提取声音</a:t>
                       </a:r>
-                      <a:endParaRPr lang="zh-CN" altLang="en-US" sz="1600"/>
-                    </a:p>
-                  </a:txBody>
-                  <a:tcPr/>
-                </a:tc>
-                <a:tc>
-                  <a:txBody>
-                    <a:bodyPr/>
-                    <a:p>
-                      <a:pPr>
-                        <a:buNone/>
-                      </a:pPr>
-                      <a:r>
-                        <a:rPr lang="en-US" altLang="zh-CN" sz="1600"/>
+                      <a:endParaRPr lang="zh-CN" altLang="en-US" sz="1400"/>
+                    </a:p>
+                  </a:txBody>
+                  <a:tcPr/>
+                </a:tc>
+                <a:tc>
+                  <a:txBody>
+                    <a:bodyPr/>
+                    <a:p>
+                      <a:pPr>
+                        <a:buNone/>
+                      </a:pPr>
+                      <a:r>
+                        <a:rPr lang="en-US" altLang="zh-CN" sz="1400"/>
                         <a:t>ffmpeg -i input.mp4 -vn output</a:t>
                       </a:r>
                       <a:r>
-                        <a:rPr lang="en-US" altLang="zh-CN" sz="1600"/>
+                        <a:rPr lang="en-US" altLang="zh-CN" sz="1400"/>
                         <a:t>.mp3</a:t>
                       </a:r>
-                      <a:endParaRPr lang="en-US" altLang="zh-CN" sz="1600"/>
-                    </a:p>
-                  </a:txBody>
-                  <a:tcPr/>
-                </a:tc>
-                <a:tc>
-                  <a:txBody>
-                    <a:bodyPr/>
-                    <a:p>
-                      <a:pPr>
-                        <a:buNone/>
-                      </a:pPr>
-                      <a:endParaRPr lang="zh-CN" altLang="en-US" sz="1600"/>
+                      <a:endParaRPr lang="en-US" altLang="zh-CN" sz="1400"/>
+                    </a:p>
+                  </a:txBody>
+                  <a:tcPr/>
+                </a:tc>
+                <a:tc>
+                  <a:txBody>
+                    <a:bodyPr/>
+                    <a:p>
+                      <a:pPr>
+                        <a:buNone/>
+                      </a:pPr>
+                      <a:endParaRPr lang="zh-CN" altLang="en-US" sz="1400"/>
                     </a:p>
                   </a:txBody>
                   <a:tcPr/>
                 </a:tc>
               </a:tr>
-              <a:tr h="579120">
-                <a:tc>
-                  <a:txBody>
-                    <a:bodyPr/>
-                    <a:p>
-                      <a:pPr>
-                        <a:buNone/>
-                      </a:pPr>
-                      <a:r>
-                        <a:rPr lang="en-US" altLang="zh-CN" sz="1600"/>
+              <a:tr h="518160">
+                <a:tc>
+                  <a:txBody>
+                    <a:bodyPr/>
+                    <a:p>
+                      <a:pPr>
+                        <a:buNone/>
+                      </a:pPr>
+                      <a:r>
+                        <a:rPr lang="en-US" altLang="zh-CN" sz="1400"/>
                         <a:t>Add subtitle</a:t>
                       </a:r>
-                      <a:endParaRPr lang="en-US" altLang="zh-CN" sz="1600"/>
-                    </a:p>
-                  </a:txBody>
-                  <a:tcPr/>
-                </a:tc>
-                <a:tc>
-                  <a:txBody>
-                    <a:bodyPr/>
-                    <a:p>
-                      <a:pPr>
-                        <a:buNone/>
-                      </a:pPr>
-                      <a:r>
-                        <a:rPr lang="zh-CN" altLang="en-US" sz="1600"/>
+                      <a:endParaRPr lang="en-US" altLang="zh-CN" sz="1400"/>
+                    </a:p>
+                  </a:txBody>
+                  <a:tcPr/>
+                </a:tc>
+                <a:tc>
+                  <a:txBody>
+                    <a:bodyPr/>
+                    <a:p>
+                      <a:pPr>
+                        <a:buNone/>
+                      </a:pPr>
+                      <a:r>
+                        <a:rPr lang="zh-CN" altLang="en-US" sz="1400"/>
                         <a:t>ffmpeg -i </a:t>
                       </a:r>
                       <a:r>
-                        <a:rPr lang="en-US" altLang="zh-CN" sz="1600"/>
+                        <a:rPr lang="en-US" altLang="zh-CN" sz="1400"/>
                         <a:t>input</a:t>
                       </a:r>
                       <a:r>
-                        <a:rPr lang="zh-CN" altLang="en-US" sz="1600"/>
+                        <a:rPr lang="zh-CN" altLang="en-US" sz="1400"/>
                         <a:t>.avi -vf subtitles=subtitle.srt out</a:t>
                       </a:r>
                       <a:r>
-                        <a:rPr lang="en-US" altLang="zh-CN" sz="1600"/>
+                        <a:rPr lang="en-US" altLang="zh-CN" sz="1400"/>
                         <a:t>put</a:t>
                       </a:r>
                       <a:r>
-                        <a:rPr lang="zh-CN" altLang="en-US" sz="1600"/>
+                        <a:rPr lang="zh-CN" altLang="en-US" sz="1400"/>
                         <a:t>.avi</a:t>
                       </a:r>
-                      <a:endParaRPr lang="zh-CN" altLang="en-US" sz="1600"/>
-                    </a:p>
-                    <a:p>
-                      <a:pPr>
-                        <a:buNone/>
-                      </a:pPr>
-                      <a:r>
-                        <a:rPr lang="zh-CN" altLang="en-US" sz="1600">
+                      <a:endParaRPr lang="zh-CN" altLang="en-US" sz="1400"/>
+                    </a:p>
+                    <a:p>
+                      <a:pPr>
+                        <a:buNone/>
+                      </a:pPr>
+                      <a:r>
+                        <a:rPr lang="zh-CN" altLang="en-US" sz="1400">
                           <a:sym typeface="+mn-ea"/>
                         </a:rPr>
                         <a:t>ffmpeg -i </a:t>
                       </a:r>
                       <a:r>
-                        <a:rPr lang="en-US" altLang="zh-CN" sz="1600">
+                        <a:rPr lang="en-US" altLang="zh-CN" sz="1400">
                           <a:sym typeface="+mn-ea"/>
                         </a:rPr>
                         <a:t>input</a:t>
                       </a:r>
                       <a:r>
-                        <a:rPr lang="zh-CN" altLang="en-US" sz="1600">
+                        <a:rPr lang="zh-CN" altLang="en-US" sz="1400">
                           <a:sym typeface="+mn-ea"/>
                         </a:rPr>
                         <a:t>.avi -vf </a:t>
                       </a:r>
                       <a:r>
-                        <a:rPr lang="en-US" altLang="zh-CN" sz="1600">
+                        <a:rPr lang="en-US" altLang="zh-CN" sz="1400">
                           <a:sym typeface="+mn-ea"/>
                         </a:rPr>
                         <a:t>“ass=subtitle.ass”</a:t>
                       </a:r>
                       <a:r>
-                        <a:rPr lang="zh-CN" altLang="en-US" sz="1600">
+                        <a:rPr lang="zh-CN" altLang="en-US" sz="1400">
                           <a:sym typeface="+mn-ea"/>
                         </a:rPr>
                         <a:t> out</a:t>
                       </a:r>
                       <a:r>
-                        <a:rPr lang="en-US" altLang="zh-CN" sz="1600">
+                        <a:rPr lang="en-US" altLang="zh-CN" sz="1400">
                           <a:sym typeface="+mn-ea"/>
                         </a:rPr>
                         <a:t>put</a:t>
                       </a:r>
                       <a:r>
-                        <a:rPr lang="zh-CN" altLang="en-US" sz="1600">
+                        <a:rPr lang="zh-CN" altLang="en-US" sz="1400">
                           <a:sym typeface="+mn-ea"/>
                         </a:rPr>
                         <a:t>.avi</a:t>
                       </a:r>
-                      <a:endParaRPr lang="zh-CN" altLang="en-US" sz="1600">
+                      <a:endParaRPr lang="zh-CN" altLang="en-US" sz="1400">
                         <a:sym typeface="+mn-ea"/>
                       </a:endParaRPr>
                     </a:p>
@@ -4049,25 +4052,25 @@
                       <a:pPr>
                         <a:buNone/>
                       </a:pPr>
-                      <a:endParaRPr lang="zh-CN" altLang="en-US" sz="1600"/>
+                      <a:endParaRPr lang="zh-CN" altLang="en-US" sz="1400"/>
                     </a:p>
                   </a:txBody>
                   <a:tcPr/>
                 </a:tc>
               </a:tr>
-              <a:tr h="1798320">
-                <a:tc>
-                  <a:txBody>
-                    <a:bodyPr/>
-                    <a:p>
-                      <a:pPr>
-                        <a:buNone/>
-                      </a:pPr>
-                      <a:r>
-                        <a:rPr lang="en-US" altLang="zh-CN" sz="1600"/>
+              <a:tr h="1371600">
+                <a:tc>
+                  <a:txBody>
+                    <a:bodyPr/>
+                    <a:p>
+                      <a:pPr>
+                        <a:buNone/>
+                      </a:pPr>
+                      <a:r>
+                        <a:rPr lang="en-US" altLang="zh-CN" sz="1400"/>
                         <a:t>Set h264 encoding params</a:t>
                       </a:r>
-                      <a:endParaRPr lang="en-US" altLang="zh-CN" sz="1600"/>
+                      <a:endParaRPr lang="en-US" altLang="zh-CN" sz="1400"/>
                     </a:p>
                   </a:txBody>
                   <a:tcPr/>
@@ -4080,72 +4083,72 @@
                         <a:buNone/>
                       </a:pPr>
                       <a:r>
-                        <a:rPr lang="en-US" altLang="zh-CN" sz="1600"/>
+                        <a:rPr lang="en-US" altLang="zh-CN" sz="1400"/>
                         <a:t>ffmpeg -c:v libx264 -profile:v high/main/baseline -level:v 4.0</a:t>
                       </a:r>
-                      <a:endParaRPr lang="en-US" altLang="zh-CN" sz="1600"/>
+                      <a:endParaRPr lang="en-US" altLang="zh-CN" sz="1400"/>
                     </a:p>
                     <a:p>
                       <a:pPr marL="0" lvl="2">
                         <a:buNone/>
                       </a:pPr>
                       <a:r>
-                        <a:rPr lang="en-US" altLang="zh-CN" sz="1600"/>
+                        <a:rPr lang="en-US" altLang="zh-CN" sz="1400"/>
                         <a:t>-crf 0~51 (constant rate factor, default 23, 0 lossless, 17/18 nearly lossless)</a:t>
                       </a:r>
-                      <a:endParaRPr lang="en-US" altLang="zh-CN" sz="1600"/>
+                      <a:endParaRPr lang="en-US" altLang="zh-CN" sz="1400"/>
                     </a:p>
                     <a:p>
                       <a:pPr marL="0" lvl="2">
                         <a:buNone/>
                       </a:pPr>
                       <a:r>
-                        <a:rPr lang="en-US" altLang="zh-CN" sz="1600"/>
+                        <a:rPr lang="en-US" altLang="zh-CN" sz="1400"/>
                         <a:t>// profile: video compression features the player must support</a:t>
                       </a:r>
-                      <a:endParaRPr lang="en-US" altLang="zh-CN" sz="1600"/>
+                      <a:endParaRPr lang="en-US" altLang="zh-CN" sz="1400"/>
                     </a:p>
                     <a:p>
                       <a:pPr marL="0" lvl="2">
                         <a:buNone/>
                       </a:pPr>
                       <a:r>
-                        <a:rPr lang="en-US" altLang="zh-CN" sz="1600"/>
+                        <a:rPr lang="en-US" altLang="zh-CN" sz="1400"/>
                         <a:t>// level: defines the peak bitrate the player can handle, along with the maximum resolution, and the maximum number of reference frames held in memory during playback</a:t>
                       </a:r>
-                      <a:endParaRPr lang="en-US" altLang="zh-CN" sz="1600"/>
-                    </a:p>
-                  </a:txBody>
-                  <a:tcPr/>
-                </a:tc>
-                <a:tc>
-                  <a:txBody>
-                    <a:bodyPr/>
-                    <a:p>
-                      <a:pPr>
-                        <a:buNone/>
-                      </a:pPr>
-                      <a:endParaRPr lang="zh-CN" altLang="en-US" sz="1600"/>
+                      <a:endParaRPr lang="en-US" altLang="zh-CN" sz="1400"/>
+                    </a:p>
+                  </a:txBody>
+                  <a:tcPr/>
+                </a:tc>
+                <a:tc>
+                  <a:txBody>
+                    <a:bodyPr/>
+                    <a:p>
+                      <a:pPr>
+                        <a:buNone/>
+                      </a:pPr>
+                      <a:endParaRPr lang="zh-CN" altLang="en-US" sz="1400"/>
                     </a:p>
                   </a:txBody>
                   <a:tcPr/>
                 </a:tc>
               </a:tr>
-              <a:tr h="579120">
-                <a:tc>
-                  <a:txBody>
-                    <a:bodyPr/>
-                    <a:p>
-                      <a:pPr>
-                        <a:buNone/>
-                      </a:pPr>
-                      <a:r>
-                        <a:rPr lang="en-US" altLang="zh-CN" sz="1600">
+              <a:tr h="518160">
+                <a:tc>
+                  <a:txBody>
+                    <a:bodyPr/>
+                    <a:p>
+                      <a:pPr>
+                        <a:buNone/>
+                      </a:pPr>
+                      <a:r>
+                        <a:rPr lang="en-US" altLang="zh-CN" sz="1400">
                           <a:sym typeface="+mn-ea"/>
                         </a:rPr>
                         <a:t>Padding</a:t>
                       </a:r>
-                      <a:endParaRPr lang="en-US" altLang="zh-CN" sz="1600">
+                      <a:endParaRPr lang="en-US" altLang="zh-CN" sz="1400">
                         <a:sym typeface="+mn-ea"/>
                       </a:endParaRPr>
                     </a:p>
@@ -4160,12 +4163,12 @@
                         <a:buNone/>
                       </a:pPr>
                       <a:r>
-                        <a:rPr lang="en-US" altLang="zh-CN" sz="1600">
+                        <a:rPr lang="en-US" altLang="zh-CN" sz="1400">
                           <a:sym typeface="+mn-ea"/>
                         </a:rPr>
                         <a:t>ffmpeg -i in.mp4 -vf “pad=width=800:height=600:x=10:y=75:color=black” out.mp4</a:t>
                       </a:r>
-                      <a:endParaRPr lang="en-US" altLang="zh-CN" sz="1600">
+                      <a:endParaRPr lang="en-US" altLang="zh-CN" sz="1400">
                         <a:sym typeface="+mn-ea"/>
                       </a:endParaRPr>
                     </a:p>
@@ -4180,12 +4183,12 @@
                         <a:buNone/>
                       </a:pPr>
                       <a:r>
-                        <a:rPr lang="en-US" altLang="zh-CN" sz="1600">
+                        <a:rPr lang="en-US" altLang="zh-CN" sz="1400">
                           <a:sym typeface="+mn-ea"/>
                         </a:rPr>
                         <a:t>x/y: start placing point of the original frame</a:t>
                       </a:r>
-                      <a:endParaRPr lang="en-US" altLang="zh-CN" sz="1600">
+                      <a:endParaRPr lang="en-US" altLang="zh-CN" sz="1400">
                         <a:sym typeface="+mn-ea"/>
                       </a:endParaRPr>
                     </a:p>
@@ -4193,173 +4196,219 @@
                   <a:tcPr/>
                 </a:tc>
               </a:tr>
-              <a:tr h="335280">
-                <a:tc>
-                  <a:txBody>
-                    <a:bodyPr/>
-                    <a:p>
-                      <a:pPr>
-                        <a:buNone/>
-                      </a:pPr>
-                      <a:r>
-                        <a:rPr lang="en-US" altLang="zh-CN" sz="1600"/>
+              <a:tr h="304800">
+                <a:tc>
+                  <a:txBody>
+                    <a:bodyPr/>
+                    <a:p>
+                      <a:pPr>
+                        <a:buNone/>
+                      </a:pPr>
+                      <a:r>
+                        <a:rPr lang="en-US" altLang="zh-CN" sz="1400"/>
                         <a:t>Web video</a:t>
                       </a:r>
-                      <a:endParaRPr lang="en-US" altLang="zh-CN" sz="1600"/>
-                    </a:p>
-                  </a:txBody>
-                  <a:tcPr/>
-                </a:tc>
-                <a:tc>
-                  <a:txBody>
-                    <a:bodyPr/>
-                    <a:p>
-                      <a:pPr>
-                        <a:buNone/>
-                      </a:pPr>
-                      <a:r>
-                        <a:rPr lang="zh-CN" altLang="en-US" sz="1600"/>
+                      <a:endParaRPr lang="en-US" altLang="zh-CN" sz="1400"/>
+                    </a:p>
+                  </a:txBody>
+                  <a:tcPr/>
+                </a:tc>
+                <a:tc>
+                  <a:txBody>
+                    <a:bodyPr/>
+                    <a:p>
+                      <a:pPr>
+                        <a:buNone/>
+                      </a:pPr>
+                      <a:r>
+                        <a:rPr lang="zh-CN" altLang="en-US" sz="1400"/>
                         <a:t>-movflags +faststart</a:t>
                       </a:r>
-                      <a:endParaRPr lang="zh-CN" altLang="en-US" sz="1600"/>
-                    </a:p>
-                  </a:txBody>
-                  <a:tcPr/>
-                </a:tc>
-                <a:tc>
-                  <a:txBody>
-                    <a:bodyPr/>
-                    <a:p>
-                      <a:pPr>
-                        <a:buNone/>
-                      </a:pPr>
-                      <a:endParaRPr lang="zh-CN" altLang="en-US" sz="1600"/>
+                      <a:endParaRPr lang="zh-CN" altLang="en-US" sz="1400"/>
+                    </a:p>
+                  </a:txBody>
+                  <a:tcPr/>
+                </a:tc>
+                <a:tc>
+                  <a:txBody>
+                    <a:bodyPr/>
+                    <a:p>
+                      <a:pPr>
+                        <a:buNone/>
+                      </a:pPr>
+                      <a:endParaRPr lang="zh-CN" altLang="en-US" sz="1400"/>
                     </a:p>
                   </a:txBody>
                   <a:tcPr/>
                 </a:tc>
               </a:tr>
-              <a:tr h="335280">
-                <a:tc>
-                  <a:txBody>
-                    <a:bodyPr/>
-                    <a:p>
-                      <a:pPr>
-                        <a:buNone/>
-                      </a:pPr>
-                      <a:r>
-                        <a:rPr lang="en-US" altLang="zh-CN" sz="1600"/>
+              <a:tr h="304800">
+                <a:tc>
+                  <a:txBody>
+                    <a:bodyPr/>
+                    <a:p>
+                      <a:pPr>
+                        <a:buNone/>
+                      </a:pPr>
+                      <a:r>
+                        <a:rPr lang="en-US" altLang="zh-CN" sz="1400"/>
                         <a:t>Output to gif</a:t>
                       </a:r>
-                      <a:endParaRPr lang="en-US" altLang="zh-CN" sz="1600"/>
-                    </a:p>
-                  </a:txBody>
-                  <a:tcPr/>
-                </a:tc>
-                <a:tc>
-                  <a:txBody>
-                    <a:bodyPr/>
-                    <a:p>
-                      <a:pPr>
-                        <a:buNone/>
-                      </a:pPr>
-                      <a:r>
-                        <a:rPr lang="en-US" altLang="zh-CN" sz="1600"/>
+                      <a:endParaRPr lang="en-US" altLang="zh-CN" sz="1400"/>
+                    </a:p>
+                  </a:txBody>
+                  <a:tcPr/>
+                </a:tc>
+                <a:tc>
+                  <a:txBody>
+                    <a:bodyPr/>
+                    <a:p>
+                      <a:pPr>
+                        <a:buNone/>
+                      </a:pPr>
+                      <a:r>
+                        <a:rPr lang="en-US" altLang="zh-CN" sz="1400"/>
                         <a:t>ffmpeg -i input.mp4 -f gif output.gif</a:t>
                       </a:r>
-                      <a:endParaRPr lang="en-US" altLang="zh-CN" sz="1600"/>
-                    </a:p>
-                  </a:txBody>
-                  <a:tcPr/>
-                </a:tc>
-                <a:tc>
-                  <a:txBody>
-                    <a:bodyPr/>
-                    <a:p>
-                      <a:pPr>
-                        <a:buNone/>
-                      </a:pPr>
-                      <a:endParaRPr lang="zh-CN" altLang="en-US" sz="1600"/>
+                      <a:endParaRPr lang="en-US" altLang="zh-CN" sz="1400"/>
+                    </a:p>
+                  </a:txBody>
+                  <a:tcPr/>
+                </a:tc>
+                <a:tc>
+                  <a:txBody>
+                    <a:bodyPr/>
+                    <a:p>
+                      <a:pPr>
+                        <a:buNone/>
+                      </a:pPr>
+                      <a:endParaRPr lang="zh-CN" altLang="en-US" sz="1400"/>
                     </a:p>
                   </a:txBody>
                   <a:tcPr/>
                 </a:tc>
               </a:tr>
-              <a:tr h="335280">
-                <a:tc>
-                  <a:txBody>
-                    <a:bodyPr/>
-                    <a:p>
-                      <a:pPr>
-                        <a:buNone/>
-                      </a:pPr>
-                      <a:r>
-                        <a:rPr lang="en-US" altLang="zh-CN" sz="1600"/>
+              <a:tr h="304800">
+                <a:tc>
+                  <a:txBody>
+                    <a:bodyPr/>
+                    <a:p>
+                      <a:pPr>
+                        <a:buNone/>
+                      </a:pPr>
+                      <a:r>
+                        <a:rPr lang="en-US" altLang="zh-CN" sz="1400"/>
                         <a:t>Reverse video</a:t>
                       </a:r>
-                      <a:endParaRPr lang="en-US" altLang="zh-CN" sz="1600"/>
-                    </a:p>
-                  </a:txBody>
-                  <a:tcPr/>
-                </a:tc>
-                <a:tc>
-                  <a:txBody>
-                    <a:bodyPr/>
-                    <a:p>
-                      <a:pPr>
-                        <a:buNone/>
-                      </a:pPr>
-                      <a:r>
-                        <a:rPr sz="1600"/>
+                      <a:endParaRPr lang="en-US" altLang="zh-CN" sz="1400"/>
+                    </a:p>
+                  </a:txBody>
+                  <a:tcPr/>
+                </a:tc>
+                <a:tc>
+                  <a:txBody>
+                    <a:bodyPr/>
+                    <a:p>
+                      <a:pPr>
+                        <a:buNone/>
+                      </a:pPr>
+                      <a:r>
+                        <a:rPr sz="1400"/>
                         <a:t>ffmpeg -i input.mov -filter:v 'reverse' -filter:a 'areverse' output.mov</a:t>
                       </a:r>
-                      <a:endParaRPr sz="1600"/>
-                    </a:p>
-                  </a:txBody>
-                  <a:tcPr/>
-                </a:tc>
-                <a:tc>
-                  <a:txBody>
-                    <a:bodyPr/>
-                    <a:p>
-                      <a:pPr>
-                        <a:buNone/>
-                      </a:pPr>
-                      <a:endParaRPr lang="zh-CN" altLang="en-US" sz="1600"/>
+                      <a:endParaRPr sz="1400"/>
+                    </a:p>
+                  </a:txBody>
+                  <a:tcPr/>
+                </a:tc>
+                <a:tc>
+                  <a:txBody>
+                    <a:bodyPr/>
+                    <a:p>
+                      <a:pPr>
+                        <a:buNone/>
+                      </a:pPr>
+                      <a:endParaRPr lang="zh-CN" altLang="en-US" sz="1400"/>
                     </a:p>
                   </a:txBody>
                   <a:tcPr/>
                 </a:tc>
               </a:tr>
-              <a:tr h="579120">
-                <a:tc>
-                  <a:txBody>
-                    <a:bodyPr/>
-                    <a:p>
-                      <a:pPr>
-                        <a:buNone/>
-                      </a:pPr>
-                      <a:r>
-                        <a:rPr lang="en-US" altLang="zh-CN" sz="1600"/>
+              <a:tr h="304800">
+                <a:tc>
+                  <a:txBody>
+                    <a:bodyPr/>
+                    <a:p>
+                      <a:pPr>
+                        <a:buNone/>
+                      </a:pPr>
+                      <a:r>
+                        <a:rPr lang="en-US" altLang="zh-CN" sz="1400"/>
                         <a:t>Extract audio from video</a:t>
                       </a:r>
-                      <a:endParaRPr lang="en-US" altLang="zh-CN" sz="1600"/>
-                    </a:p>
-                  </a:txBody>
-                  <a:tcPr/>
-                </a:tc>
-                <a:tc>
-                  <a:txBody>
-                    <a:bodyPr/>
-                    <a:p>
-                      <a:pPr>
-                        <a:buNone/>
-                      </a:pPr>
-                      <a:r>
-                        <a:rPr lang="zh-CN" altLang="en-US" sz="1600"/>
+                      <a:endParaRPr lang="en-US" altLang="zh-CN" sz="1400"/>
+                    </a:p>
+                  </a:txBody>
+                  <a:tcPr/>
+                </a:tc>
+                <a:tc>
+                  <a:txBody>
+                    <a:bodyPr/>
+                    <a:p>
+                      <a:pPr>
+                        <a:buNone/>
+                      </a:pPr>
+                      <a:r>
+                        <a:rPr lang="zh-CN" altLang="en-US" sz="1400"/>
                         <a:t>ffmpeg -i input.mp4 -vn -ac 2 audio.wav</a:t>
                       </a:r>
-                      <a:endParaRPr lang="zh-CN" altLang="en-US" sz="1600"/>
+                      <a:endParaRPr lang="zh-CN" altLang="en-US" sz="1400"/>
+                    </a:p>
+                  </a:txBody>
+                  <a:tcPr/>
+                </a:tc>
+                <a:tc>
+                  <a:txBody>
+                    <a:bodyPr/>
+                    <a:p>
+                      <a:pPr>
+                        <a:buNone/>
+                      </a:pPr>
+                      <a:endParaRPr lang="zh-CN" altLang="en-US" sz="1400"/>
+                    </a:p>
+                  </a:txBody>
+                  <a:tcPr/>
+                </a:tc>
+              </a:tr>
+              <a:tr h="499745">
+                <a:tc>
+                  <a:txBody>
+                    <a:bodyPr/>
+                    <a:p>
+                      <a:pPr>
+                        <a:buNone/>
+                      </a:pPr>
+                      <a:r>
+                        <a:rPr lang="en-US" altLang="zh-CN" sz="1400"/>
+                        <a:t>Convert wav to mp3</a:t>
+                      </a:r>
+                      <a:endParaRPr lang="en-US" altLang="zh-CN" sz="1400"/>
+                    </a:p>
+                  </a:txBody>
+                  <a:tcPr/>
+                </a:tc>
+                <a:tc>
+                  <a:txBody>
+                    <a:bodyPr/>
+                    <a:p>
+                      <a:pPr>
+                        <a:buNone/>
+                      </a:pPr>
+                      <a:r>
+                        <a:rPr lang="en-US" altLang="zh-CN" sz="1400"/>
+                        <a:t>ffmpeg -i input.wav output.mp3</a:t>
+                      </a:r>
+                      <a:endParaRPr lang="en-US" altLang="zh-CN" sz="1400"/>
                     </a:p>
                   </a:txBody>
                   <a:tcPr/>
@@ -7527,8 +7576,8 @@
 <file path=ppt/tags/tag20.xml><?xml version="1.0" encoding="utf-8"?>
 <p:tagLst xmlns:p="http://schemas.openxmlformats.org/presentationml/2006/main">
   <p:tag name="KSO_WM_UNIT_TABLE_BEAUTIFY" val="smartTable{a8ef8be3-cc9c-4d18-9ded-adce915af36f}"/>
-  <p:tag name="TABLE_ENDDRAG_ORIGIN_RECT" val="886*379"/>
-  <p:tag name="TABLE_ENDDRAG_RECT" val="53*92*886*379"/>
+  <p:tag name="TABLE_ENDDRAG_ORIGIN_RECT" val="886*348"/>
+  <p:tag name="TABLE_ENDDRAG_RECT" val="53*92*886*348"/>
 </p:tagLst>
 </file>
 
@@ -7568,6 +7617,12 @@
   <p:tag name="KSO_WM_BEAUTIFY_FLAG" val="#wm#"/>
   <p:tag name="KSO_WM_TEMPLATE_CATEGORY" val="custom"/>
   <p:tag name="KSO_WM_TEMPLATE_INDEX" val="160402"/>
+</p:tagLst>
+</file>
+
+<file path=ppt/tags/tag26.xml><?xml version="1.0" encoding="utf-8"?>
+<p:tagLst xmlns:p="http://schemas.openxmlformats.org/presentationml/2006/main">
+  <p:tag name="COMMONDATA" val="eyJoZGlkIjoiODcwZjc5M2RmYzUwOWE5MjVkODVjZGMyZDUwOTRjYmEifQ=="/>
 </p:tagLst>
 </file>
 

--- a/Misc/Media-Notes.pptx
+++ b/Misc/Media-Notes.pptx
@@ -8,27 +8,32 @@
     <p:notesMasterId r:id="rId4"/>
   </p:notesMasterIdLst>
   <p:handoutMasterIdLst>
-    <p:handoutMasterId r:id="rId17"/>
+    <p:handoutMasterId r:id="rId22"/>
   </p:handoutMasterIdLst>
   <p:sldIdLst>
     <p:sldId id="256" r:id="rId3"/>
     <p:sldId id="291" r:id="rId5"/>
     <p:sldId id="259" r:id="rId6"/>
-    <p:sldId id="258" r:id="rId7"/>
-    <p:sldId id="263" r:id="rId8"/>
-    <p:sldId id="277" r:id="rId9"/>
-    <p:sldId id="260" r:id="rId10"/>
-    <p:sldId id="285" r:id="rId11"/>
-    <p:sldId id="268" r:id="rId12"/>
-    <p:sldId id="273" r:id="rId13"/>
-    <p:sldId id="264" r:id="rId14"/>
-    <p:sldId id="267" r:id="rId15"/>
-    <p:sldId id="276" r:id="rId16"/>
+    <p:sldId id="307" r:id="rId7"/>
+    <p:sldId id="258" r:id="rId8"/>
+    <p:sldId id="263" r:id="rId9"/>
+    <p:sldId id="277" r:id="rId10"/>
+    <p:sldId id="260" r:id="rId11"/>
+    <p:sldId id="285" r:id="rId12"/>
+    <p:sldId id="324" r:id="rId13"/>
+    <p:sldId id="268" r:id="rId14"/>
+    <p:sldId id="273" r:id="rId15"/>
+    <p:sldId id="303" r:id="rId16"/>
+    <p:sldId id="308" r:id="rId17"/>
+    <p:sldId id="320" r:id="rId18"/>
+    <p:sldId id="264" r:id="rId19"/>
+    <p:sldId id="267" r:id="rId20"/>
+    <p:sldId id="276" r:id="rId21"/>
   </p:sldIdLst>
   <p:sldSz cx="12192000" cy="6858000"/>
   <p:notesSz cx="6858000" cy="9144000"/>
   <p:custDataLst>
-    <p:tags r:id="rId21"/>
+    <p:tags r:id="rId26"/>
   </p:custDataLst>
   <p:defaultTextStyle>
     <a:defPPr>
@@ -3807,7 +3812,7 @@
           <a:p>
             <a:r>
               <a:rPr lang="en-US" altLang="zh-CN"/>
-              <a:t>FFMPEG 3/3</a:t>
+              <a:t>FFMPEG frames</a:t>
             </a:r>
             <a:endParaRPr lang="en-US" altLang="zh-CN"/>
           </a:p>
@@ -3815,7 +3820,7 @@
       </p:sp>
       <p:graphicFrame>
         <p:nvGraphicFramePr>
-          <p:cNvPr id="6" name="表格 5"/>
+          <p:cNvPr id="5" name="表格 4"/>
           <p:cNvGraphicFramePr/>
           <p:nvPr>
             <p:custDataLst>
@@ -3824,8 +3829,8 @@
           </p:nvPr>
         </p:nvGraphicFramePr>
         <p:xfrm>
-          <a:off x="676275" y="1177925"/>
-          <a:ext cx="11256645" cy="4797425"/>
+          <a:off x="579120" y="2174875"/>
+          <a:ext cx="11268710" cy="1982470"/>
         </p:xfrm>
         <a:graphic>
           <a:graphicData uri="http://schemas.openxmlformats.org/drawingml/2006/table">
@@ -3834,11 +3839,11 @@
                 <a:tableStyleId>{5C22544A-7EE6-4342-B048-85BDC9FD1C3A}</a:tableStyleId>
               </a:tblPr>
               <a:tblGrid>
-                <a:gridCol w="2225675"/>
-                <a:gridCol w="6471920"/>
-                <a:gridCol w="2559050"/>
+                <a:gridCol w="2372360"/>
+                <a:gridCol w="5694680"/>
+                <a:gridCol w="3201670"/>
               </a:tblGrid>
-              <a:tr h="365760">
+              <a:tr h="579120">
                 <a:tc>
                   <a:txBody>
                     <a:bodyPr/>
@@ -3888,110 +3893,30 @@
                   <a:tcPr/>
                 </a:tc>
               </a:tr>
-              <a:tr h="304800">
-                <a:tc>
-                  <a:txBody>
-                    <a:bodyPr/>
-                    <a:p>
-                      <a:pPr>
-                        <a:buNone/>
-                      </a:pPr>
-                      <a:r>
-                        <a:rPr lang="zh-CN" altLang="en-US" sz="1400"/>
-                        <a:t>从</a:t>
-                      </a:r>
-                      <a:r>
-                        <a:rPr lang="en-US" altLang="zh-CN" sz="1400"/>
-                        <a:t>MP4</a:t>
-                      </a:r>
-                      <a:r>
-                        <a:rPr lang="zh-CN" altLang="en-US" sz="1400"/>
-                        <a:t>中提取声音</a:t>
-                      </a:r>
-                      <a:endParaRPr lang="zh-CN" altLang="en-US" sz="1400"/>
-                    </a:p>
-                  </a:txBody>
-                  <a:tcPr/>
-                </a:tc>
-                <a:tc>
-                  <a:txBody>
-                    <a:bodyPr/>
-                    <a:p>
-                      <a:pPr>
-                        <a:buNone/>
-                      </a:pPr>
-                      <a:r>
-                        <a:rPr lang="en-US" altLang="zh-CN" sz="1400"/>
-                        <a:t>ffmpeg -i input.mp4 -vn output</a:t>
-                      </a:r>
-                      <a:r>
-                        <a:rPr lang="en-US" altLang="zh-CN" sz="1400"/>
-                        <a:t>.mp3</a:t>
-                      </a:r>
-                      <a:endParaRPr lang="en-US" altLang="zh-CN" sz="1400"/>
-                    </a:p>
-                  </a:txBody>
-                  <a:tcPr/>
-                </a:tc>
-                <a:tc>
-                  <a:txBody>
-                    <a:bodyPr/>
-                    <a:p>
-                      <a:pPr>
-                        <a:buNone/>
-                      </a:pPr>
-                      <a:endParaRPr lang="zh-CN" altLang="en-US" sz="1400"/>
-                    </a:p>
-                  </a:txBody>
-                  <a:tcPr/>
-                </a:tc>
-              </a:tr>
-              <a:tr h="518160">
-                <a:tc>
-                  <a:txBody>
-                    <a:bodyPr/>
-                    <a:p>
-                      <a:pPr>
-                        <a:buNone/>
-                      </a:pPr>
-                      <a:r>
-                        <a:rPr lang="en-US" altLang="zh-CN" sz="1400"/>
-                        <a:t>Add subtitle</a:t>
-                      </a:r>
-                      <a:endParaRPr lang="en-US" altLang="zh-CN" sz="1400"/>
-                    </a:p>
-                  </a:txBody>
-                  <a:tcPr/>
-                </a:tc>
-                <a:tc>
-                  <a:txBody>
-                    <a:bodyPr/>
-                    <a:p>
-                      <a:pPr>
-                        <a:buNone/>
-                      </a:pPr>
-                      <a:r>
-                        <a:rPr lang="zh-CN" altLang="en-US" sz="1400"/>
-                        <a:t>ffmpeg -i </a:t>
-                      </a:r>
-                      <a:r>
-                        <a:rPr lang="en-US" altLang="zh-CN" sz="1400"/>
-                        <a:t>input</a:t>
-                      </a:r>
-                      <a:r>
-                        <a:rPr lang="zh-CN" altLang="en-US" sz="1400"/>
-                        <a:t>.avi -vf subtitles=subtitle.srt out</a:t>
-                      </a:r>
-                      <a:r>
-                        <a:rPr lang="en-US" altLang="zh-CN" sz="1400"/>
-                        <a:t>put</a:t>
-                      </a:r>
-                      <a:r>
-                        <a:rPr lang="zh-CN" altLang="en-US" sz="1400"/>
-                        <a:t>.avi</a:t>
-                      </a:r>
-                      <a:endParaRPr lang="zh-CN" altLang="en-US" sz="1400"/>
-                    </a:p>
+              <a:tr h="579120">
+                <a:tc>
+                  <a:txBody>
+                    <a:bodyPr/>
+                    <a:p>
+                      <a:pPr>
+                        <a:buNone/>
+                      </a:pPr>
+                      <a:r>
+                        <a:rPr lang="en-US" altLang="zh-CN" sz="1400">
+                          <a:sym typeface="+mn-ea"/>
+                        </a:rPr>
+                        <a:t>Convert image sequences into video</a:t>
+                      </a:r>
+                      <a:endParaRPr lang="en-US" altLang="zh-CN" sz="1400">
+                        <a:sym typeface="+mn-ea"/>
+                      </a:endParaRPr>
+                    </a:p>
+                  </a:txBody>
+                  <a:tcPr/>
+                </a:tc>
+                <a:tc>
+                  <a:txBody>
+                    <a:bodyPr/>
                     <a:p>
                       <a:pPr>
                         <a:buNone/>
@@ -4000,45 +3925,75 @@
                         <a:rPr lang="zh-CN" altLang="en-US" sz="1400">
                           <a:sym typeface="+mn-ea"/>
                         </a:rPr>
-                        <a:t>ffmpeg -i </a:t>
+                        <a:t>ffmpeg -i %4d.png </a:t>
                       </a:r>
                       <a:r>
                         <a:rPr lang="en-US" altLang="zh-CN" sz="1400">
                           <a:sym typeface="+mn-ea"/>
                         </a:rPr>
-                        <a:t>input</a:t>
+                        <a:t>-r 20 output</a:t>
                       </a:r>
                       <a:r>
                         <a:rPr lang="zh-CN" altLang="en-US" sz="1400">
                           <a:sym typeface="+mn-ea"/>
                         </a:rPr>
-                        <a:t>.avi -vf </a:t>
-                      </a:r>
+                        <a:t>.mp4</a:t>
+                      </a:r>
+                      <a:endParaRPr lang="zh-CN" altLang="en-US" sz="1400">
+                        <a:sym typeface="+mn-ea"/>
+                      </a:endParaRPr>
+                    </a:p>
+                  </a:txBody>
+                  <a:tcPr/>
+                </a:tc>
+                <a:tc>
+                  <a:txBody>
+                    <a:bodyPr/>
+                    <a:p>
+                      <a:pPr>
+                        <a:buNone/>
+                      </a:pPr>
+                      <a:endParaRPr lang="zh-CN" altLang="en-US" sz="1400"/>
+                    </a:p>
+                  </a:txBody>
+                  <a:tcPr/>
+                </a:tc>
+              </a:tr>
+              <a:tr h="412115">
+                <a:tc>
+                  <a:txBody>
+                    <a:bodyPr/>
+                    <a:p>
+                      <a:pPr>
+                        <a:buNone/>
+                      </a:pPr>
                       <a:r>
                         <a:rPr lang="en-US" altLang="zh-CN" sz="1400">
                           <a:sym typeface="+mn-ea"/>
                         </a:rPr>
-                        <a:t>“ass=subtitle.ass”</a:t>
-                      </a:r>
-                      <a:r>
-                        <a:rPr lang="zh-CN" altLang="en-US" sz="1400">
-                          <a:sym typeface="+mn-ea"/>
-                        </a:rPr>
-                        <a:t> out</a:t>
-                      </a:r>
+                        <a:t>Get frames from image</a:t>
+                      </a:r>
+                      <a:endParaRPr lang="en-US" altLang="zh-CN" sz="1400">
+                        <a:sym typeface="+mn-ea"/>
+                      </a:endParaRPr>
+                    </a:p>
+                  </a:txBody>
+                  <a:tcPr/>
+                </a:tc>
+                <a:tc>
+                  <a:txBody>
+                    <a:bodyPr/>
+                    <a:p>
+                      <a:pPr>
+                        <a:buNone/>
+                      </a:pPr>
                       <a:r>
                         <a:rPr lang="en-US" altLang="zh-CN" sz="1400">
                           <a:sym typeface="+mn-ea"/>
                         </a:rPr>
-                        <a:t>put</a:t>
-                      </a:r>
-                      <a:r>
-                        <a:rPr lang="zh-CN" altLang="en-US" sz="1400">
-                          <a:sym typeface="+mn-ea"/>
-                        </a:rPr>
-                        <a:t>.avi</a:t>
-                      </a:r>
-                      <a:endParaRPr lang="zh-CN" altLang="en-US" sz="1400">
+                        <a:t>ffmpeg -i input.mp4 output/frame%04d.jpg</a:t>
+                      </a:r>
+                      <a:endParaRPr lang="en-US" altLang="zh-CN" sz="1400">
                         <a:sym typeface="+mn-ea"/>
                       </a:endParaRPr>
                     </a:p>
@@ -4052,89 +4007,13 @@
                       <a:pPr>
                         <a:buNone/>
                       </a:pPr>
-                      <a:endParaRPr lang="zh-CN" altLang="en-US" sz="1400"/>
+                      <a:endParaRPr lang="en-US" altLang="zh-CN" sz="1400"/>
                     </a:p>
                   </a:txBody>
                   <a:tcPr/>
                 </a:tc>
               </a:tr>
-              <a:tr h="1371600">
-                <a:tc>
-                  <a:txBody>
-                    <a:bodyPr/>
-                    <a:p>
-                      <a:pPr>
-                        <a:buNone/>
-                      </a:pPr>
-                      <a:r>
-                        <a:rPr lang="en-US" altLang="zh-CN" sz="1400"/>
-                        <a:t>Set h264 encoding params</a:t>
-                      </a:r>
-                      <a:endParaRPr lang="en-US" altLang="zh-CN" sz="1400"/>
-                    </a:p>
-                  </a:txBody>
-                  <a:tcPr/>
-                </a:tc>
-                <a:tc>
-                  <a:txBody>
-                    <a:bodyPr/>
-                    <a:p>
-                      <a:pPr marL="0" lvl="2">
-                        <a:buNone/>
-                      </a:pPr>
-                      <a:r>
-                        <a:rPr lang="en-US" altLang="zh-CN" sz="1400"/>
-                        <a:t>ffmpeg -c:v libx264 -profile:v high/main/baseline -level:v 4.0</a:t>
-                      </a:r>
-                      <a:endParaRPr lang="en-US" altLang="zh-CN" sz="1400"/>
-                    </a:p>
-                    <a:p>
-                      <a:pPr marL="0" lvl="2">
-                        <a:buNone/>
-                      </a:pPr>
-                      <a:r>
-                        <a:rPr lang="en-US" altLang="zh-CN" sz="1400"/>
-                        <a:t>-crf 0~51 (constant rate factor, default 23, 0 lossless, 17/18 nearly lossless)</a:t>
-                      </a:r>
-                      <a:endParaRPr lang="en-US" altLang="zh-CN" sz="1400"/>
-                    </a:p>
-                    <a:p>
-                      <a:pPr marL="0" lvl="2">
-                        <a:buNone/>
-                      </a:pPr>
-                      <a:r>
-                        <a:rPr lang="en-US" altLang="zh-CN" sz="1400"/>
-                        <a:t>// profile: video compression features the player must support</a:t>
-                      </a:r>
-                      <a:endParaRPr lang="en-US" altLang="zh-CN" sz="1400"/>
-                    </a:p>
-                    <a:p>
-                      <a:pPr marL="0" lvl="2">
-                        <a:buNone/>
-                      </a:pPr>
-                      <a:r>
-                        <a:rPr lang="en-US" altLang="zh-CN" sz="1400"/>
-                        <a:t>// level: defines the peak bitrate the player can handle, along with the maximum resolution, and the maximum number of reference frames held in memory during playback</a:t>
-                      </a:r>
-                      <a:endParaRPr lang="en-US" altLang="zh-CN" sz="1400"/>
-                    </a:p>
-                  </a:txBody>
-                  <a:tcPr/>
-                </a:tc>
-                <a:tc>
-                  <a:txBody>
-                    <a:bodyPr/>
-                    <a:p>
-                      <a:pPr>
-                        <a:buNone/>
-                      </a:pPr>
-                      <a:endParaRPr lang="zh-CN" altLang="en-US" sz="1400"/>
-                    </a:p>
-                  </a:txBody>
-                  <a:tcPr/>
-                </a:tc>
-              </a:tr>
-              <a:tr h="518160">
+              <a:tr h="412115">
                 <a:tc>
                   <a:txBody>
                     <a:bodyPr/>
@@ -4146,7 +4025,7 @@
                         <a:rPr lang="en-US" altLang="zh-CN" sz="1400">
                           <a:sym typeface="+mn-ea"/>
                         </a:rPr>
-                        <a:t>Padding</a:t>
+                        <a:t>Extract frames with a ratio</a:t>
                       </a:r>
                       <a:endParaRPr lang="en-US" altLang="zh-CN" sz="1400">
                         <a:sym typeface="+mn-ea"/>
@@ -4166,7 +4045,7 @@
                         <a:rPr lang="en-US" altLang="zh-CN" sz="1400">
                           <a:sym typeface="+mn-ea"/>
                         </a:rPr>
-                        <a:t>ffmpeg -i in.mp4 -vf “pad=width=800:height=600:x=10:y=75:color=black” out.mp4</a:t>
+                        <a:t>ffmpeg -i input.mp4 -r 0.1 ./images/frames_%02d.jpg</a:t>
                       </a:r>
                       <a:endParaRPr lang="en-US" altLang="zh-CN" sz="1400">
                         <a:sym typeface="+mn-ea"/>
@@ -4182,245 +4061,7 @@
                       <a:pPr>
                         <a:buNone/>
                       </a:pPr>
-                      <a:r>
-                        <a:rPr lang="en-US" altLang="zh-CN" sz="1400">
-                          <a:sym typeface="+mn-ea"/>
-                        </a:rPr>
-                        <a:t>x/y: start placing point of the original frame</a:t>
-                      </a:r>
-                      <a:endParaRPr lang="en-US" altLang="zh-CN" sz="1400">
-                        <a:sym typeface="+mn-ea"/>
-                      </a:endParaRPr>
-                    </a:p>
-                  </a:txBody>
-                  <a:tcPr/>
-                </a:tc>
-              </a:tr>
-              <a:tr h="304800">
-                <a:tc>
-                  <a:txBody>
-                    <a:bodyPr/>
-                    <a:p>
-                      <a:pPr>
-                        <a:buNone/>
-                      </a:pPr>
-                      <a:r>
-                        <a:rPr lang="en-US" altLang="zh-CN" sz="1400"/>
-                        <a:t>Web video</a:t>
-                      </a:r>
-                      <a:endParaRPr lang="en-US" altLang="zh-CN" sz="1400"/>
-                    </a:p>
-                  </a:txBody>
-                  <a:tcPr/>
-                </a:tc>
-                <a:tc>
-                  <a:txBody>
-                    <a:bodyPr/>
-                    <a:p>
-                      <a:pPr>
-                        <a:buNone/>
-                      </a:pPr>
-                      <a:r>
-                        <a:rPr lang="zh-CN" altLang="en-US" sz="1400"/>
-                        <a:t>-movflags +faststart</a:t>
-                      </a:r>
                       <a:endParaRPr lang="zh-CN" altLang="en-US" sz="1400"/>
-                    </a:p>
-                  </a:txBody>
-                  <a:tcPr/>
-                </a:tc>
-                <a:tc>
-                  <a:txBody>
-                    <a:bodyPr/>
-                    <a:p>
-                      <a:pPr>
-                        <a:buNone/>
-                      </a:pPr>
-                      <a:endParaRPr lang="zh-CN" altLang="en-US" sz="1400"/>
-                    </a:p>
-                  </a:txBody>
-                  <a:tcPr/>
-                </a:tc>
-              </a:tr>
-              <a:tr h="304800">
-                <a:tc>
-                  <a:txBody>
-                    <a:bodyPr/>
-                    <a:p>
-                      <a:pPr>
-                        <a:buNone/>
-                      </a:pPr>
-                      <a:r>
-                        <a:rPr lang="en-US" altLang="zh-CN" sz="1400"/>
-                        <a:t>Output to gif</a:t>
-                      </a:r>
-                      <a:endParaRPr lang="en-US" altLang="zh-CN" sz="1400"/>
-                    </a:p>
-                  </a:txBody>
-                  <a:tcPr/>
-                </a:tc>
-                <a:tc>
-                  <a:txBody>
-                    <a:bodyPr/>
-                    <a:p>
-                      <a:pPr>
-                        <a:buNone/>
-                      </a:pPr>
-                      <a:r>
-                        <a:rPr lang="en-US" altLang="zh-CN" sz="1400"/>
-                        <a:t>ffmpeg -i input.mp4 -f gif output.gif</a:t>
-                      </a:r>
-                      <a:endParaRPr lang="en-US" altLang="zh-CN" sz="1400"/>
-                    </a:p>
-                  </a:txBody>
-                  <a:tcPr/>
-                </a:tc>
-                <a:tc>
-                  <a:txBody>
-                    <a:bodyPr/>
-                    <a:p>
-                      <a:pPr>
-                        <a:buNone/>
-                      </a:pPr>
-                      <a:endParaRPr lang="zh-CN" altLang="en-US" sz="1400"/>
-                    </a:p>
-                  </a:txBody>
-                  <a:tcPr/>
-                </a:tc>
-              </a:tr>
-              <a:tr h="304800">
-                <a:tc>
-                  <a:txBody>
-                    <a:bodyPr/>
-                    <a:p>
-                      <a:pPr>
-                        <a:buNone/>
-                      </a:pPr>
-                      <a:r>
-                        <a:rPr lang="en-US" altLang="zh-CN" sz="1400"/>
-                        <a:t>Reverse video</a:t>
-                      </a:r>
-                      <a:endParaRPr lang="en-US" altLang="zh-CN" sz="1400"/>
-                    </a:p>
-                  </a:txBody>
-                  <a:tcPr/>
-                </a:tc>
-                <a:tc>
-                  <a:txBody>
-                    <a:bodyPr/>
-                    <a:p>
-                      <a:pPr>
-                        <a:buNone/>
-                      </a:pPr>
-                      <a:r>
-                        <a:rPr sz="1400"/>
-                        <a:t>ffmpeg -i input.mov -filter:v 'reverse' -filter:a 'areverse' output.mov</a:t>
-                      </a:r>
-                      <a:endParaRPr sz="1400"/>
-                    </a:p>
-                  </a:txBody>
-                  <a:tcPr/>
-                </a:tc>
-                <a:tc>
-                  <a:txBody>
-                    <a:bodyPr/>
-                    <a:p>
-                      <a:pPr>
-                        <a:buNone/>
-                      </a:pPr>
-                      <a:endParaRPr lang="zh-CN" altLang="en-US" sz="1400"/>
-                    </a:p>
-                  </a:txBody>
-                  <a:tcPr/>
-                </a:tc>
-              </a:tr>
-              <a:tr h="304800">
-                <a:tc>
-                  <a:txBody>
-                    <a:bodyPr/>
-                    <a:p>
-                      <a:pPr>
-                        <a:buNone/>
-                      </a:pPr>
-                      <a:r>
-                        <a:rPr lang="en-US" altLang="zh-CN" sz="1400"/>
-                        <a:t>Extract audio from video</a:t>
-                      </a:r>
-                      <a:endParaRPr lang="en-US" altLang="zh-CN" sz="1400"/>
-                    </a:p>
-                  </a:txBody>
-                  <a:tcPr/>
-                </a:tc>
-                <a:tc>
-                  <a:txBody>
-                    <a:bodyPr/>
-                    <a:p>
-                      <a:pPr>
-                        <a:buNone/>
-                      </a:pPr>
-                      <a:r>
-                        <a:rPr lang="zh-CN" altLang="en-US" sz="1400"/>
-                        <a:t>ffmpeg -i input.mp4 -vn -ac 2 audio.wav</a:t>
-                      </a:r>
-                      <a:endParaRPr lang="zh-CN" altLang="en-US" sz="1400"/>
-                    </a:p>
-                  </a:txBody>
-                  <a:tcPr/>
-                </a:tc>
-                <a:tc>
-                  <a:txBody>
-                    <a:bodyPr/>
-                    <a:p>
-                      <a:pPr>
-                        <a:buNone/>
-                      </a:pPr>
-                      <a:endParaRPr lang="zh-CN" altLang="en-US" sz="1400"/>
-                    </a:p>
-                  </a:txBody>
-                  <a:tcPr/>
-                </a:tc>
-              </a:tr>
-              <a:tr h="499745">
-                <a:tc>
-                  <a:txBody>
-                    <a:bodyPr/>
-                    <a:p>
-                      <a:pPr>
-                        <a:buNone/>
-                      </a:pPr>
-                      <a:r>
-                        <a:rPr lang="en-US" altLang="zh-CN" sz="1400"/>
-                        <a:t>Convert wav to mp3</a:t>
-                      </a:r>
-                      <a:endParaRPr lang="en-US" altLang="zh-CN" sz="1400"/>
-                    </a:p>
-                  </a:txBody>
-                  <a:tcPr/>
-                </a:tc>
-                <a:tc>
-                  <a:txBody>
-                    <a:bodyPr/>
-                    <a:p>
-                      <a:pPr>
-                        <a:buNone/>
-                      </a:pPr>
-                      <a:r>
-                        <a:rPr lang="en-US" altLang="zh-CN" sz="1400"/>
-                        <a:t>ffmpeg -i input.wav output.mp3</a:t>
-                      </a:r>
-                      <a:endParaRPr lang="en-US" altLang="zh-CN" sz="1400"/>
-                    </a:p>
-                  </a:txBody>
-                  <a:tcPr/>
-                </a:tc>
-                <a:tc>
-                  <a:txBody>
-                    <a:bodyPr/>
-                    <a:p>
-                      <a:pPr>
-                        <a:buNone/>
-                      </a:pPr>
-                      <a:endParaRPr lang="zh-CN" altLang="en-US" sz="1600"/>
                     </a:p>
                   </a:txBody>
                   <a:tcPr/>
@@ -4442,6 +4083,2629 @@
 </file>
 
 <file path=ppt/slides/slide11.xml><?xml version="1.0" encoding="utf-8"?>
+<p:sld xmlns:a="http://schemas.openxmlformats.org/drawingml/2006/main" xmlns:r="http://schemas.openxmlformats.org/officeDocument/2006/relationships" xmlns:p="http://schemas.openxmlformats.org/presentationml/2006/main">
+  <p:cSld>
+    <p:spTree>
+      <p:nvGrpSpPr>
+        <p:cNvPr id="1" name=""/>
+        <p:cNvGrpSpPr/>
+        <p:nvPr/>
+      </p:nvGrpSpPr>
+      <p:grpSpPr/>
+      <p:sp>
+        <p:nvSpPr>
+          <p:cNvPr id="2" name="标题 1"/>
+          <p:cNvSpPr>
+            <a:spLocks noGrp="1"/>
+          </p:cNvSpPr>
+          <p:nvPr>
+            <p:ph type="title"/>
+          </p:nvPr>
+        </p:nvSpPr>
+        <p:spPr/>
+        <p:txBody>
+          <a:bodyPr/>
+          <a:p>
+            <a:r>
+              <a:rPr lang="en-US" altLang="zh-CN"/>
+              <a:t>FFMPEG Video</a:t>
+            </a:r>
+            <a:endParaRPr lang="en-US" altLang="zh-CN"/>
+          </a:p>
+        </p:txBody>
+      </p:sp>
+      <p:graphicFrame>
+        <p:nvGraphicFramePr>
+          <p:cNvPr id="6" name="表格 5"/>
+          <p:cNvGraphicFramePr/>
+          <p:nvPr>
+            <p:custDataLst>
+              <p:tags r:id="rId1"/>
+            </p:custDataLst>
+          </p:nvPr>
+        </p:nvGraphicFramePr>
+        <p:xfrm>
+          <a:off x="676275" y="1177925"/>
+          <a:ext cx="11256645" cy="5434965"/>
+        </p:xfrm>
+        <a:graphic>
+          <a:graphicData uri="http://schemas.openxmlformats.org/drawingml/2006/table">
+            <a:tbl>
+              <a:tblPr firstRow="1" bandRow="1">
+                <a:tableStyleId>{5C22544A-7EE6-4342-B048-85BDC9FD1C3A}</a:tableStyleId>
+              </a:tblPr>
+              <a:tblGrid>
+                <a:gridCol w="2413635"/>
+                <a:gridCol w="5369560"/>
+                <a:gridCol w="3473450"/>
+              </a:tblGrid>
+              <a:tr h="365760">
+                <a:tc>
+                  <a:txBody>
+                    <a:bodyPr/>
+                    <a:p>
+                      <a:pPr algn="ctr">
+                        <a:buNone/>
+                      </a:pPr>
+                      <a:r>
+                        <a:rPr lang="en-US" altLang="zh-CN"/>
+                        <a:t>Task</a:t>
+                      </a:r>
+                      <a:endParaRPr lang="en-US" altLang="zh-CN"/>
+                    </a:p>
+                  </a:txBody>
+                  <a:tcPr/>
+                </a:tc>
+                <a:tc>
+                  <a:txBody>
+                    <a:bodyPr/>
+                    <a:p>
+                      <a:pPr algn="ctr">
+                        <a:buNone/>
+                      </a:pPr>
+                      <a:r>
+                        <a:rPr lang="en-US" altLang="zh-CN"/>
+                        <a:t>Commands</a:t>
+                      </a:r>
+                      <a:endParaRPr lang="en-US" altLang="zh-CN"/>
+                    </a:p>
+                  </a:txBody>
+                  <a:tcPr/>
+                </a:tc>
+                <a:tc>
+                  <a:txBody>
+                    <a:bodyPr/>
+                    <a:p>
+                      <a:pPr algn="ctr">
+                        <a:buNone/>
+                      </a:pPr>
+                      <a:r>
+                        <a:rPr lang="en-US" altLang="zh-CN"/>
+                        <a:t>Note</a:t>
+                      </a:r>
+                      <a:endParaRPr lang="en-US" altLang="zh-CN"/>
+                    </a:p>
+                  </a:txBody>
+                  <a:tcPr/>
+                </a:tc>
+              </a:tr>
+              <a:tr h="518160">
+                <a:tc>
+                  <a:txBody>
+                    <a:bodyPr/>
+                    <a:p>
+                      <a:pPr>
+                        <a:buNone/>
+                      </a:pPr>
+                      <a:r>
+                        <a:rPr lang="en-US" altLang="zh-CN" sz="1400"/>
+                        <a:t>Change video size</a:t>
+                      </a:r>
+                      <a:endParaRPr lang="en-US" altLang="zh-CN" sz="1400"/>
+                    </a:p>
+                  </a:txBody>
+                  <a:tcPr/>
+                </a:tc>
+                <a:tc>
+                  <a:txBody>
+                    <a:bodyPr/>
+                    <a:p>
+                      <a:pPr marL="0" lvl="2">
+                        <a:buNone/>
+                      </a:pPr>
+                      <a:r>
+                        <a:rPr lang="en-US" altLang="zh-CN" sz="1400">
+                          <a:sym typeface="+mn-ea"/>
+                        </a:rPr>
+                        <a:t>ffmpeg -i input.avi -s 720x480 -c:a copy output.avi</a:t>
+                      </a:r>
+                      <a:endParaRPr lang="en-US" altLang="zh-CN" sz="1400">
+                        <a:sym typeface="+mn-ea"/>
+                      </a:endParaRPr>
+                    </a:p>
+                    <a:p>
+                      <a:pPr marL="0" lvl="2">
+                        <a:buNone/>
+                      </a:pPr>
+                      <a:r>
+                        <a:rPr lang="en-US" altLang="zh-CN" sz="1400">
+                          <a:sym typeface="+mn-ea"/>
+                        </a:rPr>
+                        <a:t>ffmpeg -i input.avi -filter:v scale=720:-1 -c:a copy output.avi</a:t>
+                      </a:r>
+                      <a:endParaRPr lang="en-US" altLang="zh-CN" sz="1400">
+                        <a:sym typeface="+mn-ea"/>
+                      </a:endParaRPr>
+                    </a:p>
+                  </a:txBody>
+                  <a:tcPr/>
+                </a:tc>
+                <a:tc>
+                  <a:txBody>
+                    <a:bodyPr/>
+                    <a:p>
+                      <a:pPr>
+                        <a:buNone/>
+                      </a:pPr>
+                      <a:endParaRPr lang="zh-CN" altLang="en-US" sz="1400"/>
+                    </a:p>
+                  </a:txBody>
+                  <a:tcPr/>
+                </a:tc>
+              </a:tr>
+              <a:tr h="304800">
+                <a:tc>
+                  <a:txBody>
+                    <a:bodyPr/>
+                    <a:p>
+                      <a:pPr>
+                        <a:buNone/>
+                      </a:pPr>
+                      <a:r>
+                        <a:rPr lang="en-US" altLang="zh-CN" sz="1400"/>
+                        <a:t>Crop video</a:t>
+                      </a:r>
+                      <a:endParaRPr lang="en-US" altLang="zh-CN" sz="1400"/>
+                    </a:p>
+                  </a:txBody>
+                  <a:tcPr/>
+                </a:tc>
+                <a:tc>
+                  <a:txBody>
+                    <a:bodyPr/>
+                    <a:p>
+                      <a:pPr>
+                        <a:buNone/>
+                      </a:pPr>
+                      <a:r>
+                        <a:rPr lang="en-US" altLang="zh-CN" sz="1400">
+                          <a:sym typeface="+mn-ea"/>
+                        </a:rPr>
+                        <a:t>ffmpeg -i input.mp4 -filter:v "crop=w:h:x:y" output.mp4</a:t>
+                      </a:r>
+                      <a:endParaRPr lang="en-US" altLang="zh-CN" sz="1400">
+                        <a:sym typeface="+mn-ea"/>
+                      </a:endParaRPr>
+                    </a:p>
+                  </a:txBody>
+                  <a:tcPr/>
+                </a:tc>
+                <a:tc>
+                  <a:txBody>
+                    <a:bodyPr/>
+                    <a:p>
+                      <a:pPr>
+                        <a:buNone/>
+                      </a:pPr>
+                      <a:endParaRPr lang="zh-CN" altLang="en-US" sz="1400"/>
+                    </a:p>
+                  </a:txBody>
+                  <a:tcPr/>
+                </a:tc>
+              </a:tr>
+              <a:tr h="518160">
+                <a:tc>
+                  <a:txBody>
+                    <a:bodyPr/>
+                    <a:p>
+                      <a:pPr>
+                        <a:buNone/>
+                      </a:pPr>
+                      <a:r>
+                        <a:rPr lang="en-US" altLang="zh-CN" sz="1400"/>
+                        <a:t>Change fps</a:t>
+                      </a:r>
+                      <a:endParaRPr lang="en-US" altLang="zh-CN" sz="1400"/>
+                    </a:p>
+                  </a:txBody>
+                  <a:tcPr/>
+                </a:tc>
+                <a:tc>
+                  <a:txBody>
+                    <a:bodyPr/>
+                    <a:p>
+                      <a:pPr>
+                        <a:buNone/>
+                      </a:pPr>
+                      <a:r>
+                        <a:rPr lang="en-US" altLang="zh-CN" sz="1400">
+                          <a:sym typeface="+mn-ea"/>
+                        </a:rPr>
+                        <a:t>ffmpeg -i input.mp4 -r 30 output.mp4</a:t>
+                      </a:r>
+                      <a:endParaRPr lang="en-US" altLang="zh-CN" sz="1400">
+                        <a:sym typeface="+mn-ea"/>
+                      </a:endParaRPr>
+                    </a:p>
+                  </a:txBody>
+                  <a:tcPr/>
+                </a:tc>
+                <a:tc>
+                  <a:txBody>
+                    <a:bodyPr/>
+                    <a:p>
+                      <a:pPr>
+                        <a:buNone/>
+                      </a:pPr>
+                      <a:r>
+                        <a:rPr lang="en-US" altLang="zh-CN" sz="1400">
+                          <a:sym typeface="+mn-ea"/>
+                        </a:rPr>
+                        <a:t>video lengh not changed, frames added or removed</a:t>
+                      </a:r>
+                      <a:endParaRPr lang="en-US" altLang="zh-CN" sz="1400">
+                        <a:sym typeface="+mn-ea"/>
+                      </a:endParaRPr>
+                    </a:p>
+                  </a:txBody>
+                  <a:tcPr/>
+                </a:tc>
+              </a:tr>
+              <a:tr h="518160">
+                <a:tc>
+                  <a:txBody>
+                    <a:bodyPr/>
+                    <a:p>
+                      <a:pPr>
+                        <a:buNone/>
+                      </a:pPr>
+                      <a:r>
+                        <a:rPr lang="en-US" altLang="zh-CN" sz="1400">
+                          <a:sym typeface="+mn-ea"/>
+                        </a:rPr>
+                        <a:t>Add logo to video (bottom-right)</a:t>
+                      </a:r>
+                      <a:endParaRPr lang="en-US" altLang="zh-CN" sz="1400">
+                        <a:sym typeface="+mn-ea"/>
+                      </a:endParaRPr>
+                    </a:p>
+                  </a:txBody>
+                  <a:tcPr/>
+                </a:tc>
+                <a:tc>
+                  <a:txBody>
+                    <a:bodyPr/>
+                    <a:p>
+                      <a:pPr>
+                        <a:buNone/>
+                      </a:pPr>
+                      <a:r>
+                        <a:rPr lang="zh-CN" altLang="en-US" sz="1400">
+                          <a:sym typeface="+mn-ea"/>
+                        </a:rPr>
+                        <a:t>ffmpeg -i vt.mp4 -i vhuantech-org.png -filter_complex "overlay=W-w-5:H-h-5" -codec:a copy TempleOfHeaven.mp4</a:t>
+                      </a:r>
+                      <a:endParaRPr lang="zh-CN" altLang="en-US" sz="1400">
+                        <a:sym typeface="+mn-ea"/>
+                      </a:endParaRPr>
+                    </a:p>
+                  </a:txBody>
+                  <a:tcPr/>
+                </a:tc>
+                <a:tc>
+                  <a:txBody>
+                    <a:bodyPr/>
+                    <a:p>
+                      <a:pPr>
+                        <a:buNone/>
+                      </a:pPr>
+                      <a:endParaRPr lang="zh-CN" altLang="en-US" sz="1400"/>
+                    </a:p>
+                  </a:txBody>
+                  <a:tcPr/>
+                </a:tc>
+              </a:tr>
+              <a:tr h="731520">
+                <a:tc>
+                  <a:txBody>
+                    <a:bodyPr/>
+                    <a:p>
+                      <a:pPr>
+                        <a:buNone/>
+                      </a:pPr>
+                      <a:r>
+                        <a:rPr lang="en-US" altLang="zh-CN" sz="1400"/>
+                        <a:t>Speed up or slow down</a:t>
+                      </a:r>
+                      <a:endParaRPr lang="en-US" altLang="zh-CN" sz="1400"/>
+                    </a:p>
+                  </a:txBody>
+                  <a:tcPr/>
+                </a:tc>
+                <a:tc>
+                  <a:txBody>
+                    <a:bodyPr/>
+                    <a:p>
+                      <a:pPr>
+                        <a:buNone/>
+                      </a:pPr>
+                      <a:r>
+                        <a:rPr lang="en-US" altLang="zh-CN" sz="1400">
+                          <a:sym typeface="+mn-ea"/>
+                        </a:rPr>
+                        <a:t>ffmpeg -i input.mp4 -filter:v “setpts=0.6*PTS” output.mp4</a:t>
+                      </a:r>
+                      <a:endParaRPr lang="en-US" altLang="zh-CN" sz="1400">
+                        <a:sym typeface="+mn-ea"/>
+                      </a:endParaRPr>
+                    </a:p>
+                  </a:txBody>
+                  <a:tcPr/>
+                </a:tc>
+                <a:tc>
+                  <a:txBody>
+                    <a:bodyPr/>
+                    <a:p>
+                      <a:pPr>
+                        <a:buNone/>
+                      </a:pPr>
+                      <a:r>
+                        <a:rPr lang="en-US" altLang="zh-CN" sz="1400">
+                          <a:sym typeface="+mn-ea"/>
+                        </a:rPr>
+                        <a:t>fps not changed, video length changed, frames added or removed</a:t>
+                      </a:r>
+                      <a:endParaRPr lang="en-US" altLang="zh-CN" sz="1400">
+                        <a:sym typeface="+mn-ea"/>
+                      </a:endParaRPr>
+                    </a:p>
+                    <a:p>
+                      <a:pPr>
+                        <a:buNone/>
+                      </a:pPr>
+                      <a:r>
+                        <a:rPr lang="en-US" altLang="zh-CN" sz="1400">
+                          <a:sym typeface="+mn-ea"/>
+                        </a:rPr>
+                        <a:t>PTS: presentation timestamp</a:t>
+                      </a:r>
+                      <a:endParaRPr lang="en-US" altLang="zh-CN" sz="1400">
+                        <a:sym typeface="+mn-ea"/>
+                      </a:endParaRPr>
+                    </a:p>
+                  </a:txBody>
+                  <a:tcPr/>
+                </a:tc>
+              </a:tr>
+              <a:tr h="436245">
+                <a:tc>
+                  <a:txBody>
+                    <a:bodyPr/>
+                    <a:p>
+                      <a:pPr>
+                        <a:buNone/>
+                      </a:pPr>
+                      <a:r>
+                        <a:rPr lang="en-US" altLang="zh-CN" sz="1400"/>
+                        <a:t>Generate video from image</a:t>
+                      </a:r>
+                      <a:endParaRPr lang="en-US" altLang="zh-CN" sz="1400"/>
+                    </a:p>
+                  </a:txBody>
+                  <a:tcPr/>
+                </a:tc>
+                <a:tc>
+                  <a:txBody>
+                    <a:bodyPr/>
+                    <a:p>
+                      <a:pPr>
+                        <a:buNone/>
+                      </a:pPr>
+                      <a:r>
+                        <a:rPr lang="en-US" altLang="zh-CN" sz="1400">
+                          <a:sym typeface="+mn-ea"/>
+                        </a:rPr>
+                        <a:t>ffmpeg -loop 1 -i image.png -t 3  out.mp4</a:t>
+                      </a:r>
+                      <a:endParaRPr lang="en-US" altLang="zh-CN" sz="1400">
+                        <a:sym typeface="+mn-ea"/>
+                      </a:endParaRPr>
+                    </a:p>
+                  </a:txBody>
+                  <a:tcPr/>
+                </a:tc>
+                <a:tc>
+                  <a:txBody>
+                    <a:bodyPr/>
+                    <a:p>
+                      <a:pPr>
+                        <a:buNone/>
+                      </a:pPr>
+                      <a:endParaRPr lang="en-US" altLang="zh-CN" sz="1400">
+                        <a:sym typeface="+mn-ea"/>
+                      </a:endParaRPr>
+                    </a:p>
+                  </a:txBody>
+                  <a:tcPr/>
+                </a:tc>
+              </a:tr>
+              <a:tr h="304800">
+                <a:tc>
+                  <a:txBody>
+                    <a:bodyPr/>
+                    <a:p>
+                      <a:pPr>
+                        <a:buNone/>
+                      </a:pPr>
+                      <a:r>
+                        <a:rPr lang="en-US" altLang="zh-CN" sz="1400"/>
+                        <a:t>Output to gif</a:t>
+                      </a:r>
+                      <a:endParaRPr lang="en-US" altLang="zh-CN" sz="1400"/>
+                    </a:p>
+                  </a:txBody>
+                  <a:tcPr/>
+                </a:tc>
+                <a:tc>
+                  <a:txBody>
+                    <a:bodyPr/>
+                    <a:p>
+                      <a:pPr>
+                        <a:buNone/>
+                      </a:pPr>
+                      <a:r>
+                        <a:rPr lang="en-US" altLang="zh-CN" sz="1400"/>
+                        <a:t>ffmpeg -i input.mp4 -f gif output.gif</a:t>
+                      </a:r>
+                      <a:endParaRPr lang="en-US" altLang="zh-CN" sz="1400"/>
+                    </a:p>
+                  </a:txBody>
+                  <a:tcPr/>
+                </a:tc>
+                <a:tc>
+                  <a:txBody>
+                    <a:bodyPr/>
+                    <a:p>
+                      <a:pPr>
+                        <a:buNone/>
+                      </a:pPr>
+                      <a:endParaRPr lang="zh-CN" altLang="en-US" sz="1400"/>
+                    </a:p>
+                  </a:txBody>
+                  <a:tcPr/>
+                </a:tc>
+              </a:tr>
+              <a:tr h="304800">
+                <a:tc>
+                  <a:txBody>
+                    <a:bodyPr/>
+                    <a:p>
+                      <a:pPr>
+                        <a:buNone/>
+                      </a:pPr>
+                      <a:r>
+                        <a:rPr lang="en-US" altLang="zh-CN" sz="1400"/>
+                        <a:t>Reverse video</a:t>
+                      </a:r>
+                      <a:endParaRPr lang="en-US" altLang="zh-CN" sz="1400"/>
+                    </a:p>
+                  </a:txBody>
+                  <a:tcPr/>
+                </a:tc>
+                <a:tc>
+                  <a:txBody>
+                    <a:bodyPr/>
+                    <a:p>
+                      <a:pPr>
+                        <a:buNone/>
+                      </a:pPr>
+                      <a:r>
+                        <a:rPr sz="1400"/>
+                        <a:t>ffmpeg -i input.mov -filter:v 'reverse' -filter:a 'areverse' output.mov</a:t>
+                      </a:r>
+                      <a:endParaRPr sz="1400"/>
+                    </a:p>
+                  </a:txBody>
+                  <a:tcPr/>
+                </a:tc>
+                <a:tc>
+                  <a:txBody>
+                    <a:bodyPr/>
+                    <a:p>
+                      <a:pPr>
+                        <a:buNone/>
+                      </a:pPr>
+                      <a:endParaRPr lang="zh-CN" altLang="en-US" sz="1400"/>
+                    </a:p>
+                  </a:txBody>
+                  <a:tcPr/>
+                </a:tc>
+              </a:tr>
+              <a:tr h="518160">
+                <a:tc>
+                  <a:txBody>
+                    <a:bodyPr/>
+                    <a:p>
+                      <a:pPr>
+                        <a:buNone/>
+                      </a:pPr>
+                      <a:r>
+                        <a:rPr lang="en-US" altLang="zh-CN" sz="1400"/>
+                        <a:t>Rotate video</a:t>
+                      </a:r>
+                      <a:endParaRPr lang="en-US" altLang="zh-CN" sz="1400"/>
+                    </a:p>
+                  </a:txBody>
+                  <a:tcPr/>
+                </a:tc>
+                <a:tc>
+                  <a:txBody>
+                    <a:bodyPr/>
+                    <a:p>
+                      <a:pPr>
+                        <a:buNone/>
+                      </a:pPr>
+                      <a:r>
+                        <a:rPr lang="zh-CN" altLang="en-US" sz="1400"/>
+                        <a:t>ffmpeg -i input.mp4 -filter:v 'transpose=1' rotated-video.mp4</a:t>
+                      </a:r>
+                      <a:endParaRPr lang="zh-CN" altLang="en-US" sz="1400"/>
+                    </a:p>
+                    <a:p>
+                      <a:pPr>
+                        <a:buNone/>
+                      </a:pPr>
+                      <a:r>
+                        <a:rPr lang="en-US" altLang="zh-CN" sz="1400"/>
+                        <a:t>// 1: 90 counter-clockwise, 2: 90 clockwise</a:t>
+                      </a:r>
+                      <a:endParaRPr lang="en-US" altLang="zh-CN" sz="1400"/>
+                    </a:p>
+                  </a:txBody>
+                  <a:tcPr/>
+                </a:tc>
+                <a:tc>
+                  <a:txBody>
+                    <a:bodyPr/>
+                    <a:p>
+                      <a:pPr>
+                        <a:buNone/>
+                      </a:pPr>
+                      <a:endParaRPr lang="zh-CN" altLang="en-US" sz="1400"/>
+                    </a:p>
+                  </a:txBody>
+                  <a:tcPr/>
+                </a:tc>
+              </a:tr>
+              <a:tr h="304800">
+                <a:tc>
+                  <a:txBody>
+                    <a:bodyPr/>
+                    <a:p>
+                      <a:pPr>
+                        <a:buNone/>
+                      </a:pPr>
+                      <a:r>
+                        <a:rPr lang="en-US" altLang="zh-CN" sz="1400"/>
+                        <a:t>Truncate video</a:t>
+                      </a:r>
+                      <a:endParaRPr lang="en-US" altLang="zh-CN" sz="1400"/>
+                    </a:p>
+                  </a:txBody>
+                  <a:tcPr/>
+                </a:tc>
+                <a:tc>
+                  <a:txBody>
+                    <a:bodyPr/>
+                    <a:p>
+                      <a:pPr>
+                        <a:buNone/>
+                      </a:pPr>
+                      <a:r>
+                        <a:rPr lang="en-US" altLang="zh-CN" sz="1400">
+                          <a:sym typeface="+mn-ea"/>
+                        </a:rPr>
+                        <a:t>ffmpeg -ss 10 -i input.mp3 -t 6 output.mp3</a:t>
+                      </a:r>
+                      <a:endParaRPr lang="en-US" altLang="zh-CN" sz="1400">
+                        <a:sym typeface="+mn-ea"/>
+                      </a:endParaRPr>
+                    </a:p>
+                  </a:txBody>
+                  <a:tcPr/>
+                </a:tc>
+                <a:tc>
+                  <a:txBody>
+                    <a:bodyPr/>
+                    <a:p>
+                      <a:pPr>
+                        <a:buNone/>
+                      </a:pPr>
+                      <a:endParaRPr lang="zh-CN" altLang="en-US" sz="1400"/>
+                    </a:p>
+                  </a:txBody>
+                  <a:tcPr/>
+                </a:tc>
+              </a:tr>
+              <a:tr h="304800">
+                <a:tc>
+                  <a:txBody>
+                    <a:bodyPr/>
+                    <a:p>
+                      <a:pPr>
+                        <a:buNone/>
+                      </a:pPr>
+                      <a:r>
+                        <a:rPr lang="en-US" altLang="zh-CN" sz="1400">
+                          <a:sym typeface="+mn-ea"/>
+                        </a:rPr>
+                        <a:t>Concat video files</a:t>
+                      </a:r>
+                      <a:endParaRPr lang="en-US" altLang="zh-CN" sz="1400">
+                        <a:sym typeface="+mn-ea"/>
+                      </a:endParaRPr>
+                    </a:p>
+                  </a:txBody>
+                  <a:tcPr/>
+                </a:tc>
+                <a:tc>
+                  <a:txBody>
+                    <a:bodyPr/>
+                    <a:p>
+                      <a:pPr marL="0" lvl="2">
+                        <a:buNone/>
+                      </a:pPr>
+                      <a:r>
+                        <a:rPr lang="en-US" altLang="zh-CN" sz="1400">
+                          <a:sym typeface="+mn-ea"/>
+                        </a:rPr>
+                        <a:t>ffmpeg -f concat -safe 0 -i mylist.txt -c copy output.mp4</a:t>
+                      </a:r>
+                      <a:endParaRPr lang="en-US" altLang="zh-CN" sz="1400">
+                        <a:sym typeface="+mn-ea"/>
+                      </a:endParaRPr>
+                    </a:p>
+                  </a:txBody>
+                  <a:tcPr/>
+                </a:tc>
+                <a:tc>
+                  <a:txBody>
+                    <a:bodyPr/>
+                    <a:p>
+                      <a:pPr>
+                        <a:buNone/>
+                      </a:pPr>
+                      <a:r>
+                        <a:rPr lang="en-US" altLang="zh-CN" sz="1400"/>
+                        <a:t>mylist.txt: </a:t>
+                      </a:r>
+                      <a:r>
+                        <a:rPr lang="en-US" altLang="zh-CN" sz="1400">
+                          <a:sym typeface="+mn-ea"/>
+                        </a:rPr>
+                        <a:t>file 'filename1'</a:t>
+                      </a:r>
+                      <a:endParaRPr lang="en-US" altLang="zh-CN" sz="1400">
+                        <a:sym typeface="+mn-ea"/>
+                      </a:endParaRPr>
+                    </a:p>
+                  </a:txBody>
+                  <a:tcPr/>
+                </a:tc>
+              </a:tr>
+              <a:tr h="304800">
+                <a:tc>
+                  <a:txBody>
+                    <a:bodyPr/>
+                    <a:p>
+                      <a:pPr>
+                        <a:buNone/>
+                      </a:pPr>
+                      <a:r>
+                        <a:rPr lang="en-US" altLang="zh-CN" sz="1400"/>
+                        <a:t>Change video codec</a:t>
+                      </a:r>
+                      <a:endParaRPr lang="en-US" altLang="zh-CN" sz="1400"/>
+                    </a:p>
+                  </a:txBody>
+                  <a:tcPr/>
+                </a:tc>
+                <a:tc>
+                  <a:txBody>
+                    <a:bodyPr/>
+                    <a:p>
+                      <a:pPr marL="0" lvl="2">
+                        <a:buNone/>
+                      </a:pPr>
+                      <a:r>
+                        <a:rPr lang="en-US" altLang="zh-CN" sz="1400">
+                          <a:sym typeface="+mn-ea"/>
+                        </a:rPr>
+                        <a:t>ffmpeg -i in.mpg -c:v libx264 out.mp4</a:t>
+                      </a:r>
+                      <a:endParaRPr lang="en-US" altLang="zh-CN" sz="1400">
+                        <a:sym typeface="+mn-ea"/>
+                      </a:endParaRPr>
+                    </a:p>
+                  </a:txBody>
+                  <a:tcPr/>
+                </a:tc>
+                <a:tc>
+                  <a:txBody>
+                    <a:bodyPr/>
+                    <a:p>
+                      <a:pPr>
+                        <a:buNone/>
+                      </a:pPr>
+                      <a:endParaRPr lang="zh-CN" altLang="en-US" sz="1400"/>
+                    </a:p>
+                  </a:txBody>
+                  <a:tcPr/>
+                </a:tc>
+              </a:tr>
+            </a:tbl>
+          </a:graphicData>
+        </a:graphic>
+      </p:graphicFrame>
+    </p:spTree>
+    <p:custDataLst>
+      <p:tags r:id="rId2"/>
+    </p:custDataLst>
+  </p:cSld>
+  <p:clrMapOvr>
+    <a:masterClrMapping/>
+  </p:clrMapOvr>
+</p:sld>
+</file>
+
+<file path=ppt/slides/slide12.xml><?xml version="1.0" encoding="utf-8"?>
+<p:sld xmlns:a="http://schemas.openxmlformats.org/drawingml/2006/main" xmlns:r="http://schemas.openxmlformats.org/officeDocument/2006/relationships" xmlns:p="http://schemas.openxmlformats.org/presentationml/2006/main">
+  <p:cSld>
+    <p:spTree>
+      <p:nvGrpSpPr>
+        <p:cNvPr id="1" name=""/>
+        <p:cNvGrpSpPr/>
+        <p:nvPr/>
+      </p:nvGrpSpPr>
+      <p:grpSpPr/>
+      <p:sp>
+        <p:nvSpPr>
+          <p:cNvPr id="2" name="标题 1"/>
+          <p:cNvSpPr>
+            <a:spLocks noGrp="1"/>
+          </p:cNvSpPr>
+          <p:nvPr>
+            <p:ph type="title"/>
+          </p:nvPr>
+        </p:nvSpPr>
+        <p:spPr/>
+        <p:txBody>
+          <a:bodyPr/>
+          <a:p>
+            <a:r>
+              <a:rPr lang="en-US" altLang="zh-CN"/>
+              <a:t>FFMPEG Video 2</a:t>
+            </a:r>
+            <a:endParaRPr lang="en-US" altLang="zh-CN"/>
+          </a:p>
+        </p:txBody>
+      </p:sp>
+      <p:graphicFrame>
+        <p:nvGraphicFramePr>
+          <p:cNvPr id="6" name="表格 5"/>
+          <p:cNvGraphicFramePr/>
+          <p:nvPr>
+            <p:custDataLst>
+              <p:tags r:id="rId1"/>
+            </p:custDataLst>
+          </p:nvPr>
+        </p:nvGraphicFramePr>
+        <p:xfrm>
+          <a:off x="676275" y="1177925"/>
+          <a:ext cx="11256645" cy="3901440"/>
+        </p:xfrm>
+        <a:graphic>
+          <a:graphicData uri="http://schemas.openxmlformats.org/drawingml/2006/table">
+            <a:tbl>
+              <a:tblPr firstRow="1" bandRow="1">
+                <a:tableStyleId>{5C22544A-7EE6-4342-B048-85BDC9FD1C3A}</a:tableStyleId>
+              </a:tblPr>
+              <a:tblGrid>
+                <a:gridCol w="2114550"/>
+                <a:gridCol w="7412355"/>
+                <a:gridCol w="1729740"/>
+              </a:tblGrid>
+              <a:tr h="365760">
+                <a:tc>
+                  <a:txBody>
+                    <a:bodyPr/>
+                    <a:p>
+                      <a:pPr algn="ctr">
+                        <a:buNone/>
+                      </a:pPr>
+                      <a:r>
+                        <a:rPr lang="en-US" altLang="zh-CN"/>
+                        <a:t>Task</a:t>
+                      </a:r>
+                      <a:endParaRPr lang="en-US" altLang="zh-CN"/>
+                    </a:p>
+                  </a:txBody>
+                  <a:tcPr/>
+                </a:tc>
+                <a:tc>
+                  <a:txBody>
+                    <a:bodyPr/>
+                    <a:p>
+                      <a:pPr algn="ctr">
+                        <a:buNone/>
+                      </a:pPr>
+                      <a:r>
+                        <a:rPr lang="en-US" altLang="zh-CN"/>
+                        <a:t>Commands</a:t>
+                      </a:r>
+                      <a:endParaRPr lang="en-US" altLang="zh-CN"/>
+                    </a:p>
+                  </a:txBody>
+                  <a:tcPr/>
+                </a:tc>
+                <a:tc>
+                  <a:txBody>
+                    <a:bodyPr/>
+                    <a:p>
+                      <a:pPr algn="ctr">
+                        <a:buNone/>
+                      </a:pPr>
+                      <a:r>
+                        <a:rPr lang="en-US" altLang="zh-CN"/>
+                        <a:t>Note</a:t>
+                      </a:r>
+                      <a:endParaRPr lang="en-US" altLang="zh-CN"/>
+                    </a:p>
+                  </a:txBody>
+                  <a:tcPr/>
+                </a:tc>
+              </a:tr>
+              <a:tr h="1371600">
+                <a:tc>
+                  <a:txBody>
+                    <a:bodyPr/>
+                    <a:p>
+                      <a:pPr>
+                        <a:buNone/>
+                      </a:pPr>
+                      <a:r>
+                        <a:rPr lang="en-US" altLang="zh-CN" sz="1400"/>
+                        <a:t>Set h264 encoding params</a:t>
+                      </a:r>
+                      <a:endParaRPr lang="en-US" altLang="zh-CN" sz="1400"/>
+                    </a:p>
+                  </a:txBody>
+                  <a:tcPr/>
+                </a:tc>
+                <a:tc>
+                  <a:txBody>
+                    <a:bodyPr/>
+                    <a:p>
+                      <a:pPr marL="0" lvl="2">
+                        <a:buNone/>
+                      </a:pPr>
+                      <a:r>
+                        <a:rPr lang="en-US" altLang="zh-CN" sz="1400"/>
+                        <a:t>ffmpeg -c:v libx264 -profile:v high/main/baseline -level:v 4.0</a:t>
+                      </a:r>
+                      <a:endParaRPr lang="en-US" altLang="zh-CN" sz="1400"/>
+                    </a:p>
+                    <a:p>
+                      <a:pPr marL="0" lvl="2">
+                        <a:buNone/>
+                      </a:pPr>
+                      <a:r>
+                        <a:rPr lang="en-US" altLang="zh-CN" sz="1400"/>
+                        <a:t>-crf 0~51 (constant rate factor, default 23, 0 lossless, 17/18 nearly lossless)</a:t>
+                      </a:r>
+                      <a:endParaRPr lang="en-US" altLang="zh-CN" sz="1400"/>
+                    </a:p>
+                    <a:p>
+                      <a:pPr marL="0" lvl="2">
+                        <a:buNone/>
+                      </a:pPr>
+                      <a:r>
+                        <a:rPr lang="en-US" altLang="zh-CN" sz="1400"/>
+                        <a:t>-preset   // encoding speed, ultrafast, superfast, veryfast, faster, fast, medium (the default), slow, slower, veryslow. A slower preset provides better compression (quality per file size) but is slower. </a:t>
+                      </a:r>
+                      <a:endParaRPr lang="en-US" altLang="zh-CN" sz="1400"/>
+                    </a:p>
+                    <a:p>
+                      <a:pPr marL="0" lvl="2">
+                        <a:buNone/>
+                      </a:pPr>
+                      <a:r>
+                        <a:rPr lang="en-US" altLang="zh-CN" sz="1400"/>
+                        <a:t>-b:a 128k  // set audio bitrate to 128K</a:t>
+                      </a:r>
+                      <a:endParaRPr lang="en-US" altLang="zh-CN" sz="1400"/>
+                    </a:p>
+                    <a:p>
+                      <a:pPr marL="0" lvl="2">
+                        <a:buNone/>
+                      </a:pPr>
+                      <a:r>
+                        <a:rPr lang="en-US" altLang="zh-CN" sz="1400"/>
+                        <a:t>// profile: video compression features the player must support</a:t>
+                      </a:r>
+                      <a:endParaRPr lang="en-US" altLang="zh-CN" sz="1400"/>
+                    </a:p>
+                    <a:p>
+                      <a:pPr marL="0" lvl="2">
+                        <a:buNone/>
+                      </a:pPr>
+                      <a:r>
+                        <a:rPr lang="en-US" altLang="zh-CN" sz="1400"/>
+                        <a:t>// level: defines the peak bitrate the player can handle, along with the maximum resolution, and the maximum number of reference frames held in memory during playback</a:t>
+                      </a:r>
+                      <a:endParaRPr lang="en-US" altLang="zh-CN" sz="1400"/>
+                    </a:p>
+                  </a:txBody>
+                  <a:tcPr/>
+                </a:tc>
+                <a:tc>
+                  <a:txBody>
+                    <a:bodyPr/>
+                    <a:p>
+                      <a:pPr>
+                        <a:buNone/>
+                      </a:pPr>
+                      <a:endParaRPr lang="en-US" altLang="zh-CN" sz="1400"/>
+                    </a:p>
+                  </a:txBody>
+                  <a:tcPr/>
+                </a:tc>
+              </a:tr>
+              <a:tr h="518160">
+                <a:tc>
+                  <a:txBody>
+                    <a:bodyPr/>
+                    <a:p>
+                      <a:pPr>
+                        <a:buNone/>
+                      </a:pPr>
+                      <a:r>
+                        <a:rPr lang="en-US" altLang="zh-CN" sz="1400">
+                          <a:sym typeface="+mn-ea"/>
+                        </a:rPr>
+                        <a:t>Padding</a:t>
+                      </a:r>
+                      <a:endParaRPr lang="en-US" altLang="zh-CN" sz="1400">
+                        <a:sym typeface="+mn-ea"/>
+                      </a:endParaRPr>
+                    </a:p>
+                  </a:txBody>
+                  <a:tcPr/>
+                </a:tc>
+                <a:tc>
+                  <a:txBody>
+                    <a:bodyPr/>
+                    <a:p>
+                      <a:pPr>
+                        <a:buNone/>
+                      </a:pPr>
+                      <a:r>
+                        <a:rPr lang="en-US" altLang="zh-CN" sz="1400">
+                          <a:sym typeface="+mn-ea"/>
+                        </a:rPr>
+                        <a:t>ffmpeg -i in.mp4 -vf “pad=width=800:height=600:x=10:y=75:color=black” out.mp4</a:t>
+                      </a:r>
+                      <a:endParaRPr lang="en-US" altLang="zh-CN" sz="1400">
+                        <a:sym typeface="+mn-ea"/>
+                      </a:endParaRPr>
+                    </a:p>
+                  </a:txBody>
+                  <a:tcPr/>
+                </a:tc>
+                <a:tc>
+                  <a:txBody>
+                    <a:bodyPr/>
+                    <a:p>
+                      <a:pPr>
+                        <a:buNone/>
+                      </a:pPr>
+                      <a:r>
+                        <a:rPr lang="en-US" altLang="zh-CN" sz="1400">
+                          <a:sym typeface="+mn-ea"/>
+                        </a:rPr>
+                        <a:t>x/y: start placing point of the original</a:t>
+                      </a:r>
+                      <a:endParaRPr lang="en-US" altLang="zh-CN" sz="1400">
+                        <a:sym typeface="+mn-ea"/>
+                      </a:endParaRPr>
+                    </a:p>
+                  </a:txBody>
+                  <a:tcPr/>
+                </a:tc>
+              </a:tr>
+              <a:tr h="304800">
+                <a:tc>
+                  <a:txBody>
+                    <a:bodyPr/>
+                    <a:p>
+                      <a:pPr>
+                        <a:buNone/>
+                      </a:pPr>
+                      <a:r>
+                        <a:rPr lang="en-US" altLang="zh-CN" sz="1400"/>
+                        <a:t>Web video</a:t>
+                      </a:r>
+                      <a:endParaRPr lang="en-US" altLang="zh-CN" sz="1400"/>
+                    </a:p>
+                  </a:txBody>
+                  <a:tcPr/>
+                </a:tc>
+                <a:tc>
+                  <a:txBody>
+                    <a:bodyPr/>
+                    <a:p>
+                      <a:pPr>
+                        <a:buNone/>
+                      </a:pPr>
+                      <a:r>
+                        <a:rPr lang="zh-CN" altLang="en-US" sz="1400"/>
+                        <a:t>-movflags +faststart</a:t>
+                      </a:r>
+                      <a:endParaRPr lang="zh-CN" altLang="en-US" sz="1400"/>
+                    </a:p>
+                    <a:p>
+                      <a:pPr>
+                        <a:buNone/>
+                      </a:pPr>
+                      <a:r>
+                        <a:rPr lang="en-US" altLang="zh-CN" sz="1400"/>
+                        <a:t>// Allows video to playback before it is completely downloaded in the case of progressive download viewing. Useful if you are hosting the video, otherwise superfluous if uploading to a video service like YouTube.</a:t>
+                      </a:r>
+                      <a:endParaRPr lang="en-US" altLang="zh-CN" sz="1400"/>
+                    </a:p>
+                  </a:txBody>
+                  <a:tcPr/>
+                </a:tc>
+                <a:tc>
+                  <a:txBody>
+                    <a:bodyPr/>
+                    <a:p>
+                      <a:pPr>
+                        <a:buNone/>
+                      </a:pPr>
+                      <a:endParaRPr lang="zh-CN" altLang="en-US" sz="1400"/>
+                    </a:p>
+                  </a:txBody>
+                  <a:tcPr/>
+                </a:tc>
+              </a:tr>
+              <a:tr h="304800">
+                <a:tc>
+                  <a:txBody>
+                    <a:bodyPr/>
+                    <a:p>
+                      <a:pPr>
+                        <a:buNone/>
+                      </a:pPr>
+                      <a:r>
+                        <a:rPr lang="en-US" altLang="zh-CN" sz="1400"/>
+                        <a:t>Convert to gif</a:t>
+                      </a:r>
+                      <a:endParaRPr lang="en-US" altLang="zh-CN" sz="1400"/>
+                    </a:p>
+                  </a:txBody>
+                  <a:tcPr/>
+                </a:tc>
+                <a:tc>
+                  <a:txBody>
+                    <a:bodyPr/>
+                    <a:p>
+                      <a:pPr>
+                        <a:buNone/>
+                      </a:pPr>
+                      <a:r>
+                        <a:rPr lang="en-US" altLang="zh-CN" sz="1400">
+                          <a:sym typeface="+mn-ea"/>
+                        </a:rPr>
+                        <a:t>ffmpeg -i video.mp4 -vf scale=500:-1 -t 10 -r 10 image.gif</a:t>
+                      </a:r>
+                      <a:endParaRPr lang="en-US" altLang="zh-CN" sz="1400">
+                        <a:sym typeface="+mn-ea"/>
+                      </a:endParaRPr>
+                    </a:p>
+                    <a:p>
+                      <a:pPr>
+                        <a:buNone/>
+                      </a:pPr>
+                      <a:r>
+                        <a:rPr lang="en-US" altLang="zh-CN" sz="1400"/>
+                        <a:t>// scale to width=500</a:t>
+                      </a:r>
+                      <a:endParaRPr lang="en-US" altLang="zh-CN" sz="1400"/>
+                    </a:p>
+                  </a:txBody>
+                  <a:tcPr/>
+                </a:tc>
+                <a:tc>
+                  <a:txBody>
+                    <a:bodyPr/>
+                    <a:p>
+                      <a:pPr>
+                        <a:buNone/>
+                      </a:pPr>
+                      <a:endParaRPr lang="zh-CN" altLang="en-US" sz="1400"/>
+                    </a:p>
+                  </a:txBody>
+                  <a:tcPr/>
+                </a:tc>
+              </a:tr>
+              <a:tr h="304800">
+                <a:tc>
+                  <a:txBody>
+                    <a:bodyPr/>
+                    <a:p>
+                      <a:pPr>
+                        <a:buNone/>
+                      </a:pPr>
+                      <a:r>
+                        <a:rPr lang="en-US" altLang="zh-CN" sz="1400"/>
+                        <a:t>Add a poster image to audio to generate video</a:t>
+                      </a:r>
+                      <a:endParaRPr lang="en-US" altLang="zh-CN" sz="1400"/>
+                    </a:p>
+                  </a:txBody>
+                  <a:tcPr/>
+                </a:tc>
+                <a:tc>
+                  <a:txBody>
+                    <a:bodyPr/>
+                    <a:p>
+                      <a:pPr>
+                        <a:buNone/>
+                      </a:pPr>
+                      <a:r>
+                        <a:rPr lang="en-US" altLang="zh-CN" sz="1400"/>
+                        <a:t>ffmpeg -loop 1 -i image.jpg -i audio.mp3 -c:v libx264 -c:a aac -strict experimental -b:a 192k -shortest output.mp4</a:t>
+                      </a:r>
+                      <a:endParaRPr lang="en-US" altLang="zh-CN" sz="1400"/>
+                    </a:p>
+                  </a:txBody>
+                  <a:tcPr/>
+                </a:tc>
+                <a:tc>
+                  <a:txBody>
+                    <a:bodyPr/>
+                    <a:p>
+                      <a:pPr>
+                        <a:buNone/>
+                      </a:pPr>
+                      <a:endParaRPr lang="zh-CN" altLang="en-US" sz="1400"/>
+                    </a:p>
+                  </a:txBody>
+                  <a:tcPr/>
+                </a:tc>
+              </a:tr>
+              <a:tr h="304800">
+                <a:tc>
+                  <a:txBody>
+                    <a:bodyPr/>
+                    <a:p>
+                      <a:pPr>
+                        <a:buNone/>
+                      </a:pPr>
+                      <a:r>
+                        <a:rPr lang="en-US" altLang="zh-CN" sz="1400"/>
+                        <a:t>Convert a single image to video</a:t>
+                      </a:r>
+                      <a:endParaRPr lang="en-US" altLang="zh-CN" sz="1400"/>
+                    </a:p>
+                  </a:txBody>
+                  <a:tcPr/>
+                </a:tc>
+                <a:tc>
+                  <a:txBody>
+                    <a:bodyPr/>
+                    <a:p>
+                      <a:pPr>
+                        <a:buNone/>
+                      </a:pPr>
+                      <a:r>
+                        <a:rPr lang="en-US" altLang="zh-CN" sz="1400"/>
+                        <a:t>ffmpeg -loop 1 -i image.png -c:v libx264 -t 30 -pix_fmt yuv420p video.mp4</a:t>
+                      </a:r>
+                      <a:endParaRPr lang="en-US" altLang="zh-CN" sz="1400"/>
+                    </a:p>
+                  </a:txBody>
+                  <a:tcPr/>
+                </a:tc>
+                <a:tc>
+                  <a:txBody>
+                    <a:bodyPr/>
+                    <a:p>
+                      <a:pPr>
+                        <a:buNone/>
+                      </a:pPr>
+                      <a:endParaRPr lang="zh-CN" altLang="en-US" sz="1400"/>
+                    </a:p>
+                  </a:txBody>
+                  <a:tcPr/>
+                </a:tc>
+              </a:tr>
+            </a:tbl>
+          </a:graphicData>
+        </a:graphic>
+      </p:graphicFrame>
+    </p:spTree>
+    <p:custDataLst>
+      <p:tags r:id="rId2"/>
+    </p:custDataLst>
+  </p:cSld>
+  <p:clrMapOvr>
+    <a:masterClrMapping/>
+  </p:clrMapOvr>
+</p:sld>
+</file>
+
+<file path=ppt/slides/slide13.xml><?xml version="1.0" encoding="utf-8"?>
+<p:sld xmlns:a="http://schemas.openxmlformats.org/drawingml/2006/main" xmlns:r="http://schemas.openxmlformats.org/officeDocument/2006/relationships" xmlns:p="http://schemas.openxmlformats.org/presentationml/2006/main">
+  <p:cSld>
+    <p:spTree>
+      <p:nvGrpSpPr>
+        <p:cNvPr id="1" name=""/>
+        <p:cNvGrpSpPr/>
+        <p:nvPr/>
+      </p:nvGrpSpPr>
+      <p:grpSpPr/>
+      <p:sp>
+        <p:nvSpPr>
+          <p:cNvPr id="2" name="标题 1"/>
+          <p:cNvSpPr>
+            <a:spLocks noGrp="1"/>
+          </p:cNvSpPr>
+          <p:nvPr>
+            <p:ph type="title"/>
+          </p:nvPr>
+        </p:nvSpPr>
+        <p:spPr/>
+        <p:txBody>
+          <a:bodyPr/>
+          <a:p>
+            <a:r>
+              <a:rPr lang="en-US" altLang="zh-CN"/>
+              <a:t>FFMPEG Audio</a:t>
+            </a:r>
+            <a:endParaRPr lang="en-US" altLang="zh-CN"/>
+          </a:p>
+        </p:txBody>
+      </p:sp>
+      <p:graphicFrame>
+        <p:nvGraphicFramePr>
+          <p:cNvPr id="6" name="表格 5"/>
+          <p:cNvGraphicFramePr/>
+          <p:nvPr>
+            <p:custDataLst>
+              <p:tags r:id="rId1"/>
+            </p:custDataLst>
+          </p:nvPr>
+        </p:nvGraphicFramePr>
+        <p:xfrm>
+          <a:off x="676275" y="1177925"/>
+          <a:ext cx="11256645" cy="5577840"/>
+        </p:xfrm>
+        <a:graphic>
+          <a:graphicData uri="http://schemas.openxmlformats.org/drawingml/2006/table">
+            <a:tbl>
+              <a:tblPr firstRow="1" bandRow="1">
+                <a:tableStyleId>{5C22544A-7EE6-4342-B048-85BDC9FD1C3A}</a:tableStyleId>
+              </a:tblPr>
+              <a:tblGrid>
+                <a:gridCol w="2114550"/>
+                <a:gridCol w="5975985"/>
+                <a:gridCol w="3166110"/>
+              </a:tblGrid>
+              <a:tr h="365760">
+                <a:tc>
+                  <a:txBody>
+                    <a:bodyPr/>
+                    <a:p>
+                      <a:pPr algn="ctr">
+                        <a:buNone/>
+                      </a:pPr>
+                      <a:r>
+                        <a:rPr lang="en-US" altLang="zh-CN"/>
+                        <a:t>Task</a:t>
+                      </a:r>
+                      <a:endParaRPr lang="en-US" altLang="zh-CN"/>
+                    </a:p>
+                  </a:txBody>
+                  <a:tcPr/>
+                </a:tc>
+                <a:tc>
+                  <a:txBody>
+                    <a:bodyPr/>
+                    <a:p>
+                      <a:pPr algn="ctr">
+                        <a:buNone/>
+                      </a:pPr>
+                      <a:r>
+                        <a:rPr lang="en-US" altLang="zh-CN"/>
+                        <a:t>Commands</a:t>
+                      </a:r>
+                      <a:endParaRPr lang="en-US" altLang="zh-CN"/>
+                    </a:p>
+                  </a:txBody>
+                  <a:tcPr/>
+                </a:tc>
+                <a:tc>
+                  <a:txBody>
+                    <a:bodyPr/>
+                    <a:p>
+                      <a:pPr algn="ctr">
+                        <a:buNone/>
+                      </a:pPr>
+                      <a:r>
+                        <a:rPr lang="en-US" altLang="zh-CN"/>
+                        <a:t>Note</a:t>
+                      </a:r>
+                      <a:endParaRPr lang="en-US" altLang="zh-CN"/>
+                    </a:p>
+                  </a:txBody>
+                  <a:tcPr/>
+                </a:tc>
+              </a:tr>
+              <a:tr h="304800">
+                <a:tc>
+                  <a:txBody>
+                    <a:bodyPr/>
+                    <a:p>
+                      <a:pPr>
+                        <a:buNone/>
+                      </a:pPr>
+                      <a:r>
+                        <a:rPr lang="zh-CN" altLang="en-US" sz="1400"/>
+                        <a:t>从</a:t>
+                      </a:r>
+                      <a:r>
+                        <a:rPr lang="en-US" altLang="zh-CN" sz="1400"/>
+                        <a:t>MP4</a:t>
+                      </a:r>
+                      <a:r>
+                        <a:rPr lang="zh-CN" altLang="en-US" sz="1400"/>
+                        <a:t>中提取声音</a:t>
+                      </a:r>
+                      <a:endParaRPr lang="zh-CN" altLang="en-US" sz="1400"/>
+                    </a:p>
+                  </a:txBody>
+                  <a:tcPr/>
+                </a:tc>
+                <a:tc>
+                  <a:txBody>
+                    <a:bodyPr/>
+                    <a:p>
+                      <a:pPr>
+                        <a:buNone/>
+                      </a:pPr>
+                      <a:r>
+                        <a:rPr lang="en-US" altLang="zh-CN" sz="1400"/>
+                        <a:t>ffmpeg -i input.mp4 -vn output</a:t>
+                      </a:r>
+                      <a:r>
+                        <a:rPr lang="en-US" altLang="zh-CN" sz="1400"/>
+                        <a:t>.mp3</a:t>
+                      </a:r>
+                      <a:endParaRPr lang="en-US" altLang="zh-CN" sz="1400"/>
+                    </a:p>
+                  </a:txBody>
+                  <a:tcPr/>
+                </a:tc>
+                <a:tc>
+                  <a:txBody>
+                    <a:bodyPr/>
+                    <a:p>
+                      <a:pPr>
+                        <a:buNone/>
+                      </a:pPr>
+                      <a:endParaRPr lang="zh-CN" altLang="en-US" sz="1400"/>
+                    </a:p>
+                  </a:txBody>
+                  <a:tcPr/>
+                </a:tc>
+              </a:tr>
+              <a:tr h="518160">
+                <a:tc>
+                  <a:txBody>
+                    <a:bodyPr/>
+                    <a:p>
+                      <a:pPr>
+                        <a:buNone/>
+                      </a:pPr>
+                      <a:r>
+                        <a:rPr lang="en-US" altLang="zh-CN" sz="1400"/>
+                        <a:t>Add subtitle</a:t>
+                      </a:r>
+                      <a:endParaRPr lang="en-US" altLang="zh-CN" sz="1400"/>
+                    </a:p>
+                  </a:txBody>
+                  <a:tcPr/>
+                </a:tc>
+                <a:tc>
+                  <a:txBody>
+                    <a:bodyPr/>
+                    <a:p>
+                      <a:pPr>
+                        <a:buNone/>
+                      </a:pPr>
+                      <a:r>
+                        <a:rPr lang="zh-CN" altLang="en-US" sz="1400"/>
+                        <a:t>ffmpeg -i </a:t>
+                      </a:r>
+                      <a:r>
+                        <a:rPr lang="en-US" altLang="zh-CN" sz="1400"/>
+                        <a:t>input</a:t>
+                      </a:r>
+                      <a:r>
+                        <a:rPr lang="zh-CN" altLang="en-US" sz="1400"/>
+                        <a:t>.avi -vf subtitles=subtitle.srt out</a:t>
+                      </a:r>
+                      <a:r>
+                        <a:rPr lang="en-US" altLang="zh-CN" sz="1400"/>
+                        <a:t>put</a:t>
+                      </a:r>
+                      <a:r>
+                        <a:rPr lang="zh-CN" altLang="en-US" sz="1400"/>
+                        <a:t>.avi</a:t>
+                      </a:r>
+                      <a:endParaRPr lang="zh-CN" altLang="en-US" sz="1400"/>
+                    </a:p>
+                    <a:p>
+                      <a:pPr>
+                        <a:buNone/>
+                      </a:pPr>
+                      <a:r>
+                        <a:rPr lang="zh-CN" altLang="en-US" sz="1400">
+                          <a:sym typeface="+mn-ea"/>
+                        </a:rPr>
+                        <a:t>ffmpeg -i </a:t>
+                      </a:r>
+                      <a:r>
+                        <a:rPr lang="en-US" altLang="zh-CN" sz="1400">
+                          <a:sym typeface="+mn-ea"/>
+                        </a:rPr>
+                        <a:t>input</a:t>
+                      </a:r>
+                      <a:r>
+                        <a:rPr lang="zh-CN" altLang="en-US" sz="1400">
+                          <a:sym typeface="+mn-ea"/>
+                        </a:rPr>
+                        <a:t>.avi -vf </a:t>
+                      </a:r>
+                      <a:r>
+                        <a:rPr lang="en-US" altLang="zh-CN" sz="1400">
+                          <a:sym typeface="+mn-ea"/>
+                        </a:rPr>
+                        <a:t>“ass=subtitle.ass”</a:t>
+                      </a:r>
+                      <a:r>
+                        <a:rPr lang="zh-CN" altLang="en-US" sz="1400">
+                          <a:sym typeface="+mn-ea"/>
+                        </a:rPr>
+                        <a:t> out</a:t>
+                      </a:r>
+                      <a:r>
+                        <a:rPr lang="en-US" altLang="zh-CN" sz="1400">
+                          <a:sym typeface="+mn-ea"/>
+                        </a:rPr>
+                        <a:t>put</a:t>
+                      </a:r>
+                      <a:r>
+                        <a:rPr lang="zh-CN" altLang="en-US" sz="1400">
+                          <a:sym typeface="+mn-ea"/>
+                        </a:rPr>
+                        <a:t>.avi</a:t>
+                      </a:r>
+                      <a:endParaRPr lang="zh-CN" altLang="en-US" sz="1400">
+                        <a:sym typeface="+mn-ea"/>
+                      </a:endParaRPr>
+                    </a:p>
+                    <a:p>
+                      <a:pPr>
+                        <a:buNone/>
+                      </a:pPr>
+                      <a:r>
+                        <a:rPr lang="zh-CN" altLang="en-US" sz="1400">
+                          <a:sym typeface="+mn-ea"/>
+                        </a:rPr>
+                        <a:t>ffmpeg -i movie.mp4 -i subtitles.srt -map 0 -map 1 -c copy -c:v libx264 -crf 23 -preset veryfast output.mkv</a:t>
+                      </a:r>
+                      <a:endParaRPr lang="zh-CN" altLang="en-US" sz="1400">
+                        <a:sym typeface="+mn-ea"/>
+                      </a:endParaRPr>
+                    </a:p>
+                  </a:txBody>
+                  <a:tcPr/>
+                </a:tc>
+                <a:tc>
+                  <a:txBody>
+                    <a:bodyPr/>
+                    <a:p>
+                      <a:pPr>
+                        <a:buNone/>
+                      </a:pPr>
+                      <a:endParaRPr lang="zh-CN" altLang="en-US" sz="1400"/>
+                    </a:p>
+                  </a:txBody>
+                  <a:tcPr/>
+                </a:tc>
+              </a:tr>
+              <a:tr h="304800">
+                <a:tc>
+                  <a:txBody>
+                    <a:bodyPr/>
+                    <a:p>
+                      <a:pPr>
+                        <a:buNone/>
+                      </a:pPr>
+                      <a:r>
+                        <a:rPr lang="en-US" altLang="zh-CN" sz="1400"/>
+                        <a:t>Extract audio from video</a:t>
+                      </a:r>
+                      <a:endParaRPr lang="en-US" altLang="zh-CN" sz="1400"/>
+                    </a:p>
+                  </a:txBody>
+                  <a:tcPr/>
+                </a:tc>
+                <a:tc>
+                  <a:txBody>
+                    <a:bodyPr/>
+                    <a:p>
+                      <a:pPr>
+                        <a:buNone/>
+                      </a:pPr>
+                      <a:r>
+                        <a:rPr lang="zh-CN" altLang="en-US" sz="1400"/>
+                        <a:t>ffmpeg -i input.mp4 -vn -ac 2 </a:t>
+                      </a:r>
+                      <a:r>
+                        <a:rPr lang="en-US" altLang="zh-CN" sz="1400"/>
+                        <a:t>-ab 187 </a:t>
+                      </a:r>
+                      <a:r>
+                        <a:rPr lang="zh-CN" altLang="en-US" sz="1400"/>
+                        <a:t>audio.wav</a:t>
+                      </a:r>
+                      <a:endParaRPr lang="zh-CN" altLang="en-US" sz="1400"/>
+                    </a:p>
+                    <a:p>
+                      <a:pPr>
+                        <a:buNone/>
+                      </a:pPr>
+                      <a:r>
+                        <a:rPr lang="en-US" altLang="zh-CN" sz="1400"/>
+                        <a:t>-ac  number of audio channels</a:t>
+                      </a:r>
+                      <a:endParaRPr lang="en-US" altLang="zh-CN" sz="1400"/>
+                    </a:p>
+                    <a:p>
+                      <a:pPr>
+                        <a:buNone/>
+                      </a:pPr>
+                      <a:r>
+                        <a:rPr lang="en-US" altLang="zh-CN" sz="1400"/>
+                        <a:t>-ab  audio bitrate in Kbps</a:t>
+                      </a:r>
+                      <a:endParaRPr lang="en-US" altLang="zh-CN" sz="1400"/>
+                    </a:p>
+                  </a:txBody>
+                  <a:tcPr/>
+                </a:tc>
+                <a:tc>
+                  <a:txBody>
+                    <a:bodyPr/>
+                    <a:p>
+                      <a:pPr>
+                        <a:buNone/>
+                      </a:pPr>
+                      <a:endParaRPr lang="zh-CN" altLang="en-US" sz="1400"/>
+                    </a:p>
+                  </a:txBody>
+                  <a:tcPr/>
+                </a:tc>
+              </a:tr>
+              <a:tr h="304800">
+                <a:tc>
+                  <a:txBody>
+                    <a:bodyPr/>
+                    <a:p>
+                      <a:pPr>
+                        <a:buNone/>
+                      </a:pPr>
+                      <a:r>
+                        <a:rPr lang="en-US" altLang="zh-CN" sz="1400"/>
+                        <a:t>Merge audi</a:t>
+                      </a:r>
+                      <a:r>
+                        <a:rPr lang="en-US" altLang="zh-CN" sz="1400"/>
+                        <a:t>o and video</a:t>
+                      </a:r>
+                      <a:endParaRPr lang="en-US" altLang="zh-CN" sz="1400"/>
+                    </a:p>
+                  </a:txBody>
+                  <a:tcPr/>
+                </a:tc>
+                <a:tc>
+                  <a:txBody>
+                    <a:bodyPr/>
+                    <a:p>
+                      <a:pPr>
+                        <a:buNone/>
+                      </a:pPr>
+                      <a:r>
+                        <a:rPr lang="en-US" altLang="zh-CN" sz="1400"/>
+                        <a:t>ffmpeg -i audio.mp3 -i input.mp4 output.mp4</a:t>
+                      </a:r>
+                      <a:endParaRPr lang="en-US" altLang="zh-CN" sz="1400"/>
+                    </a:p>
+                  </a:txBody>
+                  <a:tcPr/>
+                </a:tc>
+                <a:tc>
+                  <a:txBody>
+                    <a:bodyPr/>
+                    <a:p>
+                      <a:pPr>
+                        <a:buNone/>
+                      </a:pPr>
+                      <a:endParaRPr lang="zh-CN" altLang="en-US" sz="1600"/>
+                    </a:p>
+                  </a:txBody>
+                  <a:tcPr/>
+                </a:tc>
+              </a:tr>
+              <a:tr h="304800">
+                <a:tc>
+                  <a:txBody>
+                    <a:bodyPr/>
+                    <a:p>
+                      <a:pPr>
+                        <a:buNone/>
+                      </a:pPr>
+                      <a:r>
+                        <a:rPr lang="en-US" altLang="zh-CN" sz="1400"/>
+                        <a:t>Remove audio from video</a:t>
+                      </a:r>
+                      <a:endParaRPr lang="en-US" altLang="zh-CN" sz="1400"/>
+                    </a:p>
+                  </a:txBody>
+                  <a:tcPr/>
+                </a:tc>
+                <a:tc>
+                  <a:txBody>
+                    <a:bodyPr/>
+                    <a:p>
+                      <a:pPr>
+                        <a:buNone/>
+                      </a:pPr>
+                      <a:r>
+                        <a:rPr lang="zh-CN" altLang="en-US" sz="1400"/>
+                        <a:t>ffmpeg -i </a:t>
+                      </a:r>
+                      <a:r>
+                        <a:rPr lang="en-US" altLang="zh-CN" sz="1400"/>
+                        <a:t>input</a:t>
+                      </a:r>
+                      <a:r>
+                        <a:rPr lang="zh-CN" altLang="en-US" sz="1400"/>
+                        <a:t>.avi -vcodec copy -an </a:t>
+                      </a:r>
+                      <a:r>
+                        <a:rPr lang="en-US" altLang="zh-CN" sz="1400"/>
+                        <a:t>output.avi</a:t>
+                      </a:r>
+                      <a:endParaRPr lang="en-US" altLang="zh-CN" sz="1400"/>
+                    </a:p>
+                  </a:txBody>
+                  <a:tcPr/>
+                </a:tc>
+                <a:tc>
+                  <a:txBody>
+                    <a:bodyPr/>
+                    <a:p>
+                      <a:pPr>
+                        <a:buNone/>
+                      </a:pPr>
+                      <a:endParaRPr lang="zh-CN" altLang="en-US" sz="1600"/>
+                    </a:p>
+                  </a:txBody>
+                  <a:tcPr/>
+                </a:tc>
+              </a:tr>
+              <a:tr h="335280">
+                <a:tc>
+                  <a:txBody>
+                    <a:bodyPr/>
+                    <a:p>
+                      <a:pPr>
+                        <a:buNone/>
+                      </a:pPr>
+                      <a:r>
+                        <a:rPr lang="en-US" altLang="zh-CN" sz="1400"/>
+                        <a:t>Convert wav to mp3</a:t>
+                      </a:r>
+                      <a:endParaRPr lang="en-US" altLang="zh-CN" sz="1400"/>
+                    </a:p>
+                  </a:txBody>
+                  <a:tcPr/>
+                </a:tc>
+                <a:tc>
+                  <a:txBody>
+                    <a:bodyPr/>
+                    <a:p>
+                      <a:pPr>
+                        <a:buNone/>
+                      </a:pPr>
+                      <a:r>
+                        <a:rPr lang="en-US" altLang="zh-CN" sz="1400"/>
+                        <a:t>ffmpeg -i input.wav output.mp3</a:t>
+                      </a:r>
+                      <a:endParaRPr lang="en-US" altLang="zh-CN" sz="1400"/>
+                    </a:p>
+                  </a:txBody>
+                  <a:tcPr/>
+                </a:tc>
+                <a:tc>
+                  <a:txBody>
+                    <a:bodyPr/>
+                    <a:p>
+                      <a:pPr>
+                        <a:buNone/>
+                      </a:pPr>
+                      <a:endParaRPr lang="zh-CN" altLang="en-US" sz="1600"/>
+                    </a:p>
+                  </a:txBody>
+                  <a:tcPr/>
+                </a:tc>
+              </a:tr>
+              <a:tr h="335280">
+                <a:tc>
+                  <a:txBody>
+                    <a:bodyPr/>
+                    <a:p>
+                      <a:pPr>
+                        <a:buNone/>
+                      </a:pPr>
+                      <a:r>
+                        <a:rPr lang="en-US" altLang="zh-CN" sz="1400"/>
+                        <a:t>Change audio volume</a:t>
+                      </a:r>
+                      <a:endParaRPr lang="en-US" altLang="zh-CN" sz="1400"/>
+                    </a:p>
+                  </a:txBody>
+                  <a:tcPr/>
+                </a:tc>
+                <a:tc>
+                  <a:txBody>
+                    <a:bodyPr/>
+                    <a:p>
+                      <a:pPr>
+                        <a:buNone/>
+                      </a:pPr>
+                      <a:r>
+                        <a:rPr lang="en-US" altLang="zh-CN" sz="1400"/>
+                        <a:t>ffmpeg -i input.wav -af "volume=0.25" output.mp3</a:t>
+                      </a:r>
+                      <a:endParaRPr lang="en-US" altLang="zh-CN" sz="1400"/>
+                    </a:p>
+                  </a:txBody>
+                  <a:tcPr/>
+                </a:tc>
+                <a:tc>
+                  <a:txBody>
+                    <a:bodyPr/>
+                    <a:p>
+                      <a:pPr>
+                        <a:buNone/>
+                      </a:pPr>
+                      <a:endParaRPr lang="zh-CN" altLang="en-US" sz="1600"/>
+                    </a:p>
+                  </a:txBody>
+                  <a:tcPr/>
+                </a:tc>
+              </a:tr>
+              <a:tr h="335280">
+                <a:tc>
+                  <a:txBody>
+                    <a:bodyPr/>
+                    <a:p>
+                      <a:pPr>
+                        <a:buNone/>
+                      </a:pPr>
+                      <a:r>
+                        <a:rPr lang="en-US" altLang="zh-CN" sz="1400"/>
+                        <a:t>Fade in volume</a:t>
+                      </a:r>
+                      <a:endParaRPr lang="en-US" altLang="zh-CN" sz="1400"/>
+                    </a:p>
+                  </a:txBody>
+                  <a:tcPr/>
+                </a:tc>
+                <a:tc>
+                  <a:txBody>
+                    <a:bodyPr/>
+                    <a:p>
+                      <a:pPr>
+                        <a:buNone/>
+                      </a:pPr>
+                      <a:r>
+                        <a:rPr lang="en-US" altLang="zh-CN" sz="1400"/>
+                        <a:t>ffmpeg -y -i demo.wav -af "afade=t=in:ss=0:d=15" output.mp3</a:t>
+                      </a:r>
+                      <a:endParaRPr lang="en-US" altLang="zh-CN" sz="1400"/>
+                    </a:p>
+                  </a:txBody>
+                  <a:tcPr/>
+                </a:tc>
+                <a:tc>
+                  <a:txBody>
+                    <a:bodyPr/>
+                    <a:p>
+                      <a:pPr>
+                        <a:buNone/>
+                      </a:pPr>
+                      <a:endParaRPr lang="zh-CN" altLang="en-US" sz="1600"/>
+                    </a:p>
+                  </a:txBody>
+                  <a:tcPr/>
+                </a:tc>
+              </a:tr>
+              <a:tr h="335280">
+                <a:tc>
+                  <a:txBody>
+                    <a:bodyPr/>
+                    <a:p>
+                      <a:pPr>
+                        <a:buNone/>
+                      </a:pPr>
+                      <a:r>
+                        <a:rPr lang="en-US" altLang="zh-CN" sz="1400"/>
+                        <a:t>Reduce background noise</a:t>
+                      </a:r>
+                      <a:endParaRPr lang="en-US" altLang="zh-CN" sz="1400"/>
+                    </a:p>
+                  </a:txBody>
+                  <a:tcPr/>
+                </a:tc>
+                <a:tc>
+                  <a:txBody>
+                    <a:bodyPr/>
+                    <a:p>
+                      <a:pPr>
+                        <a:buNone/>
+                      </a:pPr>
+                      <a:r>
+                        <a:rPr lang="en-US" altLang="zh-CN" sz="1400"/>
+                        <a:t>ffmpeg -i input.wav -af "highpass=f=200, lowpass=f=3000" output.mp3</a:t>
+                      </a:r>
+                      <a:endParaRPr lang="en-US" altLang="zh-CN" sz="1400"/>
+                    </a:p>
+                  </a:txBody>
+                  <a:tcPr/>
+                </a:tc>
+                <a:tc>
+                  <a:txBody>
+                    <a:bodyPr/>
+                    <a:p>
+                      <a:pPr>
+                        <a:buNone/>
+                      </a:pPr>
+                      <a:r>
+                        <a:rPr lang="en-US" altLang="zh-CN" sz="1600"/>
+                        <a:t>[200Hz, 300Hz] is kept</a:t>
+                      </a:r>
+                      <a:endParaRPr lang="en-US" altLang="zh-CN" sz="1600"/>
+                    </a:p>
+                  </a:txBody>
+                  <a:tcPr/>
+                </a:tc>
+              </a:tr>
+              <a:tr h="335280">
+                <a:tc>
+                  <a:txBody>
+                    <a:bodyPr/>
+                    <a:p>
+                      <a:pPr>
+                        <a:buNone/>
+                      </a:pPr>
+                      <a:r>
+                        <a:rPr lang="en-US" altLang="zh-CN" sz="1400"/>
+                        <a:t>Slow down audio by 2</a:t>
+                      </a:r>
+                      <a:endParaRPr lang="en-US" altLang="zh-CN" sz="1400"/>
+                    </a:p>
+                  </a:txBody>
+                  <a:tcPr/>
+                </a:tc>
+                <a:tc>
+                  <a:txBody>
+                    <a:bodyPr/>
+                    <a:p>
+                      <a:pPr>
+                        <a:buNone/>
+                      </a:pPr>
+                      <a:r>
+                        <a:rPr lang="en-US" altLang="zh-CN" sz="1400"/>
+                        <a:t>ffmpeg -i input.mp4 -filter:a "atempo=0.5" -vn output.aac</a:t>
+                      </a:r>
+                      <a:endParaRPr lang="en-US" altLang="zh-CN" sz="1400"/>
+                    </a:p>
+                  </a:txBody>
+                  <a:tcPr/>
+                </a:tc>
+                <a:tc>
+                  <a:txBody>
+                    <a:bodyPr/>
+                    <a:p>
+                      <a:pPr>
+                        <a:buNone/>
+                      </a:pPr>
+                      <a:r>
+                        <a:rPr lang="en-US" altLang="zh-CN" sz="1600"/>
+                        <a:t>atempo: 0.5~2.0</a:t>
+                      </a:r>
+                      <a:endParaRPr lang="en-US" altLang="zh-CN" sz="1600"/>
+                    </a:p>
+                  </a:txBody>
+                  <a:tcPr/>
+                </a:tc>
+              </a:tr>
+              <a:tr h="335280">
+                <a:tc>
+                  <a:txBody>
+                    <a:bodyPr/>
+                    <a:p>
+                      <a:pPr>
+                        <a:buNone/>
+                      </a:pPr>
+                      <a:r>
+                        <a:rPr lang="en-US" altLang="zh-CN" sz="1400"/>
+                        <a:t>Change audio codec</a:t>
+                      </a:r>
+                      <a:endParaRPr lang="en-US" altLang="zh-CN" sz="1400"/>
+                    </a:p>
+                  </a:txBody>
+                  <a:tcPr/>
+                </a:tc>
+                <a:tc>
+                  <a:txBody>
+                    <a:bodyPr/>
+                    <a:p>
+                      <a:pPr marL="0" lvl="2">
+                        <a:buNone/>
+                      </a:pPr>
+                      <a:r>
+                        <a:rPr lang="en-US" altLang="zh-CN" sz="1400"/>
+                        <a:t>ffmpeg -i in.mp4 -c:a aac out.mp4</a:t>
+                      </a:r>
+                      <a:endParaRPr lang="en-US" altLang="zh-CN" sz="1400"/>
+                    </a:p>
+                  </a:txBody>
+                  <a:tcPr/>
+                </a:tc>
+                <a:tc>
+                  <a:txBody>
+                    <a:bodyPr/>
+                    <a:p>
+                      <a:pPr>
+                        <a:buNone/>
+                      </a:pPr>
+                      <a:r>
+                        <a:rPr lang="en-US" altLang="zh-CN" sz="1400"/>
+                        <a:t>mp3-encoded video cannot play audio correctly in Mac/iOS</a:t>
+                      </a:r>
+                      <a:endParaRPr lang="en-US" altLang="zh-CN" sz="1400"/>
+                    </a:p>
+                  </a:txBody>
+                  <a:tcPr/>
+                </a:tc>
+              </a:tr>
+            </a:tbl>
+          </a:graphicData>
+        </a:graphic>
+      </p:graphicFrame>
+    </p:spTree>
+    <p:custDataLst>
+      <p:tags r:id="rId2"/>
+    </p:custDataLst>
+  </p:cSld>
+  <p:clrMapOvr>
+    <a:masterClrMapping/>
+  </p:clrMapOvr>
+</p:sld>
+</file>
+
+<file path=ppt/slides/slide14.xml><?xml version="1.0" encoding="utf-8"?>
+<p:sld xmlns:a="http://schemas.openxmlformats.org/drawingml/2006/main" xmlns:r="http://schemas.openxmlformats.org/officeDocument/2006/relationships" xmlns:p="http://schemas.openxmlformats.org/presentationml/2006/main">
+  <p:cSld>
+    <p:spTree>
+      <p:nvGrpSpPr>
+        <p:cNvPr id="1" name=""/>
+        <p:cNvGrpSpPr/>
+        <p:nvPr/>
+      </p:nvGrpSpPr>
+      <p:grpSpPr/>
+      <p:sp>
+        <p:nvSpPr>
+          <p:cNvPr id="2" name="标题 1"/>
+          <p:cNvSpPr>
+            <a:spLocks noGrp="1"/>
+          </p:cNvSpPr>
+          <p:nvPr>
+            <p:ph type="title"/>
+          </p:nvPr>
+        </p:nvSpPr>
+        <p:spPr/>
+        <p:txBody>
+          <a:bodyPr/>
+          <a:p>
+            <a:r>
+              <a:rPr lang="en-US" altLang="zh-CN"/>
+              <a:t>FFMPEG Subtitle</a:t>
+            </a:r>
+            <a:endParaRPr lang="en-US" altLang="zh-CN"/>
+          </a:p>
+        </p:txBody>
+      </p:sp>
+      <p:graphicFrame>
+        <p:nvGraphicFramePr>
+          <p:cNvPr id="6" name="表格 5"/>
+          <p:cNvGraphicFramePr/>
+          <p:nvPr>
+            <p:custDataLst>
+              <p:tags r:id="rId1"/>
+            </p:custDataLst>
+          </p:nvPr>
+        </p:nvGraphicFramePr>
+        <p:xfrm>
+          <a:off x="676275" y="1177925"/>
+          <a:ext cx="11256645" cy="3962400"/>
+        </p:xfrm>
+        <a:graphic>
+          <a:graphicData uri="http://schemas.openxmlformats.org/drawingml/2006/table">
+            <a:tbl>
+              <a:tblPr firstRow="1" bandRow="1">
+                <a:tableStyleId>{5C22544A-7EE6-4342-B048-85BDC9FD1C3A}</a:tableStyleId>
+              </a:tblPr>
+              <a:tblGrid>
+                <a:gridCol w="2114550"/>
+                <a:gridCol w="7412355"/>
+                <a:gridCol w="1729740"/>
+              </a:tblGrid>
+              <a:tr h="365760">
+                <a:tc>
+                  <a:txBody>
+                    <a:bodyPr/>
+                    <a:p>
+                      <a:pPr algn="ctr">
+                        <a:buNone/>
+                      </a:pPr>
+                      <a:r>
+                        <a:rPr lang="en-US" altLang="zh-CN"/>
+                        <a:t>Task</a:t>
+                      </a:r>
+                      <a:endParaRPr lang="en-US" altLang="zh-CN"/>
+                    </a:p>
+                  </a:txBody>
+                  <a:tcPr/>
+                </a:tc>
+                <a:tc>
+                  <a:txBody>
+                    <a:bodyPr/>
+                    <a:p>
+                      <a:pPr algn="ctr">
+                        <a:buNone/>
+                      </a:pPr>
+                      <a:r>
+                        <a:rPr lang="en-US" altLang="zh-CN"/>
+                        <a:t>Commands</a:t>
+                      </a:r>
+                      <a:endParaRPr lang="en-US" altLang="zh-CN"/>
+                    </a:p>
+                  </a:txBody>
+                  <a:tcPr/>
+                </a:tc>
+                <a:tc>
+                  <a:txBody>
+                    <a:bodyPr/>
+                    <a:p>
+                      <a:pPr algn="ctr">
+                        <a:buNone/>
+                      </a:pPr>
+                      <a:r>
+                        <a:rPr lang="en-US" altLang="zh-CN"/>
+                        <a:t>Note</a:t>
+                      </a:r>
+                      <a:endParaRPr lang="en-US" altLang="zh-CN"/>
+                    </a:p>
+                  </a:txBody>
+                  <a:tcPr/>
+                </a:tc>
+              </a:tr>
+              <a:tr h="304800">
+                <a:tc>
+                  <a:txBody>
+                    <a:bodyPr/>
+                    <a:p>
+                      <a:pPr>
+                        <a:buNone/>
+                      </a:pPr>
+                      <a:r>
+                        <a:rPr lang="en-US" altLang="zh-CN" sz="1400"/>
+                        <a:t>Remove soft subtitle</a:t>
+                      </a:r>
+                      <a:endParaRPr lang="en-US" altLang="zh-CN" sz="1400"/>
+                    </a:p>
+                  </a:txBody>
+                  <a:tcPr/>
+                </a:tc>
+                <a:tc>
+                  <a:txBody>
+                    <a:bodyPr/>
+                    <a:p>
+                      <a:pPr>
+                        <a:buNone/>
+                      </a:pPr>
+                      <a:r>
+                        <a:rPr lang="en-US" altLang="zh-CN" sz="1400"/>
+                        <a:t>ffmpeg -i video.mkv -vcodec copy -acodec copy -sn video-no-subs.mkv</a:t>
+                      </a:r>
+                      <a:endParaRPr lang="en-US" altLang="zh-CN" sz="1400"/>
+                    </a:p>
+                  </a:txBody>
+                  <a:tcPr/>
+                </a:tc>
+                <a:tc>
+                  <a:txBody>
+                    <a:bodyPr/>
+                    <a:p>
+                      <a:pPr>
+                        <a:buNone/>
+                      </a:pPr>
+                      <a:endParaRPr lang="zh-CN" altLang="en-US" sz="1400"/>
+                    </a:p>
+                  </a:txBody>
+                  <a:tcPr/>
+                </a:tc>
+              </a:tr>
+              <a:tr h="518160">
+                <a:tc>
+                  <a:txBody>
+                    <a:bodyPr/>
+                    <a:p>
+                      <a:pPr>
+                        <a:buNone/>
+                      </a:pPr>
+                      <a:r>
+                        <a:rPr lang="en-US" altLang="zh-CN" sz="1400"/>
+                        <a:t>Integrate subtitle</a:t>
+                      </a:r>
+                      <a:endParaRPr lang="en-US" altLang="zh-CN" sz="1400"/>
+                    </a:p>
+                  </a:txBody>
+                  <a:tcPr/>
+                </a:tc>
+                <a:tc>
+                  <a:txBody>
+                    <a:bodyPr/>
+                    <a:p>
+                      <a:pPr>
+                        <a:buNone/>
+                      </a:pPr>
+                      <a:r>
+                        <a:rPr lang="zh-CN" altLang="en-US" sz="1400">
+                          <a:sym typeface="+mn-ea"/>
+                        </a:rPr>
+                        <a:t>ffmpeg -i demo.mkv -i sub.ass -codec copy -map 0 -map 1 output.mkv</a:t>
+                      </a:r>
+                      <a:endParaRPr lang="zh-CN" altLang="en-US" sz="1400">
+                        <a:sym typeface="+mn-ea"/>
+                      </a:endParaRPr>
+                    </a:p>
+                  </a:txBody>
+                  <a:tcPr/>
+                </a:tc>
+                <a:tc>
+                  <a:txBody>
+                    <a:bodyPr/>
+                    <a:p>
+                      <a:pPr>
+                        <a:buNone/>
+                      </a:pPr>
+                      <a:endParaRPr lang="zh-CN" altLang="en-US" sz="1400"/>
+                    </a:p>
+                  </a:txBody>
+                  <a:tcPr/>
+                </a:tc>
+              </a:tr>
+              <a:tr h="304800">
+                <a:tc>
+                  <a:txBody>
+                    <a:bodyPr/>
+                    <a:p>
+                      <a:pPr>
+                        <a:buNone/>
+                      </a:pPr>
+                      <a:r>
+                        <a:rPr lang="en-US" altLang="zh-CN" sz="1400"/>
+                        <a:t>Extract subtitle from video</a:t>
+                      </a:r>
+                      <a:endParaRPr lang="en-US" altLang="zh-CN" sz="1400"/>
+                    </a:p>
+                  </a:txBody>
+                  <a:tcPr/>
+                </a:tc>
+                <a:tc>
+                  <a:txBody>
+                    <a:bodyPr/>
+                    <a:p>
+                      <a:pPr>
+                        <a:buNone/>
+                      </a:pPr>
+                      <a:r>
+                        <a:rPr lang="zh-CN" altLang="en-US" sz="1400"/>
+                        <a:t>ffmpeg -i demo.mkv -map 0:s:0 sub.srt</a:t>
+                      </a:r>
+                      <a:endParaRPr lang="zh-CN" altLang="en-US" sz="1400"/>
+                    </a:p>
+                  </a:txBody>
+                  <a:tcPr/>
+                </a:tc>
+                <a:tc>
+                  <a:txBody>
+                    <a:bodyPr/>
+                    <a:p>
+                      <a:pPr>
+                        <a:buNone/>
+                      </a:pPr>
+                      <a:endParaRPr lang="zh-CN" altLang="en-US" sz="1400"/>
+                    </a:p>
+                  </a:txBody>
+                  <a:tcPr/>
+                </a:tc>
+              </a:tr>
+              <a:tr h="304800">
+                <a:tc>
+                  <a:txBody>
+                    <a:bodyPr/>
+                    <a:p>
+                      <a:pPr>
+                        <a:buNone/>
+                      </a:pPr>
+                      <a:endParaRPr lang="en-US" altLang="zh-CN" sz="1400"/>
+                    </a:p>
+                  </a:txBody>
+                  <a:tcPr/>
+                </a:tc>
+                <a:tc>
+                  <a:txBody>
+                    <a:bodyPr/>
+                    <a:p>
+                      <a:pPr>
+                        <a:buNone/>
+                      </a:pPr>
+                      <a:endParaRPr lang="en-US" altLang="zh-CN" sz="1400"/>
+                    </a:p>
+                  </a:txBody>
+                  <a:tcPr/>
+                </a:tc>
+                <a:tc>
+                  <a:txBody>
+                    <a:bodyPr/>
+                    <a:p>
+                      <a:pPr>
+                        <a:buNone/>
+                      </a:pPr>
+                      <a:endParaRPr lang="zh-CN" altLang="en-US" sz="1600"/>
+                    </a:p>
+                  </a:txBody>
+                  <a:tcPr/>
+                </a:tc>
+              </a:tr>
+              <a:tr h="304800">
+                <a:tc>
+                  <a:txBody>
+                    <a:bodyPr/>
+                    <a:p>
+                      <a:pPr>
+                        <a:buNone/>
+                      </a:pPr>
+                      <a:endParaRPr lang="en-US" altLang="zh-CN" sz="1400"/>
+                    </a:p>
+                  </a:txBody>
+                  <a:tcPr/>
+                </a:tc>
+                <a:tc>
+                  <a:txBody>
+                    <a:bodyPr/>
+                    <a:p>
+                      <a:pPr>
+                        <a:buNone/>
+                      </a:pPr>
+                      <a:endParaRPr lang="en-US" altLang="zh-CN" sz="1400"/>
+                    </a:p>
+                  </a:txBody>
+                  <a:tcPr/>
+                </a:tc>
+                <a:tc>
+                  <a:txBody>
+                    <a:bodyPr/>
+                    <a:p>
+                      <a:pPr>
+                        <a:buNone/>
+                      </a:pPr>
+                      <a:endParaRPr lang="zh-CN" altLang="en-US" sz="1600"/>
+                    </a:p>
+                  </a:txBody>
+                  <a:tcPr/>
+                </a:tc>
+              </a:tr>
+              <a:tr h="335280">
+                <a:tc>
+                  <a:txBody>
+                    <a:bodyPr/>
+                    <a:p>
+                      <a:pPr>
+                        <a:buNone/>
+                      </a:pPr>
+                      <a:endParaRPr lang="en-US" altLang="zh-CN" sz="1400"/>
+                    </a:p>
+                  </a:txBody>
+                  <a:tcPr/>
+                </a:tc>
+                <a:tc>
+                  <a:txBody>
+                    <a:bodyPr/>
+                    <a:p>
+                      <a:pPr>
+                        <a:buNone/>
+                      </a:pPr>
+                      <a:endParaRPr lang="en-US" altLang="zh-CN" sz="1400"/>
+                    </a:p>
+                  </a:txBody>
+                  <a:tcPr/>
+                </a:tc>
+                <a:tc>
+                  <a:txBody>
+                    <a:bodyPr/>
+                    <a:p>
+                      <a:pPr>
+                        <a:buNone/>
+                      </a:pPr>
+                      <a:endParaRPr lang="zh-CN" altLang="en-US" sz="1600"/>
+                    </a:p>
+                  </a:txBody>
+                  <a:tcPr/>
+                </a:tc>
+              </a:tr>
+              <a:tr h="335280">
+                <a:tc>
+                  <a:txBody>
+                    <a:bodyPr/>
+                    <a:p>
+                      <a:pPr>
+                        <a:buNone/>
+                      </a:pPr>
+                      <a:endParaRPr lang="en-US" altLang="zh-CN" sz="1400"/>
+                    </a:p>
+                  </a:txBody>
+                  <a:tcPr/>
+                </a:tc>
+                <a:tc>
+                  <a:txBody>
+                    <a:bodyPr/>
+                    <a:p>
+                      <a:pPr>
+                        <a:buNone/>
+                      </a:pPr>
+                      <a:endParaRPr lang="en-US" altLang="zh-CN" sz="1400"/>
+                    </a:p>
+                  </a:txBody>
+                  <a:tcPr/>
+                </a:tc>
+                <a:tc>
+                  <a:txBody>
+                    <a:bodyPr/>
+                    <a:p>
+                      <a:pPr>
+                        <a:buNone/>
+                      </a:pPr>
+                      <a:endParaRPr lang="zh-CN" altLang="en-US" sz="1600"/>
+                    </a:p>
+                  </a:txBody>
+                  <a:tcPr/>
+                </a:tc>
+              </a:tr>
+              <a:tr h="335280">
+                <a:tc>
+                  <a:txBody>
+                    <a:bodyPr/>
+                    <a:p>
+                      <a:pPr>
+                        <a:buNone/>
+                      </a:pPr>
+                      <a:endParaRPr lang="en-US" altLang="zh-CN" sz="1400"/>
+                    </a:p>
+                  </a:txBody>
+                  <a:tcPr/>
+                </a:tc>
+                <a:tc>
+                  <a:txBody>
+                    <a:bodyPr/>
+                    <a:p>
+                      <a:pPr>
+                        <a:buNone/>
+                      </a:pPr>
+                      <a:endParaRPr lang="en-US" altLang="zh-CN" sz="1400"/>
+                    </a:p>
+                  </a:txBody>
+                  <a:tcPr/>
+                </a:tc>
+                <a:tc>
+                  <a:txBody>
+                    <a:bodyPr/>
+                    <a:p>
+                      <a:pPr>
+                        <a:buNone/>
+                      </a:pPr>
+                      <a:endParaRPr lang="zh-CN" altLang="en-US" sz="1600"/>
+                    </a:p>
+                  </a:txBody>
+                  <a:tcPr/>
+                </a:tc>
+              </a:tr>
+              <a:tr h="335280">
+                <a:tc>
+                  <a:txBody>
+                    <a:bodyPr/>
+                    <a:p>
+                      <a:pPr>
+                        <a:buNone/>
+                      </a:pPr>
+                      <a:endParaRPr lang="en-US" altLang="zh-CN" sz="1400"/>
+                    </a:p>
+                  </a:txBody>
+                  <a:tcPr/>
+                </a:tc>
+                <a:tc>
+                  <a:txBody>
+                    <a:bodyPr/>
+                    <a:p>
+                      <a:pPr>
+                        <a:buNone/>
+                      </a:pPr>
+                      <a:endParaRPr lang="en-US" altLang="zh-CN" sz="1400"/>
+                    </a:p>
+                  </a:txBody>
+                  <a:tcPr/>
+                </a:tc>
+                <a:tc>
+                  <a:txBody>
+                    <a:bodyPr/>
+                    <a:p>
+                      <a:pPr>
+                        <a:buNone/>
+                      </a:pPr>
+                      <a:endParaRPr lang="en-US" altLang="zh-CN" sz="1600"/>
+                    </a:p>
+                  </a:txBody>
+                  <a:tcPr/>
+                </a:tc>
+              </a:tr>
+            </a:tbl>
+          </a:graphicData>
+        </a:graphic>
+      </p:graphicFrame>
+    </p:spTree>
+    <p:custDataLst>
+      <p:tags r:id="rId2"/>
+    </p:custDataLst>
+  </p:cSld>
+  <p:clrMapOvr>
+    <a:masterClrMapping/>
+  </p:clrMapOvr>
+</p:sld>
+</file>
+
+<file path=ppt/slides/slide15.xml><?xml version="1.0" encoding="utf-8"?>
+<p:sld xmlns:a="http://schemas.openxmlformats.org/drawingml/2006/main" xmlns:r="http://schemas.openxmlformats.org/officeDocument/2006/relationships" xmlns:p="http://schemas.openxmlformats.org/presentationml/2006/main">
+  <p:cSld>
+    <p:spTree>
+      <p:nvGrpSpPr>
+        <p:cNvPr id="1" name=""/>
+        <p:cNvGrpSpPr/>
+        <p:nvPr/>
+      </p:nvGrpSpPr>
+      <p:grpSpPr/>
+      <p:sp>
+        <p:nvSpPr>
+          <p:cNvPr id="2" name="标题 1"/>
+          <p:cNvSpPr>
+            <a:spLocks noGrp="1"/>
+          </p:cNvSpPr>
+          <p:nvPr>
+            <p:ph type="title"/>
+          </p:nvPr>
+        </p:nvSpPr>
+        <p:spPr/>
+        <p:txBody>
+          <a:bodyPr/>
+          <a:p>
+            <a:r>
+              <a:rPr lang="en-US" altLang="zh-CN"/>
+              <a:t>FFmpeg - Build From Source</a:t>
+            </a:r>
+            <a:endParaRPr lang="en-US" altLang="zh-CN"/>
+          </a:p>
+        </p:txBody>
+      </p:sp>
+      <p:sp>
+        <p:nvSpPr>
+          <p:cNvPr id="3" name="内容占位符 2"/>
+          <p:cNvSpPr>
+            <a:spLocks noGrp="1"/>
+          </p:cNvSpPr>
+          <p:nvPr>
+            <p:ph idx="1"/>
+          </p:nvPr>
+        </p:nvSpPr>
+        <p:spPr/>
+        <p:txBody>
+          <a:bodyPr/>
+          <a:p>
+            <a:r>
+              <a:rPr lang="en-US" altLang="zh-CN"/>
+              <a:t>References</a:t>
+            </a:r>
+            <a:endParaRPr lang="en-US" altLang="zh-CN"/>
+          </a:p>
+          <a:p>
+            <a:pPr lvl="1"/>
+            <a:r>
+              <a:rPr lang="en-US" altLang="zh-CN"/>
+              <a:t>https://trac.ffmpeg.org/wiki/CompilationGuide/Ubuntu</a:t>
+            </a:r>
+            <a:endParaRPr lang="en-US" altLang="zh-CN"/>
+          </a:p>
+          <a:p>
+            <a:pPr lvl="0"/>
+            <a:r>
+              <a:rPr lang="en-US" altLang="zh-CN"/>
+              <a:t>ffmpeg-git-amd64-static.tar.xz</a:t>
+            </a:r>
+            <a:endParaRPr lang="en-US" altLang="zh-CN"/>
+          </a:p>
+        </p:txBody>
+      </p:sp>
+    </p:spTree>
+    <p:custDataLst>
+      <p:tags r:id="rId1"/>
+    </p:custDataLst>
+  </p:cSld>
+  <p:clrMapOvr>
+    <a:masterClrMapping/>
+  </p:clrMapOvr>
+</p:sld>
+</file>
+
+<file path=ppt/slides/slide16.xml><?xml version="1.0" encoding="utf-8"?>
 <p:sld xmlns:a="http://schemas.openxmlformats.org/drawingml/2006/main" xmlns:r="http://schemas.openxmlformats.org/officeDocument/2006/relationships" xmlns:p="http://schemas.openxmlformats.org/presentationml/2006/main">
   <p:cSld>
     <p:spTree>
@@ -4608,7 +6872,7 @@
 </p:sld>
 </file>
 
-<file path=ppt/slides/slide12.xml><?xml version="1.0" encoding="utf-8"?>
+<file path=ppt/slides/slide17.xml><?xml version="1.0" encoding="utf-8"?>
 <p:sld xmlns:a="http://schemas.openxmlformats.org/drawingml/2006/main" xmlns:r="http://schemas.openxmlformats.org/officeDocument/2006/relationships" xmlns:p="http://schemas.openxmlformats.org/presentationml/2006/main">
   <p:cSld>
     <p:spTree>
@@ -4705,7 +6969,7 @@
 </p:sld>
 </file>
 
-<file path=ppt/slides/slide13.xml><?xml version="1.0" encoding="utf-8"?>
+<file path=ppt/slides/slide18.xml><?xml version="1.0" encoding="utf-8"?>
 <p:sld xmlns:a="http://schemas.openxmlformats.org/drawingml/2006/main" xmlns:r="http://schemas.openxmlformats.org/officeDocument/2006/relationships" xmlns:p="http://schemas.openxmlformats.org/presentationml/2006/main">
   <p:cSld>
     <p:spTree>
@@ -5073,6 +7337,111 @@
 </file>
 
 <file path=ppt/slides/slide4.xml><?xml version="1.0" encoding="utf-8"?>
+<p:sld xmlns:a="http://schemas.openxmlformats.org/drawingml/2006/main" xmlns:r="http://schemas.openxmlformats.org/officeDocument/2006/relationships" xmlns:p="http://schemas.openxmlformats.org/presentationml/2006/main">
+  <p:cSld>
+    <p:spTree>
+      <p:nvGrpSpPr>
+        <p:cNvPr id="1" name=""/>
+        <p:cNvGrpSpPr/>
+        <p:nvPr/>
+      </p:nvGrpSpPr>
+      <p:grpSpPr/>
+      <p:sp>
+        <p:nvSpPr>
+          <p:cNvPr id="2" name="标题 1"/>
+          <p:cNvSpPr>
+            <a:spLocks noGrp="1"/>
+          </p:cNvSpPr>
+          <p:nvPr>
+            <p:ph type="title"/>
+          </p:nvPr>
+        </p:nvSpPr>
+        <p:spPr/>
+        <p:txBody>
+          <a:bodyPr/>
+          <a:p>
+            <a:r>
+              <a:rPr lang="en-US" altLang="zh-CN"/>
+              <a:t>Concepts</a:t>
+            </a:r>
+            <a:endParaRPr lang="en-US" altLang="zh-CN"/>
+          </a:p>
+        </p:txBody>
+      </p:sp>
+      <p:sp>
+        <p:nvSpPr>
+          <p:cNvPr id="3" name="内容占位符 2"/>
+          <p:cNvSpPr>
+            <a:spLocks noGrp="1"/>
+          </p:cNvSpPr>
+          <p:nvPr>
+            <p:ph idx="1"/>
+          </p:nvPr>
+        </p:nvSpPr>
+        <p:spPr/>
+        <p:txBody>
+          <a:bodyPr/>
+          <a:p>
+            <a:r>
+              <a:rPr lang="en-US" altLang="zh-CN"/>
+              <a:t>Streams</a:t>
+            </a:r>
+            <a:endParaRPr lang="en-US" altLang="zh-CN"/>
+          </a:p>
+          <a:p>
+            <a:pPr lvl="1"/>
+            <a:r>
+              <a:rPr lang="en-US" altLang="zh-CN"/>
+              <a:t>ffprobe ../videos/samples_subtitle/1.mp4 |&amp; grep stream -i</a:t>
+            </a:r>
+            <a:endParaRPr lang="en-US" altLang="zh-CN"/>
+          </a:p>
+          <a:p>
+            <a:pPr lvl="1"/>
+            <a:r>
+              <a:rPr lang="en-US" altLang="zh-CN"/>
+              <a:t>video (-vn to turn off)</a:t>
+            </a:r>
+            <a:endParaRPr lang="en-US" altLang="zh-CN"/>
+          </a:p>
+          <a:p>
+            <a:pPr lvl="1"/>
+            <a:r>
+              <a:rPr lang="en-US" altLang="zh-CN"/>
+              <a:t>audio (-an to turn off)</a:t>
+            </a:r>
+            <a:endParaRPr lang="en-US" altLang="zh-CN"/>
+          </a:p>
+          <a:p>
+            <a:pPr lvl="1"/>
+            <a:r>
+              <a:rPr lang="en-US" altLang="zh-CN"/>
+              <a:t>subtitle (-sn to turn off)</a:t>
+            </a:r>
+            <a:endParaRPr lang="en-US" altLang="zh-CN"/>
+          </a:p>
+          <a:p>
+            <a:pPr lvl="1"/>
+            <a:r>
+              <a:rPr lang="en-US" altLang="zh-CN"/>
+              <a:t>data (-dn to turn off)</a:t>
+            </a:r>
+            <a:endParaRPr lang="en-US" altLang="zh-CN"/>
+          </a:p>
+        </p:txBody>
+      </p:sp>
+    </p:spTree>
+    <p:custDataLst>
+      <p:tags r:id="rId1"/>
+    </p:custDataLst>
+  </p:cSld>
+  <p:clrMapOvr>
+    <a:masterClrMapping/>
+  </p:clrMapOvr>
+</p:sld>
+</file>
+
+<file path=ppt/slides/slide5.xml><?xml version="1.0" encoding="utf-8"?>
 <p:sld xmlns:a="http://schemas.openxmlformats.org/drawingml/2006/main" xmlns:r="http://schemas.openxmlformats.org/officeDocument/2006/relationships" xmlns:p="http://schemas.openxmlformats.org/presentationml/2006/main">
   <p:cSld>
     <p:spTree>
@@ -5274,7 +7643,7 @@
 </p:sld>
 </file>
 
-<file path=ppt/slides/slide5.xml><?xml version="1.0" encoding="utf-8"?>
+<file path=ppt/slides/slide6.xml><?xml version="1.0" encoding="utf-8"?>
 <p:sld xmlns:a="http://schemas.openxmlformats.org/drawingml/2006/main" xmlns:r="http://schemas.openxmlformats.org/officeDocument/2006/relationships" xmlns:p="http://schemas.openxmlformats.org/presentationml/2006/main">
   <p:cSld>
     <p:spTree>
@@ -5626,7 +7995,7 @@
 </p:sld>
 </file>
 
-<file path=ppt/slides/slide6.xml><?xml version="1.0" encoding="utf-8"?>
+<file path=ppt/slides/slide7.xml><?xml version="1.0" encoding="utf-8"?>
 <p:sld xmlns:a="http://schemas.openxmlformats.org/drawingml/2006/main" xmlns:r="http://schemas.openxmlformats.org/officeDocument/2006/relationships" xmlns:p="http://schemas.openxmlformats.org/presentationml/2006/main">
   <p:cSld>
     <p:spTree>
@@ -6106,126 +8475,6 @@
 </p:sld>
 </file>
 
-<file path=ppt/slides/slide7.xml><?xml version="1.0" encoding="utf-8"?>
-<p:sld xmlns:a="http://schemas.openxmlformats.org/drawingml/2006/main" xmlns:r="http://schemas.openxmlformats.org/officeDocument/2006/relationships" xmlns:p="http://schemas.openxmlformats.org/presentationml/2006/main">
-  <p:cSld>
-    <p:spTree>
-      <p:nvGrpSpPr>
-        <p:cNvPr id="1" name=""/>
-        <p:cNvGrpSpPr/>
-        <p:nvPr/>
-      </p:nvGrpSpPr>
-      <p:grpSpPr/>
-      <p:sp>
-        <p:nvSpPr>
-          <p:cNvPr id="2" name="标题 1"/>
-          <p:cNvSpPr>
-            <a:spLocks noGrp="1"/>
-          </p:cNvSpPr>
-          <p:nvPr>
-            <p:ph type="title"/>
-          </p:nvPr>
-        </p:nvSpPr>
-        <p:spPr/>
-        <p:txBody>
-          <a:bodyPr/>
-          <a:p>
-            <a:r>
-              <a:rPr lang="en-US" altLang="zh-CN"/>
-              <a:t>FourCC</a:t>
-            </a:r>
-            <a:endParaRPr lang="en-US" altLang="zh-CN"/>
-          </a:p>
-        </p:txBody>
-      </p:sp>
-      <p:sp>
-        <p:nvSpPr>
-          <p:cNvPr id="3" name="内容占位符 2"/>
-          <p:cNvSpPr>
-            <a:spLocks noGrp="1"/>
-          </p:cNvSpPr>
-          <p:nvPr>
-            <p:ph idx="1"/>
-          </p:nvPr>
-        </p:nvSpPr>
-        <p:spPr/>
-        <p:txBody>
-          <a:bodyPr/>
-          <a:p>
-            <a:r>
-              <a:rPr lang="en-US" altLang="zh-CN"/>
-              <a:t>Intro</a:t>
-            </a:r>
-            <a:endParaRPr lang="en-US" altLang="zh-CN"/>
-          </a:p>
-          <a:p>
-            <a:pPr lvl="1"/>
-            <a:r>
-              <a:rPr lang="en-US" altLang="zh-CN"/>
-              <a:t>Short for “Four Character Code”</a:t>
-            </a:r>
-            <a:endParaRPr lang="en-US" altLang="zh-CN"/>
-          </a:p>
-          <a:p>
-            <a:pPr lvl="1"/>
-            <a:r>
-              <a:rPr lang="en-US" altLang="zh-CN"/>
-              <a:t>An identifier for a video codec, compression format, color, or pixel format used in a media file.</a:t>
-            </a:r>
-            <a:endParaRPr lang="en-US" altLang="zh-CN"/>
-          </a:p>
-          <a:p>
-            <a:pPr lvl="0"/>
-            <a:r>
-              <a:rPr lang="en-US" altLang="zh-CN" sz="2400"/>
-              <a:t>Video Codecs by FourCC</a:t>
-            </a:r>
-            <a:endParaRPr lang="en-US" altLang="zh-CN" sz="2400"/>
-          </a:p>
-          <a:p>
-            <a:pPr lvl="1"/>
-            <a:r>
-              <a:rPr lang="en-US" altLang="zh-CN" sz="2000"/>
-              <a:t>H264</a:t>
-            </a:r>
-            <a:endParaRPr lang="en-US" altLang="zh-CN" sz="2000"/>
-          </a:p>
-          <a:p>
-            <a:pPr lvl="1"/>
-            <a:r>
-              <a:rPr lang="en-US" altLang="zh-CN" sz="2000"/>
-              <a:t>X264</a:t>
-            </a:r>
-            <a:endParaRPr lang="en-US" altLang="zh-CN" sz="2000"/>
-          </a:p>
-          <a:p>
-            <a:pPr lvl="1"/>
-            <a:r>
-              <a:rPr lang="en-US" altLang="zh-CN" sz="2000"/>
-              <a:t>XVID</a:t>
-            </a:r>
-            <a:endParaRPr lang="en-US" altLang="zh-CN" sz="2000"/>
-          </a:p>
-          <a:p>
-            <a:pPr lvl="2"/>
-            <a:endParaRPr lang="en-US" altLang="zh-CN"/>
-          </a:p>
-          <a:p>
-            <a:endParaRPr lang="en-US" altLang="zh-CN"/>
-          </a:p>
-        </p:txBody>
-      </p:sp>
-    </p:spTree>
-    <p:custDataLst>
-      <p:tags r:id="rId1"/>
-    </p:custDataLst>
-  </p:cSld>
-  <p:clrMapOvr>
-    <a:masterClrMapping/>
-  </p:clrMapOvr>
-</p:sld>
-</file>
-
 <file path=ppt/slides/slide8.xml><?xml version="1.0" encoding="utf-8"?>
 <p:sld xmlns:a="http://schemas.openxmlformats.org/drawingml/2006/main" xmlns:r="http://schemas.openxmlformats.org/officeDocument/2006/relationships" xmlns:p="http://schemas.openxmlformats.org/presentationml/2006/main">
   <p:cSld>
@@ -6252,7 +8501,7 @@
           <a:p>
             <a:r>
               <a:rPr lang="en-US" altLang="zh-CN"/>
-              <a:t>FFMPEG 1/3</a:t>
+              <a:t>FourCC</a:t>
             </a:r>
             <a:endParaRPr lang="en-US" altLang="zh-CN"/>
           </a:p>
@@ -6268,647 +8517,76 @@
             <p:ph idx="1"/>
           </p:nvPr>
         </p:nvSpPr>
-        <p:spPr>
-          <a:xfrm>
-            <a:off x="838200" y="1211580"/>
-            <a:ext cx="10919460" cy="1041400"/>
-          </a:xfrm>
-        </p:spPr>
+        <p:spPr/>
         <p:txBody>
-          <a:bodyPr>
-            <a:noAutofit/>
-          </a:bodyPr>
-          <a:p>
+          <a:bodyPr/>
+          <a:p>
+            <a:r>
+              <a:rPr lang="en-US" altLang="zh-CN"/>
+              <a:t>Intro</a:t>
+            </a:r>
+            <a:endParaRPr lang="en-US" altLang="zh-CN"/>
+          </a:p>
+          <a:p>
+            <a:pPr lvl="1"/>
+            <a:r>
+              <a:rPr lang="en-US" altLang="zh-CN"/>
+              <a:t>Short for “Four Character Code”</a:t>
+            </a:r>
+            <a:endParaRPr lang="en-US" altLang="zh-CN"/>
+          </a:p>
+          <a:p>
+            <a:pPr lvl="1"/>
+            <a:r>
+              <a:rPr lang="en-US" altLang="zh-CN"/>
+              <a:t>An identifier for a video codec, compression format, color, or pixel format used in a media file.</a:t>
+            </a:r>
+            <a:endParaRPr lang="en-US" altLang="zh-CN"/>
+          </a:p>
+          <a:p>
+            <a:pPr lvl="0"/>
+            <a:r>
+              <a:rPr lang="en-US" altLang="zh-CN" sz="2400"/>
+              <a:t>Video Codecs by FourCC</a:t>
+            </a:r>
+            <a:endParaRPr lang="en-US" altLang="zh-CN" sz="2400"/>
+          </a:p>
+          <a:p>
+            <a:pPr lvl="1"/>
             <a:r>
               <a:rPr lang="en-US" altLang="zh-CN" sz="2000"/>
-              <a:t>Install</a:t>
+              <a:t>H264</a:t>
             </a:r>
             <a:endParaRPr lang="en-US" altLang="zh-CN" sz="2000"/>
           </a:p>
           <a:p>
             <a:pPr lvl="1"/>
             <a:r>
-              <a:rPr lang="en-US" altLang="zh-CN" sz="1665"/>
-              <a:t>sudo add-apt-repository ppa:videolan/master-daily</a:t>
-            </a:r>
-            <a:endParaRPr lang="en-US" altLang="zh-CN" sz="1665"/>
+              <a:rPr lang="en-US" altLang="zh-CN" sz="2000"/>
+              <a:t>X264</a:t>
+            </a:r>
+            <a:endParaRPr lang="en-US" altLang="zh-CN" sz="2000"/>
           </a:p>
           <a:p>
             <a:pPr lvl="1"/>
             <a:r>
-              <a:rPr lang="en-US" altLang="zh-CN" sz="1665"/>
-              <a:t>ffmpeg 3.3.3-2</a:t>
-            </a:r>
-            <a:endParaRPr lang="en-US" altLang="zh-CN" sz="1600"/>
+              <a:rPr lang="en-US" altLang="zh-CN" sz="2000"/>
+              <a:t>XVID</a:t>
+            </a:r>
+            <a:endParaRPr lang="en-US" altLang="zh-CN" sz="2000"/>
+          </a:p>
+          <a:p>
+            <a:pPr lvl="2"/>
+            <a:endParaRPr lang="en-US" altLang="zh-CN"/>
+          </a:p>
+          <a:p>
+            <a:endParaRPr lang="en-US" altLang="zh-CN"/>
           </a:p>
         </p:txBody>
       </p:sp>
-      <p:graphicFrame>
-        <p:nvGraphicFramePr>
-          <p:cNvPr id="5" name="表格 4"/>
-          <p:cNvGraphicFramePr/>
-          <p:nvPr>
-            <p:custDataLst>
-              <p:tags r:id="rId1"/>
-            </p:custDataLst>
-          </p:nvPr>
-        </p:nvGraphicFramePr>
-        <p:xfrm>
-          <a:off x="579120" y="2174875"/>
-          <a:ext cx="11268710" cy="4283075"/>
-        </p:xfrm>
-        <a:graphic>
-          <a:graphicData uri="http://schemas.openxmlformats.org/drawingml/2006/table">
-            <a:tbl>
-              <a:tblPr firstRow="1" bandRow="1">
-                <a:tableStyleId>{5C22544A-7EE6-4342-B048-85BDC9FD1C3A}</a:tableStyleId>
-              </a:tblPr>
-              <a:tblGrid>
-                <a:gridCol w="2372360"/>
-                <a:gridCol w="5694680"/>
-                <a:gridCol w="3201670"/>
-              </a:tblGrid>
-              <a:tr h="365760">
-                <a:tc>
-                  <a:txBody>
-                    <a:bodyPr/>
-                    <a:p>
-                      <a:pPr algn="ctr">
-                        <a:buNone/>
-                      </a:pPr>
-                      <a:r>
-                        <a:rPr lang="en-US" altLang="zh-CN"/>
-                        <a:t>Task</a:t>
-                      </a:r>
-                      <a:endParaRPr lang="en-US" altLang="zh-CN"/>
-                    </a:p>
-                  </a:txBody>
-                  <a:tcPr/>
-                </a:tc>
-                <a:tc>
-                  <a:txBody>
-                    <a:bodyPr/>
-                    <a:p>
-                      <a:pPr algn="ctr">
-                        <a:buNone/>
-                      </a:pPr>
-                      <a:r>
-                        <a:rPr lang="en-US" altLang="zh-CN"/>
-                        <a:t>Commands</a:t>
-                      </a:r>
-                      <a:endParaRPr lang="en-US" altLang="zh-CN"/>
-                    </a:p>
-                  </a:txBody>
-                  <a:tcPr/>
-                </a:tc>
-                <a:tc>
-                  <a:txBody>
-                    <a:bodyPr/>
-                    <a:p>
-                      <a:pPr algn="ctr">
-                        <a:buNone/>
-                      </a:pPr>
-                      <a:r>
-                        <a:rPr lang="en-US" altLang="zh-CN"/>
-                        <a:t>Note</a:t>
-                      </a:r>
-                      <a:endParaRPr lang="en-US" altLang="zh-CN"/>
-                    </a:p>
-                  </a:txBody>
-                  <a:tcPr/>
-                </a:tc>
-              </a:tr>
-              <a:tr h="335280">
-                <a:tc>
-                  <a:txBody>
-                    <a:bodyPr/>
-                    <a:p>
-                      <a:pPr>
-                        <a:buNone/>
-                      </a:pPr>
-                      <a:r>
-                        <a:rPr lang="en-US" altLang="zh-CN" sz="1600"/>
-                        <a:t>Hide banner</a:t>
-                      </a:r>
-                      <a:endParaRPr lang="en-US" altLang="zh-CN" sz="1600"/>
-                    </a:p>
-                  </a:txBody>
-                  <a:tcPr/>
-                </a:tc>
-                <a:tc>
-                  <a:txBody>
-                    <a:bodyPr/>
-                    <a:p>
-                      <a:pPr>
-                        <a:buNone/>
-                      </a:pPr>
-                      <a:r>
-                        <a:rPr lang="en-US" altLang="zh-CN" sz="1600"/>
-                        <a:t>ffmpeg -hide_banner</a:t>
-                      </a:r>
-                      <a:endParaRPr lang="en-US" altLang="zh-CN" sz="1600"/>
-                    </a:p>
-                  </a:txBody>
-                  <a:tcPr/>
-                </a:tc>
-                <a:tc>
-                  <a:txBody>
-                    <a:bodyPr/>
-                    <a:p>
-                      <a:pPr>
-                        <a:buNone/>
-                      </a:pPr>
-                      <a:endParaRPr lang="zh-CN" altLang="en-US" sz="1600"/>
-                    </a:p>
-                  </a:txBody>
-                  <a:tcPr/>
-                </a:tc>
-              </a:tr>
-              <a:tr h="335280">
-                <a:tc>
-                  <a:txBody>
-                    <a:bodyPr/>
-                    <a:p>
-                      <a:pPr>
-                        <a:buNone/>
-                      </a:pPr>
-                      <a:r>
-                        <a:rPr lang="en-US" altLang="zh-CN" sz="1600"/>
-                        <a:t>Log level</a:t>
-                      </a:r>
-                      <a:endParaRPr lang="en-US" altLang="zh-CN" sz="1600"/>
-                    </a:p>
-                  </a:txBody>
-                  <a:tcPr/>
-                </a:tc>
-                <a:tc>
-                  <a:txBody>
-                    <a:bodyPr/>
-                    <a:p>
-                      <a:pPr>
-                        <a:buNone/>
-                      </a:pPr>
-                      <a:r>
-                        <a:rPr lang="en-US" altLang="zh-CN" sz="1600"/>
-                        <a:t>ffmpeg -loglevel error </a:t>
-                      </a:r>
-                      <a:endParaRPr lang="en-US" altLang="zh-CN" sz="1600"/>
-                    </a:p>
-                  </a:txBody>
-                  <a:tcPr/>
-                </a:tc>
-                <a:tc>
-                  <a:txBody>
-                    <a:bodyPr/>
-                    <a:p>
-                      <a:pPr>
-                        <a:buNone/>
-                      </a:pPr>
-                      <a:endParaRPr lang="zh-CN" altLang="en-US" sz="1600"/>
-                    </a:p>
-                  </a:txBody>
-                  <a:tcPr/>
-                </a:tc>
-              </a:tr>
-              <a:tr h="335280">
-                <a:tc>
-                  <a:txBody>
-                    <a:bodyPr/>
-                    <a:p>
-                      <a:pPr>
-                        <a:buNone/>
-                      </a:pPr>
-                      <a:r>
-                        <a:rPr lang="en-US" altLang="zh-CN" sz="1600"/>
-                        <a:t>pix format</a:t>
-                      </a:r>
-                      <a:endParaRPr lang="en-US" altLang="zh-CN" sz="1600"/>
-                    </a:p>
-                  </a:txBody>
-                  <a:tcPr/>
-                </a:tc>
-                <a:tc>
-                  <a:txBody>
-                    <a:bodyPr/>
-                    <a:p>
-                      <a:pPr>
-                        <a:buNone/>
-                      </a:pPr>
-                      <a:r>
-                        <a:rPr lang="en-US" altLang="zh-CN" sz="1600"/>
-                        <a:t>ffmpeg -pix_fmts</a:t>
-                      </a:r>
-                      <a:endParaRPr lang="en-US" altLang="zh-CN" sz="1600"/>
-                    </a:p>
-                  </a:txBody>
-                  <a:tcPr/>
-                </a:tc>
-                <a:tc>
-                  <a:txBody>
-                    <a:bodyPr/>
-                    <a:p>
-                      <a:pPr>
-                        <a:buNone/>
-                      </a:pPr>
-                      <a:endParaRPr lang="zh-CN" altLang="en-US" sz="1600"/>
-                    </a:p>
-                  </a:txBody>
-                  <a:tcPr/>
-                </a:tc>
-              </a:tr>
-              <a:tr h="579120">
-                <a:tc>
-                  <a:txBody>
-                    <a:bodyPr/>
-                    <a:p>
-                      <a:pPr>
-                        <a:buNone/>
-                      </a:pPr>
-                      <a:r>
-                        <a:rPr lang="en-US" altLang="zh-CN" sz="1600">
-                          <a:sym typeface="+mn-ea"/>
-                        </a:rPr>
-                        <a:t>Convert image sequences into video</a:t>
-                      </a:r>
-                      <a:endParaRPr lang="en-US" altLang="zh-CN" sz="1600">
-                        <a:sym typeface="+mn-ea"/>
-                      </a:endParaRPr>
-                    </a:p>
-                  </a:txBody>
-                  <a:tcPr/>
-                </a:tc>
-                <a:tc>
-                  <a:txBody>
-                    <a:bodyPr/>
-                    <a:p>
-                      <a:pPr>
-                        <a:buNone/>
-                      </a:pPr>
-                      <a:r>
-                        <a:rPr lang="zh-CN" altLang="en-US" sz="1600">
-                          <a:sym typeface="+mn-ea"/>
-                        </a:rPr>
-                        <a:t>ffmpeg -i %4d.png </a:t>
-                      </a:r>
-                      <a:r>
-                        <a:rPr lang="en-US" altLang="zh-CN" sz="1600">
-                          <a:sym typeface="+mn-ea"/>
-                        </a:rPr>
-                        <a:t>-r 20 output</a:t>
-                      </a:r>
-                      <a:r>
-                        <a:rPr lang="zh-CN" altLang="en-US" sz="1600">
-                          <a:sym typeface="+mn-ea"/>
-                        </a:rPr>
-                        <a:t>.mp4</a:t>
-                      </a:r>
-                      <a:endParaRPr lang="zh-CN" altLang="en-US" sz="1600">
-                        <a:sym typeface="+mn-ea"/>
-                      </a:endParaRPr>
-                    </a:p>
-                  </a:txBody>
-                  <a:tcPr/>
-                </a:tc>
-                <a:tc>
-                  <a:txBody>
-                    <a:bodyPr/>
-                    <a:p>
-                      <a:pPr>
-                        <a:buNone/>
-                      </a:pPr>
-                      <a:endParaRPr lang="zh-CN" altLang="en-US" sz="1600"/>
-                    </a:p>
-                  </a:txBody>
-                  <a:tcPr/>
-                </a:tc>
-              </a:tr>
-              <a:tr h="412115">
-                <a:tc>
-                  <a:txBody>
-                    <a:bodyPr/>
-                    <a:p>
-                      <a:pPr>
-                        <a:buNone/>
-                      </a:pPr>
-                      <a:r>
-                        <a:rPr lang="en-US" altLang="zh-CN" sz="1600">
-                          <a:sym typeface="+mn-ea"/>
-                        </a:rPr>
-                        <a:t>Get frames from image</a:t>
-                      </a:r>
-                      <a:endParaRPr lang="en-US" altLang="zh-CN" sz="1600">
-                        <a:sym typeface="+mn-ea"/>
-                      </a:endParaRPr>
-                    </a:p>
-                  </a:txBody>
-                  <a:tcPr/>
-                </a:tc>
-                <a:tc>
-                  <a:txBody>
-                    <a:bodyPr/>
-                    <a:p>
-                      <a:pPr>
-                        <a:buNone/>
-                      </a:pPr>
-                      <a:r>
-                        <a:rPr lang="en-US" altLang="zh-CN" sz="1600">
-                          <a:sym typeface="+mn-ea"/>
-                        </a:rPr>
-                        <a:t>ffmpeg -i input.mp4 output/frame%04d.jpg</a:t>
-                      </a:r>
-                      <a:endParaRPr lang="en-US" altLang="zh-CN" sz="1600">
-                        <a:sym typeface="+mn-ea"/>
-                      </a:endParaRPr>
-                    </a:p>
-                  </a:txBody>
-                  <a:tcPr/>
-                </a:tc>
-                <a:tc>
-                  <a:txBody>
-                    <a:bodyPr/>
-                    <a:p>
-                      <a:pPr>
-                        <a:buNone/>
-                      </a:pPr>
-                      <a:endParaRPr lang="zh-CN" altLang="en-US" sz="1600"/>
-                    </a:p>
-                  </a:txBody>
-                  <a:tcPr/>
-                </a:tc>
-              </a:tr>
-              <a:tr h="335280">
-                <a:tc>
-                  <a:txBody>
-                    <a:bodyPr/>
-                    <a:p>
-                      <a:pPr>
-                        <a:buNone/>
-                      </a:pPr>
-                      <a:r>
-                        <a:rPr lang="en-US" altLang="zh-CN" sz="1600"/>
-                        <a:t>Truncate video</a:t>
-                      </a:r>
-                      <a:endParaRPr lang="en-US" altLang="zh-CN" sz="1600"/>
-                    </a:p>
-                  </a:txBody>
-                  <a:tcPr/>
-                </a:tc>
-                <a:tc>
-                  <a:txBody>
-                    <a:bodyPr/>
-                    <a:p>
-                      <a:pPr>
-                        <a:buNone/>
-                      </a:pPr>
-                      <a:r>
-                        <a:rPr lang="en-US" altLang="zh-CN" sz="1600">
-                          <a:sym typeface="+mn-ea"/>
-                        </a:rPr>
-                        <a:t>ffmpeg -ss 10 -i input.mp3 -t 6 output.mp3</a:t>
-                      </a:r>
-                      <a:endParaRPr lang="en-US" altLang="zh-CN" sz="1600">
-                        <a:sym typeface="+mn-ea"/>
-                      </a:endParaRPr>
-                    </a:p>
-                  </a:txBody>
-                  <a:tcPr/>
-                </a:tc>
-                <a:tc>
-                  <a:txBody>
-                    <a:bodyPr/>
-                    <a:p>
-                      <a:pPr>
-                        <a:buNone/>
-                      </a:pPr>
-                      <a:endParaRPr lang="zh-CN" altLang="en-US" sz="1600"/>
-                    </a:p>
-                  </a:txBody>
-                  <a:tcPr/>
-                </a:tc>
-              </a:tr>
-              <a:tr h="335280">
-                <a:tc>
-                  <a:txBody>
-                    <a:bodyPr/>
-                    <a:p>
-                      <a:pPr>
-                        <a:buNone/>
-                      </a:pPr>
-                      <a:r>
-                        <a:rPr lang="en-US" altLang="zh-CN" sz="1600">
-                          <a:sym typeface="+mn-ea"/>
-                        </a:rPr>
-                        <a:t>Concat video files</a:t>
-                      </a:r>
-                      <a:endParaRPr lang="en-US" altLang="zh-CN" sz="1600">
-                        <a:sym typeface="+mn-ea"/>
-                      </a:endParaRPr>
-                    </a:p>
-                  </a:txBody>
-                  <a:tcPr/>
-                </a:tc>
-                <a:tc>
-                  <a:txBody>
-                    <a:bodyPr/>
-                    <a:p>
-                      <a:pPr marL="0" lvl="2">
-                        <a:buNone/>
-                      </a:pPr>
-                      <a:r>
-                        <a:rPr lang="en-US" altLang="zh-CN" sz="1600">
-                          <a:sym typeface="+mn-ea"/>
-                        </a:rPr>
-                        <a:t>ffmpeg -f concat -safe 0 -i mylist.txt -c copy output.mp4</a:t>
-                      </a:r>
-                      <a:endParaRPr lang="en-US" altLang="zh-CN" sz="1600">
-                        <a:sym typeface="+mn-ea"/>
-                      </a:endParaRPr>
-                    </a:p>
-                  </a:txBody>
-                  <a:tcPr/>
-                </a:tc>
-                <a:tc>
-                  <a:txBody>
-                    <a:bodyPr/>
-                    <a:p>
-                      <a:pPr>
-                        <a:buNone/>
-                      </a:pPr>
-                      <a:r>
-                        <a:rPr lang="en-US" altLang="zh-CN" sz="1600"/>
-                        <a:t>mylist.txt: </a:t>
-                      </a:r>
-                      <a:r>
-                        <a:rPr lang="en-US" altLang="zh-CN" sz="1600">
-                          <a:sym typeface="+mn-ea"/>
-                        </a:rPr>
-                        <a:t>file 'filename1'</a:t>
-                      </a:r>
-                      <a:endParaRPr lang="en-US" altLang="zh-CN" sz="1600">
-                        <a:sym typeface="+mn-ea"/>
-                      </a:endParaRPr>
-                    </a:p>
-                  </a:txBody>
-                  <a:tcPr/>
-                </a:tc>
-              </a:tr>
-              <a:tr h="335280">
-                <a:tc>
-                  <a:txBody>
-                    <a:bodyPr/>
-                    <a:p>
-                      <a:pPr>
-                        <a:buNone/>
-                      </a:pPr>
-                      <a:r>
-                        <a:rPr lang="en-US" altLang="zh-CN" sz="1600"/>
-                        <a:t>Change video codec</a:t>
-                      </a:r>
-                      <a:endParaRPr lang="en-US" altLang="zh-CN" sz="1600"/>
-                    </a:p>
-                  </a:txBody>
-                  <a:tcPr/>
-                </a:tc>
-                <a:tc>
-                  <a:txBody>
-                    <a:bodyPr/>
-                    <a:p>
-                      <a:pPr marL="0" lvl="2">
-                        <a:buNone/>
-                      </a:pPr>
-                      <a:r>
-                        <a:rPr lang="en-US" altLang="zh-CN" sz="1600">
-                          <a:sym typeface="+mn-ea"/>
-                        </a:rPr>
-                        <a:t>ffmpeg -i in.mpg -c:v libx264 out.mp4</a:t>
-                      </a:r>
-                      <a:endParaRPr lang="en-US" altLang="zh-CN" sz="1600">
-                        <a:sym typeface="+mn-ea"/>
-                      </a:endParaRPr>
-                    </a:p>
-                  </a:txBody>
-                  <a:tcPr/>
-                </a:tc>
-                <a:tc>
-                  <a:txBody>
-                    <a:bodyPr/>
-                    <a:p>
-                      <a:pPr>
-                        <a:buNone/>
-                      </a:pPr>
-                      <a:endParaRPr lang="zh-CN" altLang="en-US" sz="1600"/>
-                    </a:p>
-                  </a:txBody>
-                  <a:tcPr/>
-                </a:tc>
-              </a:tr>
-              <a:tr h="335280">
-                <a:tc>
-                  <a:txBody>
-                    <a:bodyPr/>
-                    <a:p>
-                      <a:pPr>
-                        <a:buNone/>
-                      </a:pPr>
-                      <a:r>
-                        <a:rPr lang="en-US" altLang="zh-CN" sz="1600"/>
-                        <a:t>Change audio codec</a:t>
-                      </a:r>
-                      <a:endParaRPr lang="en-US" altLang="zh-CN" sz="1600"/>
-                    </a:p>
-                  </a:txBody>
-                  <a:tcPr/>
-                </a:tc>
-                <a:tc>
-                  <a:txBody>
-                    <a:bodyPr/>
-                    <a:p>
-                      <a:pPr marL="0" lvl="2">
-                        <a:buNone/>
-                      </a:pPr>
-                      <a:r>
-                        <a:rPr lang="en-US" altLang="zh-CN" sz="1600"/>
-                        <a:t>ffmpeg -i in.mp4 -c:a aac out.mp4</a:t>
-                      </a:r>
-                      <a:endParaRPr lang="en-US" altLang="zh-CN" sz="1600"/>
-                    </a:p>
-                  </a:txBody>
-                  <a:tcPr/>
-                </a:tc>
-                <a:tc>
-                  <a:txBody>
-                    <a:bodyPr/>
-                    <a:p>
-                      <a:pPr>
-                        <a:buNone/>
-                      </a:pPr>
-                      <a:r>
-                        <a:rPr lang="en-US" altLang="zh-CN" sz="1600"/>
-                        <a:t>mp3-encoded video cannot play audio correctly in Mac/iOS</a:t>
-                      </a:r>
-                      <a:endParaRPr lang="en-US" altLang="zh-CN" sz="1600"/>
-                    </a:p>
-                  </a:txBody>
-                  <a:tcPr/>
-                </a:tc>
-              </a:tr>
-              <a:tr h="335280">
-                <a:tc>
-                  <a:txBody>
-                    <a:bodyPr/>
-                    <a:p>
-                      <a:pPr>
-                        <a:buNone/>
-                      </a:pPr>
-                      <a:r>
-                        <a:rPr lang="en-US" altLang="zh-CN" sz="1600"/>
-                        <a:t>List info</a:t>
-                      </a:r>
-                      <a:endParaRPr lang="en-US" altLang="zh-CN" sz="1600"/>
-                    </a:p>
-                  </a:txBody>
-                  <a:tcPr/>
-                </a:tc>
-                <a:tc>
-                  <a:txBody>
-                    <a:bodyPr/>
-                    <a:p>
-                      <a:pPr>
-                        <a:buNone/>
-                      </a:pPr>
-                      <a:r>
-                        <a:rPr lang="en-US" altLang="zh-CN" sz="1600">
-                          <a:sym typeface="+mn-ea"/>
-                        </a:rPr>
-                        <a:t>ffmpeg -codecs/-fomats/--decoders/--encoders/--filters</a:t>
-                      </a:r>
-                      <a:endParaRPr lang="en-US" altLang="zh-CN" sz="1600">
-                        <a:sym typeface="+mn-ea"/>
-                      </a:endParaRPr>
-                    </a:p>
-                  </a:txBody>
-                  <a:tcPr/>
-                </a:tc>
-                <a:tc>
-                  <a:txBody>
-                    <a:bodyPr/>
-                    <a:p>
-                      <a:pPr>
-                        <a:buNone/>
-                      </a:pPr>
-                      <a:endParaRPr lang="zh-CN" altLang="en-US" sz="1600"/>
-                    </a:p>
-                  </a:txBody>
-                  <a:tcPr/>
-                </a:tc>
-              </a:tr>
-            </a:tbl>
-          </a:graphicData>
-        </a:graphic>
-      </p:graphicFrame>
     </p:spTree>
     <p:custDataLst>
-      <p:tags r:id="rId2"/>
+      <p:tags r:id="rId1"/>
     </p:custDataLst>
   </p:cSld>
   <p:clrMapOvr>
@@ -6943,15 +8621,60 @@
           <a:p>
             <a:r>
               <a:rPr lang="en-US" altLang="zh-CN"/>
-              <a:t>FFMPEG 2/3</a:t>
+              <a:t>FFMPEG Info</a:t>
             </a:r>
             <a:endParaRPr lang="en-US" altLang="zh-CN"/>
+          </a:p>
+        </p:txBody>
+      </p:sp>
+      <p:sp>
+        <p:nvSpPr>
+          <p:cNvPr id="3" name="内容占位符 2"/>
+          <p:cNvSpPr>
+            <a:spLocks noGrp="1"/>
+          </p:cNvSpPr>
+          <p:nvPr>
+            <p:ph idx="1"/>
+          </p:nvPr>
+        </p:nvSpPr>
+        <p:spPr>
+          <a:xfrm>
+            <a:off x="838200" y="1211580"/>
+            <a:ext cx="10919460" cy="1041400"/>
+          </a:xfrm>
+        </p:spPr>
+        <p:txBody>
+          <a:bodyPr>
+            <a:noAutofit/>
+          </a:bodyPr>
+          <a:p>
+            <a:r>
+              <a:rPr lang="en-US" altLang="zh-CN" sz="2000"/>
+              <a:t>Install</a:t>
+            </a:r>
+            <a:endParaRPr lang="en-US" altLang="zh-CN" sz="2000"/>
+          </a:p>
+          <a:p>
+            <a:pPr lvl="1"/>
+            <a:r>
+              <a:rPr lang="en-US" altLang="zh-CN" sz="1665"/>
+              <a:t>sudo add-apt-repository ppa:videolan/master-daily</a:t>
+            </a:r>
+            <a:endParaRPr lang="en-US" altLang="zh-CN" sz="1665"/>
+          </a:p>
+          <a:p>
+            <a:pPr lvl="1"/>
+            <a:r>
+              <a:rPr lang="en-US" altLang="zh-CN" sz="1665"/>
+              <a:t>ffmpeg 3.3.3-2</a:t>
+            </a:r>
+            <a:endParaRPr lang="en-US" altLang="zh-CN" sz="1600"/>
           </a:p>
         </p:txBody>
       </p:sp>
       <p:graphicFrame>
         <p:nvGraphicFramePr>
-          <p:cNvPr id="6" name="表格 5"/>
+          <p:cNvPr id="5" name="表格 4"/>
           <p:cNvGraphicFramePr/>
           <p:nvPr>
             <p:custDataLst>
@@ -6960,8 +8683,8 @@
           </p:nvPr>
         </p:nvGraphicFramePr>
         <p:xfrm>
-          <a:off x="676275" y="1177925"/>
-          <a:ext cx="11256645" cy="4865370"/>
+          <a:off x="579120" y="2174875"/>
+          <a:ext cx="11268710" cy="3413760"/>
         </p:xfrm>
         <a:graphic>
           <a:graphicData uri="http://schemas.openxmlformats.org/drawingml/2006/table">
@@ -6970,11 +8693,11 @@
                 <a:tableStyleId>{5C22544A-7EE6-4342-B048-85BDC9FD1C3A}</a:tableStyleId>
               </a:tblPr>
               <a:tblGrid>
-                <a:gridCol w="2225675"/>
-                <a:gridCol w="6224270"/>
-                <a:gridCol w="2806700"/>
+                <a:gridCol w="2372360"/>
+                <a:gridCol w="5694680"/>
+                <a:gridCol w="3201670"/>
               </a:tblGrid>
-              <a:tr h="405765">
+              <a:tr h="365760">
                 <a:tc>
                   <a:txBody>
                     <a:bodyPr/>
@@ -7024,159 +8747,225 @@
                   <a:tcPr/>
                 </a:tc>
               </a:tr>
-              <a:tr h="486410">
-                <a:tc>
-                  <a:txBody>
-                    <a:bodyPr/>
-                    <a:p>
-                      <a:pPr>
-                        <a:buNone/>
-                      </a:pPr>
-                      <a:r>
-                        <a:rPr lang="en-US" altLang="zh-CN" sz="1600"/>
-                        <a:t>Remove audio from video</a:t>
-                      </a:r>
-                      <a:endParaRPr lang="en-US" altLang="zh-CN" sz="1600"/>
-                    </a:p>
-                  </a:txBody>
-                  <a:tcPr/>
-                </a:tc>
-                <a:tc>
-                  <a:txBody>
-                    <a:bodyPr/>
-                    <a:p>
-                      <a:pPr>
-                        <a:buNone/>
-                      </a:pPr>
-                      <a:r>
-                        <a:rPr lang="zh-CN" altLang="en-US" sz="1600"/>
-                        <a:t>ffmpeg -i </a:t>
-                      </a:r>
-                      <a:r>
-                        <a:rPr lang="en-US" altLang="zh-CN" sz="1600"/>
-                        <a:t>input</a:t>
-                      </a:r>
-                      <a:r>
-                        <a:rPr lang="zh-CN" altLang="en-US" sz="1600"/>
-                        <a:t>.avi -vcodec copy -an </a:t>
-                      </a:r>
-                      <a:r>
-                        <a:rPr lang="en-US" altLang="zh-CN" sz="1600"/>
-                        <a:t>output.avi</a:t>
-                      </a:r>
-                      <a:endParaRPr lang="en-US" altLang="zh-CN" sz="1600"/>
-                    </a:p>
-                  </a:txBody>
-                  <a:tcPr/>
-                </a:tc>
-                <a:tc>
-                  <a:txBody>
-                    <a:bodyPr/>
-                    <a:p>
-                      <a:pPr>
-                        <a:buNone/>
-                      </a:pPr>
-                      <a:endParaRPr lang="zh-CN" altLang="en-US" sz="1600"/>
+              <a:tr h="335280">
+                <a:tc>
+                  <a:txBody>
+                    <a:bodyPr/>
+                    <a:p>
+                      <a:pPr>
+                        <a:buNone/>
+                      </a:pPr>
+                      <a:r>
+                        <a:rPr lang="en-US" altLang="zh-CN" sz="1400"/>
+                        <a:t>Hide banner</a:t>
+                      </a:r>
+                      <a:endParaRPr lang="en-US" altLang="zh-CN" sz="1400"/>
+                    </a:p>
+                  </a:txBody>
+                  <a:tcPr/>
+                </a:tc>
+                <a:tc>
+                  <a:txBody>
+                    <a:bodyPr/>
+                    <a:p>
+                      <a:pPr>
+                        <a:buNone/>
+                      </a:pPr>
+                      <a:r>
+                        <a:rPr lang="en-US" altLang="zh-CN" sz="1400"/>
+                        <a:t>ffmpeg -hide_banner</a:t>
+                      </a:r>
+                      <a:endParaRPr lang="en-US" altLang="zh-CN" sz="1400"/>
+                    </a:p>
+                  </a:txBody>
+                  <a:tcPr/>
+                </a:tc>
+                <a:tc>
+                  <a:txBody>
+                    <a:bodyPr/>
+                    <a:p>
+                      <a:pPr>
+                        <a:buNone/>
+                      </a:pPr>
+                      <a:endParaRPr lang="zh-CN" altLang="en-US" sz="1400"/>
                     </a:p>
                   </a:txBody>
                   <a:tcPr/>
                 </a:tc>
               </a:tr>
-              <a:tr h="274955">
-                <a:tc>
-                  <a:txBody>
-                    <a:bodyPr/>
-                    <a:p>
-                      <a:pPr>
-                        <a:buNone/>
-                      </a:pPr>
-                      <a:r>
-                        <a:rPr lang="en-US" altLang="zh-CN" sz="1600"/>
-                        <a:t>Merge audi</a:t>
-                      </a:r>
-                      <a:r>
-                        <a:rPr lang="en-US" altLang="zh-CN" sz="1600"/>
-                        <a:t>o and video</a:t>
-                      </a:r>
-                      <a:endParaRPr lang="en-US" altLang="zh-CN" sz="1600"/>
-                    </a:p>
-                  </a:txBody>
-                  <a:tcPr/>
-                </a:tc>
-                <a:tc>
-                  <a:txBody>
-                    <a:bodyPr/>
-                    <a:p>
-                      <a:pPr>
-                        <a:buNone/>
-                      </a:pPr>
-                      <a:r>
-                        <a:rPr lang="en-US" altLang="zh-CN" sz="1600"/>
-                        <a:t>ffmpeg -i audio.mp3 -i input.mp4 output.mp4</a:t>
-                      </a:r>
-                      <a:endParaRPr lang="en-US" altLang="zh-CN" sz="1600"/>
-                    </a:p>
-                  </a:txBody>
-                  <a:tcPr/>
-                </a:tc>
-                <a:tc>
-                  <a:txBody>
-                    <a:bodyPr/>
-                    <a:p>
-                      <a:pPr>
-                        <a:buNone/>
-                      </a:pPr>
-                      <a:endParaRPr lang="zh-CN" altLang="en-US" sz="1600"/>
+              <a:tr h="335280">
+                <a:tc>
+                  <a:txBody>
+                    <a:bodyPr/>
+                    <a:p>
+                      <a:pPr>
+                        <a:buNone/>
+                      </a:pPr>
+                      <a:r>
+                        <a:rPr lang="en-US" altLang="zh-CN" sz="1400"/>
+                        <a:t>Log level</a:t>
+                      </a:r>
+                      <a:endParaRPr lang="en-US" altLang="zh-CN" sz="1400"/>
+                    </a:p>
+                  </a:txBody>
+                  <a:tcPr/>
+                </a:tc>
+                <a:tc>
+                  <a:txBody>
+                    <a:bodyPr/>
+                    <a:p>
+                      <a:pPr>
+                        <a:buNone/>
+                      </a:pPr>
+                      <a:r>
+                        <a:rPr lang="en-US" altLang="zh-CN" sz="1400"/>
+                        <a:t>ffmpeg -loglevel quiet/panic/fatal/error/warning/info/verbose/debug </a:t>
+                      </a:r>
+                      <a:endParaRPr lang="en-US" altLang="zh-CN" sz="1400"/>
+                    </a:p>
+                  </a:txBody>
+                  <a:tcPr/>
+                </a:tc>
+                <a:tc>
+                  <a:txBody>
+                    <a:bodyPr/>
+                    <a:p>
+                      <a:pPr>
+                        <a:buNone/>
+                      </a:pPr>
+                      <a:endParaRPr lang="zh-CN" altLang="en-US" sz="1400"/>
                     </a:p>
                   </a:txBody>
                   <a:tcPr/>
                 </a:tc>
               </a:tr>
-              <a:tr h="291465">
-                <a:tc>
-                  <a:txBody>
-                    <a:bodyPr/>
-                    <a:p>
-                      <a:pPr>
-                        <a:buNone/>
-                      </a:pPr>
-                      <a:r>
-                        <a:rPr lang="en-US" altLang="zh-CN" sz="1600"/>
-                        <a:t>Change video size</a:t>
-                      </a:r>
-                      <a:endParaRPr lang="en-US" altLang="zh-CN" sz="1600"/>
-                    </a:p>
-                  </a:txBody>
-                  <a:tcPr/>
-                </a:tc>
-                <a:tc>
-                  <a:txBody>
-                    <a:bodyPr/>
-                    <a:p>
-                      <a:pPr marL="0" lvl="2">
-                        <a:buNone/>
-                      </a:pPr>
-                      <a:r>
-                        <a:rPr lang="en-US" altLang="zh-CN" sz="1600">
+              <a:tr h="335280">
+                <a:tc>
+                  <a:txBody>
+                    <a:bodyPr/>
+                    <a:p>
+                      <a:pPr>
+                        <a:buNone/>
+                      </a:pPr>
+                      <a:r>
+                        <a:rPr lang="en-US" altLang="zh-CN" sz="1400"/>
+                        <a:t>pix format</a:t>
+                      </a:r>
+                      <a:endParaRPr lang="en-US" altLang="zh-CN" sz="1400"/>
+                    </a:p>
+                  </a:txBody>
+                  <a:tcPr/>
+                </a:tc>
+                <a:tc>
+                  <a:txBody>
+                    <a:bodyPr/>
+                    <a:p>
+                      <a:pPr>
+                        <a:buNone/>
+                      </a:pPr>
+                      <a:r>
+                        <a:rPr lang="en-US" altLang="zh-CN" sz="1400"/>
+                        <a:t>ffmpeg -pix_fmts</a:t>
+                      </a:r>
+                      <a:endParaRPr lang="en-US" altLang="zh-CN" sz="1400"/>
+                    </a:p>
+                  </a:txBody>
+                  <a:tcPr/>
+                </a:tc>
+                <a:tc>
+                  <a:txBody>
+                    <a:bodyPr/>
+                    <a:p>
+                      <a:pPr>
+                        <a:buNone/>
+                      </a:pPr>
+                      <a:endParaRPr lang="zh-CN" altLang="en-US" sz="1400"/>
+                    </a:p>
+                  </a:txBody>
+                  <a:tcPr/>
+                </a:tc>
+              </a:tr>
+              <a:tr h="335280">
+                <a:tc>
+                  <a:txBody>
+                    <a:bodyPr/>
+                    <a:p>
+                      <a:pPr>
+                        <a:buNone/>
+                      </a:pPr>
+                      <a:r>
+                        <a:rPr lang="en-US" altLang="zh-CN" sz="1400"/>
+                        <a:t>List info</a:t>
+                      </a:r>
+                      <a:endParaRPr lang="en-US" altLang="zh-CN" sz="1400"/>
+                    </a:p>
+                  </a:txBody>
+                  <a:tcPr/>
+                </a:tc>
+                <a:tc>
+                  <a:txBody>
+                    <a:bodyPr/>
+                    <a:p>
+                      <a:pPr>
+                        <a:buNone/>
+                      </a:pPr>
+                      <a:r>
+                        <a:rPr lang="en-US" altLang="zh-CN" sz="1400">
                           <a:sym typeface="+mn-ea"/>
                         </a:rPr>
-                        <a:t>ffmpeg -i input.avi -s 720x480 -c:a copy output.avi</a:t>
-                      </a:r>
-                      <a:endParaRPr lang="en-US" altLang="zh-CN" sz="1600">
+                        <a:t>ffmpeg -codecs/-fomats/--decoders/--encoders/--filters</a:t>
+                      </a:r>
+                      <a:endParaRPr lang="en-US" altLang="zh-CN" sz="1400">
                         <a:sym typeface="+mn-ea"/>
                       </a:endParaRPr>
                     </a:p>
-                    <a:p>
-                      <a:pPr marL="0" lvl="2">
-                        <a:buNone/>
-                      </a:pPr>
-                      <a:r>
-                        <a:rPr lang="en-US" altLang="zh-CN" sz="1600">
+                  </a:txBody>
+                  <a:tcPr/>
+                </a:tc>
+                <a:tc>
+                  <a:txBody>
+                    <a:bodyPr/>
+                    <a:p>
+                      <a:pPr>
+                        <a:buNone/>
+                      </a:pPr>
+                      <a:endParaRPr lang="zh-CN" altLang="en-US" sz="1400"/>
+                    </a:p>
+                  </a:txBody>
+                  <a:tcPr/>
+                </a:tc>
+              </a:tr>
+              <a:tr h="335280">
+                <a:tc>
+                  <a:txBody>
+                    <a:bodyPr/>
+                    <a:p>
+                      <a:pPr>
+                        <a:buNone/>
+                      </a:pPr>
+                      <a:r>
+                        <a:rPr lang="en-US" altLang="zh-CN" sz="1400"/>
+                        <a:t>Print format</a:t>
+                      </a:r>
+                      <a:endParaRPr lang="en-US" altLang="zh-CN" sz="1400"/>
+                    </a:p>
+                  </a:txBody>
+                  <a:tcPr/>
+                </a:tc>
+                <a:tc>
+                  <a:txBody>
+                    <a:bodyPr/>
+                    <a:p>
+                      <a:pPr>
+                        <a:buNone/>
+                      </a:pPr>
+                      <a:r>
+                        <a:rPr lang="en-US" altLang="zh-CN" sz="1400">
                           <a:sym typeface="+mn-ea"/>
                         </a:rPr>
-                        <a:t>ffmpeg -i input.avi -filter:v scale=720:-1 -c:a copy output.avi</a:t>
-                      </a:r>
-                      <a:endParaRPr lang="en-US" altLang="zh-CN" sz="1600">
+                        <a:t>ffprobe -show_format -print_format json -v quiet input.mp4</a:t>
+                      </a:r>
+                      <a:endParaRPr lang="en-US" altLang="zh-CN" sz="1400">
                         <a:sym typeface="+mn-ea"/>
                       </a:endParaRPr>
                     </a:p>
@@ -7190,43 +8979,45 @@
                       <a:pPr>
                         <a:buNone/>
                       </a:pPr>
-                      <a:endParaRPr lang="zh-CN" altLang="en-US" sz="1600"/>
+                      <a:endParaRPr lang="zh-CN" altLang="en-US" sz="1400"/>
                     </a:p>
                   </a:txBody>
                   <a:tcPr/>
                 </a:tc>
               </a:tr>
-              <a:tr h="250190">
-                <a:tc>
-                  <a:txBody>
-                    <a:bodyPr/>
-                    <a:p>
-                      <a:pPr>
-                        <a:buNone/>
-                      </a:pPr>
-                      <a:r>
-                        <a:rPr lang="en-US" altLang="zh-CN" sz="1600"/>
-                        <a:t>Crop video</a:t>
-                      </a:r>
-                      <a:endParaRPr lang="en-US" altLang="zh-CN" sz="1600"/>
-                    </a:p>
-                  </a:txBody>
-                  <a:tcPr/>
-                </a:tc>
-                <a:tc>
-                  <a:txBody>
-                    <a:bodyPr/>
-                    <a:p>
-                      <a:pPr>
-                        <a:buNone/>
-                      </a:pPr>
-                      <a:r>
-                        <a:rPr lang="en-US" altLang="zh-CN" sz="1600">
+              <a:tr h="335280">
+                <a:tc>
+                  <a:txBody>
+                    <a:bodyPr/>
+                    <a:p>
+                      <a:pPr>
+                        <a:buNone/>
+                      </a:pPr>
+                      <a:r>
+                        <a:rPr lang="en-US" altLang="zh-CN" sz="1400">
                           <a:sym typeface="+mn-ea"/>
                         </a:rPr>
-                        <a:t>ffmpeg -i input.mp4 -filter:v "crop=w:h:x:y" output.mp4</a:t>
-                      </a:r>
-                      <a:endParaRPr lang="en-US" altLang="zh-CN" sz="1600">
+                        <a:t>Get duration</a:t>
+                      </a:r>
+                      <a:endParaRPr lang="en-US" altLang="zh-CN" sz="1400"/>
+                    </a:p>
+                  </a:txBody>
+                  <a:tcPr/>
+                </a:tc>
+                <a:tc>
+                  <a:txBody>
+                    <a:bodyPr/>
+                    <a:p>
+                      <a:pPr>
+                        <a:buNone/>
+                      </a:pPr>
+                      <a:r>
+                        <a:rPr lang="en-US" altLang="zh-CN" sz="1400">
+                          <a:sym typeface="+mn-ea"/>
+                        </a:rPr>
+                        <a:t>ffprobe -i input.mp4 -v quiet -show_entries format=duration -hide_banner -of default=noprint_wrappers=1:nokey=1</a:t>
+                      </a:r>
+                      <a:endParaRPr lang="en-US" altLang="zh-CN" sz="1400">
                         <a:sym typeface="+mn-ea"/>
                       </a:endParaRPr>
                     </a:p>
@@ -7240,43 +9031,43 @@
                       <a:pPr>
                         <a:buNone/>
                       </a:pPr>
-                      <a:endParaRPr lang="zh-CN" altLang="en-US" sz="1600"/>
+                      <a:endParaRPr lang="zh-CN" altLang="en-US" sz="1400"/>
                     </a:p>
                   </a:txBody>
                   <a:tcPr/>
                 </a:tc>
               </a:tr>
-              <a:tr h="421005">
-                <a:tc>
-                  <a:txBody>
-                    <a:bodyPr/>
-                    <a:p>
-                      <a:pPr>
-                        <a:buNone/>
-                      </a:pPr>
-                      <a:r>
-                        <a:rPr lang="en-US" altLang="zh-CN" sz="1600"/>
-                        <a:t>Change fps</a:t>
-                      </a:r>
-                      <a:endParaRPr lang="en-US" altLang="zh-CN" sz="1600"/>
-                    </a:p>
-                  </a:txBody>
-                  <a:tcPr/>
-                </a:tc>
-                <a:tc>
-                  <a:txBody>
-                    <a:bodyPr/>
-                    <a:p>
-                      <a:pPr>
-                        <a:buNone/>
-                      </a:pPr>
-                      <a:r>
-                        <a:rPr lang="en-US" altLang="zh-CN" sz="1600">
+              <a:tr h="335280">
+                <a:tc>
+                  <a:txBody>
+                    <a:bodyPr/>
+                    <a:p>
+                      <a:pPr>
+                        <a:buNone/>
+                      </a:pPr>
+                      <a:r>
+                        <a:rPr lang="en-US" altLang="zh-CN" sz="1400"/>
+                        <a:t>Show stream info</a:t>
+                      </a:r>
+                      <a:endParaRPr lang="en-US" altLang="zh-CN" sz="1400"/>
+                    </a:p>
+                  </a:txBody>
+                  <a:tcPr/>
+                </a:tc>
+                <a:tc>
+                  <a:txBody>
+                    <a:bodyPr/>
+                    <a:p>
+                      <a:pPr>
+                        <a:buNone/>
+                      </a:pPr>
+                      <a:r>
+                        <a:rPr lang="en-US" altLang="zh-CN" sz="1400">
                           <a:sym typeface="+mn-ea"/>
                         </a:rPr>
-                        <a:t>ffmpeg -i input.mp4 -r 30 output.mp4</a:t>
-                      </a:r>
-                      <a:endParaRPr lang="en-US" altLang="zh-CN" sz="1600">
+                        <a:t>ffprobe -v quiet -print_format json -show_format -show_streams input.mp4</a:t>
+                      </a:r>
+                      <a:endParaRPr lang="en-US" altLang="zh-CN" sz="1400">
                         <a:sym typeface="+mn-ea"/>
                       </a:endParaRPr>
                     </a:p>
@@ -7290,179 +9081,57 @@
                       <a:pPr>
                         <a:buNone/>
                       </a:pPr>
-                      <a:r>
-                        <a:rPr lang="en-US" altLang="zh-CN" sz="1600">
+                      <a:endParaRPr lang="zh-CN" altLang="en-US" sz="1400"/>
+                    </a:p>
+                  </a:txBody>
+                  <a:tcPr/>
+                </a:tc>
+              </a:tr>
+              <a:tr h="335280">
+                <a:tc>
+                  <a:txBody>
+                    <a:bodyPr/>
+                    <a:p>
+                      <a:pPr>
+                        <a:buNone/>
+                      </a:pPr>
+                      <a:r>
+                        <a:rPr lang="en-US" altLang="zh-CN" sz="1400"/>
+                        <a:t>Get fps</a:t>
+                      </a:r>
+                      <a:endParaRPr lang="en-US" altLang="zh-CN" sz="1400"/>
+                    </a:p>
+                  </a:txBody>
+                  <a:tcPr/>
+                </a:tc>
+                <a:tc>
+                  <a:txBody>
+                    <a:bodyPr/>
+                    <a:p>
+                      <a:pPr>
+                        <a:buNone/>
+                      </a:pPr>
+                      <a:r>
+                        <a:rPr lang="en-US" altLang="zh-CN" sz="1400">
                           <a:sym typeface="+mn-ea"/>
                         </a:rPr>
-                        <a:t>video lengh not changed, frames added or removed</a:t>
-                      </a:r>
-                      <a:endParaRPr lang="en-US" altLang="zh-CN" sz="1600">
+                        <a:t>ffmpeg -i filename 2&gt;&amp;1 | sed -n "s/.*, \(.*\) fp.*/\1/p"</a:t>
+                      </a:r>
+                      <a:endParaRPr lang="en-US" altLang="zh-CN" sz="1400">
                         <a:sym typeface="+mn-ea"/>
                       </a:endParaRPr>
                     </a:p>
                   </a:txBody>
                   <a:tcPr/>
                 </a:tc>
-              </a:tr>
-              <a:tr h="551815">
-                <a:tc>
-                  <a:txBody>
-                    <a:bodyPr/>
-                    <a:p>
-                      <a:pPr>
-                        <a:buNone/>
-                      </a:pPr>
-                      <a:r>
-                        <a:rPr lang="en-US" altLang="zh-CN" sz="1600">
-                          <a:sym typeface="+mn-ea"/>
-                        </a:rPr>
-                        <a:t>Add logo to video (bottom-right)</a:t>
-                      </a:r>
-                      <a:endParaRPr lang="en-US" altLang="zh-CN" sz="1600">
-                        <a:sym typeface="+mn-ea"/>
-                      </a:endParaRPr>
-                    </a:p>
-                  </a:txBody>
-                  <a:tcPr/>
-                </a:tc>
-                <a:tc>
-                  <a:txBody>
-                    <a:bodyPr/>
-                    <a:p>
-                      <a:pPr>
-                        <a:buNone/>
-                      </a:pPr>
-                      <a:r>
-                        <a:rPr lang="zh-CN" altLang="en-US" sz="1600">
-                          <a:sym typeface="+mn-ea"/>
-                        </a:rPr>
-                        <a:t>ffmpeg -i vt.mp4 -i vhuantech-org.png -filter_complex "overlay=W-w-5:H-h-5" -codec:a copy TempleOfHeaven.mp4</a:t>
-                      </a:r>
-                      <a:endParaRPr lang="zh-CN" altLang="en-US" sz="1600">
-                        <a:sym typeface="+mn-ea"/>
-                      </a:endParaRPr>
-                    </a:p>
-                  </a:txBody>
-                  <a:tcPr/>
-                </a:tc>
-                <a:tc>
-                  <a:txBody>
-                    <a:bodyPr/>
-                    <a:p>
-                      <a:pPr>
-                        <a:buNone/>
-                      </a:pPr>
-                      <a:endParaRPr lang="zh-CN" altLang="en-US" sz="1600"/>
-                    </a:p>
-                  </a:txBody>
-                  <a:tcPr/>
-                </a:tc>
-              </a:tr>
-              <a:tr h="405765">
-                <a:tc>
-                  <a:txBody>
-                    <a:bodyPr/>
-                    <a:p>
-                      <a:pPr>
-                        <a:buNone/>
-                      </a:pPr>
-                      <a:r>
-                        <a:rPr lang="en-US" altLang="zh-CN" sz="1600"/>
-                        <a:t>Speed up or slow down</a:t>
-                      </a:r>
-                      <a:endParaRPr lang="en-US" altLang="zh-CN" sz="1600"/>
-                    </a:p>
-                  </a:txBody>
-                  <a:tcPr/>
-                </a:tc>
-                <a:tc>
-                  <a:txBody>
-                    <a:bodyPr/>
-                    <a:p>
-                      <a:pPr>
-                        <a:buNone/>
-                      </a:pPr>
-                      <a:r>
-                        <a:rPr lang="en-US" altLang="zh-CN" sz="1600">
-                          <a:sym typeface="+mn-ea"/>
-                        </a:rPr>
-                        <a:t>ffmpeg -i input.mp4 -filter:v “setpts=0.6*PTS” output.mp4</a:t>
-                      </a:r>
-                      <a:endParaRPr lang="en-US" altLang="zh-CN" sz="1600">
-                        <a:sym typeface="+mn-ea"/>
-                      </a:endParaRPr>
-                    </a:p>
-                  </a:txBody>
-                  <a:tcPr/>
-                </a:tc>
-                <a:tc>
-                  <a:txBody>
-                    <a:bodyPr/>
-                    <a:p>
-                      <a:pPr>
-                        <a:buNone/>
-                      </a:pPr>
-                      <a:r>
-                        <a:rPr lang="en-US" altLang="zh-CN" sz="1600">
-                          <a:sym typeface="+mn-ea"/>
-                        </a:rPr>
-                        <a:t>fps not changed, video length changed, frames added or removed</a:t>
-                      </a:r>
-                      <a:endParaRPr lang="en-US" altLang="zh-CN" sz="1600">
-                        <a:sym typeface="+mn-ea"/>
-                      </a:endParaRPr>
-                    </a:p>
-                  </a:txBody>
-                  <a:tcPr/>
-                </a:tc>
-              </a:tr>
-              <a:tr h="405765">
-                <a:tc>
-                  <a:txBody>
-                    <a:bodyPr/>
-                    <a:p>
-                      <a:pPr>
-                        <a:buNone/>
-                      </a:pPr>
-                      <a:r>
-                        <a:rPr lang="en-US" altLang="zh-CN" sz="1600"/>
-                        <a:t>Generate video from one image</a:t>
-                      </a:r>
-                      <a:endParaRPr lang="en-US" altLang="zh-CN" sz="1600"/>
-                    </a:p>
-                  </a:txBody>
-                  <a:tcPr/>
-                </a:tc>
-                <a:tc>
-                  <a:txBody>
-                    <a:bodyPr/>
-                    <a:p>
-                      <a:pPr>
-                        <a:buNone/>
-                      </a:pPr>
-                      <a:r>
-                        <a:rPr lang="en-US" altLang="zh-CN" sz="1600">
-                          <a:sym typeface="+mn-ea"/>
-                        </a:rPr>
-                        <a:t>ffmpeg -loop 1 -i image.png -t 3  out.mp4</a:t>
-                      </a:r>
-                      <a:endParaRPr lang="en-US" altLang="zh-CN" sz="1600">
-                        <a:sym typeface="+mn-ea"/>
-                      </a:endParaRPr>
-                    </a:p>
-                  </a:txBody>
-                  <a:tcPr/>
-                </a:tc>
-                <a:tc>
-                  <a:txBody>
-                    <a:bodyPr/>
-                    <a:p>
-                      <a:pPr>
-                        <a:buNone/>
-                      </a:pPr>
-                      <a:endParaRPr lang="en-US" altLang="zh-CN" sz="1600">
-                        <a:sym typeface="+mn-ea"/>
-                      </a:endParaRPr>
+                <a:tc>
+                  <a:txBody>
+                    <a:bodyPr/>
+                    <a:p>
+                      <a:pPr>
+                        <a:buNone/>
+                      </a:pPr>
+                      <a:endParaRPr lang="zh-CN" altLang="en-US" sz="1400"/>
                     </a:p>
                   </a:txBody>
                   <a:tcPr/>
@@ -7493,19 +9162,12 @@
 
 <file path=ppt/tags/tag10.xml><?xml version="1.0" encoding="utf-8"?>
 <p:tagLst xmlns:p="http://schemas.openxmlformats.org/presentationml/2006/main">
-  <p:tag name="KSO_WM_BEAUTIFY_FLAG" val="#wm#"/>
-  <p:tag name="KSO_WM_TEMPLATE_CATEGORY" val="custom"/>
-  <p:tag name="KSO_WM_TEMPLATE_INDEX" val="160402"/>
+  <p:tag name="REFSHAPE" val="364707732"/>
+  <p:tag name="KSO_WM_UNIT_PLACING_PICTURE_USER_VIEWPORT" val="{&quot;height&quot;:6390,&quot;width&quot;:13080}"/>
 </p:tagLst>
 </file>
 
 <file path=ppt/tags/tag11.xml><?xml version="1.0" encoding="utf-8"?>
-<p:tagLst xmlns:p="http://schemas.openxmlformats.org/presentationml/2006/main">
-  <p:tag name="KSO_WM_UNIT_TABLE_BEAUTIFY" val="smartTable{703f567b-05a5-4a53-b5f0-8938832afbf8}"/>
-</p:tagLst>
-</file>
-
-<file path=ppt/tags/tag12.xml><?xml version="1.0" encoding="utf-8"?>
 <p:tagLst xmlns:p="http://schemas.openxmlformats.org/presentationml/2006/main">
   <p:tag name="KSO_WM_BEAUTIFY_FLAG" val="#wm#"/>
   <p:tag name="KSO_WM_TEMPLATE_CATEGORY" val="custom"/>
@@ -7513,17 +9175,23 @@
 </p:tagLst>
 </file>
 
+<file path=ppt/tags/tag12.xml><?xml version="1.0" encoding="utf-8"?>
+<p:tagLst xmlns:p="http://schemas.openxmlformats.org/presentationml/2006/main">
+  <p:tag name="KSO_WM_UNIT_TABLE_BEAUTIFY" val="smartTable{703f567b-05a5-4a53-b5f0-8938832afbf8}"/>
+</p:tagLst>
+</file>
+
 <file path=ppt/tags/tag13.xml><?xml version="1.0" encoding="utf-8"?>
 <p:tagLst xmlns:p="http://schemas.openxmlformats.org/presentationml/2006/main">
-  <p:tag name="KSO_WM_UNIT_TABLE_BEAUTIFY" val="smartTable{b25ac203-39bb-4432-8512-8af5b043ea5c}"/>
+  <p:tag name="KSO_WM_BEAUTIFY_FLAG" val="#wm#"/>
+  <p:tag name="KSO_WM_TEMPLATE_CATEGORY" val="custom"/>
+  <p:tag name="KSO_WM_TEMPLATE_INDEX" val="160402"/>
 </p:tagLst>
 </file>
 
 <file path=ppt/tags/tag14.xml><?xml version="1.0" encoding="utf-8"?>
 <p:tagLst xmlns:p="http://schemas.openxmlformats.org/presentationml/2006/main">
-  <p:tag name="KSO_WM_BEAUTIFY_FLAG" val="#wm#"/>
-  <p:tag name="KSO_WM_TEMPLATE_CATEGORY" val="custom"/>
-  <p:tag name="KSO_WM_TEMPLATE_INDEX" val="160402"/>
+  <p:tag name="KSO_WM_UNIT_TABLE_BEAUTIFY" val="smartTable{b25ac203-39bb-4432-8512-8af5b043ea5c}"/>
 </p:tagLst>
 </file>
 
@@ -7537,13 +9205,21 @@
 
 <file path=ppt/tags/tag16.xml><?xml version="1.0" encoding="utf-8"?>
 <p:tagLst xmlns:p="http://schemas.openxmlformats.org/presentationml/2006/main">
+  <p:tag name="KSO_WM_BEAUTIFY_FLAG" val="#wm#"/>
+  <p:tag name="KSO_WM_TEMPLATE_CATEGORY" val="custom"/>
+  <p:tag name="KSO_WM_TEMPLATE_INDEX" val="160402"/>
+</p:tagLst>
+</file>
+
+<file path=ppt/tags/tag17.xml><?xml version="1.0" encoding="utf-8"?>
+<p:tagLst xmlns:p="http://schemas.openxmlformats.org/presentationml/2006/main">
   <p:tag name="KSO_WM_UNIT_TABLE_BEAUTIFY" val="smartTable{a8ef8be3-cc9c-4d18-9ded-adce915af36f}"/>
   <p:tag name="TABLE_ENDDRAG_ORIGIN_RECT" val="887*232"/>
   <p:tag name="TABLE_ENDDRAG_RECT" val="45*171*887*232"/>
 </p:tagLst>
 </file>
 
-<file path=ppt/tags/tag17.xml><?xml version="1.0" encoding="utf-8"?>
+<file path=ppt/tags/tag18.xml><?xml version="1.0" encoding="utf-8"?>
 <p:tagLst xmlns:p="http://schemas.openxmlformats.org/presentationml/2006/main">
   <p:tag name="KSO_WM_BEAUTIFY_FLAG" val="#wm#"/>
   <p:tag name="KSO_WM_TEMPLATE_CATEGORY" val="custom"/>
@@ -7551,17 +9227,9 @@
 </p:tagLst>
 </file>
 
-<file path=ppt/tags/tag18.xml><?xml version="1.0" encoding="utf-8"?>
-<p:tagLst xmlns:p="http://schemas.openxmlformats.org/presentationml/2006/main">
-  <p:tag name="KSO_WM_UNIT_TABLE_BEAUTIFY" val="smartTable{a8ef8be3-cc9c-4d18-9ded-adce915af36f}"/>
-</p:tagLst>
-</file>
-
 <file path=ppt/tags/tag19.xml><?xml version="1.0" encoding="utf-8"?>
 <p:tagLst xmlns:p="http://schemas.openxmlformats.org/presentationml/2006/main">
-  <p:tag name="KSO_WM_BEAUTIFY_FLAG" val="#wm#"/>
-  <p:tag name="KSO_WM_TEMPLATE_CATEGORY" val="custom"/>
-  <p:tag name="KSO_WM_TEMPLATE_INDEX" val="160402"/>
+  <p:tag name="KSO_WM_UNIT_TABLE_BEAUTIFY" val="smartTable{2dc12a42-f0f4-494b-9e17-d415920779dc}"/>
 </p:tagLst>
 </file>
 
@@ -7575,17 +9243,17 @@
 
 <file path=ppt/tags/tag20.xml><?xml version="1.0" encoding="utf-8"?>
 <p:tagLst xmlns:p="http://schemas.openxmlformats.org/presentationml/2006/main">
-  <p:tag name="KSO_WM_UNIT_TABLE_BEAUTIFY" val="smartTable{a8ef8be3-cc9c-4d18-9ded-adce915af36f}"/>
-  <p:tag name="TABLE_ENDDRAG_ORIGIN_RECT" val="886*348"/>
-  <p:tag name="TABLE_ENDDRAG_RECT" val="53*92*886*348"/>
+  <p:tag name="KSO_WM_BEAUTIFY_FLAG" val="#wm#"/>
+  <p:tag name="KSO_WM_TEMPLATE_CATEGORY" val="custom"/>
+  <p:tag name="KSO_WM_TEMPLATE_INDEX" val="160402"/>
 </p:tagLst>
 </file>
 
 <file path=ppt/tags/tag21.xml><?xml version="1.0" encoding="utf-8"?>
 <p:tagLst xmlns:p="http://schemas.openxmlformats.org/presentationml/2006/main">
-  <p:tag name="KSO_WM_BEAUTIFY_FLAG" val="#wm#"/>
-  <p:tag name="KSO_WM_TEMPLATE_CATEGORY" val="custom"/>
-  <p:tag name="KSO_WM_TEMPLATE_INDEX" val="160402"/>
+  <p:tag name="KSO_WM_UNIT_TABLE_BEAUTIFY" val="smartTable{a8ef8be3-cc9c-4d18-9ded-adce915af36f}"/>
+  <p:tag name="TABLE_ENDDRAG_ORIGIN_RECT" val="886*372"/>
+  <p:tag name="TABLE_ENDDRAG_RECT" val="53*92*886*372"/>
 </p:tagLst>
 </file>
 
@@ -7599,20 +9267,13 @@
 
 <file path=ppt/tags/tag23.xml><?xml version="1.0" encoding="utf-8"?>
 <p:tagLst xmlns:p="http://schemas.openxmlformats.org/presentationml/2006/main">
-  <p:tag name="KSO_WM_BEAUTIFY_FLAG" val="#wm#"/>
-  <p:tag name="KSO_WM_TEMPLATE_CATEGORY" val="custom"/>
-  <p:tag name="KSO_WM_TEMPLATE_INDEX" val="160402"/>
+  <p:tag name="KSO_WM_UNIT_TABLE_BEAUTIFY" val="smartTable{a8ef8be3-cc9c-4d18-9ded-adce915af36f}"/>
+  <p:tag name="TABLE_ENDDRAG_ORIGIN_RECT" val="886*301"/>
+  <p:tag name="TABLE_ENDDRAG_RECT" val="53*92*886*301"/>
 </p:tagLst>
 </file>
 
 <file path=ppt/tags/tag24.xml><?xml version="1.0" encoding="utf-8"?>
-<p:tagLst xmlns:p="http://schemas.openxmlformats.org/presentationml/2006/main">
-  <p:tag name="REFSHAPE" val="406339724"/>
-  <p:tag name="KSO_WM_UNIT_PLACING_PICTURE_USER_VIEWPORT" val="{&quot;height&quot;:1860,&quot;width&quot;:8385}"/>
-</p:tagLst>
-</file>
-
-<file path=ppt/tags/tag25.xml><?xml version="1.0" encoding="utf-8"?>
 <p:tagLst xmlns:p="http://schemas.openxmlformats.org/presentationml/2006/main">
   <p:tag name="KSO_WM_BEAUTIFY_FLAG" val="#wm#"/>
   <p:tag name="KSO_WM_TEMPLATE_CATEGORY" val="custom"/>
@@ -7620,9 +9281,43 @@
 </p:tagLst>
 </file>
 
+<file path=ppt/tags/tag25.xml><?xml version="1.0" encoding="utf-8"?>
+<p:tagLst xmlns:p="http://schemas.openxmlformats.org/presentationml/2006/main">
+  <p:tag name="KSO_WM_UNIT_TABLE_BEAUTIFY" val="smartTable{a8ef8be3-cc9c-4d18-9ded-adce915af36f}"/>
+  <p:tag name="TABLE_ENDDRAG_ORIGIN_RECT" val="886*301"/>
+  <p:tag name="TABLE_ENDDRAG_RECT" val="53*92*886*301"/>
+</p:tagLst>
+</file>
+
 <file path=ppt/tags/tag26.xml><?xml version="1.0" encoding="utf-8"?>
 <p:tagLst xmlns:p="http://schemas.openxmlformats.org/presentationml/2006/main">
-  <p:tag name="COMMONDATA" val="eyJoZGlkIjoiODcwZjc5M2RmYzUwOWE5MjVkODVjZGMyZDUwOTRjYmEifQ=="/>
+  <p:tag name="KSO_WM_BEAUTIFY_FLAG" val="#wm#"/>
+  <p:tag name="KSO_WM_TEMPLATE_CATEGORY" val="custom"/>
+  <p:tag name="KSO_WM_TEMPLATE_INDEX" val="160402"/>
+</p:tagLst>
+</file>
+
+<file path=ppt/tags/tag27.xml><?xml version="1.0" encoding="utf-8"?>
+<p:tagLst xmlns:p="http://schemas.openxmlformats.org/presentationml/2006/main">
+  <p:tag name="KSO_WM_UNIT_TABLE_BEAUTIFY" val="smartTable{a8ef8be3-cc9c-4d18-9ded-adce915af36f}"/>
+  <p:tag name="TABLE_ENDDRAG_ORIGIN_RECT" val="886*301"/>
+  <p:tag name="TABLE_ENDDRAG_RECT" val="53*92*886*301"/>
+</p:tagLst>
+</file>
+
+<file path=ppt/tags/tag28.xml><?xml version="1.0" encoding="utf-8"?>
+<p:tagLst xmlns:p="http://schemas.openxmlformats.org/presentationml/2006/main">
+  <p:tag name="KSO_WM_BEAUTIFY_FLAG" val="#wm#"/>
+  <p:tag name="KSO_WM_TEMPLATE_CATEGORY" val="custom"/>
+  <p:tag name="KSO_WM_TEMPLATE_INDEX" val="160402"/>
+</p:tagLst>
+</file>
+
+<file path=ppt/tags/tag29.xml><?xml version="1.0" encoding="utf-8"?>
+<p:tagLst xmlns:p="http://schemas.openxmlformats.org/presentationml/2006/main">
+  <p:tag name="KSO_WM_BEAUTIFY_FLAG" val="#wm#"/>
+  <p:tag name="KSO_WM_TEMPLATE_CATEGORY" val="custom"/>
+  <p:tag name="KSO_WM_TEMPLATE_INDEX" val="160402"/>
 </p:tagLst>
 </file>
 
@@ -7633,6 +9328,43 @@
   <p:tag name="KSO_WM_TEMPLATE_INDEX" val="160402"/>
   <p:tag name="KSO_WM_TAG_VERSION" val="1.0"/>
   <p:tag name="KSO_WM_BEAUTIFY_FLAG" val="#wm#"/>
+</p:tagLst>
+</file>
+
+<file path=ppt/tags/tag30.xml><?xml version="1.0" encoding="utf-8"?>
+<p:tagLst xmlns:p="http://schemas.openxmlformats.org/presentationml/2006/main">
+  <p:tag name="KSO_WM_BEAUTIFY_FLAG" val="#wm#"/>
+  <p:tag name="KSO_WM_TEMPLATE_CATEGORY" val="custom"/>
+  <p:tag name="KSO_WM_TEMPLATE_INDEX" val="160402"/>
+</p:tagLst>
+</file>
+
+<file path=ppt/tags/tag31.xml><?xml version="1.0" encoding="utf-8"?>
+<p:tagLst xmlns:p="http://schemas.openxmlformats.org/presentationml/2006/main">
+  <p:tag name="KSO_WM_BEAUTIFY_FLAG" val="#wm#"/>
+  <p:tag name="KSO_WM_TEMPLATE_CATEGORY" val="custom"/>
+  <p:tag name="KSO_WM_TEMPLATE_INDEX" val="160402"/>
+</p:tagLst>
+</file>
+
+<file path=ppt/tags/tag32.xml><?xml version="1.0" encoding="utf-8"?>
+<p:tagLst xmlns:p="http://schemas.openxmlformats.org/presentationml/2006/main">
+  <p:tag name="REFSHAPE" val="406339724"/>
+  <p:tag name="KSO_WM_UNIT_PLACING_PICTURE_USER_VIEWPORT" val="{&quot;height&quot;:1860,&quot;width&quot;:8385}"/>
+</p:tagLst>
+</file>
+
+<file path=ppt/tags/tag33.xml><?xml version="1.0" encoding="utf-8"?>
+<p:tagLst xmlns:p="http://schemas.openxmlformats.org/presentationml/2006/main">
+  <p:tag name="KSO_WM_BEAUTIFY_FLAG" val="#wm#"/>
+  <p:tag name="KSO_WM_TEMPLATE_CATEGORY" val="custom"/>
+  <p:tag name="KSO_WM_TEMPLATE_INDEX" val="160402"/>
+</p:tagLst>
+</file>
+
+<file path=ppt/tags/tag34.xml><?xml version="1.0" encoding="utf-8"?>
+<p:tagLst xmlns:p="http://schemas.openxmlformats.org/presentationml/2006/main">
+  <p:tag name="COMMONDATA" val="eyJoZGlkIjoiODcwZjc5M2RmYzUwOWE5MjVkODVjZGMyZDUwOTRjYmEifQ=="/>
 </p:tagLst>
 </file>
 
@@ -7712,8 +9444,9 @@
 
 <file path=ppt/tags/tag9.xml><?xml version="1.0" encoding="utf-8"?>
 <p:tagLst xmlns:p="http://schemas.openxmlformats.org/presentationml/2006/main">
-  <p:tag name="REFSHAPE" val="364707732"/>
-  <p:tag name="KSO_WM_UNIT_PLACING_PICTURE_USER_VIEWPORT" val="{&quot;height&quot;:6390,&quot;width&quot;:13080}"/>
+  <p:tag name="KSO_WM_BEAUTIFY_FLAG" val="#wm#"/>
+  <p:tag name="KSO_WM_TEMPLATE_CATEGORY" val="custom"/>
+  <p:tag name="KSO_WM_TEMPLATE_INDEX" val="160402"/>
 </p:tagLst>
 </file>
 

--- a/Misc/Media-Notes.pptx
+++ b/Misc/Media-Notes.pptx
@@ -3830,7 +3830,7 @@
         </p:nvGraphicFramePr>
         <p:xfrm>
           <a:off x="579120" y="2174875"/>
-          <a:ext cx="11268710" cy="1982470"/>
+          <a:ext cx="11268710" cy="2394585"/>
         </p:xfrm>
         <a:graphic>
           <a:graphicData uri="http://schemas.openxmlformats.org/drawingml/2006/table">
@@ -4046,6 +4046,60 @@
                           <a:sym typeface="+mn-ea"/>
                         </a:rPr>
                         <a:t>ffmpeg -i input.mp4 -r 0.1 ./images/frames_%02d.jpg</a:t>
+                      </a:r>
+                      <a:endParaRPr lang="en-US" altLang="zh-CN" sz="1400">
+                        <a:sym typeface="+mn-ea"/>
+                      </a:endParaRPr>
+                    </a:p>
+                  </a:txBody>
+                  <a:tcPr/>
+                </a:tc>
+                <a:tc>
+                  <a:txBody>
+                    <a:bodyPr/>
+                    <a:p>
+                      <a:pPr>
+                        <a:buNone/>
+                      </a:pPr>
+                      <a:endParaRPr lang="zh-CN" altLang="en-US" sz="1400"/>
+                    </a:p>
+                  </a:txBody>
+                  <a:tcPr/>
+                </a:tc>
+              </a:tr>
+              <a:tr h="412115">
+                <a:tc>
+                  <a:txBody>
+                    <a:bodyPr/>
+                    <a:p>
+                      <a:pPr>
+                        <a:buNone/>
+                      </a:pPr>
+                      <a:r>
+                        <a:rPr lang="en-US" altLang="zh-CN" sz="1400">
+                          <a:sym typeface="+mn-ea"/>
+                        </a:rPr>
+                        <a:t>Extract a specific frame</a:t>
+                      </a:r>
+                      <a:endParaRPr lang="en-US" altLang="zh-CN" sz="1400">
+                        <a:sym typeface="+mn-ea"/>
+                      </a:endParaRPr>
+                    </a:p>
+                  </a:txBody>
+                  <a:tcPr/>
+                </a:tc>
+                <a:tc>
+                  <a:txBody>
+                    <a:bodyPr/>
+                    <a:p>
+                      <a:pPr>
+                        <a:buNone/>
+                      </a:pPr>
+                      <a:r>
+                        <a:rPr lang="en-US" altLang="zh-CN" sz="1400">
+                          <a:sym typeface="+mn-ea"/>
+                        </a:rPr>
+                        <a:t>ffmpeg -ss 00:00:05.01 -i myvideo.avi -frames:v 1 myimage.jpg</a:t>
                       </a:r>
                       <a:endParaRPr lang="en-US" altLang="zh-CN" sz="1400">
                         <a:sym typeface="+mn-ea"/>
@@ -5400,7 +5454,7 @@
         </p:nvGraphicFramePr>
         <p:xfrm>
           <a:off x="676275" y="1177925"/>
-          <a:ext cx="11256645" cy="5577840"/>
+          <a:ext cx="11256645" cy="5547360"/>
         </p:xfrm>
         <a:graphic>
           <a:graphicData uri="http://schemas.openxmlformats.org/drawingml/2006/table">
@@ -5409,8 +5463,8 @@
                 <a:tableStyleId>{5C22544A-7EE6-4342-B048-85BDC9FD1C3A}</a:tableStyleId>
               </a:tblPr>
               <a:tblGrid>
-                <a:gridCol w="2114550"/>
-                <a:gridCol w="5975985"/>
+                <a:gridCol w="2345690"/>
+                <a:gridCol w="5744845"/>
                 <a:gridCol w="3166110"/>
               </a:tblGrid>
               <a:tr h="365760">
@@ -6110,6 +6164,56 @@
                       <a:r>
                         <a:rPr lang="en-US" altLang="zh-CN" sz="1400"/>
                         <a:t>mp3-encoded video cannot play audio correctly in Mac/iOS</a:t>
+                      </a:r>
+                      <a:endParaRPr lang="en-US" altLang="zh-CN" sz="1400"/>
+                    </a:p>
+                  </a:txBody>
+                  <a:tcPr/>
+                </a:tc>
+              </a:tr>
+              <a:tr h="335280">
+                <a:tc>
+                  <a:txBody>
+                    <a:bodyPr/>
+                    <a:p>
+                      <a:pPr>
+                        <a:buNone/>
+                      </a:pPr>
+                      <a:r>
+                        <a:rPr lang="en-US" altLang="zh-CN" sz="1400"/>
+                        <a:t>Change sample rate</a:t>
+                      </a:r>
+                      <a:endParaRPr lang="en-US" altLang="zh-CN" sz="1400"/>
+                    </a:p>
+                  </a:txBody>
+                  <a:tcPr/>
+                </a:tc>
+                <a:tc>
+                  <a:txBody>
+                    <a:bodyPr/>
+                    <a:p>
+                      <a:pPr marL="0" lvl="2">
+                        <a:buNone/>
+                      </a:pPr>
+                      <a:r>
+                        <a:rPr lang="en-US" altLang="zh-CN" sz="1400"/>
+                        <a:t>ffmpeg -i input.mp3 -ar 44100 output.mp3</a:t>
+                      </a:r>
+                      <a:endParaRPr lang="en-US" altLang="zh-CN" sz="1400"/>
+                    </a:p>
+                  </a:txBody>
+                  <a:tcPr/>
+                </a:tc>
+                <a:tc>
+                  <a:txBody>
+                    <a:bodyPr/>
+                    <a:p>
+                      <a:pPr>
+                        <a:buNone/>
+                      </a:pPr>
+                      <a:r>
+                        <a:rPr lang="en-US" altLang="zh-CN" sz="1400"/>
+                        <a:t>Change audio sample rate to 44K Hz</a:t>
                       </a:r>
                       <a:endParaRPr lang="en-US" altLang="zh-CN" sz="1400"/>
                     </a:p>
@@ -9365,6 +9469,7 @@
 <file path=ppt/tags/tag34.xml><?xml version="1.0" encoding="utf-8"?>
 <p:tagLst xmlns:p="http://schemas.openxmlformats.org/presentationml/2006/main">
   <p:tag name="COMMONDATA" val="eyJoZGlkIjoiODcwZjc5M2RmYzUwOWE5MjVkODVjZGMyZDUwOTRjYmEifQ=="/>
+  <p:tag name="KSO_WPP_MARK_KEY" val="86549eee-af69-4bb6-8267-8160481c168e"/>
 </p:tagLst>
 </file>
 

--- a/Misc/Media-Notes.pptx
+++ b/Misc/Media-Notes.pptx
@@ -5094,8 +5094,8 @@
           </p:nvPr>
         </p:nvGraphicFramePr>
         <p:xfrm>
-          <a:off x="579120" y="2174875"/>
-          <a:ext cx="11268710" cy="2394585"/>
+          <a:off x="579120" y="1245235"/>
+          <a:ext cx="11268710" cy="5212080"/>
         </p:xfrm>
         <a:graphic>
           <a:graphicData uri="http://schemas.openxmlformats.org/drawingml/2006/table">
@@ -5104,9 +5104,9 @@
                 <a:tableStyleId>{5C22544A-7EE6-4342-B048-85BDC9FD1C3A}</a:tableStyleId>
               </a:tblPr>
               <a:tblGrid>
-                <a:gridCol w="2372360"/>
-                <a:gridCol w="5694680"/>
-                <a:gridCol w="3201670"/>
+                <a:gridCol w="1663700"/>
+                <a:gridCol w="7265035"/>
+                <a:gridCol w="2339975"/>
               </a:tblGrid>
               <a:tr h="579120">
                 <a:tc>
@@ -5170,7 +5170,7 @@
                         <a:rPr lang="en-US" altLang="zh-CN" sz="1400">
                           <a:sym typeface="+mn-ea"/>
                         </a:rPr>
-                        <a:t>Convert image sequences into video</a:t>
+                        <a:t>Convert images into video</a:t>
                       </a:r>
                       <a:endParaRPr lang="en-US" altLang="zh-CN" sz="1400">
                         <a:sym typeface="+mn-ea"/>
@@ -5183,54 +5183,285 @@
                   <a:txBody>
                     <a:bodyPr/>
                     <a:p>
-                      <a:pPr>
-                        <a:buNone/>
-                      </a:pPr>
-                      <a:r>
-                        <a:rPr lang="zh-CN" altLang="en-US" sz="1400">
+                      <a:pPr marL="285750" indent="-285750">
+                        <a:buFont typeface="Arial" panose="020B0604020202020204" pitchFamily="34" charset="0"/>
+                        <a:buChar char="•"/>
+                      </a:pPr>
+                      <a:r>
+                        <a:rPr lang="zh-CN" altLang="en-US" sz="1200">
                           <a:sym typeface="+mn-ea"/>
                         </a:rPr>
                         <a:t>ffmpeg </a:t>
                       </a:r>
                       <a:r>
-                        <a:rPr lang="en-US" altLang="zh-CN" sz="1400">
+                        <a:rPr lang="en-US" altLang="zh-CN" sz="1200">
                           <a:sym typeface="+mn-ea"/>
                         </a:rPr>
                         <a:t>-start_number {start} </a:t>
                       </a:r>
                       <a:r>
-                        <a:rPr lang="zh-CN" altLang="en-US" sz="1400">
+                        <a:rPr lang="zh-CN" altLang="en-US" sz="1200">
                           <a:sym typeface="+mn-ea"/>
                         </a:rPr>
                         <a:t>-i %4d.png </a:t>
                       </a:r>
                       <a:r>
-                        <a:rPr lang="en-US" altLang="zh-CN" sz="1400">
+                        <a:rPr lang="en-US" altLang="zh-CN" sz="1200">
                           <a:sym typeface="+mn-ea"/>
                         </a:rPr>
                         <a:t>-r 20 output</a:t>
                       </a:r>
                       <a:r>
-                        <a:rPr lang="zh-CN" altLang="en-US" sz="1400">
+                        <a:rPr lang="zh-CN" altLang="en-US" sz="1200">
                           <a:sym typeface="+mn-ea"/>
                         </a:rPr>
                         <a:t>.mp4</a:t>
                       </a:r>
-                      <a:endParaRPr lang="zh-CN" altLang="en-US" sz="1400">
+                      <a:endParaRPr lang="zh-CN" altLang="en-US" sz="1200">
                         <a:sym typeface="+mn-ea"/>
                       </a:endParaRPr>
                     </a:p>
-                  </a:txBody>
-                  <a:tcPr/>
-                </a:tc>
-                <a:tc>
-                  <a:txBody>
-                    <a:bodyPr/>
-                    <a:p>
-                      <a:pPr>
-                        <a:buNone/>
-                      </a:pPr>
-                      <a:endParaRPr lang="zh-CN" altLang="en-US" sz="1400"/>
+                    <a:p>
+                      <a:pPr marL="285750" indent="-285750">
+                        <a:buFont typeface="Arial" panose="020B0604020202020204" pitchFamily="34" charset="0"/>
+                        <a:buChar char="•"/>
+                      </a:pPr>
+                      <a:r>
+                        <a:rPr lang="zh-CN" altLang="en-US" sz="1200">
+                          <a:sym typeface="+mn-ea"/>
+                        </a:rPr>
+                        <a:t>ffmpeg -framerate 1 -i happy%d.jpg -c:v libx264 -r 30 output.mp4</a:t>
+                      </a:r>
+                      <a:endParaRPr lang="zh-CN" altLang="en-US" sz="1200">
+                        <a:sym typeface="+mn-ea"/>
+                      </a:endParaRPr>
+                    </a:p>
+                    <a:p>
+                      <a:pPr marL="285750" indent="-285750">
+                        <a:buFont typeface="Arial" panose="020B0604020202020204" pitchFamily="34" charset="0"/>
+                        <a:buChar char="•"/>
+                      </a:pPr>
+                      <a:r>
+                        <a:rPr lang="zh-CN" altLang="en-US" sz="1200">
+                          <a:sym typeface="+mn-ea"/>
+                        </a:rPr>
+                        <a:t>ffmpeg -framerate 1 -pattern_type glob -i '*.jpg' -c:v libx264 -r 30 -pix_fmt yuv420p output.mp4</a:t>
+                      </a:r>
+                      <a:r>
+                        <a:rPr lang="en-US" altLang="zh-CN" sz="1200">
+                          <a:sym typeface="+mn-ea"/>
+                        </a:rPr>
+                        <a:t>   # glob</a:t>
+                      </a:r>
+                      <a:endParaRPr lang="zh-CN" altLang="en-US" sz="1200">
+                        <a:sym typeface="+mn-ea"/>
+                      </a:endParaRPr>
+                    </a:p>
+                    <a:p>
+                      <a:pPr marL="285750" indent="-285750">
+                        <a:buFont typeface="Arial" panose="020B0604020202020204" pitchFamily="34" charset="0"/>
+                        <a:buChar char="•"/>
+                      </a:pPr>
+                      <a:r>
+                        <a:rPr lang="en-US" altLang="zh-CN" sz="1200">
+                          <a:sym typeface="+mn-ea"/>
+                        </a:rPr>
+                        <a:t>ffmpeg -f concat -i input.txt -c:v libx264 -r 30 -pix_fmt yuv420p output.mp4 # use concat demuxer</a:t>
+                      </a:r>
+                      <a:endParaRPr lang="en-US" altLang="zh-CN" sz="1200">
+                        <a:sym typeface="+mn-ea"/>
+                      </a:endParaRPr>
+                    </a:p>
+                    <a:p>
+                      <a:pPr marL="285750" indent="-285750">
+                        <a:buFont typeface="Arial" panose="020B0604020202020204" pitchFamily="34" charset="0"/>
+                        <a:buChar char="•"/>
+                      </a:pPr>
+                      <a:r>
+                        <a:rPr lang="en-US" altLang="zh-CN" sz="1200">
+                          <a:sym typeface="+mn-ea"/>
+                        </a:rPr>
+                        <a:t>ffmpeg -framerate 1 -pattern_type glob -i '*.jpg' -i freeflow.mp3 -shortest -c:v libx264 -r 30 -pix_fmt yuv420p output6.mp4  # audio</a:t>
+                      </a:r>
+                      <a:endParaRPr lang="en-US" altLang="zh-CN" sz="1200">
+                        <a:sym typeface="+mn-ea"/>
+                      </a:endParaRPr>
+                    </a:p>
+                    <a:p>
+                      <a:pPr marL="285750" indent="-285750">
+                        <a:buFont typeface="Arial" panose="020B0604020202020204" pitchFamily="34" charset="0"/>
+                        <a:buChar char="•"/>
+                      </a:pPr>
+                      <a:r>
+                        <a:rPr lang="en-US" altLang="zh-CN" sz="1200">
+                          <a:sym typeface="+mn-ea"/>
+                        </a:rPr>
+                        <a:t>ffmpeg -framerate 1/2 -i image%03d.jpg -i audio.mp3 -filter_complex "scale=1920:1080:force_original_aspect_ratio=decrease,pad=1920:1080:(ow-iw)/2:(oh-ih)/2 , subtitles=text.srt:force_style='Alignment=10,OutlineColour=&amp;H100000000,BorderStyle=3,Outline=1,Shadow=0,Fontsize=18" -pix_fmt yuv420p -r 30 -t 00:00:22 output.mp4</a:t>
+                      </a:r>
+                      <a:endParaRPr lang="en-US" altLang="zh-CN" sz="1200">
+                        <a:sym typeface="+mn-ea"/>
+                      </a:endParaRPr>
+                    </a:p>
+                    <a:p>
+                      <a:pPr marL="285750" indent="-285750">
+                        <a:buFont typeface="Arial" panose="020B0604020202020204" pitchFamily="34" charset="0"/>
+                        <a:buChar char="•"/>
+                      </a:pPr>
+                      <a:r>
+                        <a:rPr lang="en-US" altLang="zh-CN" sz="1200">
+                          <a:sym typeface="+mn-ea"/>
+                        </a:rPr>
+                        <a:t>ffmpeg -loop 1 -t 5 -i happy1.jpg -loop 1 -t 5 -i happy2.jpg -i freeflow.mp3 \</a:t>
+                      </a:r>
+                      <a:endParaRPr lang="en-US" altLang="zh-CN" sz="1200">
+                        <a:sym typeface="+mn-ea"/>
+                      </a:endParaRPr>
+                    </a:p>
+                    <a:p>
+                      <a:pPr indent="0">
+                        <a:buFont typeface="Arial" panose="020B0604020202020204" pitchFamily="34" charset="0"/>
+                        <a:buNone/>
+                      </a:pPr>
+                      <a:r>
+                        <a:rPr lang="en-US" altLang="zh-CN" sz="1200">
+                          <a:sym typeface="+mn-ea"/>
+                        </a:rPr>
+                        <a:t>        -filter_complex \</a:t>
+                      </a:r>
+                      <a:endParaRPr lang="en-US" altLang="zh-CN" sz="1200">
+                        <a:sym typeface="+mn-ea"/>
+                      </a:endParaRPr>
+                    </a:p>
+                    <a:p>
+                      <a:pPr indent="0">
+                        <a:buFont typeface="Arial" panose="020B0604020202020204" pitchFamily="34" charset="0"/>
+                        <a:buNone/>
+                      </a:pPr>
+                      <a:r>
+                        <a:rPr lang="en-US" altLang="zh-CN" sz="1200">
+                          <a:sym typeface="+mn-ea"/>
+                        </a:rPr>
+                        <a:t>        "[0:v]scale=1280:720:force_original_aspect_ratio=decrease,pad=1280:720:(ow-iw)/2:(oh-ih)/2,setsar=1,fade=t=out:st=4:d=1[v0]; \</a:t>
+                      </a:r>
+                      <a:endParaRPr lang="en-US" altLang="zh-CN" sz="1200">
+                        <a:sym typeface="+mn-ea"/>
+                      </a:endParaRPr>
+                    </a:p>
+                    <a:p>
+                      <a:pPr indent="0">
+                        <a:buFont typeface="Arial" panose="020B0604020202020204" pitchFamily="34" charset="0"/>
+                        <a:buNone/>
+                      </a:pPr>
+                      <a:r>
+                        <a:rPr lang="en-US" altLang="zh-CN" sz="1200">
+                          <a:sym typeface="+mn-ea"/>
+                        </a:rPr>
+                        <a:t>        [1:v]scale=1280:720:force_original_aspect_ratio=decrease,pad=1280:720:(ow-iw)/2:(oh-ih)/2,setsar=1,fade=t=in:st=0:d=1,fade=t=out:st=4:d=1[v1]; \</a:t>
+                      </a:r>
+                      <a:endParaRPr lang="en-US" altLang="zh-CN" sz="1200">
+                        <a:sym typeface="+mn-ea"/>
+                      </a:endParaRPr>
+                    </a:p>
+                    <a:p>
+                      <a:pPr indent="0">
+                        <a:buFont typeface="Arial" panose="020B0604020202020204" pitchFamily="34" charset="0"/>
+                        <a:buNone/>
+                      </a:pPr>
+                      <a:r>
+                        <a:rPr lang="en-US" altLang="zh-CN" sz="1200">
+                          <a:sym typeface="+mn-ea"/>
+                        </a:rPr>
+                        <a:t>        [v0][v1]concat=n=2:v=1:a=0,format=yuv420p[v]" -map "[v]" -map 2:a -shortest output7.mp4</a:t>
+                      </a:r>
+                      <a:endParaRPr lang="en-US" altLang="zh-CN" sz="1200">
+                        <a:sym typeface="+mn-ea"/>
+                      </a:endParaRPr>
+                    </a:p>
+                  </a:txBody>
+                  <a:tcPr/>
+                </a:tc>
+                <a:tc>
+                  <a:txBody>
+                    <a:bodyPr/>
+                    <a:p>
+                      <a:pPr marL="285750" indent="-285750">
+                        <a:buFont typeface="Arial" panose="020B0604020202020204" pitchFamily="34" charset="0"/>
+                        <a:buChar char="•"/>
+                      </a:pPr>
+                      <a:r>
+                        <a:rPr lang="en-US" altLang="zh-CN" sz="1400"/>
+                        <a:t>https://trac.ffmpeg.org/wiki/Concatenate</a:t>
+                      </a:r>
+                      <a:endParaRPr lang="en-US" altLang="zh-CN" sz="1400"/>
+                    </a:p>
+                    <a:p>
+                      <a:pPr marL="285750" indent="-285750">
+                        <a:buFont typeface="Arial" panose="020B0604020202020204" pitchFamily="34" charset="0"/>
+                        <a:buChar char="•"/>
+                      </a:pPr>
+                      <a:r>
+                        <a:rPr lang="en-US" altLang="zh-CN" sz="1400"/>
+                        <a:t>https://shotstack.io/learn/use-ffmpeg-to-convert-images-to-video/</a:t>
+                      </a:r>
+                      <a:endParaRPr lang="en-US" altLang="zh-CN" sz="1400"/>
+                    </a:p>
+                    <a:p>
+                      <a:pPr indent="0">
+                        <a:buFont typeface="Arial" panose="020B0604020202020204" pitchFamily="34" charset="0"/>
+                        <a:buNone/>
+                      </a:pPr>
+                      <a:endParaRPr lang="en-US" altLang="zh-CN" sz="1400"/>
+                    </a:p>
+                    <a:p>
+                      <a:pPr marL="285750" indent="-285750">
+                        <a:buFont typeface="Arial" panose="020B0604020202020204" pitchFamily="34" charset="0"/>
+                        <a:buChar char="•"/>
+                      </a:pPr>
+                      <a:r>
+                        <a:rPr lang="en-US" altLang="zh-CN" sz="1400"/>
+                        <a:t>input.txt</a:t>
+                      </a:r>
+                      <a:endParaRPr lang="en-US" altLang="zh-CN" sz="1400"/>
+                    </a:p>
+                    <a:p>
+                      <a:pPr>
+                        <a:buNone/>
+                      </a:pPr>
+                      <a:r>
+                        <a:rPr lang="en-US" altLang="zh-CN" sz="1400"/>
+                        <a:t>file 'happy1.jpg'</a:t>
+                      </a:r>
+                      <a:endParaRPr lang="en-US" altLang="zh-CN" sz="1400"/>
+                    </a:p>
+                    <a:p>
+                      <a:pPr>
+                        <a:buNone/>
+                      </a:pPr>
+                      <a:r>
+                        <a:rPr lang="en-US" altLang="zh-CN" sz="1400"/>
+                        <a:t>duration 2</a:t>
+                      </a:r>
+                      <a:endParaRPr lang="en-US" altLang="zh-CN" sz="1400"/>
+                    </a:p>
+                    <a:p>
+                      <a:pPr>
+                        <a:buNone/>
+                      </a:pPr>
+                      <a:r>
+                        <a:rPr lang="en-US" altLang="zh-CN" sz="1400"/>
+                        <a:t>file 'happy2.jpg'</a:t>
+                      </a:r>
+                      <a:endParaRPr lang="en-US" altLang="zh-CN" sz="1400"/>
+                    </a:p>
+                    <a:p>
+                      <a:pPr>
+                        <a:buNone/>
+                      </a:pPr>
+                      <a:r>
+                        <a:rPr lang="en-US" altLang="zh-CN" sz="1400"/>
+                        <a:t>duration 2</a:t>
+                      </a:r>
+                      <a:endParaRPr lang="en-US" altLang="zh-CN" sz="1400"/>
                     </a:p>
                   </a:txBody>
                   <a:tcPr/>
@@ -6745,7 +6976,7 @@
         </p:nvGraphicFramePr>
         <p:xfrm>
           <a:off x="676275" y="1177925"/>
-          <a:ext cx="11256645" cy="5547360"/>
+          <a:ext cx="11256645" cy="5242560"/>
         </p:xfrm>
         <a:graphic>
           <a:graphicData uri="http://schemas.openxmlformats.org/drawingml/2006/table">
@@ -6808,157 +7039,157 @@
                   <a:tcPr/>
                 </a:tc>
               </a:tr>
-              <a:tr h="304800">
-                <a:tc>
-                  <a:txBody>
-                    <a:bodyPr/>
-                    <a:p>
-                      <a:pPr>
-                        <a:buNone/>
-                      </a:pPr>
-                      <a:r>
-                        <a:rPr lang="zh-CN" altLang="en-US" sz="1400"/>
+              <a:tr h="274320">
+                <a:tc>
+                  <a:txBody>
+                    <a:bodyPr/>
+                    <a:p>
+                      <a:pPr>
+                        <a:buNone/>
+                      </a:pPr>
+                      <a:r>
+                        <a:rPr lang="zh-CN" altLang="en-US" sz="1200"/>
                         <a:t>从</a:t>
                       </a:r>
                       <a:r>
-                        <a:rPr lang="en-US" altLang="zh-CN" sz="1400"/>
+                        <a:rPr lang="en-US" altLang="zh-CN" sz="1200"/>
                         <a:t>MP4</a:t>
                       </a:r>
                       <a:r>
-                        <a:rPr lang="zh-CN" altLang="en-US" sz="1400"/>
+                        <a:rPr lang="zh-CN" altLang="en-US" sz="1200"/>
                         <a:t>中提取声音</a:t>
                       </a:r>
-                      <a:endParaRPr lang="zh-CN" altLang="en-US" sz="1400"/>
-                    </a:p>
-                  </a:txBody>
-                  <a:tcPr/>
-                </a:tc>
-                <a:tc>
-                  <a:txBody>
-                    <a:bodyPr/>
-                    <a:p>
-                      <a:pPr>
-                        <a:buNone/>
-                      </a:pPr>
-                      <a:r>
-                        <a:rPr lang="en-US" altLang="zh-CN" sz="1400"/>
+                      <a:endParaRPr lang="zh-CN" altLang="en-US" sz="1200"/>
+                    </a:p>
+                  </a:txBody>
+                  <a:tcPr/>
+                </a:tc>
+                <a:tc>
+                  <a:txBody>
+                    <a:bodyPr/>
+                    <a:p>
+                      <a:pPr>
+                        <a:buNone/>
+                      </a:pPr>
+                      <a:r>
+                        <a:rPr lang="en-US" altLang="zh-CN" sz="1200"/>
                         <a:t>ffmpeg -i input.mp4 -vn output</a:t>
                       </a:r>
                       <a:r>
-                        <a:rPr lang="en-US" altLang="zh-CN" sz="1400"/>
+                        <a:rPr lang="en-US" altLang="zh-CN" sz="1200"/>
                         <a:t>.mp3</a:t>
                       </a:r>
-                      <a:endParaRPr lang="en-US" altLang="zh-CN" sz="1400"/>
-                    </a:p>
-                  </a:txBody>
-                  <a:tcPr/>
-                </a:tc>
-                <a:tc>
-                  <a:txBody>
-                    <a:bodyPr/>
-                    <a:p>
-                      <a:pPr>
-                        <a:buNone/>
-                      </a:pPr>
-                      <a:endParaRPr lang="zh-CN" altLang="en-US" sz="1400"/>
+                      <a:endParaRPr lang="en-US" altLang="zh-CN" sz="1200"/>
+                    </a:p>
+                  </a:txBody>
+                  <a:tcPr/>
+                </a:tc>
+                <a:tc>
+                  <a:txBody>
+                    <a:bodyPr/>
+                    <a:p>
+                      <a:pPr>
+                        <a:buNone/>
+                      </a:pPr>
+                      <a:endParaRPr lang="zh-CN" altLang="en-US" sz="1200"/>
                     </a:p>
                   </a:txBody>
                   <a:tcPr/>
                 </a:tc>
               </a:tr>
-              <a:tr h="518160">
-                <a:tc>
-                  <a:txBody>
-                    <a:bodyPr/>
-                    <a:p>
-                      <a:pPr>
-                        <a:buNone/>
-                      </a:pPr>
-                      <a:r>
-                        <a:rPr lang="en-US" altLang="zh-CN" sz="1400"/>
+              <a:tr h="822960">
+                <a:tc>
+                  <a:txBody>
+                    <a:bodyPr/>
+                    <a:p>
+                      <a:pPr>
+                        <a:buNone/>
+                      </a:pPr>
+                      <a:r>
+                        <a:rPr lang="en-US" altLang="zh-CN" sz="1200"/>
                         <a:t>Add subtitle</a:t>
                       </a:r>
-                      <a:endParaRPr lang="en-US" altLang="zh-CN" sz="1400"/>
-                    </a:p>
-                  </a:txBody>
-                  <a:tcPr/>
-                </a:tc>
-                <a:tc>
-                  <a:txBody>
-                    <a:bodyPr/>
-                    <a:p>
-                      <a:pPr>
-                        <a:buNone/>
-                      </a:pPr>
-                      <a:r>
-                        <a:rPr lang="zh-CN" altLang="en-US" sz="1400"/>
+                      <a:endParaRPr lang="en-US" altLang="zh-CN" sz="1200"/>
+                    </a:p>
+                  </a:txBody>
+                  <a:tcPr/>
+                </a:tc>
+                <a:tc>
+                  <a:txBody>
+                    <a:bodyPr/>
+                    <a:p>
+                      <a:pPr>
+                        <a:buNone/>
+                      </a:pPr>
+                      <a:r>
+                        <a:rPr lang="zh-CN" altLang="en-US" sz="1200"/>
                         <a:t>ffmpeg -i </a:t>
                       </a:r>
                       <a:r>
-                        <a:rPr lang="en-US" altLang="zh-CN" sz="1400"/>
+                        <a:rPr lang="en-US" altLang="zh-CN" sz="1200"/>
                         <a:t>input</a:t>
                       </a:r>
                       <a:r>
-                        <a:rPr lang="zh-CN" altLang="en-US" sz="1400"/>
+                        <a:rPr lang="zh-CN" altLang="en-US" sz="1200"/>
                         <a:t>.avi -vf subtitles=subtitle.srt out</a:t>
                       </a:r>
                       <a:r>
-                        <a:rPr lang="en-US" altLang="zh-CN" sz="1400"/>
+                        <a:rPr lang="en-US" altLang="zh-CN" sz="1200"/>
                         <a:t>put</a:t>
                       </a:r>
                       <a:r>
-                        <a:rPr lang="zh-CN" altLang="en-US" sz="1400"/>
+                        <a:rPr lang="zh-CN" altLang="en-US" sz="1200"/>
                         <a:t>.avi</a:t>
                       </a:r>
-                      <a:endParaRPr lang="zh-CN" altLang="en-US" sz="1400"/>
-                    </a:p>
-                    <a:p>
-                      <a:pPr>
-                        <a:buNone/>
-                      </a:pPr>
-                      <a:r>
-                        <a:rPr lang="zh-CN" altLang="en-US" sz="1400">
+                      <a:endParaRPr lang="zh-CN" altLang="en-US" sz="1200"/>
+                    </a:p>
+                    <a:p>
+                      <a:pPr>
+                        <a:buNone/>
+                      </a:pPr>
+                      <a:r>
+                        <a:rPr lang="zh-CN" altLang="en-US" sz="1200">
                           <a:sym typeface="+mn-ea"/>
                         </a:rPr>
                         <a:t>ffmpeg -i </a:t>
                       </a:r>
                       <a:r>
-                        <a:rPr lang="en-US" altLang="zh-CN" sz="1400">
+                        <a:rPr lang="en-US" altLang="zh-CN" sz="1200">
                           <a:sym typeface="+mn-ea"/>
                         </a:rPr>
                         <a:t>input</a:t>
                       </a:r>
                       <a:r>
-                        <a:rPr lang="zh-CN" altLang="en-US" sz="1400">
+                        <a:rPr lang="zh-CN" altLang="en-US" sz="1200">
                           <a:sym typeface="+mn-ea"/>
                         </a:rPr>
                         <a:t>.avi -vf </a:t>
                       </a:r>
                       <a:r>
-                        <a:rPr lang="en-US" altLang="zh-CN" sz="1400">
+                        <a:rPr lang="en-US" altLang="zh-CN" sz="1200">
                           <a:sym typeface="+mn-ea"/>
                         </a:rPr>
                         <a:t>“ass=subtitle.ass”</a:t>
                       </a:r>
                       <a:r>
-                        <a:rPr lang="zh-CN" altLang="en-US" sz="1400">
+                        <a:rPr lang="zh-CN" altLang="en-US" sz="1200">
                           <a:sym typeface="+mn-ea"/>
                         </a:rPr>
                         <a:t> out</a:t>
                       </a:r>
                       <a:r>
-                        <a:rPr lang="en-US" altLang="zh-CN" sz="1400">
+                        <a:rPr lang="en-US" altLang="zh-CN" sz="1200">
                           <a:sym typeface="+mn-ea"/>
                         </a:rPr>
                         <a:t>put</a:t>
                       </a:r>
                       <a:r>
-                        <a:rPr lang="zh-CN" altLang="en-US" sz="1400">
+                        <a:rPr lang="zh-CN" altLang="en-US" sz="1200">
                           <a:sym typeface="+mn-ea"/>
                         </a:rPr>
                         <a:t>.avi</a:t>
                       </a:r>
-                      <a:endParaRPr lang="zh-CN" altLang="en-US" sz="1400">
+                      <a:endParaRPr lang="zh-CN" altLang="en-US" sz="1200">
                         <a:sym typeface="+mn-ea"/>
                       </a:endParaRPr>
                     </a:p>
@@ -6967,12 +7198,12 @@
                         <a:buNone/>
                       </a:pPr>
                       <a:r>
-                        <a:rPr lang="zh-CN" altLang="en-US" sz="1400">
+                        <a:rPr lang="zh-CN" altLang="en-US" sz="1200">
                           <a:sym typeface="+mn-ea"/>
                         </a:rPr>
                         <a:t>ffmpeg -i movie.mp4 -i subtitles.srt -map 0 -map 1 -c copy -c:v libx264 -crf 23 -preset veryfast output.mkv</a:t>
                       </a:r>
-                      <a:endParaRPr lang="zh-CN" altLang="en-US" sz="1400">
+                      <a:endParaRPr lang="zh-CN" altLang="en-US" sz="1200">
                         <a:sym typeface="+mn-ea"/>
                       </a:endParaRPr>
                     </a:p>
@@ -6986,7 +7217,81 @@
                       <a:pPr>
                         <a:buNone/>
                       </a:pPr>
-                      <a:endParaRPr lang="zh-CN" altLang="en-US" sz="1400"/>
+                      <a:endParaRPr lang="zh-CN" altLang="en-US" sz="1200"/>
+                    </a:p>
+                  </a:txBody>
+                  <a:tcPr/>
+                </a:tc>
+              </a:tr>
+              <a:tr h="640080">
+                <a:tc>
+                  <a:txBody>
+                    <a:bodyPr/>
+                    <a:p>
+                      <a:pPr>
+                        <a:buNone/>
+                      </a:pPr>
+                      <a:r>
+                        <a:rPr lang="en-US" altLang="zh-CN" sz="1200"/>
+                        <a:t>Extract audio from video</a:t>
+                      </a:r>
+                      <a:endParaRPr lang="en-US" altLang="zh-CN" sz="1200"/>
+                    </a:p>
+                  </a:txBody>
+                  <a:tcPr/>
+                </a:tc>
+                <a:tc>
+                  <a:txBody>
+                    <a:bodyPr/>
+                    <a:p>
+                      <a:pPr>
+                        <a:buNone/>
+                      </a:pPr>
+                      <a:r>
+                        <a:rPr lang="zh-CN" altLang="en-US" sz="1200"/>
+                        <a:t>ffmpeg -i input.mp4 -vn -ac 2 </a:t>
+                      </a:r>
+                      <a:r>
+                        <a:rPr lang="en-US" altLang="zh-CN" sz="1200"/>
+                        <a:t>-ab 187 </a:t>
+                      </a:r>
+                      <a:r>
+                        <a:rPr lang="zh-CN" altLang="en-US" sz="1200"/>
+                        <a:t>audio.wav</a:t>
+                      </a:r>
+                      <a:endParaRPr lang="zh-CN" altLang="en-US" sz="1200"/>
+                    </a:p>
+                    <a:p>
+                      <a:pPr>
+                        <a:buNone/>
+                      </a:pPr>
+                      <a:r>
+                        <a:rPr lang="en-US" altLang="zh-CN" sz="1200"/>
+                        <a:t>-ac  number of audio channels</a:t>
+                      </a:r>
+                      <a:endParaRPr lang="en-US" altLang="zh-CN" sz="1200"/>
+                    </a:p>
+                    <a:p>
+                      <a:pPr>
+                        <a:buNone/>
+                      </a:pPr>
+                      <a:r>
+                        <a:rPr lang="en-US" altLang="zh-CN" sz="1200"/>
+                        <a:t>-ab  audio bitrate in Kbps</a:t>
+                      </a:r>
+                      <a:endParaRPr lang="en-US" altLang="zh-CN" sz="1200"/>
+                    </a:p>
+                  </a:txBody>
+                  <a:tcPr/>
+                </a:tc>
+                <a:tc>
+                  <a:txBody>
+                    <a:bodyPr/>
+                    <a:p>
+                      <a:pPr>
+                        <a:buNone/>
+                      </a:pPr>
+                      <a:endParaRPr lang="zh-CN" altLang="en-US" sz="1200"/>
                     </a:p>
                   </a:txBody>
                   <a:tcPr/>
@@ -7001,54 +7306,30 @@
                         <a:buNone/>
                       </a:pPr>
                       <a:r>
-                        <a:rPr lang="en-US" altLang="zh-CN" sz="1400"/>
-                        <a:t>Extract audio from video</a:t>
-                      </a:r>
-                      <a:endParaRPr lang="en-US" altLang="zh-CN" sz="1400"/>
-                    </a:p>
-                  </a:txBody>
-                  <a:tcPr/>
-                </a:tc>
-                <a:tc>
-                  <a:txBody>
-                    <a:bodyPr/>
-                    <a:p>
-                      <a:pPr>
-                        <a:buNone/>
-                      </a:pPr>
-                      <a:r>
-                        <a:rPr lang="zh-CN" altLang="en-US" sz="1400"/>
-                        <a:t>ffmpeg -i input.mp4 -vn -ac 2 </a:t>
-                      </a:r>
-                      <a:r>
-                        <a:rPr lang="en-US" altLang="zh-CN" sz="1400"/>
-                        <a:t>-ab 187 </a:t>
-                      </a:r>
-                      <a:r>
-                        <a:rPr lang="zh-CN" altLang="en-US" sz="1400"/>
-                        <a:t>audio.wav</a:t>
-                      </a:r>
-                      <a:endParaRPr lang="zh-CN" altLang="en-US" sz="1400"/>
-                    </a:p>
-                    <a:p>
-                      <a:pPr>
-                        <a:buNone/>
-                      </a:pPr>
-                      <a:r>
-                        <a:rPr lang="en-US" altLang="zh-CN" sz="1400"/>
-                        <a:t>-ac  number of audio channels</a:t>
-                      </a:r>
-                      <a:endParaRPr lang="en-US" altLang="zh-CN" sz="1400"/>
-                    </a:p>
-                    <a:p>
-                      <a:pPr>
-                        <a:buNone/>
-                      </a:pPr>
-                      <a:r>
-                        <a:rPr lang="en-US" altLang="zh-CN" sz="1400"/>
-                        <a:t>-ab  audio bitrate in Kbps</a:t>
-                      </a:r>
-                      <a:endParaRPr lang="en-US" altLang="zh-CN" sz="1400"/>
+                        <a:rPr lang="en-US" altLang="zh-CN" sz="1200"/>
+                        <a:t>Merge audi</a:t>
+                      </a:r>
+                      <a:r>
+                        <a:rPr lang="en-US" altLang="zh-CN" sz="1200"/>
+                        <a:t>o and video</a:t>
+                      </a:r>
+                      <a:endParaRPr lang="en-US" altLang="zh-CN" sz="1200"/>
+                    </a:p>
+                  </a:txBody>
+                  <a:tcPr/>
+                </a:tc>
+                <a:tc>
+                  <a:txBody>
+                    <a:bodyPr/>
+                    <a:p>
+                      <a:pPr>
+                        <a:buNone/>
+                      </a:pPr>
+                      <a:r>
+                        <a:rPr lang="en-US" altLang="zh-CN" sz="1200"/>
+                        <a:t>ffmpeg -i audio.mp3 -i input.mp4 output.mp4</a:t>
+                      </a:r>
+                      <a:endParaRPr lang="en-US" altLang="zh-CN" sz="1200"/>
                     </a:p>
                   </a:txBody>
                   <a:tcPr/>
@@ -7075,42 +7356,50 @@
                         <a:buNone/>
                       </a:pPr>
                       <a:r>
-                        <a:rPr lang="en-US" altLang="zh-CN" sz="1400"/>
-                        <a:t>Merge audi</a:t>
-                      </a:r>
-                      <a:r>
-                        <a:rPr lang="en-US" altLang="zh-CN" sz="1400"/>
-                        <a:t>o and video</a:t>
-                      </a:r>
-                      <a:endParaRPr lang="en-US" altLang="zh-CN" sz="1400"/>
-                    </a:p>
-                  </a:txBody>
-                  <a:tcPr/>
-                </a:tc>
-                <a:tc>
-                  <a:txBody>
-                    <a:bodyPr/>
-                    <a:p>
-                      <a:pPr>
-                        <a:buNone/>
-                      </a:pPr>
-                      <a:r>
-                        <a:rPr lang="en-US" altLang="zh-CN" sz="1400"/>
-                        <a:t>ffmpeg -i audio.mp3 -i input.mp4 output.mp4</a:t>
-                      </a:r>
-                      <a:endParaRPr lang="en-US" altLang="zh-CN" sz="1400"/>
-                    </a:p>
-                  </a:txBody>
-                  <a:tcPr/>
-                </a:tc>
-                <a:tc>
-                  <a:txBody>
-                    <a:bodyPr/>
-                    <a:p>
-                      <a:pPr>
-                        <a:buNone/>
-                      </a:pPr>
-                      <a:endParaRPr lang="zh-CN" altLang="en-US" sz="1600"/>
+                        <a:rPr lang="en-US" altLang="zh-CN" sz="1200"/>
+                        <a:t>Remove audio from video</a:t>
+                      </a:r>
+                      <a:endParaRPr lang="en-US" altLang="zh-CN" sz="1200"/>
+                    </a:p>
+                  </a:txBody>
+                  <a:tcPr/>
+                </a:tc>
+                <a:tc>
+                  <a:txBody>
+                    <a:bodyPr/>
+                    <a:p>
+                      <a:pPr>
+                        <a:buNone/>
+                      </a:pPr>
+                      <a:r>
+                        <a:rPr lang="zh-CN" altLang="en-US" sz="1200"/>
+                        <a:t>ffmpeg -i </a:t>
+                      </a:r>
+                      <a:r>
+                        <a:rPr lang="en-US" altLang="zh-CN" sz="1200"/>
+                        <a:t>input</a:t>
+                      </a:r>
+                      <a:r>
+                        <a:rPr lang="zh-CN" altLang="en-US" sz="1200"/>
+                        <a:t>.avi -vcodec copy -an </a:t>
+                      </a:r>
+                      <a:r>
+                        <a:rPr lang="en-US" altLang="zh-CN" sz="1200"/>
+                        <a:t>output.avi</a:t>
+                      </a:r>
+                      <a:endParaRPr lang="en-US" altLang="zh-CN" sz="1200"/>
+                    </a:p>
+                  </a:txBody>
+                  <a:tcPr/>
+                </a:tc>
+                <a:tc>
+                  <a:txBody>
+                    <a:bodyPr/>
+                    <a:p>
+                      <a:pPr>
+                        <a:buNone/>
+                      </a:pPr>
+                      <a:endParaRPr lang="zh-CN" altLang="en-US" sz="1400"/>
                     </a:p>
                   </a:txBody>
                   <a:tcPr/>
@@ -7125,306 +7414,348 @@
                         <a:buNone/>
                       </a:pPr>
                       <a:r>
+                        <a:rPr lang="en-US" altLang="zh-CN" sz="1200"/>
+                        <a:t>Convert wav to mp3</a:t>
+                      </a:r>
+                      <a:endParaRPr lang="en-US" altLang="zh-CN" sz="1200"/>
+                    </a:p>
+                  </a:txBody>
+                  <a:tcPr/>
+                </a:tc>
+                <a:tc>
+                  <a:txBody>
+                    <a:bodyPr/>
+                    <a:p>
+                      <a:pPr>
+                        <a:buNone/>
+                      </a:pPr>
+                      <a:r>
+                        <a:rPr lang="en-US" altLang="zh-CN" sz="1200"/>
+                        <a:t>ffmpeg -i input.wav output.mp3</a:t>
+                      </a:r>
+                      <a:endParaRPr lang="en-US" altLang="zh-CN" sz="1200"/>
+                    </a:p>
+                  </a:txBody>
+                  <a:tcPr/>
+                </a:tc>
+                <a:tc>
+                  <a:txBody>
+                    <a:bodyPr/>
+                    <a:p>
+                      <a:pPr>
+                        <a:buNone/>
+                      </a:pPr>
+                      <a:endParaRPr lang="zh-CN" altLang="en-US" sz="1400"/>
+                    </a:p>
+                  </a:txBody>
+                  <a:tcPr/>
+                </a:tc>
+              </a:tr>
+              <a:tr h="304800">
+                <a:tc>
+                  <a:txBody>
+                    <a:bodyPr/>
+                    <a:p>
+                      <a:pPr>
+                        <a:buNone/>
+                      </a:pPr>
+                      <a:r>
+                        <a:rPr lang="en-US" altLang="zh-CN" sz="1200"/>
+                        <a:t>Change audio volume</a:t>
+                      </a:r>
+                      <a:endParaRPr lang="en-US" altLang="zh-CN" sz="1200"/>
+                    </a:p>
+                  </a:txBody>
+                  <a:tcPr/>
+                </a:tc>
+                <a:tc>
+                  <a:txBody>
+                    <a:bodyPr/>
+                    <a:p>
+                      <a:pPr>
+                        <a:buNone/>
+                      </a:pPr>
+                      <a:r>
+                        <a:rPr lang="en-US" altLang="zh-CN" sz="1200"/>
+                        <a:t>ffmpeg -i input.wav -af "volume=0.25" output.mp3</a:t>
+                      </a:r>
+                      <a:endParaRPr lang="en-US" altLang="zh-CN" sz="1200"/>
+                    </a:p>
+                  </a:txBody>
+                  <a:tcPr/>
+                </a:tc>
+                <a:tc>
+                  <a:txBody>
+                    <a:bodyPr/>
+                    <a:p>
+                      <a:pPr>
+                        <a:buNone/>
+                      </a:pPr>
+                      <a:endParaRPr lang="zh-CN" altLang="en-US" sz="1400"/>
+                    </a:p>
+                  </a:txBody>
+                  <a:tcPr/>
+                </a:tc>
+              </a:tr>
+              <a:tr h="304800">
+                <a:tc>
+                  <a:txBody>
+                    <a:bodyPr/>
+                    <a:p>
+                      <a:pPr>
+                        <a:buNone/>
+                      </a:pPr>
+                      <a:r>
+                        <a:rPr lang="en-US" altLang="zh-CN" sz="1200"/>
+                        <a:t>Fade in volume</a:t>
+                      </a:r>
+                      <a:endParaRPr lang="en-US" altLang="zh-CN" sz="1200"/>
+                    </a:p>
+                  </a:txBody>
+                  <a:tcPr/>
+                </a:tc>
+                <a:tc>
+                  <a:txBody>
+                    <a:bodyPr/>
+                    <a:p>
+                      <a:pPr>
+                        <a:buNone/>
+                      </a:pPr>
+                      <a:r>
+                        <a:rPr lang="en-US" altLang="zh-CN" sz="1200"/>
+                        <a:t>ffmpeg -y -i demo.wav -af "afade=t=in:ss=0:d=15" output.mp3</a:t>
+                      </a:r>
+                      <a:endParaRPr lang="en-US" altLang="zh-CN" sz="1200"/>
+                    </a:p>
+                  </a:txBody>
+                  <a:tcPr/>
+                </a:tc>
+                <a:tc>
+                  <a:txBody>
+                    <a:bodyPr/>
+                    <a:p>
+                      <a:pPr>
+                        <a:buNone/>
+                      </a:pPr>
+                      <a:endParaRPr lang="zh-CN" altLang="en-US" sz="1400"/>
+                    </a:p>
+                  </a:txBody>
+                  <a:tcPr/>
+                </a:tc>
+              </a:tr>
+              <a:tr h="304800">
+                <a:tc>
+                  <a:txBody>
+                    <a:bodyPr/>
+                    <a:p>
+                      <a:pPr>
+                        <a:buNone/>
+                      </a:pPr>
+                      <a:r>
+                        <a:rPr lang="en-US" altLang="zh-CN" sz="1200"/>
+                        <a:t>Reduce background noise</a:t>
+                      </a:r>
+                      <a:endParaRPr lang="en-US" altLang="zh-CN" sz="1200"/>
+                    </a:p>
+                  </a:txBody>
+                  <a:tcPr/>
+                </a:tc>
+                <a:tc>
+                  <a:txBody>
+                    <a:bodyPr/>
+                    <a:p>
+                      <a:pPr>
+                        <a:buNone/>
+                      </a:pPr>
+                      <a:r>
+                        <a:rPr lang="en-US" altLang="zh-CN" sz="1200"/>
+                        <a:t>ffmpeg -i input.wav -af "highpass=f=200, lowpass=f=3000" output.mp3</a:t>
+                      </a:r>
+                      <a:endParaRPr lang="en-US" altLang="zh-CN" sz="1200"/>
+                    </a:p>
+                  </a:txBody>
+                  <a:tcPr/>
+                </a:tc>
+                <a:tc>
+                  <a:txBody>
+                    <a:bodyPr/>
+                    <a:p>
+                      <a:pPr>
+                        <a:buNone/>
+                      </a:pPr>
+                      <a:r>
                         <a:rPr lang="en-US" altLang="zh-CN" sz="1400"/>
-                        <a:t>Remove audio from video</a:t>
+                        <a:t>[200Hz, 300Hz] is kept</a:t>
                       </a:r>
                       <a:endParaRPr lang="en-US" altLang="zh-CN" sz="1400"/>
                     </a:p>
                   </a:txBody>
                   <a:tcPr/>
                 </a:tc>
-                <a:tc>
-                  <a:txBody>
-                    <a:bodyPr/>
-                    <a:p>
-                      <a:pPr>
-                        <a:buNone/>
-                      </a:pPr>
-                      <a:r>
-                        <a:rPr lang="zh-CN" altLang="en-US" sz="1400"/>
-                        <a:t>ffmpeg -i </a:t>
-                      </a:r>
+              </a:tr>
+              <a:tr h="304800">
+                <a:tc>
+                  <a:txBody>
+                    <a:bodyPr/>
+                    <a:p>
+                      <a:pPr>
+                        <a:buNone/>
+                      </a:pPr>
+                      <a:r>
+                        <a:rPr lang="en-US" altLang="zh-CN" sz="1200"/>
+                        <a:t>Slow down audio by 2</a:t>
+                      </a:r>
+                      <a:endParaRPr lang="en-US" altLang="zh-CN" sz="1200"/>
+                    </a:p>
+                  </a:txBody>
+                  <a:tcPr/>
+                </a:tc>
+                <a:tc>
+                  <a:txBody>
+                    <a:bodyPr/>
+                    <a:p>
+                      <a:pPr>
+                        <a:buNone/>
+                      </a:pPr>
+                      <a:r>
+                        <a:rPr lang="en-US" altLang="zh-CN" sz="1200"/>
+                        <a:t>ffmpeg -i input.mp4 -filter:a "atempo=0.5" -vn output.aac</a:t>
+                      </a:r>
+                      <a:endParaRPr lang="en-US" altLang="zh-CN" sz="1200"/>
+                    </a:p>
+                  </a:txBody>
+                  <a:tcPr/>
+                </a:tc>
+                <a:tc>
+                  <a:txBody>
+                    <a:bodyPr/>
+                    <a:p>
+                      <a:pPr>
+                        <a:buNone/>
+                      </a:pPr>
                       <a:r>
                         <a:rPr lang="en-US" altLang="zh-CN" sz="1400"/>
-                        <a:t>input</a:t>
-                      </a:r>
-                      <a:r>
-                        <a:rPr lang="zh-CN" altLang="en-US" sz="1400"/>
-                        <a:t>.avi -vcodec copy -an </a:t>
-                      </a:r>
-                      <a:r>
-                        <a:rPr lang="en-US" altLang="zh-CN" sz="1400"/>
-                        <a:t>output.avi</a:t>
+                        <a:t>atempo: 0.5~2.0</a:t>
                       </a:r>
                       <a:endParaRPr lang="en-US" altLang="zh-CN" sz="1400"/>
                     </a:p>
                   </a:txBody>
                   <a:tcPr/>
                 </a:tc>
-                <a:tc>
-                  <a:txBody>
-                    <a:bodyPr/>
-                    <a:p>
-                      <a:pPr>
-                        <a:buNone/>
-                      </a:pPr>
-                      <a:endParaRPr lang="zh-CN" altLang="en-US" sz="1600"/>
-                    </a:p>
-                  </a:txBody>
-                  <a:tcPr/>
-                </a:tc>
               </a:tr>
-              <a:tr h="335280">
-                <a:tc>
-                  <a:txBody>
-                    <a:bodyPr/>
-                    <a:p>
-                      <a:pPr>
-                        <a:buNone/>
-                      </a:pPr>
-                      <a:r>
-                        <a:rPr lang="en-US" altLang="zh-CN" sz="1400"/>
-                        <a:t>Convert wav to mp3</a:t>
-                      </a:r>
-                      <a:endParaRPr lang="en-US" altLang="zh-CN" sz="1400"/>
-                    </a:p>
-                  </a:txBody>
-                  <a:tcPr/>
-                </a:tc>
-                <a:tc>
-                  <a:txBody>
-                    <a:bodyPr/>
-                    <a:p>
-                      <a:pPr>
-                        <a:buNone/>
-                      </a:pPr>
-                      <a:r>
-                        <a:rPr lang="en-US" altLang="zh-CN" sz="1400"/>
-                        <a:t>ffmpeg -i input.wav output.mp3</a:t>
-                      </a:r>
-                      <a:endParaRPr lang="en-US" altLang="zh-CN" sz="1400"/>
-                    </a:p>
-                  </a:txBody>
-                  <a:tcPr/>
-                </a:tc>
-                <a:tc>
-                  <a:txBody>
-                    <a:bodyPr/>
-                    <a:p>
-                      <a:pPr>
-                        <a:buNone/>
-                      </a:pPr>
-                      <a:endParaRPr lang="zh-CN" altLang="en-US" sz="1600"/>
+              <a:tr h="457200">
+                <a:tc>
+                  <a:txBody>
+                    <a:bodyPr/>
+                    <a:p>
+                      <a:pPr>
+                        <a:buNone/>
+                      </a:pPr>
+                      <a:r>
+                        <a:rPr lang="en-US" altLang="zh-CN" sz="1200"/>
+                        <a:t>Change audio codec</a:t>
+                      </a:r>
+                      <a:endParaRPr lang="en-US" altLang="zh-CN" sz="1200"/>
+                    </a:p>
+                  </a:txBody>
+                  <a:tcPr/>
+                </a:tc>
+                <a:tc>
+                  <a:txBody>
+                    <a:bodyPr/>
+                    <a:p>
+                      <a:pPr marL="0" lvl="2">
+                        <a:buNone/>
+                      </a:pPr>
+                      <a:r>
+                        <a:rPr lang="en-US" altLang="zh-CN" sz="1200"/>
+                        <a:t>ffmpeg -i in.mp4 -c:a aac out.mp4</a:t>
+                      </a:r>
+                      <a:endParaRPr lang="en-US" altLang="zh-CN" sz="1200"/>
+                    </a:p>
+                  </a:txBody>
+                  <a:tcPr/>
+                </a:tc>
+                <a:tc>
+                  <a:txBody>
+                    <a:bodyPr/>
+                    <a:p>
+                      <a:pPr>
+                        <a:buNone/>
+                      </a:pPr>
+                      <a:r>
+                        <a:rPr lang="en-US" altLang="zh-CN" sz="1200"/>
+                        <a:t>mp3-encoded video cannot play audio correctly in Mac/iOS</a:t>
+                      </a:r>
+                      <a:endParaRPr lang="en-US" altLang="zh-CN" sz="1200"/>
                     </a:p>
                   </a:txBody>
                   <a:tcPr/>
                 </a:tc>
               </a:tr>
-              <a:tr h="335280">
-                <a:tc>
-                  <a:txBody>
-                    <a:bodyPr/>
-                    <a:p>
-                      <a:pPr>
-                        <a:buNone/>
-                      </a:pPr>
-                      <a:r>
-                        <a:rPr lang="en-US" altLang="zh-CN" sz="1400"/>
-                        <a:t>Change audio volume</a:t>
-                      </a:r>
-                      <a:endParaRPr lang="en-US" altLang="zh-CN" sz="1400"/>
-                    </a:p>
-                  </a:txBody>
-                  <a:tcPr/>
-                </a:tc>
-                <a:tc>
-                  <a:txBody>
-                    <a:bodyPr/>
-                    <a:p>
-                      <a:pPr>
-                        <a:buNone/>
-                      </a:pPr>
-                      <a:r>
-                        <a:rPr lang="en-US" altLang="zh-CN" sz="1400"/>
-                        <a:t>ffmpeg -i input.wav -af "volume=0.25" output.mp3</a:t>
-                      </a:r>
-                      <a:endParaRPr lang="en-US" altLang="zh-CN" sz="1400"/>
-                    </a:p>
-                  </a:txBody>
-                  <a:tcPr/>
-                </a:tc>
-                <a:tc>
-                  <a:txBody>
-                    <a:bodyPr/>
-                    <a:p>
-                      <a:pPr>
-                        <a:buNone/>
-                      </a:pPr>
-                      <a:endParaRPr lang="zh-CN" altLang="en-US" sz="1600"/>
+              <a:tr h="274320">
+                <a:tc>
+                  <a:txBody>
+                    <a:bodyPr/>
+                    <a:p>
+                      <a:pPr>
+                        <a:buNone/>
+                      </a:pPr>
+                      <a:r>
+                        <a:rPr lang="en-US" altLang="zh-CN" sz="1200"/>
+                        <a:t>Change sample rate</a:t>
+                      </a:r>
+                      <a:endParaRPr lang="en-US" altLang="zh-CN" sz="1200"/>
+                    </a:p>
+                  </a:txBody>
+                  <a:tcPr/>
+                </a:tc>
+                <a:tc>
+                  <a:txBody>
+                    <a:bodyPr/>
+                    <a:p>
+                      <a:pPr marL="0" lvl="2">
+                        <a:buNone/>
+                      </a:pPr>
+                      <a:r>
+                        <a:rPr lang="en-US" altLang="zh-CN" sz="1200"/>
+                        <a:t>ffmpeg -i input.mp3 -ar 44100 output.mp3</a:t>
+                      </a:r>
+                      <a:endParaRPr lang="en-US" altLang="zh-CN" sz="1200"/>
+                    </a:p>
+                  </a:txBody>
+                  <a:tcPr/>
+                </a:tc>
+                <a:tc>
+                  <a:txBody>
+                    <a:bodyPr/>
+                    <a:p>
+                      <a:pPr>
+                        <a:buNone/>
+                      </a:pPr>
+                      <a:r>
+                        <a:rPr lang="en-US" altLang="zh-CN" sz="1200"/>
+                        <a:t>Change audio sample rate to 44K Hz</a:t>
+                      </a:r>
+                      <a:endParaRPr lang="en-US" altLang="zh-CN" sz="1200"/>
                     </a:p>
                   </a:txBody>
                   <a:tcPr/>
                 </a:tc>
               </a:tr>
-              <a:tr h="335280">
-                <a:tc>
-                  <a:txBody>
-                    <a:bodyPr/>
-                    <a:p>
-                      <a:pPr>
-                        <a:buNone/>
-                      </a:pPr>
-                      <a:r>
-                        <a:rPr lang="en-US" altLang="zh-CN" sz="1400"/>
-                        <a:t>Fade in volume</a:t>
-                      </a:r>
-                      <a:endParaRPr lang="en-US" altLang="zh-CN" sz="1400"/>
-                    </a:p>
-                  </a:txBody>
-                  <a:tcPr/>
-                </a:tc>
-                <a:tc>
-                  <a:txBody>
-                    <a:bodyPr/>
-                    <a:p>
-                      <a:pPr>
-                        <a:buNone/>
-                      </a:pPr>
-                      <a:r>
-                        <a:rPr lang="en-US" altLang="zh-CN" sz="1400"/>
-                        <a:t>ffmpeg -y -i demo.wav -af "afade=t=in:ss=0:d=15" output.mp3</a:t>
-                      </a:r>
-                      <a:endParaRPr lang="en-US" altLang="zh-CN" sz="1400"/>
-                    </a:p>
-                  </a:txBody>
-                  <a:tcPr/>
-                </a:tc>
-                <a:tc>
-                  <a:txBody>
-                    <a:bodyPr/>
-                    <a:p>
-                      <a:pPr>
-                        <a:buNone/>
-                      </a:pPr>
-                      <a:endParaRPr lang="zh-CN" altLang="en-US" sz="1600"/>
-                    </a:p>
-                  </a:txBody>
-                  <a:tcPr/>
-                </a:tc>
-              </a:tr>
-              <a:tr h="335280">
-                <a:tc>
-                  <a:txBody>
-                    <a:bodyPr/>
-                    <a:p>
-                      <a:pPr>
-                        <a:buNone/>
-                      </a:pPr>
-                      <a:r>
-                        <a:rPr lang="en-US" altLang="zh-CN" sz="1400"/>
-                        <a:t>Reduce background noise</a:t>
-                      </a:r>
-                      <a:endParaRPr lang="en-US" altLang="zh-CN" sz="1400"/>
-                    </a:p>
-                  </a:txBody>
-                  <a:tcPr/>
-                </a:tc>
-                <a:tc>
-                  <a:txBody>
-                    <a:bodyPr/>
-                    <a:p>
-                      <a:pPr>
-                        <a:buNone/>
-                      </a:pPr>
-                      <a:r>
-                        <a:rPr lang="en-US" altLang="zh-CN" sz="1400"/>
-                        <a:t>ffmpeg -i input.wav -af "highpass=f=200, lowpass=f=3000" output.mp3</a:t>
-                      </a:r>
-                      <a:endParaRPr lang="en-US" altLang="zh-CN" sz="1400"/>
-                    </a:p>
-                  </a:txBody>
-                  <a:tcPr/>
-                </a:tc>
-                <a:tc>
-                  <a:txBody>
-                    <a:bodyPr/>
-                    <a:p>
-                      <a:pPr>
-                        <a:buNone/>
-                      </a:pPr>
-                      <a:r>
-                        <a:rPr lang="en-US" altLang="zh-CN" sz="1600"/>
-                        <a:t>[200Hz, 300Hz] is kept</a:t>
-                      </a:r>
-                      <a:endParaRPr lang="en-US" altLang="zh-CN" sz="1600"/>
-                    </a:p>
-                  </a:txBody>
-                  <a:tcPr/>
-                </a:tc>
-              </a:tr>
-              <a:tr h="335280">
-                <a:tc>
-                  <a:txBody>
-                    <a:bodyPr/>
-                    <a:p>
-                      <a:pPr>
-                        <a:buNone/>
-                      </a:pPr>
-                      <a:r>
-                        <a:rPr lang="en-US" altLang="zh-CN" sz="1400"/>
-                        <a:t>Slow down audio by 2</a:t>
-                      </a:r>
-                      <a:endParaRPr lang="en-US" altLang="zh-CN" sz="1400"/>
-                    </a:p>
-                  </a:txBody>
-                  <a:tcPr/>
-                </a:tc>
-                <a:tc>
-                  <a:txBody>
-                    <a:bodyPr/>
-                    <a:p>
-                      <a:pPr>
-                        <a:buNone/>
-                      </a:pPr>
-                      <a:r>
-                        <a:rPr lang="en-US" altLang="zh-CN" sz="1400"/>
-                        <a:t>ffmpeg -i input.mp4 -filter:a "atempo=0.5" -vn output.aac</a:t>
-                      </a:r>
-                      <a:endParaRPr lang="en-US" altLang="zh-CN" sz="1400"/>
-                    </a:p>
-                  </a:txBody>
-                  <a:tcPr/>
-                </a:tc>
-                <a:tc>
-                  <a:txBody>
-                    <a:bodyPr/>
-                    <a:p>
-                      <a:pPr>
-                        <a:buNone/>
-                      </a:pPr>
-                      <a:r>
-                        <a:rPr lang="en-US" altLang="zh-CN" sz="1600"/>
-                        <a:t>atempo: 0.5~2.0</a:t>
-                      </a:r>
-                      <a:endParaRPr lang="en-US" altLang="zh-CN" sz="1600"/>
-                    </a:p>
-                  </a:txBody>
-                  <a:tcPr/>
-                </a:tc>
-              </a:tr>
-              <a:tr h="335280">
-                <a:tc>
-                  <a:txBody>
-                    <a:bodyPr/>
-                    <a:p>
-                      <a:pPr>
-                        <a:buNone/>
-                      </a:pPr>
-                      <a:r>
-                        <a:rPr lang="en-US" altLang="zh-CN" sz="1400"/>
-                        <a:t>Change audio codec</a:t>
-                      </a:r>
-                      <a:endParaRPr lang="en-US" altLang="zh-CN" sz="1400"/>
+              <a:tr h="274320">
+                <a:tc>
+                  <a:txBody>
+                    <a:bodyPr/>
+                    <a:p>
+                      <a:pPr>
+                        <a:buNone/>
+                      </a:pPr>
+                      <a:r>
+                        <a:rPr lang="en-US" altLang="zh-CN" sz="1200"/>
+                        <a:t>Concat two mp3 into one</a:t>
+                      </a:r>
+                      <a:endParaRPr lang="en-US" altLang="zh-CN" sz="1200"/>
                     </a:p>
                   </a:txBody>
                   <a:tcPr/>
@@ -7437,76 +7768,22 @@
                         <a:buNone/>
                       </a:pPr>
                       <a:r>
-                        <a:rPr lang="en-US" altLang="zh-CN" sz="1400"/>
-                        <a:t>ffmpeg -i in.mp4 -c:a aac out.mp4</a:t>
-                      </a:r>
-                      <a:endParaRPr lang="en-US" altLang="zh-CN" sz="1400"/>
-                    </a:p>
-                  </a:txBody>
-                  <a:tcPr/>
-                </a:tc>
-                <a:tc>
-                  <a:txBody>
-                    <a:bodyPr/>
-                    <a:p>
-                      <a:pPr>
-                        <a:buNone/>
-                      </a:pPr>
-                      <a:r>
-                        <a:rPr lang="en-US" altLang="zh-CN" sz="1400"/>
-                        <a:t>mp3-encoded video cannot play audio correctly in Mac/iOS</a:t>
-                      </a:r>
-                      <a:endParaRPr lang="en-US" altLang="zh-CN" sz="1400"/>
-                    </a:p>
-                  </a:txBody>
-                  <a:tcPr/>
-                </a:tc>
-              </a:tr>
-              <a:tr h="335280">
-                <a:tc>
-                  <a:txBody>
-                    <a:bodyPr/>
-                    <a:p>
-                      <a:pPr>
-                        <a:buNone/>
-                      </a:pPr>
-                      <a:r>
-                        <a:rPr lang="en-US" altLang="zh-CN" sz="1400"/>
-                        <a:t>Change sample rate</a:t>
-                      </a:r>
-                      <a:endParaRPr lang="en-US" altLang="zh-CN" sz="1400"/>
-                    </a:p>
-                  </a:txBody>
-                  <a:tcPr/>
-                </a:tc>
-                <a:tc>
-                  <a:txBody>
-                    <a:bodyPr/>
-                    <a:p>
-                      <a:pPr marL="0" lvl="2">
-                        <a:buNone/>
-                      </a:pPr>
-                      <a:r>
-                        <a:rPr lang="en-US" altLang="zh-CN" sz="1400"/>
-                        <a:t>ffmpeg -i input.mp3 -ar 44100 output.mp3</a:t>
-                      </a:r>
-                      <a:endParaRPr lang="en-US" altLang="zh-CN" sz="1400"/>
-                    </a:p>
-                  </a:txBody>
-                  <a:tcPr/>
-                </a:tc>
-                <a:tc>
-                  <a:txBody>
-                    <a:bodyPr/>
-                    <a:p>
-                      <a:pPr>
-                        <a:buNone/>
-                      </a:pPr>
-                      <a:r>
-                        <a:rPr lang="en-US" altLang="zh-CN" sz="1400"/>
-                        <a:t>Change audio sample rate to 44K Hz</a:t>
-                      </a:r>
-                      <a:endParaRPr lang="en-US" altLang="zh-CN" sz="1400"/>
+                        <a:rPr lang="en-US" altLang="zh-CN" sz="1200"/>
+                        <a:t>ffmpeg -i 1.mp3 -i 2.mp3 -filter_complex [0:a][1:a]concat=n=2:v=0:a=1 out.mp3</a:t>
+                      </a:r>
+                      <a:endParaRPr lang="en-US" altLang="zh-CN" sz="1200"/>
+                    </a:p>
+                  </a:txBody>
+                  <a:tcPr/>
+                </a:tc>
+                <a:tc>
+                  <a:txBody>
+                    <a:bodyPr/>
+                    <a:p>
+                      <a:pPr>
+                        <a:buNone/>
+                      </a:pPr>
+                      <a:endParaRPr lang="en-US" altLang="zh-CN" sz="1200"/>
                     </a:p>
                   </a:txBody>
                   <a:tcPr/>
@@ -13170,73 +13447,175 @@
         <p:spPr>
           <a:xfrm>
             <a:off x="838200" y="1211580"/>
-            <a:ext cx="6034405" cy="4549140"/>
+            <a:ext cx="6034405" cy="5286375"/>
           </a:xfrm>
         </p:spPr>
         <p:txBody>
-          <a:bodyPr/>
-          <a:p>
-            <a:r>
-              <a:rPr lang="en-US" altLang="zh-CN"/>
+          <a:bodyPr>
+            <a:normAutofit fontScale="70000"/>
+          </a:bodyPr>
+          <a:p>
+            <a:r>
+              <a:rPr lang="en-US" altLang="zh-CN" sz="2000"/>
               <a:t>MP4</a:t>
             </a:r>
-            <a:endParaRPr lang="en-US" altLang="zh-CN"/>
+            <a:endParaRPr lang="en-US" altLang="zh-CN" sz="2000"/>
           </a:p>
           <a:p>
             <a:pPr lvl="1"/>
             <a:r>
-              <a:rPr lang="en-US" altLang="zh-CN"/>
+              <a:rPr lang="en-US" altLang="zh-CN" sz="1800"/>
               <a:t>audio encoding: AAC, MP3</a:t>
             </a:r>
-            <a:endParaRPr lang="en-US" altLang="zh-CN"/>
+            <a:endParaRPr lang="en-US" altLang="zh-CN" sz="1800"/>
           </a:p>
           <a:p>
             <a:pPr lvl="1"/>
             <a:r>
-              <a:rPr lang="en-US" altLang="zh-CN"/>
+              <a:rPr lang="en-US" altLang="zh-CN" sz="1800"/>
               <a:t>video encoding: H.264 (AVC), H.265(HEVC)</a:t>
             </a:r>
-            <a:endParaRPr lang="en-US" altLang="zh-CN"/>
+            <a:endParaRPr lang="en-US" altLang="zh-CN" sz="1800"/>
           </a:p>
           <a:p>
             <a:pPr lvl="1"/>
             <a:r>
-              <a:rPr lang="en-US" altLang="zh-CN"/>
+              <a:rPr lang="en-US" altLang="zh-CN" sz="1800"/>
               <a:t>not royalty-free</a:t>
             </a:r>
-            <a:endParaRPr lang="en-US" altLang="zh-CN"/>
+            <a:endParaRPr lang="en-US" altLang="zh-CN" sz="1800"/>
           </a:p>
           <a:p>
             <a:pPr lvl="0"/>
             <a:r>
-              <a:rPr lang="en-US" altLang="zh-CN"/>
+              <a:rPr lang="en-US" altLang="zh-CN" sz="2000"/>
               <a:t>WebM</a:t>
             </a:r>
-            <a:endParaRPr lang="en-US" altLang="zh-CN"/>
+            <a:endParaRPr lang="en-US" altLang="zh-CN" sz="2000"/>
           </a:p>
           <a:p>
             <a:pPr lvl="1"/>
             <a:r>
-              <a:rPr lang="en-US" altLang="zh-CN"/>
+              <a:rPr lang="en-US" altLang="zh-CN" sz="1800"/>
               <a:t>audio encoding: Ogg Vorbis</a:t>
             </a:r>
-            <a:endParaRPr lang="en-US" altLang="zh-CN"/>
+            <a:endParaRPr lang="en-US" altLang="zh-CN" sz="1800"/>
           </a:p>
           <a:p>
             <a:pPr lvl="1"/>
             <a:r>
-              <a:rPr lang="en-US" altLang="zh-CN"/>
+              <a:rPr lang="en-US" altLang="zh-CN" sz="1800"/>
               <a:t>video encoding: VP8, VP9</a:t>
             </a:r>
-            <a:endParaRPr lang="en-US" altLang="zh-CN"/>
+            <a:endParaRPr lang="en-US" altLang="zh-CN" sz="1800"/>
           </a:p>
           <a:p>
             <a:pPr lvl="1"/>
             <a:r>
-              <a:rPr lang="en-US" altLang="zh-CN"/>
+              <a:rPr lang="en-US" altLang="zh-CN" sz="1800"/>
               <a:t>royalty-free</a:t>
             </a:r>
-            <a:endParaRPr lang="en-US" altLang="zh-CN"/>
+            <a:endParaRPr lang="en-US" altLang="zh-CN" sz="1800"/>
+          </a:p>
+          <a:p>
+            <a:pPr lvl="1"/>
+            <a:r>
+              <a:rPr lang="en-US" altLang="zh-CN" sz="1800"/>
+              <a:t>default audio encoder for WebM is libopus, but if it is not available libvorbis will be used instead</a:t>
+            </a:r>
+            <a:endParaRPr lang="en-US" altLang="zh-CN" sz="1800"/>
+          </a:p>
+          <a:p>
+            <a:pPr lvl="1"/>
+            <a:r>
+              <a:rPr lang="en-US" altLang="zh-CN" sz="1800"/>
+              <a:t>vp9</a:t>
+            </a:r>
+            <a:endParaRPr lang="en-US" altLang="zh-CN" sz="1800"/>
+          </a:p>
+          <a:p>
+            <a:pPr lvl="2"/>
+            <a:r>
+              <a:rPr lang="en-US" altLang="zh-CN" sz="1620"/>
+              <a:t>libvpx-vp9 is the VP9 video encoder for ​WebM</a:t>
+            </a:r>
+            <a:endParaRPr lang="en-US" altLang="zh-CN" sz="1620"/>
+          </a:p>
+          <a:p>
+            <a:pPr lvl="2"/>
+            <a:r>
+              <a:rPr lang="en-US" altLang="zh-CN" sz="1620"/>
+              <a:t>libvpx-vp9 can save about 20–50% bitrate compared to libx264 (the default H.264 encoder), while retaining the same visual quality.</a:t>
+            </a:r>
+            <a:endParaRPr lang="en-US" altLang="zh-CN" sz="1620"/>
+          </a:p>
+          <a:p>
+            <a:pPr lvl="2"/>
+            <a:r>
+              <a:rPr lang="en-US" altLang="zh-CN" sz="1620"/>
+              <a:t>To install FFmpeg with support for libvpx-vp9, compile FFmpeg with the --enable-libvpx option.</a:t>
+            </a:r>
+            <a:endParaRPr lang="en-US" altLang="zh-CN" sz="1620"/>
+          </a:p>
+          <a:p>
+            <a:pPr lvl="2"/>
+            <a:r>
+              <a:rPr lang="en-US" altLang="zh-CN" sz="1620"/>
+              <a:t>ffmpeg -i input.mp4 -c:v libvpx-vp9 -lossless 1 output.webm</a:t>
+            </a:r>
+            <a:endParaRPr lang="en-US" altLang="zh-CN" sz="1620"/>
+          </a:p>
+          <a:p>
+            <a:pPr lvl="1"/>
+            <a:r>
+              <a:rPr lang="en-US" altLang="zh-CN" sz="1800"/>
+              <a:t>vp8</a:t>
+            </a:r>
+            <a:endParaRPr lang="en-US" altLang="zh-CN" sz="1800"/>
+          </a:p>
+          <a:p>
+            <a:pPr lvl="2"/>
+            <a:r>
+              <a:rPr lang="en-US" altLang="zh-CN" sz="1620"/>
+              <a:t>libvpx is the VP8 video encoder for ​WebM</a:t>
+            </a:r>
+            <a:endParaRPr lang="en-US" altLang="zh-CN" sz="1620"/>
+          </a:p>
+          <a:p>
+            <a:pPr lvl="2"/>
+            <a:r>
+              <a:rPr lang="en-US" altLang="zh-CN" sz="1620">
+                <a:sym typeface="+mn-ea"/>
+              </a:rPr>
+              <a:t>--enable-libvpx</a:t>
+            </a:r>
+            <a:endParaRPr lang="en-US" altLang="zh-CN" sz="1620">
+              <a:sym typeface="+mn-ea"/>
+            </a:endParaRPr>
+          </a:p>
+          <a:p>
+            <a:pPr lvl="2"/>
+            <a:r>
+              <a:rPr lang="en-US" altLang="zh-CN" sz="1620"/>
+              <a:t>VP8 includes </a:t>
+            </a:r>
+            <a:r>
+              <a:rPr lang="en-US" altLang="zh-CN" sz="1620" b="1"/>
+              <a:t>alpha </a:t>
+            </a:r>
+            <a:r>
+              <a:rPr lang="en-US" altLang="zh-CN" sz="1620"/>
+              <a:t>channel support</a:t>
+            </a:r>
+            <a:endParaRPr lang="en-US" altLang="zh-CN" sz="1620"/>
+          </a:p>
+          <a:p>
+            <a:pPr lvl="3"/>
+            <a:r>
+              <a:rPr lang="en-US" altLang="zh-CN" sz="1620"/>
+              <a:t>ffmpeg -i %04d.png -c:v libvpx -pix_fmt yuva420p -metadata:s:v:0 alpha_mode="1" output.webm</a:t>
+            </a:r>
+            <a:endParaRPr lang="en-US" altLang="zh-CN" sz="1620"/>
           </a:p>
         </p:txBody>
       </p:sp>
@@ -13260,8 +13639,8 @@
         </p:blipFill>
         <p:spPr>
           <a:xfrm>
-            <a:off x="6907530" y="1183005"/>
-            <a:ext cx="5128895" cy="2505710"/>
+            <a:off x="7616825" y="360045"/>
+            <a:ext cx="3893185" cy="1901825"/>
           </a:xfrm>
           <a:prstGeom prst="rect">
             <a:avLst/>
@@ -13284,8 +13663,8 @@
         </p:blipFill>
         <p:spPr>
           <a:xfrm>
-            <a:off x="6938010" y="3924300"/>
-            <a:ext cx="5098415" cy="2812415"/>
+            <a:off x="7616825" y="2261870"/>
+            <a:ext cx="3893820" cy="2148205"/>
           </a:xfrm>
           <a:prstGeom prst="rect">
             <a:avLst/>
@@ -13308,8 +13687,8 @@
         </p:blipFill>
         <p:spPr>
           <a:xfrm>
-            <a:off x="1888490" y="4034790"/>
-            <a:ext cx="4632960" cy="2701925"/>
+            <a:off x="7616825" y="4410075"/>
+            <a:ext cx="3912870" cy="2282190"/>
           </a:xfrm>
           <a:prstGeom prst="rect">
             <a:avLst/>
@@ -14389,7 +14768,7 @@
 
 <file path=ppt/tags/tag22.xml><?xml version="1.0" encoding="utf-8"?>
 <p:tagLst xmlns:p="http://schemas.openxmlformats.org/presentationml/2006/main">
-  <p:tag name="KSO_WM_UNIT_TABLE_BEAUTIFY" val="smartTable{2dc12a42-f0f4-494b-9e17-d415920779dc}"/>
+  <p:tag name="KSO_WM_UNIT_TABLE_BEAUTIFY" val="smartTable{62123fe0-b76f-44af-aac0-069ed4ba829e}"/>
 </p:tagLst>
 </file>
 
@@ -14403,7 +14782,7 @@
 
 <file path=ppt/tags/tag24.xml><?xml version="1.0" encoding="utf-8"?>
 <p:tagLst xmlns:p="http://schemas.openxmlformats.org/presentationml/2006/main">
-  <p:tag name="KSO_WM_UNIT_TABLE_BEAUTIFY" val="smartTable{0f1fd94c-3197-4112-a061-28039cbed54b}"/>
+  <p:tag name="KSO_WM_UNIT_TABLE_BEAUTIFY" val="smartTable{2711d1cf-086a-4bb9-96e9-1aa874396d84}"/>
   <p:tag name="TABLE_ENDDRAG_ORIGIN_RECT" val="886*372"/>
   <p:tag name="TABLE_ENDDRAG_RECT" val="53*92*886*372"/>
 </p:tagLst>
@@ -14435,9 +14814,9 @@
 
 <file path=ppt/tags/tag28.xml><?xml version="1.0" encoding="utf-8"?>
 <p:tagLst xmlns:p="http://schemas.openxmlformats.org/presentationml/2006/main">
-  <p:tag name="KSO_WM_UNIT_TABLE_BEAUTIFY" val="smartTable{a8ef8be3-cc9c-4d18-9ded-adce915af36f}"/>
-  <p:tag name="TABLE_ENDDRAG_ORIGIN_RECT" val="886*301"/>
-  <p:tag name="TABLE_ENDDRAG_RECT" val="53*92*886*301"/>
+  <p:tag name="KSO_WM_UNIT_TABLE_BEAUTIFY" val="smartTable{193e1c89-daca-4f0a-b546-7c720581675c}"/>
+  <p:tag name="TABLE_ENDDRAG_ORIGIN_RECT" val="886*291"/>
+  <p:tag name="TABLE_ENDDRAG_RECT" val="53*92*886*291"/>
 </p:tagLst>
 </file>
 
